--- a/atCloud - Diseño - Interfaz de Usuario - Surtido.pptx
+++ b/atCloud - Diseño - Interfaz de Usuario - Surtido.pptx
@@ -8,13 +8,17 @@
     <p:sldId id="256" r:id="rId2"/>
     <p:sldId id="264" r:id="rId3"/>
     <p:sldId id="265" r:id="rId4"/>
-    <p:sldId id="266" r:id="rId5"/>
-    <p:sldId id="269" r:id="rId6"/>
-    <p:sldId id="267" r:id="rId7"/>
-    <p:sldId id="268" r:id="rId8"/>
-    <p:sldId id="272" r:id="rId9"/>
-    <p:sldId id="270" r:id="rId10"/>
-    <p:sldId id="273" r:id="rId11"/>
+    <p:sldId id="277" r:id="rId5"/>
+    <p:sldId id="266" r:id="rId6"/>
+    <p:sldId id="269" r:id="rId7"/>
+    <p:sldId id="267" r:id="rId8"/>
+    <p:sldId id="268" r:id="rId9"/>
+    <p:sldId id="272" r:id="rId10"/>
+    <p:sldId id="270" r:id="rId11"/>
+    <p:sldId id="273" r:id="rId12"/>
+    <p:sldId id="274" r:id="rId13"/>
+    <p:sldId id="275" r:id="rId14"/>
+    <p:sldId id="276" r:id="rId15"/>
   </p:sldIdLst>
   <p:sldSz cx="12192000" cy="6858000"/>
   <p:notesSz cx="6858000" cy="9144000"/>
@@ -270,7 +274,7 @@
           <a:p>
             <a:fld id="{DC7435B9-0E12-0B4F-AEAD-4257853CAF9C}" type="datetimeFigureOut">
               <a:rPr lang="es-ES_tradnl" smtClean="0"/>
-              <a:t>19/11/24</a:t>
+              <a:t>20/11/24</a:t>
             </a:fld>
             <a:endParaRPr lang="es-ES_tradnl"/>
           </a:p>
@@ -470,7 +474,7 @@
           <a:p>
             <a:fld id="{DC7435B9-0E12-0B4F-AEAD-4257853CAF9C}" type="datetimeFigureOut">
               <a:rPr lang="es-ES_tradnl" smtClean="0"/>
-              <a:t>19/11/24</a:t>
+              <a:t>20/11/24</a:t>
             </a:fld>
             <a:endParaRPr lang="es-ES_tradnl"/>
           </a:p>
@@ -680,7 +684,7 @@
           <a:p>
             <a:fld id="{DC7435B9-0E12-0B4F-AEAD-4257853CAF9C}" type="datetimeFigureOut">
               <a:rPr lang="es-ES_tradnl" smtClean="0"/>
-              <a:t>19/11/24</a:t>
+              <a:t>20/11/24</a:t>
             </a:fld>
             <a:endParaRPr lang="es-ES_tradnl"/>
           </a:p>
@@ -880,7 +884,7 @@
           <a:p>
             <a:fld id="{DC7435B9-0E12-0B4F-AEAD-4257853CAF9C}" type="datetimeFigureOut">
               <a:rPr lang="es-ES_tradnl" smtClean="0"/>
-              <a:t>19/11/24</a:t>
+              <a:t>20/11/24</a:t>
             </a:fld>
             <a:endParaRPr lang="es-ES_tradnl"/>
           </a:p>
@@ -1156,7 +1160,7 @@
           <a:p>
             <a:fld id="{DC7435B9-0E12-0B4F-AEAD-4257853CAF9C}" type="datetimeFigureOut">
               <a:rPr lang="es-ES_tradnl" smtClean="0"/>
-              <a:t>19/11/24</a:t>
+              <a:t>20/11/24</a:t>
             </a:fld>
             <a:endParaRPr lang="es-ES_tradnl"/>
           </a:p>
@@ -1424,7 +1428,7 @@
           <a:p>
             <a:fld id="{DC7435B9-0E12-0B4F-AEAD-4257853CAF9C}" type="datetimeFigureOut">
               <a:rPr lang="es-ES_tradnl" smtClean="0"/>
-              <a:t>19/11/24</a:t>
+              <a:t>20/11/24</a:t>
             </a:fld>
             <a:endParaRPr lang="es-ES_tradnl"/>
           </a:p>
@@ -1839,7 +1843,7 @@
           <a:p>
             <a:fld id="{DC7435B9-0E12-0B4F-AEAD-4257853CAF9C}" type="datetimeFigureOut">
               <a:rPr lang="es-ES_tradnl" smtClean="0"/>
-              <a:t>19/11/24</a:t>
+              <a:t>20/11/24</a:t>
             </a:fld>
             <a:endParaRPr lang="es-ES_tradnl"/>
           </a:p>
@@ -1981,7 +1985,7 @@
           <a:p>
             <a:fld id="{DC7435B9-0E12-0B4F-AEAD-4257853CAF9C}" type="datetimeFigureOut">
               <a:rPr lang="es-ES_tradnl" smtClean="0"/>
-              <a:t>19/11/24</a:t>
+              <a:t>20/11/24</a:t>
             </a:fld>
             <a:endParaRPr lang="es-ES_tradnl"/>
           </a:p>
@@ -2094,7 +2098,7 @@
           <a:p>
             <a:fld id="{DC7435B9-0E12-0B4F-AEAD-4257853CAF9C}" type="datetimeFigureOut">
               <a:rPr lang="es-ES_tradnl" smtClean="0"/>
-              <a:t>19/11/24</a:t>
+              <a:t>20/11/24</a:t>
             </a:fld>
             <a:endParaRPr lang="es-ES_tradnl"/>
           </a:p>
@@ -2407,7 +2411,7 @@
           <a:p>
             <a:fld id="{DC7435B9-0E12-0B4F-AEAD-4257853CAF9C}" type="datetimeFigureOut">
               <a:rPr lang="es-ES_tradnl" smtClean="0"/>
-              <a:t>19/11/24</a:t>
+              <a:t>20/11/24</a:t>
             </a:fld>
             <a:endParaRPr lang="es-ES_tradnl"/>
           </a:p>
@@ -2696,7 +2700,7 @@
           <a:p>
             <a:fld id="{DC7435B9-0E12-0B4F-AEAD-4257853CAF9C}" type="datetimeFigureOut">
               <a:rPr lang="es-ES_tradnl" smtClean="0"/>
-              <a:t>19/11/24</a:t>
+              <a:t>20/11/24</a:t>
             </a:fld>
             <a:endParaRPr lang="es-ES_tradnl"/>
           </a:p>
@@ -2939,7 +2943,7 @@
           <a:p>
             <a:fld id="{DC7435B9-0E12-0B4F-AEAD-4257853CAF9C}" type="datetimeFigureOut">
               <a:rPr lang="es-ES_tradnl" smtClean="0"/>
-              <a:t>19/11/24</a:t>
+              <a:t>20/11/24</a:t>
             </a:fld>
             <a:endParaRPr lang="es-ES_tradnl"/>
           </a:p>
@@ -3444,6 +3448,203 @@
         <p:cNvPr id="1" name="">
           <a:extLst>
             <a:ext uri="{FF2B5EF4-FFF2-40B4-BE49-F238E27FC236}">
+              <a16:creationId xmlns:a16="http://schemas.microsoft.com/office/drawing/2014/main" id="{FD473997-4CED-487C-A013-13A01A67A2A9}"/>
+            </a:ext>
+          </a:extLst>
+        </p:cNvPr>
+        <p:cNvGrpSpPr/>
+        <p:nvPr/>
+      </p:nvGrpSpPr>
+      <p:grpSpPr>
+        <a:xfrm>
+          <a:off x="0" y="0"/>
+          <a:ext cx="0" cy="0"/>
+          <a:chOff x="0" y="0"/>
+          <a:chExt cx="0" cy="0"/>
+        </a:xfrm>
+      </p:grpSpPr>
+      <p:sp>
+        <p:nvSpPr>
+          <p:cNvPr id="2" name="Title 1">
+            <a:extLst>
+              <a:ext uri="{FF2B5EF4-FFF2-40B4-BE49-F238E27FC236}">
+                <a16:creationId xmlns:a16="http://schemas.microsoft.com/office/drawing/2014/main" id="{0074348F-4163-DD21-3E9F-24263433D240}"/>
+              </a:ext>
+            </a:extLst>
+          </p:cNvPr>
+          <p:cNvSpPr>
+            <a:spLocks noGrp="1"/>
+          </p:cNvSpPr>
+          <p:nvPr>
+            <p:ph type="title"/>
+          </p:nvPr>
+        </p:nvSpPr>
+        <p:spPr>
+          <a:xfrm>
+            <a:off x="249623" y="123388"/>
+            <a:ext cx="10515600" cy="791013"/>
+          </a:xfrm>
+        </p:spPr>
+        <p:txBody>
+          <a:bodyPr/>
+          <a:lstStyle/>
+          <a:p>
+            <a:r>
+              <a:rPr lang="es-ES_tradnl" dirty="0"/>
+              <a:t>Surtido, </a:t>
+            </a:r>
+            <a:r>
+              <a:rPr lang="es-ES_tradnl" sz="3200" dirty="0"/>
+              <a:t>Fin Surtido</a:t>
+            </a:r>
+          </a:p>
+        </p:txBody>
+      </p:sp>
+      <p:sp>
+        <p:nvSpPr>
+          <p:cNvPr id="3" name="Content Placeholder 2">
+            <a:extLst>
+              <a:ext uri="{FF2B5EF4-FFF2-40B4-BE49-F238E27FC236}">
+                <a16:creationId xmlns:a16="http://schemas.microsoft.com/office/drawing/2014/main" id="{62CF10A6-E4F1-0CF0-EDEC-567322D2244D}"/>
+              </a:ext>
+            </a:extLst>
+          </p:cNvPr>
+          <p:cNvSpPr>
+            <a:spLocks noGrp="1"/>
+          </p:cNvSpPr>
+          <p:nvPr>
+            <p:ph idx="1"/>
+          </p:nvPr>
+        </p:nvSpPr>
+        <p:spPr>
+          <a:xfrm>
+            <a:off x="3594538" y="1072053"/>
+            <a:ext cx="8292661" cy="5548590"/>
+          </a:xfrm>
+        </p:spPr>
+        <p:txBody>
+          <a:bodyPr/>
+          <a:lstStyle/>
+          <a:p>
+            <a:r>
+              <a:rPr lang="es-ES_tradnl" dirty="0"/>
+              <a:t>Se terminan de Surtir todos los Detalles.</a:t>
+            </a:r>
+          </a:p>
+          <a:p>
+            <a:r>
+              <a:rPr lang="es-ES_tradnl" dirty="0"/>
+              <a:t>Se cierran todos los Bultos. Se cierran todos los Contenedores. Por último, se cierra el Transporte.</a:t>
+            </a:r>
+          </a:p>
+          <a:p>
+            <a:r>
+              <a:rPr lang="es-ES_tradnl" dirty="0"/>
+              <a:t>En el </a:t>
+            </a:r>
+            <a:r>
+              <a:rPr lang="es-ES_tradnl" sz="2600" i="1" dirty="0" err="1"/>
+              <a:t>backend</a:t>
+            </a:r>
+            <a:r>
+              <a:rPr lang="es-ES_tradnl" dirty="0"/>
+              <a:t> se actualiza el registro de </a:t>
+            </a:r>
+            <a:r>
+              <a:rPr lang="es-ES_tradnl" sz="2400" dirty="0" err="1">
+                <a:latin typeface="Consolas" panose="020B0609020204030204" pitchFamily="49" charset="0"/>
+                <a:cs typeface="Consolas" panose="020B0609020204030204" pitchFamily="49" charset="0"/>
+              </a:rPr>
+              <a:t>TransporteSurtido</a:t>
+            </a:r>
+            <a:r>
+              <a:rPr lang="es-ES_tradnl" dirty="0"/>
+              <a:t>. Se coloca el horario de </a:t>
+            </a:r>
+            <a:r>
+              <a:rPr lang="es-ES_tradnl" sz="2400" dirty="0" err="1">
+                <a:latin typeface="Consolas" panose="020B0609020204030204" pitchFamily="49" charset="0"/>
+                <a:cs typeface="Consolas" panose="020B0609020204030204" pitchFamily="49" charset="0"/>
+              </a:rPr>
+              <a:t>fefinsurtido</a:t>
+            </a:r>
+            <a:r>
+              <a:rPr lang="es-ES_tradnl" dirty="0"/>
+              <a:t>. Se coloca el horario de </a:t>
+            </a:r>
+            <a:r>
+              <a:rPr lang="es-ES_tradnl" sz="2400" dirty="0" err="1">
+                <a:latin typeface="Consolas" panose="020B0609020204030204" pitchFamily="49" charset="0"/>
+                <a:cs typeface="Consolas" panose="020B0609020204030204" pitchFamily="49" charset="0"/>
+              </a:rPr>
+              <a:t>fefintransporte</a:t>
+            </a:r>
+            <a:r>
+              <a:rPr lang="es-ES_tradnl" dirty="0"/>
+              <a:t>. Se coloca el estado ‘TE’ (terminado).</a:t>
+            </a:r>
+          </a:p>
+          <a:p>
+            <a:endParaRPr lang="es-ES_tradnl" dirty="0"/>
+          </a:p>
+          <a:p>
+            <a:endParaRPr lang="es-ES_tradnl" dirty="0"/>
+          </a:p>
+          <a:p>
+            <a:endParaRPr lang="es-ES_tradnl" dirty="0"/>
+          </a:p>
+        </p:txBody>
+      </p:sp>
+      <p:pic>
+        <p:nvPicPr>
+          <p:cNvPr id="5" name="Picture 4">
+            <a:extLst>
+              <a:ext uri="{FF2B5EF4-FFF2-40B4-BE49-F238E27FC236}">
+                <a16:creationId xmlns:a16="http://schemas.microsoft.com/office/drawing/2014/main" id="{F69D31E2-AE89-D831-F76C-792FC72C5096}"/>
+              </a:ext>
+            </a:extLst>
+          </p:cNvPr>
+          <p:cNvPicPr>
+            <a:picLocks noChangeAspect="1"/>
+          </p:cNvPicPr>
+          <p:nvPr/>
+        </p:nvPicPr>
+        <p:blipFill>
+          <a:blip r:embed="rId2"/>
+          <a:srcRect/>
+          <a:stretch/>
+        </p:blipFill>
+        <p:spPr>
+          <a:xfrm>
+            <a:off x="635309" y="1072055"/>
+            <a:ext cx="2699314" cy="5548589"/>
+          </a:xfrm>
+          <a:prstGeom prst="rect">
+            <a:avLst/>
+          </a:prstGeom>
+        </p:spPr>
+      </p:pic>
+    </p:spTree>
+    <p:extLst>
+      <p:ext uri="{BB962C8B-B14F-4D97-AF65-F5344CB8AC3E}">
+        <p14:creationId xmlns:p14="http://schemas.microsoft.com/office/powerpoint/2010/main" val="1861148085"/>
+      </p:ext>
+    </p:extLst>
+  </p:cSld>
+  <p:clrMapOvr>
+    <a:masterClrMapping/>
+  </p:clrMapOvr>
+</p:sld>
+</file>
+
+<file path=ppt/slides/slide11.xml><?xml version="1.0" encoding="utf-8"?>
+<p:sld xmlns:a="http://schemas.openxmlformats.org/drawingml/2006/main" xmlns:r="http://schemas.openxmlformats.org/officeDocument/2006/relationships" xmlns:p="http://schemas.openxmlformats.org/presentationml/2006/main">
+  <p:cSld>
+    <p:spTree>
+      <p:nvGrpSpPr>
+        <p:cNvPr id="1" name="">
+          <a:extLst>
+            <a:ext uri="{FF2B5EF4-FFF2-40B4-BE49-F238E27FC236}">
               <a16:creationId xmlns:a16="http://schemas.microsoft.com/office/drawing/2014/main" id="{B449E9AD-8286-40B2-94C6-CACEEF9DC43E}"/>
             </a:ext>
           </a:extLst>
@@ -3659,6 +3860,1854 @@
     <p:extLst>
       <p:ext uri="{BB962C8B-B14F-4D97-AF65-F5344CB8AC3E}">
         <p14:creationId xmlns:p14="http://schemas.microsoft.com/office/powerpoint/2010/main" val="1662200255"/>
+      </p:ext>
+    </p:extLst>
+  </p:cSld>
+  <p:clrMapOvr>
+    <a:masterClrMapping/>
+  </p:clrMapOvr>
+</p:sld>
+</file>
+
+<file path=ppt/slides/slide12.xml><?xml version="1.0" encoding="utf-8"?>
+<p:sld xmlns:a="http://schemas.openxmlformats.org/drawingml/2006/main" xmlns:r="http://schemas.openxmlformats.org/officeDocument/2006/relationships" xmlns:p="http://schemas.openxmlformats.org/presentationml/2006/main">
+  <p:cSld>
+    <p:spTree>
+      <p:nvGrpSpPr>
+        <p:cNvPr id="1" name=""/>
+        <p:cNvGrpSpPr/>
+        <p:nvPr/>
+      </p:nvGrpSpPr>
+      <p:grpSpPr>
+        <a:xfrm>
+          <a:off x="0" y="0"/>
+          <a:ext cx="0" cy="0"/>
+          <a:chOff x="0" y="0"/>
+          <a:chExt cx="0" cy="0"/>
+        </a:xfrm>
+      </p:grpSpPr>
+    </p:spTree>
+    <p:extLst>
+      <p:ext uri="{BB962C8B-B14F-4D97-AF65-F5344CB8AC3E}">
+        <p14:creationId xmlns:p14="http://schemas.microsoft.com/office/powerpoint/2010/main" val="3510524802"/>
+      </p:ext>
+    </p:extLst>
+  </p:cSld>
+  <p:clrMapOvr>
+    <a:masterClrMapping/>
+  </p:clrMapOvr>
+</p:sld>
+</file>
+
+<file path=ppt/slides/slide13.xml><?xml version="1.0" encoding="utf-8"?>
+<p:sld xmlns:a="http://schemas.openxmlformats.org/drawingml/2006/main" xmlns:r="http://schemas.openxmlformats.org/officeDocument/2006/relationships" xmlns:p="http://schemas.openxmlformats.org/presentationml/2006/main">
+  <p:cSld>
+    <p:spTree>
+      <p:nvGrpSpPr>
+        <p:cNvPr id="1" name="">
+          <a:extLst>
+            <a:ext uri="{FF2B5EF4-FFF2-40B4-BE49-F238E27FC236}">
+              <a16:creationId xmlns:a16="http://schemas.microsoft.com/office/drawing/2014/main" id="{7F6544C3-044C-F722-3575-B110F2AD74CD}"/>
+            </a:ext>
+          </a:extLst>
+        </p:cNvPr>
+        <p:cNvGrpSpPr/>
+        <p:nvPr/>
+      </p:nvGrpSpPr>
+      <p:grpSpPr>
+        <a:xfrm>
+          <a:off x="0" y="0"/>
+          <a:ext cx="0" cy="0"/>
+          <a:chOff x="0" y="0"/>
+          <a:chExt cx="0" cy="0"/>
+        </a:xfrm>
+      </p:grpSpPr>
+      <p:grpSp>
+        <p:nvGrpSpPr>
+          <p:cNvPr id="2" name="Group 1">
+            <a:extLst>
+              <a:ext uri="{FF2B5EF4-FFF2-40B4-BE49-F238E27FC236}">
+                <a16:creationId xmlns:a16="http://schemas.microsoft.com/office/drawing/2014/main" id="{7E0C7865-C9C7-E6E8-9CCE-2EC0AEDED45A}"/>
+              </a:ext>
+            </a:extLst>
+          </p:cNvPr>
+          <p:cNvGrpSpPr/>
+          <p:nvPr/>
+        </p:nvGrpSpPr>
+        <p:grpSpPr>
+          <a:xfrm>
+            <a:off x="493986" y="704196"/>
+            <a:ext cx="2735534" cy="5548589"/>
+            <a:chOff x="599089" y="1072055"/>
+            <a:chExt cx="2735534" cy="5548589"/>
+          </a:xfrm>
+        </p:grpSpPr>
+        <p:pic>
+          <p:nvPicPr>
+            <p:cNvPr id="3" name="Picture 2">
+              <a:extLst>
+                <a:ext uri="{FF2B5EF4-FFF2-40B4-BE49-F238E27FC236}">
+                  <a16:creationId xmlns:a16="http://schemas.microsoft.com/office/drawing/2014/main" id="{FD5D4CAE-AF67-F772-894C-9F58D58175A1}"/>
+                </a:ext>
+              </a:extLst>
+            </p:cNvPr>
+            <p:cNvPicPr>
+              <a:picLocks noChangeAspect="1"/>
+            </p:cNvPicPr>
+            <p:nvPr/>
+          </p:nvPicPr>
+          <p:blipFill>
+            <a:blip r:embed="rId2"/>
+            <a:srcRect/>
+            <a:stretch/>
+          </p:blipFill>
+          <p:spPr>
+            <a:xfrm>
+              <a:off x="635309" y="1072055"/>
+              <a:ext cx="2699314" cy="5548589"/>
+            </a:xfrm>
+            <a:prstGeom prst="rect">
+              <a:avLst/>
+            </a:prstGeom>
+          </p:spPr>
+        </p:pic>
+        <p:sp>
+          <p:nvSpPr>
+            <p:cNvPr id="4" name="TextBox 3">
+              <a:extLst>
+                <a:ext uri="{FF2B5EF4-FFF2-40B4-BE49-F238E27FC236}">
+                  <a16:creationId xmlns:a16="http://schemas.microsoft.com/office/drawing/2014/main" id="{7EC03C9A-B29E-5B16-F63A-95DAF6794BBF}"/>
+                </a:ext>
+              </a:extLst>
+            </p:cNvPr>
+            <p:cNvSpPr txBox="1"/>
+            <p:nvPr/>
+          </p:nvSpPr>
+          <p:spPr>
+            <a:xfrm>
+              <a:off x="599089" y="1618597"/>
+              <a:ext cx="1318438" cy="292388"/>
+            </a:xfrm>
+            <a:prstGeom prst="rect">
+              <a:avLst/>
+            </a:prstGeom>
+            <a:noFill/>
+          </p:spPr>
+          <p:txBody>
+            <a:bodyPr wrap="none" rtlCol="0">
+              <a:spAutoFit/>
+            </a:bodyPr>
+            <a:lstStyle/>
+            <a:p>
+              <a:r>
+                <a:rPr lang="es-ES_tradnl" sz="1300" dirty="0">
+                  <a:solidFill>
+                    <a:srgbClr val="FF0000"/>
+                  </a:solidFill>
+                </a:rPr>
+                <a:t>Abre Transporte</a:t>
+              </a:r>
+            </a:p>
+          </p:txBody>
+        </p:sp>
+        <p:sp>
+          <p:nvSpPr>
+            <p:cNvPr id="5" name="TextBox 4">
+              <a:extLst>
+                <a:ext uri="{FF2B5EF4-FFF2-40B4-BE49-F238E27FC236}">
+                  <a16:creationId xmlns:a16="http://schemas.microsoft.com/office/drawing/2014/main" id="{B9D09990-DC91-A0ED-03A0-86EA31B6A182}"/>
+                </a:ext>
+              </a:extLst>
+            </p:cNvPr>
+            <p:cNvSpPr txBox="1"/>
+            <p:nvPr/>
+          </p:nvSpPr>
+          <p:spPr>
+            <a:xfrm>
+              <a:off x="793529" y="1939160"/>
+              <a:ext cx="2309222" cy="276999"/>
+            </a:xfrm>
+            <a:prstGeom prst="rect">
+              <a:avLst/>
+            </a:prstGeom>
+            <a:noFill/>
+          </p:spPr>
+          <p:txBody>
+            <a:bodyPr wrap="none" rtlCol="0">
+              <a:spAutoFit/>
+            </a:bodyPr>
+            <a:lstStyle/>
+            <a:p>
+              <a:r>
+                <a:rPr lang="es-ES_tradnl" sz="1200" dirty="0"/>
+                <a:t>Transporte:</a:t>
+              </a:r>
+              <a:r>
+                <a:rPr lang="es-ES_tradnl" sz="1200" dirty="0">
+                  <a:solidFill>
+                    <a:srgbClr val="FF0000"/>
+                  </a:solidFill>
+                </a:rPr>
+                <a:t> ___________________</a:t>
+              </a:r>
+            </a:p>
+          </p:txBody>
+        </p:sp>
+        <p:pic>
+          <p:nvPicPr>
+            <p:cNvPr id="6" name="Picture 5" descr="A blue and white rectangles&#10;&#10;Description automatically generated">
+              <a:extLst>
+                <a:ext uri="{FF2B5EF4-FFF2-40B4-BE49-F238E27FC236}">
+                  <a16:creationId xmlns:a16="http://schemas.microsoft.com/office/drawing/2014/main" id="{4762D1D3-AD54-FA6C-9C88-A9B854378394}"/>
+                </a:ext>
+              </a:extLst>
+            </p:cNvPr>
+            <p:cNvPicPr>
+              <a:picLocks noChangeAspect="1"/>
+            </p:cNvPicPr>
+            <p:nvPr/>
+          </p:nvPicPr>
+          <p:blipFill>
+            <a:blip r:embed="rId3"/>
+            <a:stretch>
+              <a:fillRect/>
+            </a:stretch>
+          </p:blipFill>
+          <p:spPr>
+            <a:xfrm>
+              <a:off x="679411" y="2373814"/>
+              <a:ext cx="2590725" cy="331200"/>
+            </a:xfrm>
+            <a:prstGeom prst="rect">
+              <a:avLst/>
+            </a:prstGeom>
+          </p:spPr>
+        </p:pic>
+      </p:grpSp>
+      <p:grpSp>
+        <p:nvGrpSpPr>
+          <p:cNvPr id="49" name="Group 48">
+            <a:extLst>
+              <a:ext uri="{FF2B5EF4-FFF2-40B4-BE49-F238E27FC236}">
+                <a16:creationId xmlns:a16="http://schemas.microsoft.com/office/drawing/2014/main" id="{C29765C5-717D-3604-149B-F8DC4C6A44BD}"/>
+              </a:ext>
+            </a:extLst>
+          </p:cNvPr>
+          <p:cNvGrpSpPr/>
+          <p:nvPr/>
+        </p:nvGrpSpPr>
+        <p:grpSpPr>
+          <a:xfrm>
+            <a:off x="3360466" y="704196"/>
+            <a:ext cx="2735534" cy="5548589"/>
+            <a:chOff x="599089" y="1072055"/>
+            <a:chExt cx="2735534" cy="5548589"/>
+          </a:xfrm>
+        </p:grpSpPr>
+        <p:pic>
+          <p:nvPicPr>
+            <p:cNvPr id="50" name="Picture 49">
+              <a:extLst>
+                <a:ext uri="{FF2B5EF4-FFF2-40B4-BE49-F238E27FC236}">
+                  <a16:creationId xmlns:a16="http://schemas.microsoft.com/office/drawing/2014/main" id="{603C9C09-96E5-9EC3-D02E-B6A03D49BCCD}"/>
+                </a:ext>
+              </a:extLst>
+            </p:cNvPr>
+            <p:cNvPicPr>
+              <a:picLocks noChangeAspect="1"/>
+            </p:cNvPicPr>
+            <p:nvPr/>
+          </p:nvPicPr>
+          <p:blipFill>
+            <a:blip r:embed="rId2"/>
+            <a:srcRect/>
+            <a:stretch/>
+          </p:blipFill>
+          <p:spPr>
+            <a:xfrm>
+              <a:off x="635309" y="1072055"/>
+              <a:ext cx="2699314" cy="5548589"/>
+            </a:xfrm>
+            <a:prstGeom prst="rect">
+              <a:avLst/>
+            </a:prstGeom>
+          </p:spPr>
+        </p:pic>
+        <p:sp>
+          <p:nvSpPr>
+            <p:cNvPr id="51" name="TextBox 50">
+              <a:extLst>
+                <a:ext uri="{FF2B5EF4-FFF2-40B4-BE49-F238E27FC236}">
+                  <a16:creationId xmlns:a16="http://schemas.microsoft.com/office/drawing/2014/main" id="{C018D5A4-2FE6-5617-F739-7C59DADEAE5C}"/>
+                </a:ext>
+              </a:extLst>
+            </p:cNvPr>
+            <p:cNvSpPr txBox="1"/>
+            <p:nvPr/>
+          </p:nvSpPr>
+          <p:spPr>
+            <a:xfrm>
+              <a:off x="599089" y="1618597"/>
+              <a:ext cx="1277144" cy="292388"/>
+            </a:xfrm>
+            <a:prstGeom prst="rect">
+              <a:avLst/>
+            </a:prstGeom>
+            <a:noFill/>
+          </p:spPr>
+          <p:txBody>
+            <a:bodyPr wrap="none" rtlCol="0">
+              <a:spAutoFit/>
+            </a:bodyPr>
+            <a:lstStyle/>
+            <a:p>
+              <a:r>
+                <a:rPr lang="es-ES_tradnl" sz="1300" dirty="0">
+                  <a:solidFill>
+                    <a:srgbClr val="FF0000"/>
+                  </a:solidFill>
+                </a:rPr>
+                <a:t>Asigna Pedidos</a:t>
+              </a:r>
+            </a:p>
+          </p:txBody>
+        </p:sp>
+        <p:pic>
+          <p:nvPicPr>
+            <p:cNvPr id="52" name="Picture 51">
+              <a:extLst>
+                <a:ext uri="{FF2B5EF4-FFF2-40B4-BE49-F238E27FC236}">
+                  <a16:creationId xmlns:a16="http://schemas.microsoft.com/office/drawing/2014/main" id="{C93B9A60-B0D7-BA7F-6646-B0D66F2C33FB}"/>
+                </a:ext>
+              </a:extLst>
+            </p:cNvPr>
+            <p:cNvPicPr>
+              <a:picLocks noChangeAspect="1"/>
+            </p:cNvPicPr>
+            <p:nvPr/>
+          </p:nvPicPr>
+          <p:blipFill>
+            <a:blip r:embed="rId4"/>
+            <a:srcRect/>
+            <a:stretch/>
+          </p:blipFill>
+          <p:spPr>
+            <a:xfrm>
+              <a:off x="679413" y="2016465"/>
+              <a:ext cx="2590720" cy="331200"/>
+            </a:xfrm>
+            <a:prstGeom prst="rect">
+              <a:avLst/>
+            </a:prstGeom>
+          </p:spPr>
+        </p:pic>
+        <p:sp>
+          <p:nvSpPr>
+            <p:cNvPr id="53" name="TextBox 52">
+              <a:extLst>
+                <a:ext uri="{FF2B5EF4-FFF2-40B4-BE49-F238E27FC236}">
+                  <a16:creationId xmlns:a16="http://schemas.microsoft.com/office/drawing/2014/main" id="{D2ACA88C-8359-D1DE-ADB2-383FE34429D1}"/>
+                </a:ext>
+              </a:extLst>
+            </p:cNvPr>
+            <p:cNvSpPr txBox="1"/>
+            <p:nvPr/>
+          </p:nvSpPr>
+          <p:spPr>
+            <a:xfrm>
+              <a:off x="756745" y="2044264"/>
+              <a:ext cx="2438400" cy="276999"/>
+            </a:xfrm>
+            <a:prstGeom prst="rect">
+              <a:avLst/>
+            </a:prstGeom>
+            <a:noFill/>
+          </p:spPr>
+          <p:txBody>
+            <a:bodyPr wrap="square" rtlCol="0">
+              <a:spAutoFit/>
+            </a:bodyPr>
+            <a:lstStyle/>
+            <a:p>
+              <a:pPr algn="ctr"/>
+              <a:r>
+                <a:rPr lang="es-ES_tradnl" sz="1200" dirty="0">
+                  <a:solidFill>
+                    <a:schemeClr val="bg1"/>
+                  </a:solidFill>
+                </a:rPr>
+                <a:t>Asignar Pedidos</a:t>
+              </a:r>
+            </a:p>
+          </p:txBody>
+        </p:sp>
+      </p:grpSp>
+    </p:spTree>
+    <p:extLst>
+      <p:ext uri="{BB962C8B-B14F-4D97-AF65-F5344CB8AC3E}">
+        <p14:creationId xmlns:p14="http://schemas.microsoft.com/office/powerpoint/2010/main" val="3372291606"/>
+      </p:ext>
+    </p:extLst>
+  </p:cSld>
+  <p:clrMapOvr>
+    <a:masterClrMapping/>
+  </p:clrMapOvr>
+</p:sld>
+</file>
+
+<file path=ppt/slides/slide14.xml><?xml version="1.0" encoding="utf-8"?>
+<p:sld xmlns:a="http://schemas.openxmlformats.org/drawingml/2006/main" xmlns:r="http://schemas.openxmlformats.org/officeDocument/2006/relationships" xmlns:p="http://schemas.openxmlformats.org/presentationml/2006/main">
+  <p:cSld>
+    <p:spTree>
+      <p:nvGrpSpPr>
+        <p:cNvPr id="1" name="">
+          <a:extLst>
+            <a:ext uri="{FF2B5EF4-FFF2-40B4-BE49-F238E27FC236}">
+              <a16:creationId xmlns:a16="http://schemas.microsoft.com/office/drawing/2014/main" id="{F458E1B1-1539-24AA-8998-733455A2E99A}"/>
+            </a:ext>
+          </a:extLst>
+        </p:cNvPr>
+        <p:cNvGrpSpPr/>
+        <p:nvPr/>
+      </p:nvGrpSpPr>
+      <p:grpSpPr>
+        <a:xfrm>
+          <a:off x="0" y="0"/>
+          <a:ext cx="0" cy="0"/>
+          <a:chOff x="0" y="0"/>
+          <a:chExt cx="0" cy="0"/>
+        </a:xfrm>
+      </p:grpSpPr>
+      <p:grpSp>
+        <p:nvGrpSpPr>
+          <p:cNvPr id="7" name="Group 6">
+            <a:extLst>
+              <a:ext uri="{FF2B5EF4-FFF2-40B4-BE49-F238E27FC236}">
+                <a16:creationId xmlns:a16="http://schemas.microsoft.com/office/drawing/2014/main" id="{2F37EB76-D12F-35BB-8C2D-2A8B7C858F8A}"/>
+              </a:ext>
+            </a:extLst>
+          </p:cNvPr>
+          <p:cNvGrpSpPr/>
+          <p:nvPr/>
+        </p:nvGrpSpPr>
+        <p:grpSpPr>
+          <a:xfrm>
+            <a:off x="3412136" y="704196"/>
+            <a:ext cx="2740788" cy="5548589"/>
+            <a:chOff x="593835" y="1072055"/>
+            <a:chExt cx="2740788" cy="5548589"/>
+          </a:xfrm>
+        </p:grpSpPr>
+        <p:pic>
+          <p:nvPicPr>
+            <p:cNvPr id="8" name="Picture 7">
+              <a:extLst>
+                <a:ext uri="{FF2B5EF4-FFF2-40B4-BE49-F238E27FC236}">
+                  <a16:creationId xmlns:a16="http://schemas.microsoft.com/office/drawing/2014/main" id="{805D1028-3C82-DBAE-3CBE-E2E7D2F53CB2}"/>
+                </a:ext>
+              </a:extLst>
+            </p:cNvPr>
+            <p:cNvPicPr>
+              <a:picLocks noChangeAspect="1"/>
+            </p:cNvPicPr>
+            <p:nvPr/>
+          </p:nvPicPr>
+          <p:blipFill>
+            <a:blip r:embed="rId2"/>
+            <a:srcRect/>
+            <a:stretch/>
+          </p:blipFill>
+          <p:spPr>
+            <a:xfrm>
+              <a:off x="635309" y="1072055"/>
+              <a:ext cx="2699314" cy="5548589"/>
+            </a:xfrm>
+            <a:prstGeom prst="rect">
+              <a:avLst/>
+            </a:prstGeom>
+          </p:spPr>
+        </p:pic>
+        <p:grpSp>
+          <p:nvGrpSpPr>
+            <p:cNvPr id="9" name="Group 8">
+              <a:extLst>
+                <a:ext uri="{FF2B5EF4-FFF2-40B4-BE49-F238E27FC236}">
+                  <a16:creationId xmlns:a16="http://schemas.microsoft.com/office/drawing/2014/main" id="{B8BC9666-29C3-0CA9-A777-A0F985DB1067}"/>
+                </a:ext>
+              </a:extLst>
+            </p:cNvPr>
+            <p:cNvGrpSpPr/>
+            <p:nvPr/>
+          </p:nvGrpSpPr>
+          <p:grpSpPr>
+            <a:xfrm>
+              <a:off x="599089" y="1618597"/>
+              <a:ext cx="2661104" cy="838930"/>
+              <a:chOff x="599089" y="1618597"/>
+              <a:chExt cx="2661104" cy="838930"/>
+            </a:xfrm>
+          </p:grpSpPr>
+          <p:sp>
+            <p:nvSpPr>
+              <p:cNvPr id="24" name="TextBox 23">
+                <a:extLst>
+                  <a:ext uri="{FF2B5EF4-FFF2-40B4-BE49-F238E27FC236}">
+                    <a16:creationId xmlns:a16="http://schemas.microsoft.com/office/drawing/2014/main" id="{6C2ED07B-12CA-5966-A0F1-9764AA83EBCB}"/>
+                  </a:ext>
+                </a:extLst>
+              </p:cNvPr>
+              <p:cNvSpPr txBox="1"/>
+              <p:nvPr/>
+            </p:nvSpPr>
+            <p:spPr>
+              <a:xfrm>
+                <a:off x="599089" y="1618597"/>
+                <a:ext cx="803553" cy="292388"/>
+              </a:xfrm>
+              <a:prstGeom prst="rect">
+                <a:avLst/>
+              </a:prstGeom>
+              <a:noFill/>
+            </p:spPr>
+            <p:txBody>
+              <a:bodyPr wrap="none" rtlCol="0">
+                <a:spAutoFit/>
+              </a:bodyPr>
+              <a:lstStyle/>
+              <a:p>
+                <a:r>
+                  <a:rPr lang="es-ES_tradnl" sz="1300" dirty="0">
+                    <a:solidFill>
+                      <a:srgbClr val="FF0000"/>
+                    </a:solidFill>
+                  </a:rPr>
+                  <a:t>Pedido 1</a:t>
+                </a:r>
+              </a:p>
+            </p:txBody>
+          </p:sp>
+          <p:sp>
+            <p:nvSpPr>
+              <p:cNvPr id="25" name="Rectangle 24">
+                <a:extLst>
+                  <a:ext uri="{FF2B5EF4-FFF2-40B4-BE49-F238E27FC236}">
+                    <a16:creationId xmlns:a16="http://schemas.microsoft.com/office/drawing/2014/main" id="{75AB6B76-B703-F339-F275-7C44CB53CD23}"/>
+                  </a:ext>
+                </a:extLst>
+              </p:cNvPr>
+              <p:cNvSpPr/>
+              <p:nvPr/>
+            </p:nvSpPr>
+            <p:spPr>
+              <a:xfrm>
+                <a:off x="704193" y="1910985"/>
+                <a:ext cx="2556000" cy="546542"/>
+              </a:xfrm>
+              <a:prstGeom prst="rect">
+                <a:avLst/>
+              </a:prstGeom>
+              <a:noFill/>
+              <a:ln w="3175"/>
+            </p:spPr>
+            <p:style>
+              <a:lnRef idx="2">
+                <a:schemeClr val="accent1">
+                  <a:shade val="15000"/>
+                </a:schemeClr>
+              </a:lnRef>
+              <a:fillRef idx="1">
+                <a:schemeClr val="accent1"/>
+              </a:fillRef>
+              <a:effectRef idx="0">
+                <a:schemeClr val="accent1"/>
+              </a:effectRef>
+              <a:fontRef idx="minor">
+                <a:schemeClr val="lt1"/>
+              </a:fontRef>
+            </p:style>
+            <p:txBody>
+              <a:bodyPr rtlCol="0" anchor="ctr"/>
+              <a:lstStyle/>
+              <a:p>
+                <a:pPr algn="ctr"/>
+                <a:endParaRPr lang="es-ES_tradnl"/>
+              </a:p>
+            </p:txBody>
+          </p:sp>
+          <p:pic>
+            <p:nvPicPr>
+              <p:cNvPr id="26" name="Picture 25">
+                <a:extLst>
+                  <a:ext uri="{FF2B5EF4-FFF2-40B4-BE49-F238E27FC236}">
+                    <a16:creationId xmlns:a16="http://schemas.microsoft.com/office/drawing/2014/main" id="{9950847D-309B-5A7F-ED62-53939DE50EBA}"/>
+                  </a:ext>
+                </a:extLst>
+              </p:cNvPr>
+              <p:cNvPicPr>
+                <a:picLocks noChangeAspect="1"/>
+              </p:cNvPicPr>
+              <p:nvPr/>
+            </p:nvPicPr>
+            <p:blipFill>
+              <a:blip r:embed="rId3"/>
+              <a:stretch>
+                <a:fillRect/>
+              </a:stretch>
+            </p:blipFill>
+            <p:spPr>
+              <a:xfrm>
+                <a:off x="2912927" y="2152727"/>
+                <a:ext cx="304800" cy="304800"/>
+              </a:xfrm>
+              <a:prstGeom prst="rect">
+                <a:avLst/>
+              </a:prstGeom>
+            </p:spPr>
+          </p:pic>
+        </p:grpSp>
+        <p:grpSp>
+          <p:nvGrpSpPr>
+            <p:cNvPr id="10" name="Group 9">
+              <a:extLst>
+                <a:ext uri="{FF2B5EF4-FFF2-40B4-BE49-F238E27FC236}">
+                  <a16:creationId xmlns:a16="http://schemas.microsoft.com/office/drawing/2014/main" id="{3AD3F1D6-6C58-5313-D24B-4DDDBC7C5D8B}"/>
+                </a:ext>
+              </a:extLst>
+            </p:cNvPr>
+            <p:cNvGrpSpPr/>
+            <p:nvPr/>
+          </p:nvGrpSpPr>
+          <p:grpSpPr>
+            <a:xfrm>
+              <a:off x="593839" y="2485698"/>
+              <a:ext cx="2661104" cy="838930"/>
+              <a:chOff x="599089" y="1618597"/>
+              <a:chExt cx="2661104" cy="838930"/>
+            </a:xfrm>
+          </p:grpSpPr>
+          <p:sp>
+            <p:nvSpPr>
+              <p:cNvPr id="21" name="TextBox 20">
+                <a:extLst>
+                  <a:ext uri="{FF2B5EF4-FFF2-40B4-BE49-F238E27FC236}">
+                    <a16:creationId xmlns:a16="http://schemas.microsoft.com/office/drawing/2014/main" id="{A1C9EC1E-B836-CAD2-F6A9-BD677863D104}"/>
+                  </a:ext>
+                </a:extLst>
+              </p:cNvPr>
+              <p:cNvSpPr txBox="1"/>
+              <p:nvPr/>
+            </p:nvSpPr>
+            <p:spPr>
+              <a:xfrm>
+                <a:off x="599089" y="1618597"/>
+                <a:ext cx="803553" cy="292388"/>
+              </a:xfrm>
+              <a:prstGeom prst="rect">
+                <a:avLst/>
+              </a:prstGeom>
+              <a:noFill/>
+            </p:spPr>
+            <p:txBody>
+              <a:bodyPr wrap="none" rtlCol="0">
+                <a:spAutoFit/>
+              </a:bodyPr>
+              <a:lstStyle/>
+              <a:p>
+                <a:r>
+                  <a:rPr lang="es-ES_tradnl" sz="1300" dirty="0">
+                    <a:solidFill>
+                      <a:srgbClr val="FF0000"/>
+                    </a:solidFill>
+                  </a:rPr>
+                  <a:t>Pedido 2</a:t>
+                </a:r>
+              </a:p>
+            </p:txBody>
+          </p:sp>
+          <p:sp>
+            <p:nvSpPr>
+              <p:cNvPr id="22" name="Rectangle 21">
+                <a:extLst>
+                  <a:ext uri="{FF2B5EF4-FFF2-40B4-BE49-F238E27FC236}">
+                    <a16:creationId xmlns:a16="http://schemas.microsoft.com/office/drawing/2014/main" id="{FD834046-7AF7-5DF6-4485-3C99DE393323}"/>
+                  </a:ext>
+                </a:extLst>
+              </p:cNvPr>
+              <p:cNvSpPr/>
+              <p:nvPr/>
+            </p:nvSpPr>
+            <p:spPr>
+              <a:xfrm>
+                <a:off x="704193" y="1910985"/>
+                <a:ext cx="2556000" cy="546542"/>
+              </a:xfrm>
+              <a:prstGeom prst="rect">
+                <a:avLst/>
+              </a:prstGeom>
+              <a:noFill/>
+              <a:ln w="3175"/>
+            </p:spPr>
+            <p:style>
+              <a:lnRef idx="2">
+                <a:schemeClr val="accent1">
+                  <a:shade val="15000"/>
+                </a:schemeClr>
+              </a:lnRef>
+              <a:fillRef idx="1">
+                <a:schemeClr val="accent1"/>
+              </a:fillRef>
+              <a:effectRef idx="0">
+                <a:schemeClr val="accent1"/>
+              </a:effectRef>
+              <a:fontRef idx="minor">
+                <a:schemeClr val="lt1"/>
+              </a:fontRef>
+            </p:style>
+            <p:txBody>
+              <a:bodyPr rtlCol="0" anchor="ctr"/>
+              <a:lstStyle/>
+              <a:p>
+                <a:pPr algn="ctr"/>
+                <a:endParaRPr lang="es-ES_tradnl"/>
+              </a:p>
+            </p:txBody>
+          </p:sp>
+          <p:pic>
+            <p:nvPicPr>
+              <p:cNvPr id="23" name="Picture 22">
+                <a:extLst>
+                  <a:ext uri="{FF2B5EF4-FFF2-40B4-BE49-F238E27FC236}">
+                    <a16:creationId xmlns:a16="http://schemas.microsoft.com/office/drawing/2014/main" id="{252EC5F8-FD93-7C60-2C1F-3E01921BB763}"/>
+                  </a:ext>
+                </a:extLst>
+              </p:cNvPr>
+              <p:cNvPicPr>
+                <a:picLocks noChangeAspect="1"/>
+              </p:cNvPicPr>
+              <p:nvPr/>
+            </p:nvPicPr>
+            <p:blipFill>
+              <a:blip r:embed="rId3"/>
+              <a:stretch>
+                <a:fillRect/>
+              </a:stretch>
+            </p:blipFill>
+            <p:spPr>
+              <a:xfrm>
+                <a:off x="2912927" y="2152727"/>
+                <a:ext cx="304800" cy="304800"/>
+              </a:xfrm>
+              <a:prstGeom prst="rect">
+                <a:avLst/>
+              </a:prstGeom>
+            </p:spPr>
+          </p:pic>
+        </p:grpSp>
+        <p:grpSp>
+          <p:nvGrpSpPr>
+            <p:cNvPr id="11" name="Group 10">
+              <a:extLst>
+                <a:ext uri="{FF2B5EF4-FFF2-40B4-BE49-F238E27FC236}">
+                  <a16:creationId xmlns:a16="http://schemas.microsoft.com/office/drawing/2014/main" id="{A4813D0E-466F-7855-FA5F-841EF2B5FB23}"/>
+                </a:ext>
+              </a:extLst>
+            </p:cNvPr>
+            <p:cNvGrpSpPr/>
+            <p:nvPr/>
+          </p:nvGrpSpPr>
+          <p:grpSpPr>
+            <a:xfrm>
+              <a:off x="593835" y="3368560"/>
+              <a:ext cx="2661104" cy="838930"/>
+              <a:chOff x="599089" y="1618597"/>
+              <a:chExt cx="2661104" cy="838930"/>
+            </a:xfrm>
+          </p:grpSpPr>
+          <p:sp>
+            <p:nvSpPr>
+              <p:cNvPr id="18" name="TextBox 17">
+                <a:extLst>
+                  <a:ext uri="{FF2B5EF4-FFF2-40B4-BE49-F238E27FC236}">
+                    <a16:creationId xmlns:a16="http://schemas.microsoft.com/office/drawing/2014/main" id="{5319D66D-1B6E-11E4-CB59-D96773A5636D}"/>
+                  </a:ext>
+                </a:extLst>
+              </p:cNvPr>
+              <p:cNvSpPr txBox="1"/>
+              <p:nvPr/>
+            </p:nvSpPr>
+            <p:spPr>
+              <a:xfrm>
+                <a:off x="599089" y="1618597"/>
+                <a:ext cx="803553" cy="292388"/>
+              </a:xfrm>
+              <a:prstGeom prst="rect">
+                <a:avLst/>
+              </a:prstGeom>
+              <a:noFill/>
+            </p:spPr>
+            <p:txBody>
+              <a:bodyPr wrap="none" rtlCol="0">
+                <a:spAutoFit/>
+              </a:bodyPr>
+              <a:lstStyle/>
+              <a:p>
+                <a:r>
+                  <a:rPr lang="es-ES_tradnl" sz="1300" dirty="0">
+                    <a:solidFill>
+                      <a:srgbClr val="FF0000"/>
+                    </a:solidFill>
+                  </a:rPr>
+                  <a:t>Pedido 3</a:t>
+                </a:r>
+              </a:p>
+            </p:txBody>
+          </p:sp>
+          <p:sp>
+            <p:nvSpPr>
+              <p:cNvPr id="19" name="Rectangle 18">
+                <a:extLst>
+                  <a:ext uri="{FF2B5EF4-FFF2-40B4-BE49-F238E27FC236}">
+                    <a16:creationId xmlns:a16="http://schemas.microsoft.com/office/drawing/2014/main" id="{A589EC84-64C7-B5E6-EADE-BE6441293A82}"/>
+                  </a:ext>
+                </a:extLst>
+              </p:cNvPr>
+              <p:cNvSpPr/>
+              <p:nvPr/>
+            </p:nvSpPr>
+            <p:spPr>
+              <a:xfrm>
+                <a:off x="704193" y="1910985"/>
+                <a:ext cx="2556000" cy="546542"/>
+              </a:xfrm>
+              <a:prstGeom prst="rect">
+                <a:avLst/>
+              </a:prstGeom>
+              <a:noFill/>
+              <a:ln w="3175"/>
+            </p:spPr>
+            <p:style>
+              <a:lnRef idx="2">
+                <a:schemeClr val="accent1">
+                  <a:shade val="15000"/>
+                </a:schemeClr>
+              </a:lnRef>
+              <a:fillRef idx="1">
+                <a:schemeClr val="accent1"/>
+              </a:fillRef>
+              <a:effectRef idx="0">
+                <a:schemeClr val="accent1"/>
+              </a:effectRef>
+              <a:fontRef idx="minor">
+                <a:schemeClr val="lt1"/>
+              </a:fontRef>
+            </p:style>
+            <p:txBody>
+              <a:bodyPr rtlCol="0" anchor="ctr"/>
+              <a:lstStyle/>
+              <a:p>
+                <a:pPr algn="ctr"/>
+                <a:endParaRPr lang="es-ES_tradnl"/>
+              </a:p>
+            </p:txBody>
+          </p:sp>
+          <p:pic>
+            <p:nvPicPr>
+              <p:cNvPr id="20" name="Picture 19">
+                <a:extLst>
+                  <a:ext uri="{FF2B5EF4-FFF2-40B4-BE49-F238E27FC236}">
+                    <a16:creationId xmlns:a16="http://schemas.microsoft.com/office/drawing/2014/main" id="{09F22E58-C510-AC36-119C-56A1D69361E4}"/>
+                  </a:ext>
+                </a:extLst>
+              </p:cNvPr>
+              <p:cNvPicPr>
+                <a:picLocks noChangeAspect="1"/>
+              </p:cNvPicPr>
+              <p:nvPr/>
+            </p:nvPicPr>
+            <p:blipFill>
+              <a:blip r:embed="rId3"/>
+              <a:stretch>
+                <a:fillRect/>
+              </a:stretch>
+            </p:blipFill>
+            <p:spPr>
+              <a:xfrm>
+                <a:off x="2912927" y="2152727"/>
+                <a:ext cx="304800" cy="304800"/>
+              </a:xfrm>
+              <a:prstGeom prst="rect">
+                <a:avLst/>
+              </a:prstGeom>
+            </p:spPr>
+          </p:pic>
+        </p:grpSp>
+        <p:grpSp>
+          <p:nvGrpSpPr>
+            <p:cNvPr id="12" name="Group 11">
+              <a:extLst>
+                <a:ext uri="{FF2B5EF4-FFF2-40B4-BE49-F238E27FC236}">
+                  <a16:creationId xmlns:a16="http://schemas.microsoft.com/office/drawing/2014/main" id="{676D0AB7-CD25-2106-04A1-A7AA6CCAA31A}"/>
+                </a:ext>
+              </a:extLst>
+            </p:cNvPr>
+            <p:cNvGrpSpPr/>
+            <p:nvPr/>
+          </p:nvGrpSpPr>
+          <p:grpSpPr>
+            <a:xfrm>
+              <a:off x="604349" y="4482655"/>
+              <a:ext cx="2661104" cy="838930"/>
+              <a:chOff x="599089" y="1618597"/>
+              <a:chExt cx="2661104" cy="838930"/>
+            </a:xfrm>
+          </p:grpSpPr>
+          <p:sp>
+            <p:nvSpPr>
+              <p:cNvPr id="15" name="TextBox 14">
+                <a:extLst>
+                  <a:ext uri="{FF2B5EF4-FFF2-40B4-BE49-F238E27FC236}">
+                    <a16:creationId xmlns:a16="http://schemas.microsoft.com/office/drawing/2014/main" id="{AF0A038E-B4E4-2534-878D-2563A1B0DDA1}"/>
+                  </a:ext>
+                </a:extLst>
+              </p:cNvPr>
+              <p:cNvSpPr txBox="1"/>
+              <p:nvPr/>
+            </p:nvSpPr>
+            <p:spPr>
+              <a:xfrm>
+                <a:off x="599089" y="1618597"/>
+                <a:ext cx="803553" cy="292388"/>
+              </a:xfrm>
+              <a:prstGeom prst="rect">
+                <a:avLst/>
+              </a:prstGeom>
+              <a:noFill/>
+            </p:spPr>
+            <p:txBody>
+              <a:bodyPr wrap="none" rtlCol="0">
+                <a:spAutoFit/>
+              </a:bodyPr>
+              <a:lstStyle/>
+              <a:p>
+                <a:r>
+                  <a:rPr lang="es-ES_tradnl" sz="1300" dirty="0">
+                    <a:solidFill>
+                      <a:srgbClr val="FF0000"/>
+                    </a:solidFill>
+                  </a:rPr>
+                  <a:t>Pedido n</a:t>
+                </a:r>
+              </a:p>
+            </p:txBody>
+          </p:sp>
+          <p:sp>
+            <p:nvSpPr>
+              <p:cNvPr id="16" name="Rectangle 15">
+                <a:extLst>
+                  <a:ext uri="{FF2B5EF4-FFF2-40B4-BE49-F238E27FC236}">
+                    <a16:creationId xmlns:a16="http://schemas.microsoft.com/office/drawing/2014/main" id="{8089995F-3501-E3B2-9353-3F7790E7C731}"/>
+                  </a:ext>
+                </a:extLst>
+              </p:cNvPr>
+              <p:cNvSpPr/>
+              <p:nvPr/>
+            </p:nvSpPr>
+            <p:spPr>
+              <a:xfrm>
+                <a:off x="704193" y="1910985"/>
+                <a:ext cx="2556000" cy="546542"/>
+              </a:xfrm>
+              <a:prstGeom prst="rect">
+                <a:avLst/>
+              </a:prstGeom>
+              <a:noFill/>
+              <a:ln w="3175"/>
+            </p:spPr>
+            <p:style>
+              <a:lnRef idx="2">
+                <a:schemeClr val="accent1">
+                  <a:shade val="15000"/>
+                </a:schemeClr>
+              </a:lnRef>
+              <a:fillRef idx="1">
+                <a:schemeClr val="accent1"/>
+              </a:fillRef>
+              <a:effectRef idx="0">
+                <a:schemeClr val="accent1"/>
+              </a:effectRef>
+              <a:fontRef idx="minor">
+                <a:schemeClr val="lt1"/>
+              </a:fontRef>
+            </p:style>
+            <p:txBody>
+              <a:bodyPr rtlCol="0" anchor="ctr"/>
+              <a:lstStyle/>
+              <a:p>
+                <a:pPr algn="ctr"/>
+                <a:endParaRPr lang="es-ES_tradnl"/>
+              </a:p>
+            </p:txBody>
+          </p:sp>
+          <p:pic>
+            <p:nvPicPr>
+              <p:cNvPr id="17" name="Picture 16">
+                <a:extLst>
+                  <a:ext uri="{FF2B5EF4-FFF2-40B4-BE49-F238E27FC236}">
+                    <a16:creationId xmlns:a16="http://schemas.microsoft.com/office/drawing/2014/main" id="{16D22BAA-D512-48E5-0128-2F3EC101CBC0}"/>
+                  </a:ext>
+                </a:extLst>
+              </p:cNvPr>
+              <p:cNvPicPr>
+                <a:picLocks noChangeAspect="1"/>
+              </p:cNvPicPr>
+              <p:nvPr/>
+            </p:nvPicPr>
+            <p:blipFill>
+              <a:blip r:embed="rId3"/>
+              <a:stretch>
+                <a:fillRect/>
+              </a:stretch>
+            </p:blipFill>
+            <p:spPr>
+              <a:xfrm>
+                <a:off x="2912927" y="2152727"/>
+                <a:ext cx="304800" cy="304800"/>
+              </a:xfrm>
+              <a:prstGeom prst="rect">
+                <a:avLst/>
+              </a:prstGeom>
+            </p:spPr>
+          </p:pic>
+        </p:grpSp>
+        <p:sp>
+          <p:nvSpPr>
+            <p:cNvPr id="13" name="TextBox 12">
+              <a:extLst>
+                <a:ext uri="{FF2B5EF4-FFF2-40B4-BE49-F238E27FC236}">
+                  <a16:creationId xmlns:a16="http://schemas.microsoft.com/office/drawing/2014/main" id="{E77072F0-3410-B22B-989A-EC04A8B2541E}"/>
+                </a:ext>
+              </a:extLst>
+            </p:cNvPr>
+            <p:cNvSpPr txBox="1"/>
+            <p:nvPr/>
+          </p:nvSpPr>
+          <p:spPr>
+            <a:xfrm>
+              <a:off x="698939" y="4225158"/>
+              <a:ext cx="404647" cy="292388"/>
+            </a:xfrm>
+            <a:prstGeom prst="rect">
+              <a:avLst/>
+            </a:prstGeom>
+            <a:noFill/>
+          </p:spPr>
+          <p:txBody>
+            <a:bodyPr wrap="square" rtlCol="0">
+              <a:spAutoFit/>
+            </a:bodyPr>
+            <a:lstStyle/>
+            <a:p>
+              <a:r>
+                <a:rPr lang="es-ES_tradnl" sz="1300" dirty="0">
+                  <a:solidFill>
+                    <a:srgbClr val="FF0000"/>
+                  </a:solidFill>
+                </a:rPr>
+                <a:t>...     </a:t>
+              </a:r>
+            </a:p>
+          </p:txBody>
+        </p:sp>
+        <p:pic>
+          <p:nvPicPr>
+            <p:cNvPr id="14" name="Picture 13" descr="A blue and white rectangles&#10;&#10;Description automatically generated">
+              <a:extLst>
+                <a:ext uri="{FF2B5EF4-FFF2-40B4-BE49-F238E27FC236}">
+                  <a16:creationId xmlns:a16="http://schemas.microsoft.com/office/drawing/2014/main" id="{9954CB57-62B1-CD24-75D6-51F34EE6E5A4}"/>
+                </a:ext>
+              </a:extLst>
+            </p:cNvPr>
+            <p:cNvPicPr>
+              <a:picLocks noChangeAspect="1"/>
+            </p:cNvPicPr>
+            <p:nvPr/>
+          </p:nvPicPr>
+          <p:blipFill>
+            <a:blip r:embed="rId4"/>
+            <a:stretch>
+              <a:fillRect/>
+            </a:stretch>
+          </p:blipFill>
+          <p:spPr>
+            <a:xfrm>
+              <a:off x="679411" y="5474354"/>
+              <a:ext cx="2590725" cy="331200"/>
+            </a:xfrm>
+            <a:prstGeom prst="rect">
+              <a:avLst/>
+            </a:prstGeom>
+          </p:spPr>
+        </p:pic>
+      </p:grpSp>
+      <p:grpSp>
+        <p:nvGrpSpPr>
+          <p:cNvPr id="27" name="Group 26">
+            <a:extLst>
+              <a:ext uri="{FF2B5EF4-FFF2-40B4-BE49-F238E27FC236}">
+                <a16:creationId xmlns:a16="http://schemas.microsoft.com/office/drawing/2014/main" id="{950026AA-FC38-C189-746B-B78421924E0C}"/>
+              </a:ext>
+            </a:extLst>
+          </p:cNvPr>
+          <p:cNvGrpSpPr/>
+          <p:nvPr/>
+        </p:nvGrpSpPr>
+        <p:grpSpPr>
+          <a:xfrm>
+            <a:off x="6335540" y="704196"/>
+            <a:ext cx="2740788" cy="5548589"/>
+            <a:chOff x="593835" y="1072055"/>
+            <a:chExt cx="2740788" cy="5548589"/>
+          </a:xfrm>
+        </p:grpSpPr>
+        <p:pic>
+          <p:nvPicPr>
+            <p:cNvPr id="28" name="Picture 27">
+              <a:extLst>
+                <a:ext uri="{FF2B5EF4-FFF2-40B4-BE49-F238E27FC236}">
+                  <a16:creationId xmlns:a16="http://schemas.microsoft.com/office/drawing/2014/main" id="{987F009B-6D71-708A-0357-A3346F6474C5}"/>
+                </a:ext>
+              </a:extLst>
+            </p:cNvPr>
+            <p:cNvPicPr>
+              <a:picLocks noChangeAspect="1"/>
+            </p:cNvPicPr>
+            <p:nvPr/>
+          </p:nvPicPr>
+          <p:blipFill>
+            <a:blip r:embed="rId2"/>
+            <a:srcRect/>
+            <a:stretch/>
+          </p:blipFill>
+          <p:spPr>
+            <a:xfrm>
+              <a:off x="635309" y="1072055"/>
+              <a:ext cx="2699314" cy="5548589"/>
+            </a:xfrm>
+            <a:prstGeom prst="rect">
+              <a:avLst/>
+            </a:prstGeom>
+          </p:spPr>
+        </p:pic>
+        <p:grpSp>
+          <p:nvGrpSpPr>
+            <p:cNvPr id="29" name="Group 28">
+              <a:extLst>
+                <a:ext uri="{FF2B5EF4-FFF2-40B4-BE49-F238E27FC236}">
+                  <a16:creationId xmlns:a16="http://schemas.microsoft.com/office/drawing/2014/main" id="{717B643C-27E7-F8C5-577E-AACDBB65476D}"/>
+                </a:ext>
+              </a:extLst>
+            </p:cNvPr>
+            <p:cNvGrpSpPr/>
+            <p:nvPr/>
+          </p:nvGrpSpPr>
+          <p:grpSpPr>
+            <a:xfrm>
+              <a:off x="599089" y="1618597"/>
+              <a:ext cx="2661104" cy="838930"/>
+              <a:chOff x="599089" y="1618597"/>
+              <a:chExt cx="2661104" cy="838930"/>
+            </a:xfrm>
+          </p:grpSpPr>
+          <p:sp>
+            <p:nvSpPr>
+              <p:cNvPr id="46" name="TextBox 45">
+                <a:extLst>
+                  <a:ext uri="{FF2B5EF4-FFF2-40B4-BE49-F238E27FC236}">
+                    <a16:creationId xmlns:a16="http://schemas.microsoft.com/office/drawing/2014/main" id="{809A7FE5-7F4B-92AC-6E13-3744D23AC576}"/>
+                  </a:ext>
+                </a:extLst>
+              </p:cNvPr>
+              <p:cNvSpPr txBox="1"/>
+              <p:nvPr/>
+            </p:nvSpPr>
+            <p:spPr>
+              <a:xfrm>
+                <a:off x="599089" y="1618597"/>
+                <a:ext cx="803553" cy="292388"/>
+              </a:xfrm>
+              <a:prstGeom prst="rect">
+                <a:avLst/>
+              </a:prstGeom>
+              <a:noFill/>
+            </p:spPr>
+            <p:txBody>
+              <a:bodyPr wrap="none" rtlCol="0">
+                <a:spAutoFit/>
+              </a:bodyPr>
+              <a:lstStyle/>
+              <a:p>
+                <a:r>
+                  <a:rPr lang="es-ES_tradnl" sz="1300" dirty="0">
+                    <a:solidFill>
+                      <a:srgbClr val="FF0000"/>
+                    </a:solidFill>
+                  </a:rPr>
+                  <a:t>Pedido 1</a:t>
+                </a:r>
+              </a:p>
+            </p:txBody>
+          </p:sp>
+          <p:sp>
+            <p:nvSpPr>
+              <p:cNvPr id="47" name="Rectangle 46">
+                <a:extLst>
+                  <a:ext uri="{FF2B5EF4-FFF2-40B4-BE49-F238E27FC236}">
+                    <a16:creationId xmlns:a16="http://schemas.microsoft.com/office/drawing/2014/main" id="{84CB1B22-A6F9-16DC-F333-048004E33046}"/>
+                  </a:ext>
+                </a:extLst>
+              </p:cNvPr>
+              <p:cNvSpPr/>
+              <p:nvPr/>
+            </p:nvSpPr>
+            <p:spPr>
+              <a:xfrm>
+                <a:off x="704193" y="1910985"/>
+                <a:ext cx="2556000" cy="546542"/>
+              </a:xfrm>
+              <a:prstGeom prst="rect">
+                <a:avLst/>
+              </a:prstGeom>
+              <a:noFill/>
+              <a:ln w="3175"/>
+            </p:spPr>
+            <p:style>
+              <a:lnRef idx="2">
+                <a:schemeClr val="accent1">
+                  <a:shade val="15000"/>
+                </a:schemeClr>
+              </a:lnRef>
+              <a:fillRef idx="1">
+                <a:schemeClr val="accent1"/>
+              </a:fillRef>
+              <a:effectRef idx="0">
+                <a:schemeClr val="accent1"/>
+              </a:effectRef>
+              <a:fontRef idx="minor">
+                <a:schemeClr val="lt1"/>
+              </a:fontRef>
+            </p:style>
+            <p:txBody>
+              <a:bodyPr rtlCol="0" anchor="ctr"/>
+              <a:lstStyle/>
+              <a:p>
+                <a:pPr algn="ctr"/>
+                <a:endParaRPr lang="es-ES_tradnl"/>
+              </a:p>
+            </p:txBody>
+          </p:sp>
+          <p:pic>
+            <p:nvPicPr>
+              <p:cNvPr id="48" name="Picture 47">
+                <a:extLst>
+                  <a:ext uri="{FF2B5EF4-FFF2-40B4-BE49-F238E27FC236}">
+                    <a16:creationId xmlns:a16="http://schemas.microsoft.com/office/drawing/2014/main" id="{FA251F19-91A3-E7FE-861C-79CF236B9874}"/>
+                  </a:ext>
+                </a:extLst>
+              </p:cNvPr>
+              <p:cNvPicPr>
+                <a:picLocks noChangeAspect="1"/>
+              </p:cNvPicPr>
+              <p:nvPr/>
+            </p:nvPicPr>
+            <p:blipFill>
+              <a:blip r:embed="rId5"/>
+              <a:srcRect/>
+              <a:stretch/>
+            </p:blipFill>
+            <p:spPr>
+              <a:xfrm>
+                <a:off x="2912927" y="2152727"/>
+                <a:ext cx="304800" cy="304800"/>
+              </a:xfrm>
+              <a:prstGeom prst="rect">
+                <a:avLst/>
+              </a:prstGeom>
+            </p:spPr>
+          </p:pic>
+        </p:grpSp>
+        <p:grpSp>
+          <p:nvGrpSpPr>
+            <p:cNvPr id="30" name="Group 29">
+              <a:extLst>
+                <a:ext uri="{FF2B5EF4-FFF2-40B4-BE49-F238E27FC236}">
+                  <a16:creationId xmlns:a16="http://schemas.microsoft.com/office/drawing/2014/main" id="{C9AF16E4-00B5-C74C-E0C3-892B1EB4E6FB}"/>
+                </a:ext>
+              </a:extLst>
+            </p:cNvPr>
+            <p:cNvGrpSpPr/>
+            <p:nvPr/>
+          </p:nvGrpSpPr>
+          <p:grpSpPr>
+            <a:xfrm>
+              <a:off x="593839" y="2485698"/>
+              <a:ext cx="2661104" cy="838930"/>
+              <a:chOff x="599089" y="1618597"/>
+              <a:chExt cx="2661104" cy="838930"/>
+            </a:xfrm>
+          </p:grpSpPr>
+          <p:sp>
+            <p:nvSpPr>
+              <p:cNvPr id="43" name="TextBox 42">
+                <a:extLst>
+                  <a:ext uri="{FF2B5EF4-FFF2-40B4-BE49-F238E27FC236}">
+                    <a16:creationId xmlns:a16="http://schemas.microsoft.com/office/drawing/2014/main" id="{6B2E5B99-97CB-4881-057E-3ED6665297AB}"/>
+                  </a:ext>
+                </a:extLst>
+              </p:cNvPr>
+              <p:cNvSpPr txBox="1"/>
+              <p:nvPr/>
+            </p:nvSpPr>
+            <p:spPr>
+              <a:xfrm>
+                <a:off x="599089" y="1618597"/>
+                <a:ext cx="803553" cy="292388"/>
+              </a:xfrm>
+              <a:prstGeom prst="rect">
+                <a:avLst/>
+              </a:prstGeom>
+              <a:noFill/>
+            </p:spPr>
+            <p:txBody>
+              <a:bodyPr wrap="none" rtlCol="0">
+                <a:spAutoFit/>
+              </a:bodyPr>
+              <a:lstStyle/>
+              <a:p>
+                <a:r>
+                  <a:rPr lang="es-ES_tradnl" sz="1300" dirty="0">
+                    <a:solidFill>
+                      <a:srgbClr val="FF0000"/>
+                    </a:solidFill>
+                  </a:rPr>
+                  <a:t>Pedido 2</a:t>
+                </a:r>
+              </a:p>
+            </p:txBody>
+          </p:sp>
+          <p:sp>
+            <p:nvSpPr>
+              <p:cNvPr id="44" name="Rectangle 43">
+                <a:extLst>
+                  <a:ext uri="{FF2B5EF4-FFF2-40B4-BE49-F238E27FC236}">
+                    <a16:creationId xmlns:a16="http://schemas.microsoft.com/office/drawing/2014/main" id="{63EBDCFB-7218-34D0-94CD-6FFC208A03DC}"/>
+                  </a:ext>
+                </a:extLst>
+              </p:cNvPr>
+              <p:cNvSpPr/>
+              <p:nvPr/>
+            </p:nvSpPr>
+            <p:spPr>
+              <a:xfrm>
+                <a:off x="704193" y="1910985"/>
+                <a:ext cx="2556000" cy="546542"/>
+              </a:xfrm>
+              <a:prstGeom prst="rect">
+                <a:avLst/>
+              </a:prstGeom>
+              <a:noFill/>
+              <a:ln w="3175"/>
+            </p:spPr>
+            <p:style>
+              <a:lnRef idx="2">
+                <a:schemeClr val="accent1">
+                  <a:shade val="15000"/>
+                </a:schemeClr>
+              </a:lnRef>
+              <a:fillRef idx="1">
+                <a:schemeClr val="accent1"/>
+              </a:fillRef>
+              <a:effectRef idx="0">
+                <a:schemeClr val="accent1"/>
+              </a:effectRef>
+              <a:fontRef idx="minor">
+                <a:schemeClr val="lt1"/>
+              </a:fontRef>
+            </p:style>
+            <p:txBody>
+              <a:bodyPr rtlCol="0" anchor="ctr"/>
+              <a:lstStyle/>
+              <a:p>
+                <a:pPr algn="ctr"/>
+                <a:endParaRPr lang="es-ES_tradnl"/>
+              </a:p>
+            </p:txBody>
+          </p:sp>
+          <p:pic>
+            <p:nvPicPr>
+              <p:cNvPr id="45" name="Picture 44">
+                <a:extLst>
+                  <a:ext uri="{FF2B5EF4-FFF2-40B4-BE49-F238E27FC236}">
+                    <a16:creationId xmlns:a16="http://schemas.microsoft.com/office/drawing/2014/main" id="{5A99B9B8-E2B6-75BB-F04D-10B1ABEE6354}"/>
+                  </a:ext>
+                </a:extLst>
+              </p:cNvPr>
+              <p:cNvPicPr>
+                <a:picLocks noChangeAspect="1"/>
+              </p:cNvPicPr>
+              <p:nvPr/>
+            </p:nvPicPr>
+            <p:blipFill>
+              <a:blip r:embed="rId5"/>
+              <a:srcRect/>
+              <a:stretch/>
+            </p:blipFill>
+            <p:spPr>
+              <a:xfrm>
+                <a:off x="2912927" y="2152727"/>
+                <a:ext cx="304800" cy="304800"/>
+              </a:xfrm>
+              <a:prstGeom prst="rect">
+                <a:avLst/>
+              </a:prstGeom>
+            </p:spPr>
+          </p:pic>
+        </p:grpSp>
+        <p:grpSp>
+          <p:nvGrpSpPr>
+            <p:cNvPr id="31" name="Group 30">
+              <a:extLst>
+                <a:ext uri="{FF2B5EF4-FFF2-40B4-BE49-F238E27FC236}">
+                  <a16:creationId xmlns:a16="http://schemas.microsoft.com/office/drawing/2014/main" id="{BA3BB89E-9F39-3BE9-94A0-A23E191DAA54}"/>
+                </a:ext>
+              </a:extLst>
+            </p:cNvPr>
+            <p:cNvGrpSpPr/>
+            <p:nvPr/>
+          </p:nvGrpSpPr>
+          <p:grpSpPr>
+            <a:xfrm>
+              <a:off x="593835" y="3368560"/>
+              <a:ext cx="2661104" cy="838930"/>
+              <a:chOff x="599089" y="1618597"/>
+              <a:chExt cx="2661104" cy="838930"/>
+            </a:xfrm>
+          </p:grpSpPr>
+          <p:sp>
+            <p:nvSpPr>
+              <p:cNvPr id="40" name="TextBox 39">
+                <a:extLst>
+                  <a:ext uri="{FF2B5EF4-FFF2-40B4-BE49-F238E27FC236}">
+                    <a16:creationId xmlns:a16="http://schemas.microsoft.com/office/drawing/2014/main" id="{B7B734E9-197D-BF5E-7309-51F5331EFD25}"/>
+                  </a:ext>
+                </a:extLst>
+              </p:cNvPr>
+              <p:cNvSpPr txBox="1"/>
+              <p:nvPr/>
+            </p:nvSpPr>
+            <p:spPr>
+              <a:xfrm>
+                <a:off x="599089" y="1618597"/>
+                <a:ext cx="803553" cy="292388"/>
+              </a:xfrm>
+              <a:prstGeom prst="rect">
+                <a:avLst/>
+              </a:prstGeom>
+              <a:noFill/>
+            </p:spPr>
+            <p:txBody>
+              <a:bodyPr wrap="none" rtlCol="0">
+                <a:spAutoFit/>
+              </a:bodyPr>
+              <a:lstStyle/>
+              <a:p>
+                <a:r>
+                  <a:rPr lang="es-ES_tradnl" sz="1300" dirty="0">
+                    <a:solidFill>
+                      <a:srgbClr val="FF0000"/>
+                    </a:solidFill>
+                  </a:rPr>
+                  <a:t>Pedido 3</a:t>
+                </a:r>
+              </a:p>
+            </p:txBody>
+          </p:sp>
+          <p:sp>
+            <p:nvSpPr>
+              <p:cNvPr id="41" name="Rectangle 40">
+                <a:extLst>
+                  <a:ext uri="{FF2B5EF4-FFF2-40B4-BE49-F238E27FC236}">
+                    <a16:creationId xmlns:a16="http://schemas.microsoft.com/office/drawing/2014/main" id="{0224C693-D4CA-AD43-509B-D09168907034}"/>
+                  </a:ext>
+                </a:extLst>
+              </p:cNvPr>
+              <p:cNvSpPr/>
+              <p:nvPr/>
+            </p:nvSpPr>
+            <p:spPr>
+              <a:xfrm>
+                <a:off x="704193" y="1910985"/>
+                <a:ext cx="2556000" cy="546542"/>
+              </a:xfrm>
+              <a:prstGeom prst="rect">
+                <a:avLst/>
+              </a:prstGeom>
+              <a:noFill/>
+              <a:ln w="3175"/>
+            </p:spPr>
+            <p:style>
+              <a:lnRef idx="2">
+                <a:schemeClr val="accent1">
+                  <a:shade val="15000"/>
+                </a:schemeClr>
+              </a:lnRef>
+              <a:fillRef idx="1">
+                <a:schemeClr val="accent1"/>
+              </a:fillRef>
+              <a:effectRef idx="0">
+                <a:schemeClr val="accent1"/>
+              </a:effectRef>
+              <a:fontRef idx="minor">
+                <a:schemeClr val="lt1"/>
+              </a:fontRef>
+            </p:style>
+            <p:txBody>
+              <a:bodyPr rtlCol="0" anchor="ctr"/>
+              <a:lstStyle/>
+              <a:p>
+                <a:pPr algn="ctr"/>
+                <a:endParaRPr lang="es-ES_tradnl"/>
+              </a:p>
+            </p:txBody>
+          </p:sp>
+          <p:pic>
+            <p:nvPicPr>
+              <p:cNvPr id="42" name="Picture 41">
+                <a:extLst>
+                  <a:ext uri="{FF2B5EF4-FFF2-40B4-BE49-F238E27FC236}">
+                    <a16:creationId xmlns:a16="http://schemas.microsoft.com/office/drawing/2014/main" id="{4FD78982-7349-D076-FBAF-6BF61B3AA72B}"/>
+                  </a:ext>
+                </a:extLst>
+              </p:cNvPr>
+              <p:cNvPicPr>
+                <a:picLocks noChangeAspect="1"/>
+              </p:cNvPicPr>
+              <p:nvPr/>
+            </p:nvPicPr>
+            <p:blipFill>
+              <a:blip r:embed="rId3"/>
+              <a:stretch>
+                <a:fillRect/>
+              </a:stretch>
+            </p:blipFill>
+            <p:spPr>
+              <a:xfrm>
+                <a:off x="2912927" y="2152727"/>
+                <a:ext cx="304800" cy="304800"/>
+              </a:xfrm>
+              <a:prstGeom prst="rect">
+                <a:avLst/>
+              </a:prstGeom>
+            </p:spPr>
+          </p:pic>
+        </p:grpSp>
+        <p:grpSp>
+          <p:nvGrpSpPr>
+            <p:cNvPr id="32" name="Group 31">
+              <a:extLst>
+                <a:ext uri="{FF2B5EF4-FFF2-40B4-BE49-F238E27FC236}">
+                  <a16:creationId xmlns:a16="http://schemas.microsoft.com/office/drawing/2014/main" id="{F9C472A3-8ADA-1D89-B11B-D5B861635A32}"/>
+                </a:ext>
+              </a:extLst>
+            </p:cNvPr>
+            <p:cNvGrpSpPr/>
+            <p:nvPr/>
+          </p:nvGrpSpPr>
+          <p:grpSpPr>
+            <a:xfrm>
+              <a:off x="604349" y="4482655"/>
+              <a:ext cx="2661104" cy="838930"/>
+              <a:chOff x="599089" y="1618597"/>
+              <a:chExt cx="2661104" cy="838930"/>
+            </a:xfrm>
+          </p:grpSpPr>
+          <p:sp>
+            <p:nvSpPr>
+              <p:cNvPr id="37" name="TextBox 36">
+                <a:extLst>
+                  <a:ext uri="{FF2B5EF4-FFF2-40B4-BE49-F238E27FC236}">
+                    <a16:creationId xmlns:a16="http://schemas.microsoft.com/office/drawing/2014/main" id="{0D61D723-0C88-0A9A-8CBC-B65C3529B68D}"/>
+                  </a:ext>
+                </a:extLst>
+              </p:cNvPr>
+              <p:cNvSpPr txBox="1"/>
+              <p:nvPr/>
+            </p:nvSpPr>
+            <p:spPr>
+              <a:xfrm>
+                <a:off x="599089" y="1618597"/>
+                <a:ext cx="803553" cy="292388"/>
+              </a:xfrm>
+              <a:prstGeom prst="rect">
+                <a:avLst/>
+              </a:prstGeom>
+              <a:noFill/>
+            </p:spPr>
+            <p:txBody>
+              <a:bodyPr wrap="none" rtlCol="0">
+                <a:spAutoFit/>
+              </a:bodyPr>
+              <a:lstStyle/>
+              <a:p>
+                <a:r>
+                  <a:rPr lang="es-ES_tradnl" sz="1300" dirty="0">
+                    <a:solidFill>
+                      <a:srgbClr val="FF0000"/>
+                    </a:solidFill>
+                  </a:rPr>
+                  <a:t>Pedido n</a:t>
+                </a:r>
+              </a:p>
+            </p:txBody>
+          </p:sp>
+          <p:sp>
+            <p:nvSpPr>
+              <p:cNvPr id="38" name="Rectangle 37">
+                <a:extLst>
+                  <a:ext uri="{FF2B5EF4-FFF2-40B4-BE49-F238E27FC236}">
+                    <a16:creationId xmlns:a16="http://schemas.microsoft.com/office/drawing/2014/main" id="{BD7F38F6-713E-7331-33B5-4AFB2F55949F}"/>
+                  </a:ext>
+                </a:extLst>
+              </p:cNvPr>
+              <p:cNvSpPr/>
+              <p:nvPr/>
+            </p:nvSpPr>
+            <p:spPr>
+              <a:xfrm>
+                <a:off x="704193" y="1910985"/>
+                <a:ext cx="2556000" cy="546542"/>
+              </a:xfrm>
+              <a:prstGeom prst="rect">
+                <a:avLst/>
+              </a:prstGeom>
+              <a:noFill/>
+              <a:ln w="3175"/>
+            </p:spPr>
+            <p:style>
+              <a:lnRef idx="2">
+                <a:schemeClr val="accent1">
+                  <a:shade val="15000"/>
+                </a:schemeClr>
+              </a:lnRef>
+              <a:fillRef idx="1">
+                <a:schemeClr val="accent1"/>
+              </a:fillRef>
+              <a:effectRef idx="0">
+                <a:schemeClr val="accent1"/>
+              </a:effectRef>
+              <a:fontRef idx="minor">
+                <a:schemeClr val="lt1"/>
+              </a:fontRef>
+            </p:style>
+            <p:txBody>
+              <a:bodyPr rtlCol="0" anchor="ctr"/>
+              <a:lstStyle/>
+              <a:p>
+                <a:pPr algn="ctr"/>
+                <a:endParaRPr lang="es-ES_tradnl"/>
+              </a:p>
+            </p:txBody>
+          </p:sp>
+          <p:pic>
+            <p:nvPicPr>
+              <p:cNvPr id="39" name="Picture 38">
+                <a:extLst>
+                  <a:ext uri="{FF2B5EF4-FFF2-40B4-BE49-F238E27FC236}">
+                    <a16:creationId xmlns:a16="http://schemas.microsoft.com/office/drawing/2014/main" id="{F0E468F2-02F7-AC47-9E44-25D30AF4BFB2}"/>
+                  </a:ext>
+                </a:extLst>
+              </p:cNvPr>
+              <p:cNvPicPr>
+                <a:picLocks noChangeAspect="1"/>
+              </p:cNvPicPr>
+              <p:nvPr/>
+            </p:nvPicPr>
+            <p:blipFill>
+              <a:blip r:embed="rId3"/>
+              <a:stretch>
+                <a:fillRect/>
+              </a:stretch>
+            </p:blipFill>
+            <p:spPr>
+              <a:xfrm>
+                <a:off x="2912927" y="2152727"/>
+                <a:ext cx="304800" cy="304800"/>
+              </a:xfrm>
+              <a:prstGeom prst="rect">
+                <a:avLst/>
+              </a:prstGeom>
+            </p:spPr>
+          </p:pic>
+        </p:grpSp>
+        <p:sp>
+          <p:nvSpPr>
+            <p:cNvPr id="33" name="TextBox 32">
+              <a:extLst>
+                <a:ext uri="{FF2B5EF4-FFF2-40B4-BE49-F238E27FC236}">
+                  <a16:creationId xmlns:a16="http://schemas.microsoft.com/office/drawing/2014/main" id="{36C8CD35-7F41-2E99-235B-86F3F1DB2F18}"/>
+                </a:ext>
+              </a:extLst>
+            </p:cNvPr>
+            <p:cNvSpPr txBox="1"/>
+            <p:nvPr/>
+          </p:nvSpPr>
+          <p:spPr>
+            <a:xfrm>
+              <a:off x="698939" y="4225158"/>
+              <a:ext cx="404647" cy="292388"/>
+            </a:xfrm>
+            <a:prstGeom prst="rect">
+              <a:avLst/>
+            </a:prstGeom>
+            <a:noFill/>
+          </p:spPr>
+          <p:txBody>
+            <a:bodyPr wrap="square" rtlCol="0">
+              <a:spAutoFit/>
+            </a:bodyPr>
+            <a:lstStyle/>
+            <a:p>
+              <a:r>
+                <a:rPr lang="es-ES_tradnl" sz="1300" dirty="0">
+                  <a:solidFill>
+                    <a:srgbClr val="FF0000"/>
+                  </a:solidFill>
+                </a:rPr>
+                <a:t>...     </a:t>
+              </a:r>
+            </a:p>
+          </p:txBody>
+        </p:sp>
+        <p:sp>
+          <p:nvSpPr>
+            <p:cNvPr id="34" name="TextBox 33">
+              <a:extLst>
+                <a:ext uri="{FF2B5EF4-FFF2-40B4-BE49-F238E27FC236}">
+                  <a16:creationId xmlns:a16="http://schemas.microsoft.com/office/drawing/2014/main" id="{F75D5ED8-87F0-2909-5FFE-A05EAC35E383}"/>
+                </a:ext>
+              </a:extLst>
+            </p:cNvPr>
+            <p:cNvSpPr txBox="1"/>
+            <p:nvPr/>
+          </p:nvSpPr>
+          <p:spPr>
+            <a:xfrm>
+              <a:off x="698939" y="2264978"/>
+              <a:ext cx="1568058" cy="230832"/>
+            </a:xfrm>
+            <a:prstGeom prst="rect">
+              <a:avLst/>
+            </a:prstGeom>
+            <a:noFill/>
+          </p:spPr>
+          <p:txBody>
+            <a:bodyPr wrap="none" rtlCol="0">
+              <a:spAutoFit/>
+            </a:bodyPr>
+            <a:lstStyle/>
+            <a:p>
+              <a:r>
+                <a:rPr lang="es-ES_tradnl" sz="900" dirty="0"/>
+                <a:t>Contenedor:</a:t>
+              </a:r>
+              <a:r>
+                <a:rPr lang="es-ES_tradnl" sz="900" dirty="0">
+                  <a:solidFill>
+                    <a:srgbClr val="FF0000"/>
+                  </a:solidFill>
+                </a:rPr>
+                <a:t> CONT0000001</a:t>
+              </a:r>
+            </a:p>
+          </p:txBody>
+        </p:sp>
+        <p:sp>
+          <p:nvSpPr>
+            <p:cNvPr id="35" name="TextBox 34">
+              <a:extLst>
+                <a:ext uri="{FF2B5EF4-FFF2-40B4-BE49-F238E27FC236}">
+                  <a16:creationId xmlns:a16="http://schemas.microsoft.com/office/drawing/2014/main" id="{2D20E2B7-BE37-8F50-4977-07C21B33F5DB}"/>
+                </a:ext>
+              </a:extLst>
+            </p:cNvPr>
+            <p:cNvSpPr txBox="1"/>
+            <p:nvPr/>
+          </p:nvSpPr>
+          <p:spPr>
+            <a:xfrm>
+              <a:off x="704195" y="3132081"/>
+              <a:ext cx="1568058" cy="230832"/>
+            </a:xfrm>
+            <a:prstGeom prst="rect">
+              <a:avLst/>
+            </a:prstGeom>
+            <a:noFill/>
+          </p:spPr>
+          <p:txBody>
+            <a:bodyPr wrap="none" rtlCol="0">
+              <a:spAutoFit/>
+            </a:bodyPr>
+            <a:lstStyle/>
+            <a:p>
+              <a:r>
+                <a:rPr lang="es-ES_tradnl" sz="900" dirty="0"/>
+                <a:t>Contenedor:</a:t>
+              </a:r>
+              <a:r>
+                <a:rPr lang="es-ES_tradnl" sz="900" dirty="0">
+                  <a:solidFill>
+                    <a:srgbClr val="FF0000"/>
+                  </a:solidFill>
+                </a:rPr>
+                <a:t> CONT0001001</a:t>
+              </a:r>
+            </a:p>
+          </p:txBody>
+        </p:sp>
+        <p:pic>
+          <p:nvPicPr>
+            <p:cNvPr id="36" name="Picture 35" descr="A blue and white rectangles&#10;&#10;Description automatically generated">
+              <a:extLst>
+                <a:ext uri="{FF2B5EF4-FFF2-40B4-BE49-F238E27FC236}">
+                  <a16:creationId xmlns:a16="http://schemas.microsoft.com/office/drawing/2014/main" id="{DD1B3289-B922-F03C-D7B4-6D1D8F65CC9D}"/>
+                </a:ext>
+              </a:extLst>
+            </p:cNvPr>
+            <p:cNvPicPr>
+              <a:picLocks noChangeAspect="1"/>
+            </p:cNvPicPr>
+            <p:nvPr/>
+          </p:nvPicPr>
+          <p:blipFill>
+            <a:blip r:embed="rId4"/>
+            <a:stretch>
+              <a:fillRect/>
+            </a:stretch>
+          </p:blipFill>
+          <p:spPr>
+            <a:xfrm>
+              <a:off x="679411" y="5474354"/>
+              <a:ext cx="2590725" cy="331200"/>
+            </a:xfrm>
+            <a:prstGeom prst="rect">
+              <a:avLst/>
+            </a:prstGeom>
+          </p:spPr>
+        </p:pic>
+      </p:grpSp>
+    </p:spTree>
+    <p:extLst>
+      <p:ext uri="{BB962C8B-B14F-4D97-AF65-F5344CB8AC3E}">
+        <p14:creationId xmlns:p14="http://schemas.microsoft.com/office/powerpoint/2010/main" val="1041734813"/>
       </p:ext>
     </p:extLst>
   </p:cSld>
@@ -3986,21 +6035,21 @@
                 <a:latin typeface="Consolas" panose="020B0609020204030204" pitchFamily="49" charset="0"/>
                 <a:cs typeface="Consolas" panose="020B0609020204030204" pitchFamily="49" charset="0"/>
               </a:rPr>
-              <a:t>feiniciotransporte</a:t>
+              <a:t>fechaasignacion</a:t>
             </a:r>
             <a:r>
               <a:rPr lang="es-ES_tradnl" dirty="0"/>
-              <a:t>. Se coloca el estado de ‘PR’ (procesando).</a:t>
+              <a:t>. Se coloca el estado de ‘01’ (asignado).</a:t>
             </a:r>
           </a:p>
         </p:txBody>
       </p:sp>
       <p:pic>
         <p:nvPicPr>
-          <p:cNvPr id="5" name="Picture 4">
-            <a:extLst>
-              <a:ext uri="{FF2B5EF4-FFF2-40B4-BE49-F238E27FC236}">
-                <a16:creationId xmlns:a16="http://schemas.microsoft.com/office/drawing/2014/main" id="{0C36FC61-CD6C-29F9-2663-65A2B791E68D}"/>
+          <p:cNvPr id="6" name="Picture 5">
+            <a:extLst>
+              <a:ext uri="{FF2B5EF4-FFF2-40B4-BE49-F238E27FC236}">
+                <a16:creationId xmlns:a16="http://schemas.microsoft.com/office/drawing/2014/main" id="{5777ED97-9D0D-4CD3-B3E9-EEC80828C513}"/>
               </a:ext>
             </a:extLst>
           </p:cNvPr>
@@ -4018,118 +6067,6 @@
           <a:xfrm>
             <a:off x="635309" y="1072055"/>
             <a:ext cx="2699314" cy="5548589"/>
-          </a:xfrm>
-          <a:prstGeom prst="rect">
-            <a:avLst/>
-          </a:prstGeom>
-        </p:spPr>
-      </p:pic>
-      <p:sp>
-        <p:nvSpPr>
-          <p:cNvPr id="7" name="TextBox 6">
-            <a:extLst>
-              <a:ext uri="{FF2B5EF4-FFF2-40B4-BE49-F238E27FC236}">
-                <a16:creationId xmlns:a16="http://schemas.microsoft.com/office/drawing/2014/main" id="{9017BC50-AEA5-7C15-B875-9BFFB0DFDFDE}"/>
-              </a:ext>
-            </a:extLst>
-          </p:cNvPr>
-          <p:cNvSpPr txBox="1"/>
-          <p:nvPr/>
-        </p:nvSpPr>
-        <p:spPr>
-          <a:xfrm>
-            <a:off x="599089" y="1618597"/>
-            <a:ext cx="1318438" cy="292388"/>
-          </a:xfrm>
-          <a:prstGeom prst="rect">
-            <a:avLst/>
-          </a:prstGeom>
-          <a:noFill/>
-        </p:spPr>
-        <p:txBody>
-          <a:bodyPr wrap="none" rtlCol="0">
-            <a:spAutoFit/>
-          </a:bodyPr>
-          <a:lstStyle/>
-          <a:p>
-            <a:r>
-              <a:rPr lang="es-ES_tradnl" sz="1300" dirty="0">
-                <a:solidFill>
-                  <a:srgbClr val="FF0000"/>
-                </a:solidFill>
-              </a:rPr>
-              <a:t>Abre Transporte</a:t>
-            </a:r>
-          </a:p>
-        </p:txBody>
-      </p:sp>
-      <p:sp>
-        <p:nvSpPr>
-          <p:cNvPr id="8" name="TextBox 7">
-            <a:extLst>
-              <a:ext uri="{FF2B5EF4-FFF2-40B4-BE49-F238E27FC236}">
-                <a16:creationId xmlns:a16="http://schemas.microsoft.com/office/drawing/2014/main" id="{0F10865E-67CC-D34F-70E7-C6550A64D6A4}"/>
-              </a:ext>
-            </a:extLst>
-          </p:cNvPr>
-          <p:cNvSpPr txBox="1"/>
-          <p:nvPr/>
-        </p:nvSpPr>
-        <p:spPr>
-          <a:xfrm>
-            <a:off x="793529" y="1939160"/>
-            <a:ext cx="2309222" cy="276999"/>
-          </a:xfrm>
-          <a:prstGeom prst="rect">
-            <a:avLst/>
-          </a:prstGeom>
-          <a:noFill/>
-        </p:spPr>
-        <p:txBody>
-          <a:bodyPr wrap="none" rtlCol="0">
-            <a:spAutoFit/>
-          </a:bodyPr>
-          <a:lstStyle/>
-          <a:p>
-            <a:r>
-              <a:rPr lang="es-ES_tradnl" sz="1200" dirty="0"/>
-              <a:t>Transporte:</a:t>
-            </a:r>
-            <a:r>
-              <a:rPr lang="es-ES_tradnl" sz="1200" dirty="0">
-                <a:solidFill>
-                  <a:srgbClr val="FF0000"/>
-                </a:solidFill>
-              </a:rPr>
-              <a:t> ___________________</a:t>
-            </a:r>
-          </a:p>
-        </p:txBody>
-      </p:sp>
-      <p:pic>
-        <p:nvPicPr>
-          <p:cNvPr id="10" name="Picture 9" descr="A blue and white rectangles&#10;&#10;Description automatically generated">
-            <a:extLst>
-              <a:ext uri="{FF2B5EF4-FFF2-40B4-BE49-F238E27FC236}">
-                <a16:creationId xmlns:a16="http://schemas.microsoft.com/office/drawing/2014/main" id="{EC2A937D-71B6-5A36-1F54-B5EDAF904005}"/>
-              </a:ext>
-            </a:extLst>
-          </p:cNvPr>
-          <p:cNvPicPr>
-            <a:picLocks noChangeAspect="1"/>
-          </p:cNvPicPr>
-          <p:nvPr/>
-        </p:nvPicPr>
-        <p:blipFill>
-          <a:blip r:embed="rId3"/>
-          <a:stretch>
-            <a:fillRect/>
-          </a:stretch>
-        </p:blipFill>
-        <p:spPr>
-          <a:xfrm>
-            <a:off x="679411" y="2373814"/>
-            <a:ext cx="2590725" cy="331200"/>
           </a:xfrm>
           <a:prstGeom prst="rect">
             <a:avLst/>
@@ -4157,6 +6094,172 @@
         <p:cNvPr id="1" name="">
           <a:extLst>
             <a:ext uri="{FF2B5EF4-FFF2-40B4-BE49-F238E27FC236}">
+              <a16:creationId xmlns:a16="http://schemas.microsoft.com/office/drawing/2014/main" id="{3AC9038E-5E25-234F-F873-E0578EE9895F}"/>
+            </a:ext>
+          </a:extLst>
+        </p:cNvPr>
+        <p:cNvGrpSpPr/>
+        <p:nvPr/>
+      </p:nvGrpSpPr>
+      <p:grpSpPr>
+        <a:xfrm>
+          <a:off x="0" y="0"/>
+          <a:ext cx="0" cy="0"/>
+          <a:chOff x="0" y="0"/>
+          <a:chExt cx="0" cy="0"/>
+        </a:xfrm>
+      </p:grpSpPr>
+      <p:sp>
+        <p:nvSpPr>
+          <p:cNvPr id="2" name="Title 1">
+            <a:extLst>
+              <a:ext uri="{FF2B5EF4-FFF2-40B4-BE49-F238E27FC236}">
+                <a16:creationId xmlns:a16="http://schemas.microsoft.com/office/drawing/2014/main" id="{2AF8A2AE-2A73-1754-71F7-AF9483F35A75}"/>
+              </a:ext>
+            </a:extLst>
+          </p:cNvPr>
+          <p:cNvSpPr>
+            <a:spLocks noGrp="1"/>
+          </p:cNvSpPr>
+          <p:nvPr>
+            <p:ph type="title"/>
+          </p:nvPr>
+        </p:nvSpPr>
+        <p:spPr>
+          <a:xfrm>
+            <a:off x="249623" y="123388"/>
+            <a:ext cx="10515600" cy="791013"/>
+          </a:xfrm>
+        </p:spPr>
+        <p:txBody>
+          <a:bodyPr/>
+          <a:lstStyle/>
+          <a:p>
+            <a:r>
+              <a:rPr lang="es-ES_tradnl" dirty="0"/>
+              <a:t>Surtido, </a:t>
+            </a:r>
+            <a:r>
+              <a:rPr lang="es-ES_tradnl" sz="3200" dirty="0"/>
+              <a:t>Cancela Transporte</a:t>
+            </a:r>
+          </a:p>
+        </p:txBody>
+      </p:sp>
+      <p:sp>
+        <p:nvSpPr>
+          <p:cNvPr id="3" name="Content Placeholder 2">
+            <a:extLst>
+              <a:ext uri="{FF2B5EF4-FFF2-40B4-BE49-F238E27FC236}">
+                <a16:creationId xmlns:a16="http://schemas.microsoft.com/office/drawing/2014/main" id="{9B123C47-8E0A-BDD0-E123-6202EA2ECF37}"/>
+              </a:ext>
+            </a:extLst>
+          </p:cNvPr>
+          <p:cNvSpPr>
+            <a:spLocks noGrp="1"/>
+          </p:cNvSpPr>
+          <p:nvPr>
+            <p:ph idx="1"/>
+          </p:nvPr>
+        </p:nvSpPr>
+        <p:spPr>
+          <a:xfrm>
+            <a:off x="3594538" y="1072053"/>
+            <a:ext cx="8292661" cy="5548590"/>
+          </a:xfrm>
+        </p:spPr>
+        <p:txBody>
+          <a:bodyPr/>
+          <a:lstStyle/>
+          <a:p>
+            <a:r>
+              <a:rPr lang="es-ES_tradnl" dirty="0"/>
+              <a:t>Si ya está el Transporte abierto muestra los datos del Transporte.</a:t>
+            </a:r>
+          </a:p>
+          <a:p>
+            <a:r>
+              <a:rPr lang="es-ES_tradnl" dirty="0"/>
+              <a:t>El Transporte se puede cancelar (clic en el botón cancelar).</a:t>
+            </a:r>
+          </a:p>
+          <a:p>
+            <a:r>
+              <a:rPr lang="es-ES_tradnl" dirty="0"/>
+              <a:t>Al cancelar en el </a:t>
+            </a:r>
+            <a:r>
+              <a:rPr lang="es-ES_tradnl" sz="2600" i="1" dirty="0" err="1"/>
+              <a:t>backend</a:t>
+            </a:r>
+            <a:r>
+              <a:rPr lang="es-ES_tradnl" dirty="0"/>
+              <a:t> se coloca el horario de apertura de </a:t>
+            </a:r>
+            <a:r>
+              <a:rPr lang="es-ES_tradnl" sz="2400" dirty="0" err="1">
+                <a:latin typeface="Consolas" panose="020B0609020204030204" pitchFamily="49" charset="0"/>
+                <a:cs typeface="Consolas" panose="020B0609020204030204" pitchFamily="49" charset="0"/>
+              </a:rPr>
+              <a:t>fechacancelacion</a:t>
+            </a:r>
+            <a:r>
+              <a:rPr lang="es-ES_tradnl" dirty="0"/>
+              <a:t>. Se coloca el estado de ‘10’ (cancelado).</a:t>
+            </a:r>
+          </a:p>
+        </p:txBody>
+      </p:sp>
+      <p:pic>
+        <p:nvPicPr>
+          <p:cNvPr id="6" name="Picture 5">
+            <a:extLst>
+              <a:ext uri="{FF2B5EF4-FFF2-40B4-BE49-F238E27FC236}">
+                <a16:creationId xmlns:a16="http://schemas.microsoft.com/office/drawing/2014/main" id="{267389B8-A11C-4918-21FC-243EDB4F662B}"/>
+              </a:ext>
+            </a:extLst>
+          </p:cNvPr>
+          <p:cNvPicPr>
+            <a:picLocks noChangeAspect="1"/>
+          </p:cNvPicPr>
+          <p:nvPr/>
+        </p:nvPicPr>
+        <p:blipFill>
+          <a:blip r:embed="rId2"/>
+          <a:srcRect/>
+          <a:stretch/>
+        </p:blipFill>
+        <p:spPr>
+          <a:xfrm>
+            <a:off x="635309" y="1072055"/>
+            <a:ext cx="2699313" cy="5548589"/>
+          </a:xfrm>
+          <a:prstGeom prst="rect">
+            <a:avLst/>
+          </a:prstGeom>
+        </p:spPr>
+      </p:pic>
+    </p:spTree>
+    <p:extLst>
+      <p:ext uri="{BB962C8B-B14F-4D97-AF65-F5344CB8AC3E}">
+        <p14:creationId xmlns:p14="http://schemas.microsoft.com/office/powerpoint/2010/main" val="2021151532"/>
+      </p:ext>
+    </p:extLst>
+  </p:cSld>
+  <p:clrMapOvr>
+    <a:masterClrMapping/>
+  </p:clrMapOvr>
+</p:sld>
+</file>
+
+<file path=ppt/slides/slide5.xml><?xml version="1.0" encoding="utf-8"?>
+<p:sld xmlns:a="http://schemas.openxmlformats.org/drawingml/2006/main" xmlns:r="http://schemas.openxmlformats.org/officeDocument/2006/relationships" xmlns:p="http://schemas.openxmlformats.org/presentationml/2006/main">
+  <p:cSld>
+    <p:spTree>
+      <p:nvGrpSpPr>
+        <p:cNvPr id="1" name="">
+          <a:extLst>
+            <a:ext uri="{FF2B5EF4-FFF2-40B4-BE49-F238E27FC236}">
               <a16:creationId xmlns:a16="http://schemas.microsoft.com/office/drawing/2014/main" id="{6E8D81D4-22FA-6AA5-3AAC-0C3D983C339E}"/>
             </a:ext>
           </a:extLst>
@@ -4267,10 +6370,10 @@
       </p:sp>
       <p:pic>
         <p:nvPicPr>
-          <p:cNvPr id="25" name="Picture 24">
-            <a:extLst>
-              <a:ext uri="{FF2B5EF4-FFF2-40B4-BE49-F238E27FC236}">
-                <a16:creationId xmlns:a16="http://schemas.microsoft.com/office/drawing/2014/main" id="{BE504FAB-8F53-D6FB-E548-0AB1DD5C6645}"/>
+          <p:cNvPr id="5" name="Picture 4">
+            <a:extLst>
+              <a:ext uri="{FF2B5EF4-FFF2-40B4-BE49-F238E27FC236}">
+                <a16:creationId xmlns:a16="http://schemas.microsoft.com/office/drawing/2014/main" id="{0C574FE5-D616-4414-EA12-F9E46D438360}"/>
               </a:ext>
             </a:extLst>
           </p:cNvPr>
@@ -4287,121 +6390,13 @@
         <p:spPr>
           <a:xfrm>
             <a:off x="635309" y="1072055"/>
-            <a:ext cx="2699314" cy="5548589"/>
+            <a:ext cx="2699313" cy="5548589"/>
           </a:xfrm>
           <a:prstGeom prst="rect">
             <a:avLst/>
           </a:prstGeom>
         </p:spPr>
       </p:pic>
-      <p:sp>
-        <p:nvSpPr>
-          <p:cNvPr id="26" name="TextBox 25">
-            <a:extLst>
-              <a:ext uri="{FF2B5EF4-FFF2-40B4-BE49-F238E27FC236}">
-                <a16:creationId xmlns:a16="http://schemas.microsoft.com/office/drawing/2014/main" id="{84A6C7C9-B144-F116-E75D-E17C240766E2}"/>
-              </a:ext>
-            </a:extLst>
-          </p:cNvPr>
-          <p:cNvSpPr txBox="1"/>
-          <p:nvPr/>
-        </p:nvSpPr>
-        <p:spPr>
-          <a:xfrm>
-            <a:off x="599089" y="1618597"/>
-            <a:ext cx="1277144" cy="292388"/>
-          </a:xfrm>
-          <a:prstGeom prst="rect">
-            <a:avLst/>
-          </a:prstGeom>
-          <a:noFill/>
-        </p:spPr>
-        <p:txBody>
-          <a:bodyPr wrap="none" rtlCol="0">
-            <a:spAutoFit/>
-          </a:bodyPr>
-          <a:lstStyle/>
-          <a:p>
-            <a:r>
-              <a:rPr lang="es-ES_tradnl" sz="1300" dirty="0">
-                <a:solidFill>
-                  <a:srgbClr val="FF0000"/>
-                </a:solidFill>
-              </a:rPr>
-              <a:t>Asigna Pedidos</a:t>
-            </a:r>
-          </a:p>
-        </p:txBody>
-      </p:sp>
-      <p:pic>
-        <p:nvPicPr>
-          <p:cNvPr id="28" name="Picture 27">
-            <a:extLst>
-              <a:ext uri="{FF2B5EF4-FFF2-40B4-BE49-F238E27FC236}">
-                <a16:creationId xmlns:a16="http://schemas.microsoft.com/office/drawing/2014/main" id="{3DDE3DC4-FFEC-8DAA-0242-A9B4DCC827E8}"/>
-              </a:ext>
-            </a:extLst>
-          </p:cNvPr>
-          <p:cNvPicPr>
-            <a:picLocks noChangeAspect="1"/>
-          </p:cNvPicPr>
-          <p:nvPr/>
-        </p:nvPicPr>
-        <p:blipFill>
-          <a:blip r:embed="rId3"/>
-          <a:srcRect/>
-          <a:stretch/>
-        </p:blipFill>
-        <p:spPr>
-          <a:xfrm>
-            <a:off x="679413" y="2016465"/>
-            <a:ext cx="2590720" cy="331200"/>
-          </a:xfrm>
-          <a:prstGeom prst="rect">
-            <a:avLst/>
-          </a:prstGeom>
-        </p:spPr>
-      </p:pic>
-      <p:sp>
-        <p:nvSpPr>
-          <p:cNvPr id="29" name="TextBox 28">
-            <a:extLst>
-              <a:ext uri="{FF2B5EF4-FFF2-40B4-BE49-F238E27FC236}">
-                <a16:creationId xmlns:a16="http://schemas.microsoft.com/office/drawing/2014/main" id="{62C60D0E-6A34-3D29-BF3B-666A615FDD9C}"/>
-              </a:ext>
-            </a:extLst>
-          </p:cNvPr>
-          <p:cNvSpPr txBox="1"/>
-          <p:nvPr/>
-        </p:nvSpPr>
-        <p:spPr>
-          <a:xfrm>
-            <a:off x="756745" y="2044264"/>
-            <a:ext cx="2438400" cy="276999"/>
-          </a:xfrm>
-          <a:prstGeom prst="rect">
-            <a:avLst/>
-          </a:prstGeom>
-          <a:noFill/>
-        </p:spPr>
-        <p:txBody>
-          <a:bodyPr wrap="square" rtlCol="0">
-            <a:spAutoFit/>
-          </a:bodyPr>
-          <a:lstStyle/>
-          <a:p>
-            <a:pPr algn="ctr"/>
-            <a:r>
-              <a:rPr lang="es-ES_tradnl" sz="1200" dirty="0">
-                <a:solidFill>
-                  <a:schemeClr val="bg1"/>
-                </a:solidFill>
-              </a:rPr>
-              <a:t>Asignar Pedidos</a:t>
-            </a:r>
-          </a:p>
-        </p:txBody>
-      </p:sp>
     </p:spTree>
     <p:extLst>
       <p:ext uri="{BB962C8B-B14F-4D97-AF65-F5344CB8AC3E}">
@@ -4415,7 +6410,7 @@
 </p:sld>
 </file>
 
-<file path=ppt/slides/slide5.xml><?xml version="1.0" encoding="utf-8"?>
+<file path=ppt/slides/slide6.xml><?xml version="1.0" encoding="utf-8"?>
 <p:sld xmlns:a="http://schemas.openxmlformats.org/drawingml/2006/main" xmlns:r="http://schemas.openxmlformats.org/officeDocument/2006/relationships" xmlns:p="http://schemas.openxmlformats.org/presentationml/2006/main">
   <p:cSld>
     <p:spTree>
@@ -4568,7 +6563,7 @@
                 <a:latin typeface="Consolas" panose="020B0609020204030204" pitchFamily="49" charset="0"/>
                 <a:cs typeface="Consolas" panose="020B0609020204030204" pitchFamily="49" charset="0"/>
               </a:rPr>
-              <a:t>feasignapedidos</a:t>
+              <a:t>fechapedidos</a:t>
             </a:r>
             <a:r>
               <a:rPr lang="es-ES_tradnl" sz="2800" dirty="0">
@@ -4584,41 +6579,12 @@
           </a:p>
         </p:txBody>
       </p:sp>
-      <p:pic>
-        <p:nvPicPr>
-          <p:cNvPr id="5" name="Picture 4">
-            <a:extLst>
-              <a:ext uri="{FF2B5EF4-FFF2-40B4-BE49-F238E27FC236}">
-                <a16:creationId xmlns:a16="http://schemas.microsoft.com/office/drawing/2014/main" id="{E4C42397-C900-718B-1213-F2F65E2BB2B8}"/>
-              </a:ext>
-            </a:extLst>
-          </p:cNvPr>
-          <p:cNvPicPr>
-            <a:picLocks noChangeAspect="1"/>
-          </p:cNvPicPr>
-          <p:nvPr/>
-        </p:nvPicPr>
-        <p:blipFill>
-          <a:blip r:embed="rId2"/>
-          <a:srcRect/>
-          <a:stretch/>
-        </p:blipFill>
-        <p:spPr>
-          <a:xfrm>
-            <a:off x="635309" y="1072055"/>
-            <a:ext cx="2699314" cy="5548589"/>
-          </a:xfrm>
-          <a:prstGeom prst="rect">
-            <a:avLst/>
-          </a:prstGeom>
-        </p:spPr>
-      </p:pic>
       <p:grpSp>
         <p:nvGrpSpPr>
-          <p:cNvPr id="9" name="Group 8">
-            <a:extLst>
-              <a:ext uri="{FF2B5EF4-FFF2-40B4-BE49-F238E27FC236}">
-                <a16:creationId xmlns:a16="http://schemas.microsoft.com/office/drawing/2014/main" id="{6077A505-6354-3BC6-89CA-7EDA9A2536A5}"/>
+          <p:cNvPr id="7" name="Group 6">
+            <a:extLst>
+              <a:ext uri="{FF2B5EF4-FFF2-40B4-BE49-F238E27FC236}">
+                <a16:creationId xmlns:a16="http://schemas.microsoft.com/office/drawing/2014/main" id="{028E181D-E750-0B68-2E7B-29C607BD8A89}"/>
               </a:ext>
             </a:extLst>
           </p:cNvPr>
@@ -4627,18 +6593,599 @@
         </p:nvGrpSpPr>
         <p:grpSpPr>
           <a:xfrm>
-            <a:off x="599089" y="1618597"/>
-            <a:ext cx="2661104" cy="838930"/>
-            <a:chOff x="599089" y="1618597"/>
-            <a:chExt cx="2661104" cy="838930"/>
+            <a:off x="593835" y="1072055"/>
+            <a:ext cx="2740788" cy="5548589"/>
+            <a:chOff x="593835" y="1072055"/>
+            <a:chExt cx="2740788" cy="5548589"/>
           </a:xfrm>
         </p:grpSpPr>
+        <p:pic>
+          <p:nvPicPr>
+            <p:cNvPr id="5" name="Picture 4">
+              <a:extLst>
+                <a:ext uri="{FF2B5EF4-FFF2-40B4-BE49-F238E27FC236}">
+                  <a16:creationId xmlns:a16="http://schemas.microsoft.com/office/drawing/2014/main" id="{E4C42397-C900-718B-1213-F2F65E2BB2B8}"/>
+                </a:ext>
+              </a:extLst>
+            </p:cNvPr>
+            <p:cNvPicPr>
+              <a:picLocks noChangeAspect="1"/>
+            </p:cNvPicPr>
+            <p:nvPr/>
+          </p:nvPicPr>
+          <p:blipFill>
+            <a:blip r:embed="rId2"/>
+            <a:srcRect/>
+            <a:stretch/>
+          </p:blipFill>
+          <p:spPr>
+            <a:xfrm>
+              <a:off x="635309" y="1072055"/>
+              <a:ext cx="2699314" cy="5548589"/>
+            </a:xfrm>
+            <a:prstGeom prst="rect">
+              <a:avLst/>
+            </a:prstGeom>
+          </p:spPr>
+        </p:pic>
+        <p:grpSp>
+          <p:nvGrpSpPr>
+            <p:cNvPr id="9" name="Group 8">
+              <a:extLst>
+                <a:ext uri="{FF2B5EF4-FFF2-40B4-BE49-F238E27FC236}">
+                  <a16:creationId xmlns:a16="http://schemas.microsoft.com/office/drawing/2014/main" id="{6077A505-6354-3BC6-89CA-7EDA9A2536A5}"/>
+                </a:ext>
+              </a:extLst>
+            </p:cNvPr>
+            <p:cNvGrpSpPr/>
+            <p:nvPr/>
+          </p:nvGrpSpPr>
+          <p:grpSpPr>
+            <a:xfrm>
+              <a:off x="599089" y="1618597"/>
+              <a:ext cx="2661104" cy="838930"/>
+              <a:chOff x="599089" y="1618597"/>
+              <a:chExt cx="2661104" cy="838930"/>
+            </a:xfrm>
+          </p:grpSpPr>
+          <p:sp>
+            <p:nvSpPr>
+              <p:cNvPr id="4" name="TextBox 3">
+                <a:extLst>
+                  <a:ext uri="{FF2B5EF4-FFF2-40B4-BE49-F238E27FC236}">
+                    <a16:creationId xmlns:a16="http://schemas.microsoft.com/office/drawing/2014/main" id="{93B8161E-6A03-FFB3-5F8B-4B59A5F36FE0}"/>
+                  </a:ext>
+                </a:extLst>
+              </p:cNvPr>
+              <p:cNvSpPr txBox="1"/>
+              <p:nvPr/>
+            </p:nvSpPr>
+            <p:spPr>
+              <a:xfrm>
+                <a:off x="599089" y="1618597"/>
+                <a:ext cx="803553" cy="292388"/>
+              </a:xfrm>
+              <a:prstGeom prst="rect">
+                <a:avLst/>
+              </a:prstGeom>
+              <a:noFill/>
+            </p:spPr>
+            <p:txBody>
+              <a:bodyPr wrap="none" rtlCol="0">
+                <a:spAutoFit/>
+              </a:bodyPr>
+              <a:lstStyle/>
+              <a:p>
+                <a:r>
+                  <a:rPr lang="es-ES_tradnl" sz="1300" dirty="0">
+                    <a:solidFill>
+                      <a:srgbClr val="FF0000"/>
+                    </a:solidFill>
+                  </a:rPr>
+                  <a:t>Pedido 1</a:t>
+                </a:r>
+              </a:p>
+            </p:txBody>
+          </p:sp>
+          <p:sp>
+            <p:nvSpPr>
+              <p:cNvPr id="6" name="Rectangle 5">
+                <a:extLst>
+                  <a:ext uri="{FF2B5EF4-FFF2-40B4-BE49-F238E27FC236}">
+                    <a16:creationId xmlns:a16="http://schemas.microsoft.com/office/drawing/2014/main" id="{98166884-44F9-1AB6-0A58-F3DE6E65A2DE}"/>
+                  </a:ext>
+                </a:extLst>
+              </p:cNvPr>
+              <p:cNvSpPr/>
+              <p:nvPr/>
+            </p:nvSpPr>
+            <p:spPr>
+              <a:xfrm>
+                <a:off x="704193" y="1910985"/>
+                <a:ext cx="2556000" cy="546542"/>
+              </a:xfrm>
+              <a:prstGeom prst="rect">
+                <a:avLst/>
+              </a:prstGeom>
+              <a:noFill/>
+              <a:ln w="3175"/>
+            </p:spPr>
+            <p:style>
+              <a:lnRef idx="2">
+                <a:schemeClr val="accent1">
+                  <a:shade val="15000"/>
+                </a:schemeClr>
+              </a:lnRef>
+              <a:fillRef idx="1">
+                <a:schemeClr val="accent1"/>
+              </a:fillRef>
+              <a:effectRef idx="0">
+                <a:schemeClr val="accent1"/>
+              </a:effectRef>
+              <a:fontRef idx="minor">
+                <a:schemeClr val="lt1"/>
+              </a:fontRef>
+            </p:style>
+            <p:txBody>
+              <a:bodyPr rtlCol="0" anchor="ctr"/>
+              <a:lstStyle/>
+              <a:p>
+                <a:pPr algn="ctr"/>
+                <a:endParaRPr lang="es-ES_tradnl"/>
+              </a:p>
+            </p:txBody>
+          </p:sp>
+          <p:pic>
+            <p:nvPicPr>
+              <p:cNvPr id="8" name="Picture 7">
+                <a:extLst>
+                  <a:ext uri="{FF2B5EF4-FFF2-40B4-BE49-F238E27FC236}">
+                    <a16:creationId xmlns:a16="http://schemas.microsoft.com/office/drawing/2014/main" id="{8832B69B-E2C4-F0E5-29C1-9C0C04840282}"/>
+                  </a:ext>
+                </a:extLst>
+              </p:cNvPr>
+              <p:cNvPicPr>
+                <a:picLocks noChangeAspect="1"/>
+              </p:cNvPicPr>
+              <p:nvPr/>
+            </p:nvPicPr>
+            <p:blipFill>
+              <a:blip r:embed="rId3"/>
+              <a:stretch>
+                <a:fillRect/>
+              </a:stretch>
+            </p:blipFill>
+            <p:spPr>
+              <a:xfrm>
+                <a:off x="2912927" y="2152727"/>
+                <a:ext cx="304800" cy="304800"/>
+              </a:xfrm>
+              <a:prstGeom prst="rect">
+                <a:avLst/>
+              </a:prstGeom>
+            </p:spPr>
+          </p:pic>
+        </p:grpSp>
+        <p:grpSp>
+          <p:nvGrpSpPr>
+            <p:cNvPr id="10" name="Group 9">
+              <a:extLst>
+                <a:ext uri="{FF2B5EF4-FFF2-40B4-BE49-F238E27FC236}">
+                  <a16:creationId xmlns:a16="http://schemas.microsoft.com/office/drawing/2014/main" id="{2ADBD641-D6FB-EA02-CBCA-2CA95E85E12E}"/>
+                </a:ext>
+              </a:extLst>
+            </p:cNvPr>
+            <p:cNvGrpSpPr/>
+            <p:nvPr/>
+          </p:nvGrpSpPr>
+          <p:grpSpPr>
+            <a:xfrm>
+              <a:off x="593839" y="2485698"/>
+              <a:ext cx="2661104" cy="838930"/>
+              <a:chOff x="599089" y="1618597"/>
+              <a:chExt cx="2661104" cy="838930"/>
+            </a:xfrm>
+          </p:grpSpPr>
+          <p:sp>
+            <p:nvSpPr>
+              <p:cNvPr id="11" name="TextBox 10">
+                <a:extLst>
+                  <a:ext uri="{FF2B5EF4-FFF2-40B4-BE49-F238E27FC236}">
+                    <a16:creationId xmlns:a16="http://schemas.microsoft.com/office/drawing/2014/main" id="{8201E0F2-A489-3F8E-2A3F-658C41F157CC}"/>
+                  </a:ext>
+                </a:extLst>
+              </p:cNvPr>
+              <p:cNvSpPr txBox="1"/>
+              <p:nvPr/>
+            </p:nvSpPr>
+            <p:spPr>
+              <a:xfrm>
+                <a:off x="599089" y="1618597"/>
+                <a:ext cx="803553" cy="292388"/>
+              </a:xfrm>
+              <a:prstGeom prst="rect">
+                <a:avLst/>
+              </a:prstGeom>
+              <a:noFill/>
+            </p:spPr>
+            <p:txBody>
+              <a:bodyPr wrap="none" rtlCol="0">
+                <a:spAutoFit/>
+              </a:bodyPr>
+              <a:lstStyle/>
+              <a:p>
+                <a:r>
+                  <a:rPr lang="es-ES_tradnl" sz="1300" dirty="0">
+                    <a:solidFill>
+                      <a:srgbClr val="FF0000"/>
+                    </a:solidFill>
+                  </a:rPr>
+                  <a:t>Pedido 2</a:t>
+                </a:r>
+              </a:p>
+            </p:txBody>
+          </p:sp>
+          <p:sp>
+            <p:nvSpPr>
+              <p:cNvPr id="12" name="Rectangle 11">
+                <a:extLst>
+                  <a:ext uri="{FF2B5EF4-FFF2-40B4-BE49-F238E27FC236}">
+                    <a16:creationId xmlns:a16="http://schemas.microsoft.com/office/drawing/2014/main" id="{37F98113-CAC6-005C-6685-CCFDD729EB4F}"/>
+                  </a:ext>
+                </a:extLst>
+              </p:cNvPr>
+              <p:cNvSpPr/>
+              <p:nvPr/>
+            </p:nvSpPr>
+            <p:spPr>
+              <a:xfrm>
+                <a:off x="704193" y="1910985"/>
+                <a:ext cx="2556000" cy="546542"/>
+              </a:xfrm>
+              <a:prstGeom prst="rect">
+                <a:avLst/>
+              </a:prstGeom>
+              <a:noFill/>
+              <a:ln w="3175"/>
+            </p:spPr>
+            <p:style>
+              <a:lnRef idx="2">
+                <a:schemeClr val="accent1">
+                  <a:shade val="15000"/>
+                </a:schemeClr>
+              </a:lnRef>
+              <a:fillRef idx="1">
+                <a:schemeClr val="accent1"/>
+              </a:fillRef>
+              <a:effectRef idx="0">
+                <a:schemeClr val="accent1"/>
+              </a:effectRef>
+              <a:fontRef idx="minor">
+                <a:schemeClr val="lt1"/>
+              </a:fontRef>
+            </p:style>
+            <p:txBody>
+              <a:bodyPr rtlCol="0" anchor="ctr"/>
+              <a:lstStyle/>
+              <a:p>
+                <a:pPr algn="ctr"/>
+                <a:endParaRPr lang="es-ES_tradnl"/>
+              </a:p>
+            </p:txBody>
+          </p:sp>
+          <p:pic>
+            <p:nvPicPr>
+              <p:cNvPr id="13" name="Picture 12">
+                <a:extLst>
+                  <a:ext uri="{FF2B5EF4-FFF2-40B4-BE49-F238E27FC236}">
+                    <a16:creationId xmlns:a16="http://schemas.microsoft.com/office/drawing/2014/main" id="{9780D2EF-6FD4-0DA4-A450-59AF6EFD4321}"/>
+                  </a:ext>
+                </a:extLst>
+              </p:cNvPr>
+              <p:cNvPicPr>
+                <a:picLocks noChangeAspect="1"/>
+              </p:cNvPicPr>
+              <p:nvPr/>
+            </p:nvPicPr>
+            <p:blipFill>
+              <a:blip r:embed="rId3"/>
+              <a:stretch>
+                <a:fillRect/>
+              </a:stretch>
+            </p:blipFill>
+            <p:spPr>
+              <a:xfrm>
+                <a:off x="2912927" y="2152727"/>
+                <a:ext cx="304800" cy="304800"/>
+              </a:xfrm>
+              <a:prstGeom prst="rect">
+                <a:avLst/>
+              </a:prstGeom>
+            </p:spPr>
+          </p:pic>
+        </p:grpSp>
+        <p:grpSp>
+          <p:nvGrpSpPr>
+            <p:cNvPr id="14" name="Group 13">
+              <a:extLst>
+                <a:ext uri="{FF2B5EF4-FFF2-40B4-BE49-F238E27FC236}">
+                  <a16:creationId xmlns:a16="http://schemas.microsoft.com/office/drawing/2014/main" id="{EBA84F17-24D9-1D6B-D848-A6A821F4E79E}"/>
+                </a:ext>
+              </a:extLst>
+            </p:cNvPr>
+            <p:cNvGrpSpPr/>
+            <p:nvPr/>
+          </p:nvGrpSpPr>
+          <p:grpSpPr>
+            <a:xfrm>
+              <a:off x="593835" y="3368560"/>
+              <a:ext cx="2661104" cy="838930"/>
+              <a:chOff x="599089" y="1618597"/>
+              <a:chExt cx="2661104" cy="838930"/>
+            </a:xfrm>
+          </p:grpSpPr>
+          <p:sp>
+            <p:nvSpPr>
+              <p:cNvPr id="15" name="TextBox 14">
+                <a:extLst>
+                  <a:ext uri="{FF2B5EF4-FFF2-40B4-BE49-F238E27FC236}">
+                    <a16:creationId xmlns:a16="http://schemas.microsoft.com/office/drawing/2014/main" id="{46F96D3A-63CA-A7AB-E854-9D650731B432}"/>
+                  </a:ext>
+                </a:extLst>
+              </p:cNvPr>
+              <p:cNvSpPr txBox="1"/>
+              <p:nvPr/>
+            </p:nvSpPr>
+            <p:spPr>
+              <a:xfrm>
+                <a:off x="599089" y="1618597"/>
+                <a:ext cx="803553" cy="292388"/>
+              </a:xfrm>
+              <a:prstGeom prst="rect">
+                <a:avLst/>
+              </a:prstGeom>
+              <a:noFill/>
+            </p:spPr>
+            <p:txBody>
+              <a:bodyPr wrap="none" rtlCol="0">
+                <a:spAutoFit/>
+              </a:bodyPr>
+              <a:lstStyle/>
+              <a:p>
+                <a:r>
+                  <a:rPr lang="es-ES_tradnl" sz="1300" dirty="0">
+                    <a:solidFill>
+                      <a:srgbClr val="FF0000"/>
+                    </a:solidFill>
+                  </a:rPr>
+                  <a:t>Pedido 3</a:t>
+                </a:r>
+              </a:p>
+            </p:txBody>
+          </p:sp>
+          <p:sp>
+            <p:nvSpPr>
+              <p:cNvPr id="16" name="Rectangle 15">
+                <a:extLst>
+                  <a:ext uri="{FF2B5EF4-FFF2-40B4-BE49-F238E27FC236}">
+                    <a16:creationId xmlns:a16="http://schemas.microsoft.com/office/drawing/2014/main" id="{2B3AC847-331C-E3CC-AFA0-DF72820B99E5}"/>
+                  </a:ext>
+                </a:extLst>
+              </p:cNvPr>
+              <p:cNvSpPr/>
+              <p:nvPr/>
+            </p:nvSpPr>
+            <p:spPr>
+              <a:xfrm>
+                <a:off x="704193" y="1910985"/>
+                <a:ext cx="2556000" cy="546542"/>
+              </a:xfrm>
+              <a:prstGeom prst="rect">
+                <a:avLst/>
+              </a:prstGeom>
+              <a:noFill/>
+              <a:ln w="3175"/>
+            </p:spPr>
+            <p:style>
+              <a:lnRef idx="2">
+                <a:schemeClr val="accent1">
+                  <a:shade val="15000"/>
+                </a:schemeClr>
+              </a:lnRef>
+              <a:fillRef idx="1">
+                <a:schemeClr val="accent1"/>
+              </a:fillRef>
+              <a:effectRef idx="0">
+                <a:schemeClr val="accent1"/>
+              </a:effectRef>
+              <a:fontRef idx="minor">
+                <a:schemeClr val="lt1"/>
+              </a:fontRef>
+            </p:style>
+            <p:txBody>
+              <a:bodyPr rtlCol="0" anchor="ctr"/>
+              <a:lstStyle/>
+              <a:p>
+                <a:pPr algn="ctr"/>
+                <a:endParaRPr lang="es-ES_tradnl"/>
+              </a:p>
+            </p:txBody>
+          </p:sp>
+          <p:pic>
+            <p:nvPicPr>
+              <p:cNvPr id="17" name="Picture 16">
+                <a:extLst>
+                  <a:ext uri="{FF2B5EF4-FFF2-40B4-BE49-F238E27FC236}">
+                    <a16:creationId xmlns:a16="http://schemas.microsoft.com/office/drawing/2014/main" id="{DF586F0F-3284-2B99-FE60-4FBA82B7B65C}"/>
+                  </a:ext>
+                </a:extLst>
+              </p:cNvPr>
+              <p:cNvPicPr>
+                <a:picLocks noChangeAspect="1"/>
+              </p:cNvPicPr>
+              <p:nvPr/>
+            </p:nvPicPr>
+            <p:blipFill>
+              <a:blip r:embed="rId3"/>
+              <a:stretch>
+                <a:fillRect/>
+              </a:stretch>
+            </p:blipFill>
+            <p:spPr>
+              <a:xfrm>
+                <a:off x="2912927" y="2152727"/>
+                <a:ext cx="304800" cy="304800"/>
+              </a:xfrm>
+              <a:prstGeom prst="rect">
+                <a:avLst/>
+              </a:prstGeom>
+            </p:spPr>
+          </p:pic>
+        </p:grpSp>
+        <p:grpSp>
+          <p:nvGrpSpPr>
+            <p:cNvPr id="18" name="Group 17">
+              <a:extLst>
+                <a:ext uri="{FF2B5EF4-FFF2-40B4-BE49-F238E27FC236}">
+                  <a16:creationId xmlns:a16="http://schemas.microsoft.com/office/drawing/2014/main" id="{8693C43A-18BF-D766-139F-3D28589990E4}"/>
+                </a:ext>
+              </a:extLst>
+            </p:cNvPr>
+            <p:cNvGrpSpPr/>
+            <p:nvPr/>
+          </p:nvGrpSpPr>
+          <p:grpSpPr>
+            <a:xfrm>
+              <a:off x="604349" y="4482655"/>
+              <a:ext cx="2661104" cy="838930"/>
+              <a:chOff x="599089" y="1618597"/>
+              <a:chExt cx="2661104" cy="838930"/>
+            </a:xfrm>
+          </p:grpSpPr>
+          <p:sp>
+            <p:nvSpPr>
+              <p:cNvPr id="19" name="TextBox 18">
+                <a:extLst>
+                  <a:ext uri="{FF2B5EF4-FFF2-40B4-BE49-F238E27FC236}">
+                    <a16:creationId xmlns:a16="http://schemas.microsoft.com/office/drawing/2014/main" id="{28BF01AB-6074-0C67-9DDF-B3D8DD81C0A0}"/>
+                  </a:ext>
+                </a:extLst>
+              </p:cNvPr>
+              <p:cNvSpPr txBox="1"/>
+              <p:nvPr/>
+            </p:nvSpPr>
+            <p:spPr>
+              <a:xfrm>
+                <a:off x="599089" y="1618597"/>
+                <a:ext cx="803553" cy="292388"/>
+              </a:xfrm>
+              <a:prstGeom prst="rect">
+                <a:avLst/>
+              </a:prstGeom>
+              <a:noFill/>
+            </p:spPr>
+            <p:txBody>
+              <a:bodyPr wrap="none" rtlCol="0">
+                <a:spAutoFit/>
+              </a:bodyPr>
+              <a:lstStyle/>
+              <a:p>
+                <a:r>
+                  <a:rPr lang="es-ES_tradnl" sz="1300" dirty="0">
+                    <a:solidFill>
+                      <a:srgbClr val="FF0000"/>
+                    </a:solidFill>
+                  </a:rPr>
+                  <a:t>Pedido n</a:t>
+                </a:r>
+              </a:p>
+            </p:txBody>
+          </p:sp>
+          <p:sp>
+            <p:nvSpPr>
+              <p:cNvPr id="20" name="Rectangle 19">
+                <a:extLst>
+                  <a:ext uri="{FF2B5EF4-FFF2-40B4-BE49-F238E27FC236}">
+                    <a16:creationId xmlns:a16="http://schemas.microsoft.com/office/drawing/2014/main" id="{8D8FB0E2-EF28-0BFF-1451-03365D79B327}"/>
+                  </a:ext>
+                </a:extLst>
+              </p:cNvPr>
+              <p:cNvSpPr/>
+              <p:nvPr/>
+            </p:nvSpPr>
+            <p:spPr>
+              <a:xfrm>
+                <a:off x="704193" y="1910985"/>
+                <a:ext cx="2556000" cy="546542"/>
+              </a:xfrm>
+              <a:prstGeom prst="rect">
+                <a:avLst/>
+              </a:prstGeom>
+              <a:noFill/>
+              <a:ln w="3175"/>
+            </p:spPr>
+            <p:style>
+              <a:lnRef idx="2">
+                <a:schemeClr val="accent1">
+                  <a:shade val="15000"/>
+                </a:schemeClr>
+              </a:lnRef>
+              <a:fillRef idx="1">
+                <a:schemeClr val="accent1"/>
+              </a:fillRef>
+              <a:effectRef idx="0">
+                <a:schemeClr val="accent1"/>
+              </a:effectRef>
+              <a:fontRef idx="minor">
+                <a:schemeClr val="lt1"/>
+              </a:fontRef>
+            </p:style>
+            <p:txBody>
+              <a:bodyPr rtlCol="0" anchor="ctr"/>
+              <a:lstStyle/>
+              <a:p>
+                <a:pPr algn="ctr"/>
+                <a:endParaRPr lang="es-ES_tradnl"/>
+              </a:p>
+            </p:txBody>
+          </p:sp>
+          <p:pic>
+            <p:nvPicPr>
+              <p:cNvPr id="21" name="Picture 20">
+                <a:extLst>
+                  <a:ext uri="{FF2B5EF4-FFF2-40B4-BE49-F238E27FC236}">
+                    <a16:creationId xmlns:a16="http://schemas.microsoft.com/office/drawing/2014/main" id="{2D38F31F-A5ED-62D7-9ADC-36B2B6505D7F}"/>
+                  </a:ext>
+                </a:extLst>
+              </p:cNvPr>
+              <p:cNvPicPr>
+                <a:picLocks noChangeAspect="1"/>
+              </p:cNvPicPr>
+              <p:nvPr/>
+            </p:nvPicPr>
+            <p:blipFill>
+              <a:blip r:embed="rId3"/>
+              <a:stretch>
+                <a:fillRect/>
+              </a:stretch>
+            </p:blipFill>
+            <p:spPr>
+              <a:xfrm>
+                <a:off x="2912927" y="2152727"/>
+                <a:ext cx="304800" cy="304800"/>
+              </a:xfrm>
+              <a:prstGeom prst="rect">
+                <a:avLst/>
+              </a:prstGeom>
+            </p:spPr>
+          </p:pic>
+        </p:grpSp>
         <p:sp>
           <p:nvSpPr>
-            <p:cNvPr id="4" name="TextBox 3">
+            <p:cNvPr id="22" name="TextBox 21">
               <a:extLst>
                 <a:ext uri="{FF2B5EF4-FFF2-40B4-BE49-F238E27FC236}">
-                  <a16:creationId xmlns:a16="http://schemas.microsoft.com/office/drawing/2014/main" id="{93B8161E-6A03-FFB3-5F8B-4B59A5F36FE0}"/>
+                  <a16:creationId xmlns:a16="http://schemas.microsoft.com/office/drawing/2014/main" id="{AD3C0F91-3CE2-44E8-3ACD-B2FFE005E6A8}"/>
                 </a:ext>
               </a:extLst>
             </p:cNvPr>
@@ -4647,8 +7194,8 @@
           </p:nvSpPr>
           <p:spPr>
             <a:xfrm>
-              <a:off x="599089" y="1618597"/>
-              <a:ext cx="803553" cy="292388"/>
+              <a:off x="698939" y="4225158"/>
+              <a:ext cx="404647" cy="292388"/>
             </a:xfrm>
             <a:prstGeom prst="rect">
               <a:avLst/>
@@ -4656,7 +7203,7 @@
             <a:noFill/>
           </p:spPr>
           <p:txBody>
-            <a:bodyPr wrap="none" rtlCol="0">
+            <a:bodyPr wrap="square" rtlCol="0">
               <a:spAutoFit/>
             </a:bodyPr>
             <a:lstStyle/>
@@ -4667,65 +7214,17 @@
                     <a:srgbClr val="FF0000"/>
                   </a:solidFill>
                 </a:rPr>
-                <a:t>Pedido 1</a:t>
+                <a:t>...     </a:t>
               </a:r>
-            </a:p>
-          </p:txBody>
-        </p:sp>
-        <p:sp>
-          <p:nvSpPr>
-            <p:cNvPr id="6" name="Rectangle 5">
-              <a:extLst>
-                <a:ext uri="{FF2B5EF4-FFF2-40B4-BE49-F238E27FC236}">
-                  <a16:creationId xmlns:a16="http://schemas.microsoft.com/office/drawing/2014/main" id="{98166884-44F9-1AB6-0A58-F3DE6E65A2DE}"/>
-                </a:ext>
-              </a:extLst>
-            </p:cNvPr>
-            <p:cNvSpPr/>
-            <p:nvPr/>
-          </p:nvSpPr>
-          <p:spPr>
-            <a:xfrm>
-              <a:off x="704193" y="1910985"/>
-              <a:ext cx="2556000" cy="546542"/>
-            </a:xfrm>
-            <a:prstGeom prst="rect">
-              <a:avLst/>
-            </a:prstGeom>
-            <a:noFill/>
-            <a:ln w="3175"/>
-          </p:spPr>
-          <p:style>
-            <a:lnRef idx="2">
-              <a:schemeClr val="accent1">
-                <a:shade val="15000"/>
-              </a:schemeClr>
-            </a:lnRef>
-            <a:fillRef idx="1">
-              <a:schemeClr val="accent1"/>
-            </a:fillRef>
-            <a:effectRef idx="0">
-              <a:schemeClr val="accent1"/>
-            </a:effectRef>
-            <a:fontRef idx="minor">
-              <a:schemeClr val="lt1"/>
-            </a:fontRef>
-          </p:style>
-          <p:txBody>
-            <a:bodyPr rtlCol="0" anchor="ctr"/>
-            <a:lstStyle/>
-            <a:p>
-              <a:pPr algn="ctr"/>
-              <a:endParaRPr lang="es-ES_tradnl"/>
             </a:p>
           </p:txBody>
         </p:sp>
         <p:pic>
           <p:nvPicPr>
-            <p:cNvPr id="8" name="Picture 7">
+            <p:cNvPr id="24" name="Picture 23" descr="A blue and white rectangles&#10;&#10;Description automatically generated">
               <a:extLst>
                 <a:ext uri="{FF2B5EF4-FFF2-40B4-BE49-F238E27FC236}">
-                  <a16:creationId xmlns:a16="http://schemas.microsoft.com/office/drawing/2014/main" id="{8832B69B-E2C4-F0E5-29C1-9C0C04840282}"/>
+                  <a16:creationId xmlns:a16="http://schemas.microsoft.com/office/drawing/2014/main" id="{9C7B751E-8AFC-6EDD-9F5E-1540C32AB567}"/>
                 </a:ext>
               </a:extLst>
             </p:cNvPr>
@@ -4735,15 +7234,15 @@
             <p:nvPr/>
           </p:nvPicPr>
           <p:blipFill>
-            <a:blip r:embed="rId3"/>
+            <a:blip r:embed="rId4"/>
             <a:stretch>
               <a:fillRect/>
             </a:stretch>
           </p:blipFill>
           <p:spPr>
             <a:xfrm>
-              <a:off x="2912927" y="2152727"/>
-              <a:ext cx="304800" cy="304800"/>
+              <a:off x="679411" y="5474354"/>
+              <a:ext cx="2590725" cy="331200"/>
             </a:xfrm>
             <a:prstGeom prst="rect">
               <a:avLst/>
@@ -4751,489 +7250,6 @@
           </p:spPr>
         </p:pic>
       </p:grpSp>
-      <p:grpSp>
-        <p:nvGrpSpPr>
-          <p:cNvPr id="10" name="Group 9">
-            <a:extLst>
-              <a:ext uri="{FF2B5EF4-FFF2-40B4-BE49-F238E27FC236}">
-                <a16:creationId xmlns:a16="http://schemas.microsoft.com/office/drawing/2014/main" id="{2ADBD641-D6FB-EA02-CBCA-2CA95E85E12E}"/>
-              </a:ext>
-            </a:extLst>
-          </p:cNvPr>
-          <p:cNvGrpSpPr/>
-          <p:nvPr/>
-        </p:nvGrpSpPr>
-        <p:grpSpPr>
-          <a:xfrm>
-            <a:off x="593839" y="2485698"/>
-            <a:ext cx="2661104" cy="838930"/>
-            <a:chOff x="599089" y="1618597"/>
-            <a:chExt cx="2661104" cy="838930"/>
-          </a:xfrm>
-        </p:grpSpPr>
-        <p:sp>
-          <p:nvSpPr>
-            <p:cNvPr id="11" name="TextBox 10">
-              <a:extLst>
-                <a:ext uri="{FF2B5EF4-FFF2-40B4-BE49-F238E27FC236}">
-                  <a16:creationId xmlns:a16="http://schemas.microsoft.com/office/drawing/2014/main" id="{8201E0F2-A489-3F8E-2A3F-658C41F157CC}"/>
-                </a:ext>
-              </a:extLst>
-            </p:cNvPr>
-            <p:cNvSpPr txBox="1"/>
-            <p:nvPr/>
-          </p:nvSpPr>
-          <p:spPr>
-            <a:xfrm>
-              <a:off x="599089" y="1618597"/>
-              <a:ext cx="803553" cy="292388"/>
-            </a:xfrm>
-            <a:prstGeom prst="rect">
-              <a:avLst/>
-            </a:prstGeom>
-            <a:noFill/>
-          </p:spPr>
-          <p:txBody>
-            <a:bodyPr wrap="none" rtlCol="0">
-              <a:spAutoFit/>
-            </a:bodyPr>
-            <a:lstStyle/>
-            <a:p>
-              <a:r>
-                <a:rPr lang="es-ES_tradnl" sz="1300" dirty="0">
-                  <a:solidFill>
-                    <a:srgbClr val="FF0000"/>
-                  </a:solidFill>
-                </a:rPr>
-                <a:t>Pedido 2</a:t>
-              </a:r>
-            </a:p>
-          </p:txBody>
-        </p:sp>
-        <p:sp>
-          <p:nvSpPr>
-            <p:cNvPr id="12" name="Rectangle 11">
-              <a:extLst>
-                <a:ext uri="{FF2B5EF4-FFF2-40B4-BE49-F238E27FC236}">
-                  <a16:creationId xmlns:a16="http://schemas.microsoft.com/office/drawing/2014/main" id="{37F98113-CAC6-005C-6685-CCFDD729EB4F}"/>
-                </a:ext>
-              </a:extLst>
-            </p:cNvPr>
-            <p:cNvSpPr/>
-            <p:nvPr/>
-          </p:nvSpPr>
-          <p:spPr>
-            <a:xfrm>
-              <a:off x="704193" y="1910985"/>
-              <a:ext cx="2556000" cy="546542"/>
-            </a:xfrm>
-            <a:prstGeom prst="rect">
-              <a:avLst/>
-            </a:prstGeom>
-            <a:noFill/>
-            <a:ln w="3175"/>
-          </p:spPr>
-          <p:style>
-            <a:lnRef idx="2">
-              <a:schemeClr val="accent1">
-                <a:shade val="15000"/>
-              </a:schemeClr>
-            </a:lnRef>
-            <a:fillRef idx="1">
-              <a:schemeClr val="accent1"/>
-            </a:fillRef>
-            <a:effectRef idx="0">
-              <a:schemeClr val="accent1"/>
-            </a:effectRef>
-            <a:fontRef idx="minor">
-              <a:schemeClr val="lt1"/>
-            </a:fontRef>
-          </p:style>
-          <p:txBody>
-            <a:bodyPr rtlCol="0" anchor="ctr"/>
-            <a:lstStyle/>
-            <a:p>
-              <a:pPr algn="ctr"/>
-              <a:endParaRPr lang="es-ES_tradnl"/>
-            </a:p>
-          </p:txBody>
-        </p:sp>
-        <p:pic>
-          <p:nvPicPr>
-            <p:cNvPr id="13" name="Picture 12">
-              <a:extLst>
-                <a:ext uri="{FF2B5EF4-FFF2-40B4-BE49-F238E27FC236}">
-                  <a16:creationId xmlns:a16="http://schemas.microsoft.com/office/drawing/2014/main" id="{9780D2EF-6FD4-0DA4-A450-59AF6EFD4321}"/>
-                </a:ext>
-              </a:extLst>
-            </p:cNvPr>
-            <p:cNvPicPr>
-              <a:picLocks noChangeAspect="1"/>
-            </p:cNvPicPr>
-            <p:nvPr/>
-          </p:nvPicPr>
-          <p:blipFill>
-            <a:blip r:embed="rId3"/>
-            <a:stretch>
-              <a:fillRect/>
-            </a:stretch>
-          </p:blipFill>
-          <p:spPr>
-            <a:xfrm>
-              <a:off x="2912927" y="2152727"/>
-              <a:ext cx="304800" cy="304800"/>
-            </a:xfrm>
-            <a:prstGeom prst="rect">
-              <a:avLst/>
-            </a:prstGeom>
-          </p:spPr>
-        </p:pic>
-      </p:grpSp>
-      <p:grpSp>
-        <p:nvGrpSpPr>
-          <p:cNvPr id="14" name="Group 13">
-            <a:extLst>
-              <a:ext uri="{FF2B5EF4-FFF2-40B4-BE49-F238E27FC236}">
-                <a16:creationId xmlns:a16="http://schemas.microsoft.com/office/drawing/2014/main" id="{EBA84F17-24D9-1D6B-D848-A6A821F4E79E}"/>
-              </a:ext>
-            </a:extLst>
-          </p:cNvPr>
-          <p:cNvGrpSpPr/>
-          <p:nvPr/>
-        </p:nvGrpSpPr>
-        <p:grpSpPr>
-          <a:xfrm>
-            <a:off x="593835" y="3368560"/>
-            <a:ext cx="2661104" cy="838930"/>
-            <a:chOff x="599089" y="1618597"/>
-            <a:chExt cx="2661104" cy="838930"/>
-          </a:xfrm>
-        </p:grpSpPr>
-        <p:sp>
-          <p:nvSpPr>
-            <p:cNvPr id="15" name="TextBox 14">
-              <a:extLst>
-                <a:ext uri="{FF2B5EF4-FFF2-40B4-BE49-F238E27FC236}">
-                  <a16:creationId xmlns:a16="http://schemas.microsoft.com/office/drawing/2014/main" id="{46F96D3A-63CA-A7AB-E854-9D650731B432}"/>
-                </a:ext>
-              </a:extLst>
-            </p:cNvPr>
-            <p:cNvSpPr txBox="1"/>
-            <p:nvPr/>
-          </p:nvSpPr>
-          <p:spPr>
-            <a:xfrm>
-              <a:off x="599089" y="1618597"/>
-              <a:ext cx="803553" cy="292388"/>
-            </a:xfrm>
-            <a:prstGeom prst="rect">
-              <a:avLst/>
-            </a:prstGeom>
-            <a:noFill/>
-          </p:spPr>
-          <p:txBody>
-            <a:bodyPr wrap="none" rtlCol="0">
-              <a:spAutoFit/>
-            </a:bodyPr>
-            <a:lstStyle/>
-            <a:p>
-              <a:r>
-                <a:rPr lang="es-ES_tradnl" sz="1300" dirty="0">
-                  <a:solidFill>
-                    <a:srgbClr val="FF0000"/>
-                  </a:solidFill>
-                </a:rPr>
-                <a:t>Pedido 3</a:t>
-              </a:r>
-            </a:p>
-          </p:txBody>
-        </p:sp>
-        <p:sp>
-          <p:nvSpPr>
-            <p:cNvPr id="16" name="Rectangle 15">
-              <a:extLst>
-                <a:ext uri="{FF2B5EF4-FFF2-40B4-BE49-F238E27FC236}">
-                  <a16:creationId xmlns:a16="http://schemas.microsoft.com/office/drawing/2014/main" id="{2B3AC847-331C-E3CC-AFA0-DF72820B99E5}"/>
-                </a:ext>
-              </a:extLst>
-            </p:cNvPr>
-            <p:cNvSpPr/>
-            <p:nvPr/>
-          </p:nvSpPr>
-          <p:spPr>
-            <a:xfrm>
-              <a:off x="704193" y="1910985"/>
-              <a:ext cx="2556000" cy="546542"/>
-            </a:xfrm>
-            <a:prstGeom prst="rect">
-              <a:avLst/>
-            </a:prstGeom>
-            <a:noFill/>
-            <a:ln w="3175"/>
-          </p:spPr>
-          <p:style>
-            <a:lnRef idx="2">
-              <a:schemeClr val="accent1">
-                <a:shade val="15000"/>
-              </a:schemeClr>
-            </a:lnRef>
-            <a:fillRef idx="1">
-              <a:schemeClr val="accent1"/>
-            </a:fillRef>
-            <a:effectRef idx="0">
-              <a:schemeClr val="accent1"/>
-            </a:effectRef>
-            <a:fontRef idx="minor">
-              <a:schemeClr val="lt1"/>
-            </a:fontRef>
-          </p:style>
-          <p:txBody>
-            <a:bodyPr rtlCol="0" anchor="ctr"/>
-            <a:lstStyle/>
-            <a:p>
-              <a:pPr algn="ctr"/>
-              <a:endParaRPr lang="es-ES_tradnl"/>
-            </a:p>
-          </p:txBody>
-        </p:sp>
-        <p:pic>
-          <p:nvPicPr>
-            <p:cNvPr id="17" name="Picture 16">
-              <a:extLst>
-                <a:ext uri="{FF2B5EF4-FFF2-40B4-BE49-F238E27FC236}">
-                  <a16:creationId xmlns:a16="http://schemas.microsoft.com/office/drawing/2014/main" id="{DF586F0F-3284-2B99-FE60-4FBA82B7B65C}"/>
-                </a:ext>
-              </a:extLst>
-            </p:cNvPr>
-            <p:cNvPicPr>
-              <a:picLocks noChangeAspect="1"/>
-            </p:cNvPicPr>
-            <p:nvPr/>
-          </p:nvPicPr>
-          <p:blipFill>
-            <a:blip r:embed="rId3"/>
-            <a:stretch>
-              <a:fillRect/>
-            </a:stretch>
-          </p:blipFill>
-          <p:spPr>
-            <a:xfrm>
-              <a:off x="2912927" y="2152727"/>
-              <a:ext cx="304800" cy="304800"/>
-            </a:xfrm>
-            <a:prstGeom prst="rect">
-              <a:avLst/>
-            </a:prstGeom>
-          </p:spPr>
-        </p:pic>
-      </p:grpSp>
-      <p:grpSp>
-        <p:nvGrpSpPr>
-          <p:cNvPr id="18" name="Group 17">
-            <a:extLst>
-              <a:ext uri="{FF2B5EF4-FFF2-40B4-BE49-F238E27FC236}">
-                <a16:creationId xmlns:a16="http://schemas.microsoft.com/office/drawing/2014/main" id="{8693C43A-18BF-D766-139F-3D28589990E4}"/>
-              </a:ext>
-            </a:extLst>
-          </p:cNvPr>
-          <p:cNvGrpSpPr/>
-          <p:nvPr/>
-        </p:nvGrpSpPr>
-        <p:grpSpPr>
-          <a:xfrm>
-            <a:off x="604349" y="4482655"/>
-            <a:ext cx="2661104" cy="838930"/>
-            <a:chOff x="599089" y="1618597"/>
-            <a:chExt cx="2661104" cy="838930"/>
-          </a:xfrm>
-        </p:grpSpPr>
-        <p:sp>
-          <p:nvSpPr>
-            <p:cNvPr id="19" name="TextBox 18">
-              <a:extLst>
-                <a:ext uri="{FF2B5EF4-FFF2-40B4-BE49-F238E27FC236}">
-                  <a16:creationId xmlns:a16="http://schemas.microsoft.com/office/drawing/2014/main" id="{28BF01AB-6074-0C67-9DDF-B3D8DD81C0A0}"/>
-                </a:ext>
-              </a:extLst>
-            </p:cNvPr>
-            <p:cNvSpPr txBox="1"/>
-            <p:nvPr/>
-          </p:nvSpPr>
-          <p:spPr>
-            <a:xfrm>
-              <a:off x="599089" y="1618597"/>
-              <a:ext cx="803553" cy="292388"/>
-            </a:xfrm>
-            <a:prstGeom prst="rect">
-              <a:avLst/>
-            </a:prstGeom>
-            <a:noFill/>
-          </p:spPr>
-          <p:txBody>
-            <a:bodyPr wrap="none" rtlCol="0">
-              <a:spAutoFit/>
-            </a:bodyPr>
-            <a:lstStyle/>
-            <a:p>
-              <a:r>
-                <a:rPr lang="es-ES_tradnl" sz="1300" dirty="0">
-                  <a:solidFill>
-                    <a:srgbClr val="FF0000"/>
-                  </a:solidFill>
-                </a:rPr>
-                <a:t>Pedido n</a:t>
-              </a:r>
-            </a:p>
-          </p:txBody>
-        </p:sp>
-        <p:sp>
-          <p:nvSpPr>
-            <p:cNvPr id="20" name="Rectangle 19">
-              <a:extLst>
-                <a:ext uri="{FF2B5EF4-FFF2-40B4-BE49-F238E27FC236}">
-                  <a16:creationId xmlns:a16="http://schemas.microsoft.com/office/drawing/2014/main" id="{8D8FB0E2-EF28-0BFF-1451-03365D79B327}"/>
-                </a:ext>
-              </a:extLst>
-            </p:cNvPr>
-            <p:cNvSpPr/>
-            <p:nvPr/>
-          </p:nvSpPr>
-          <p:spPr>
-            <a:xfrm>
-              <a:off x="704193" y="1910985"/>
-              <a:ext cx="2556000" cy="546542"/>
-            </a:xfrm>
-            <a:prstGeom prst="rect">
-              <a:avLst/>
-            </a:prstGeom>
-            <a:noFill/>
-            <a:ln w="3175"/>
-          </p:spPr>
-          <p:style>
-            <a:lnRef idx="2">
-              <a:schemeClr val="accent1">
-                <a:shade val="15000"/>
-              </a:schemeClr>
-            </a:lnRef>
-            <a:fillRef idx="1">
-              <a:schemeClr val="accent1"/>
-            </a:fillRef>
-            <a:effectRef idx="0">
-              <a:schemeClr val="accent1"/>
-            </a:effectRef>
-            <a:fontRef idx="minor">
-              <a:schemeClr val="lt1"/>
-            </a:fontRef>
-          </p:style>
-          <p:txBody>
-            <a:bodyPr rtlCol="0" anchor="ctr"/>
-            <a:lstStyle/>
-            <a:p>
-              <a:pPr algn="ctr"/>
-              <a:endParaRPr lang="es-ES_tradnl"/>
-            </a:p>
-          </p:txBody>
-        </p:sp>
-        <p:pic>
-          <p:nvPicPr>
-            <p:cNvPr id="21" name="Picture 20">
-              <a:extLst>
-                <a:ext uri="{FF2B5EF4-FFF2-40B4-BE49-F238E27FC236}">
-                  <a16:creationId xmlns:a16="http://schemas.microsoft.com/office/drawing/2014/main" id="{2D38F31F-A5ED-62D7-9ADC-36B2B6505D7F}"/>
-                </a:ext>
-              </a:extLst>
-            </p:cNvPr>
-            <p:cNvPicPr>
-              <a:picLocks noChangeAspect="1"/>
-            </p:cNvPicPr>
-            <p:nvPr/>
-          </p:nvPicPr>
-          <p:blipFill>
-            <a:blip r:embed="rId3"/>
-            <a:stretch>
-              <a:fillRect/>
-            </a:stretch>
-          </p:blipFill>
-          <p:spPr>
-            <a:xfrm>
-              <a:off x="2912927" y="2152727"/>
-              <a:ext cx="304800" cy="304800"/>
-            </a:xfrm>
-            <a:prstGeom prst="rect">
-              <a:avLst/>
-            </a:prstGeom>
-          </p:spPr>
-        </p:pic>
-      </p:grpSp>
-      <p:sp>
-        <p:nvSpPr>
-          <p:cNvPr id="22" name="TextBox 21">
-            <a:extLst>
-              <a:ext uri="{FF2B5EF4-FFF2-40B4-BE49-F238E27FC236}">
-                <a16:creationId xmlns:a16="http://schemas.microsoft.com/office/drawing/2014/main" id="{AD3C0F91-3CE2-44E8-3ACD-B2FFE005E6A8}"/>
-              </a:ext>
-            </a:extLst>
-          </p:cNvPr>
-          <p:cNvSpPr txBox="1"/>
-          <p:nvPr/>
-        </p:nvSpPr>
-        <p:spPr>
-          <a:xfrm>
-            <a:off x="698939" y="4225158"/>
-            <a:ext cx="404647" cy="292388"/>
-          </a:xfrm>
-          <a:prstGeom prst="rect">
-            <a:avLst/>
-          </a:prstGeom>
-          <a:noFill/>
-        </p:spPr>
-        <p:txBody>
-          <a:bodyPr wrap="square" rtlCol="0">
-            <a:spAutoFit/>
-          </a:bodyPr>
-          <a:lstStyle/>
-          <a:p>
-            <a:r>
-              <a:rPr lang="es-ES_tradnl" sz="1300" dirty="0">
-                <a:solidFill>
-                  <a:srgbClr val="FF0000"/>
-                </a:solidFill>
-              </a:rPr>
-              <a:t>...     </a:t>
-            </a:r>
-          </a:p>
-        </p:txBody>
-      </p:sp>
-      <p:pic>
-        <p:nvPicPr>
-          <p:cNvPr id="24" name="Picture 23" descr="A blue and white rectangles&#10;&#10;Description automatically generated">
-            <a:extLst>
-              <a:ext uri="{FF2B5EF4-FFF2-40B4-BE49-F238E27FC236}">
-                <a16:creationId xmlns:a16="http://schemas.microsoft.com/office/drawing/2014/main" id="{9C7B751E-8AFC-6EDD-9F5E-1540C32AB567}"/>
-              </a:ext>
-            </a:extLst>
-          </p:cNvPr>
-          <p:cNvPicPr>
-            <a:picLocks noChangeAspect="1"/>
-          </p:cNvPicPr>
-          <p:nvPr/>
-        </p:nvPicPr>
-        <p:blipFill>
-          <a:blip r:embed="rId4"/>
-          <a:stretch>
-            <a:fillRect/>
-          </a:stretch>
-        </p:blipFill>
-        <p:spPr>
-          <a:xfrm>
-            <a:off x="679411" y="5474354"/>
-            <a:ext cx="2590725" cy="331200"/>
-          </a:xfrm>
-          <a:prstGeom prst="rect">
-            <a:avLst/>
-          </a:prstGeom>
-        </p:spPr>
-      </p:pic>
     </p:spTree>
     <p:extLst>
       <p:ext uri="{BB962C8B-B14F-4D97-AF65-F5344CB8AC3E}">
@@ -5247,7 +7263,7 @@
 </p:sld>
 </file>
 
-<file path=ppt/slides/slide6.xml><?xml version="1.0" encoding="utf-8"?>
+<file path=ppt/slides/slide7.xml><?xml version="1.0" encoding="utf-8"?>
 <p:sld xmlns:a="http://schemas.openxmlformats.org/drawingml/2006/main" xmlns:r="http://schemas.openxmlformats.org/officeDocument/2006/relationships" xmlns:p="http://schemas.openxmlformats.org/presentationml/2006/main">
   <p:cSld>
     <p:spTree>
@@ -5387,7 +7403,7 @@
                 <a:latin typeface="Consolas" panose="020B0609020204030204" pitchFamily="49" charset="0"/>
                 <a:cs typeface="Consolas" panose="020B0609020204030204" pitchFamily="49" charset="0"/>
               </a:rPr>
-              <a:t>feiniciosurtido</a:t>
+              <a:t>fechainiciosurtido</a:t>
             </a:r>
             <a:r>
               <a:rPr lang="es-ES_tradnl" dirty="0"/>
@@ -5408,41 +7424,12 @@
           </a:p>
         </p:txBody>
       </p:sp>
-      <p:pic>
-        <p:nvPicPr>
-          <p:cNvPr id="23" name="Picture 22">
-            <a:extLst>
-              <a:ext uri="{FF2B5EF4-FFF2-40B4-BE49-F238E27FC236}">
-                <a16:creationId xmlns:a16="http://schemas.microsoft.com/office/drawing/2014/main" id="{AD8C0AF2-093D-A16D-7D6E-74A97D95DCA5}"/>
-              </a:ext>
-            </a:extLst>
-          </p:cNvPr>
-          <p:cNvPicPr>
-            <a:picLocks noChangeAspect="1"/>
-          </p:cNvPicPr>
-          <p:nvPr/>
-        </p:nvPicPr>
-        <p:blipFill>
-          <a:blip r:embed="rId2"/>
-          <a:srcRect/>
-          <a:stretch/>
-        </p:blipFill>
-        <p:spPr>
-          <a:xfrm>
-            <a:off x="635309" y="1072055"/>
-            <a:ext cx="2699314" cy="5548589"/>
-          </a:xfrm>
-          <a:prstGeom prst="rect">
-            <a:avLst/>
-          </a:prstGeom>
-        </p:spPr>
-      </p:pic>
       <p:grpSp>
         <p:nvGrpSpPr>
-          <p:cNvPr id="24" name="Group 23">
-            <a:extLst>
-              <a:ext uri="{FF2B5EF4-FFF2-40B4-BE49-F238E27FC236}">
-                <a16:creationId xmlns:a16="http://schemas.microsoft.com/office/drawing/2014/main" id="{5DEC5398-C72D-FF3D-FA92-1E31831E2045}"/>
+          <p:cNvPr id="4" name="Group 3">
+            <a:extLst>
+              <a:ext uri="{FF2B5EF4-FFF2-40B4-BE49-F238E27FC236}">
+                <a16:creationId xmlns:a16="http://schemas.microsoft.com/office/drawing/2014/main" id="{7FBCA200-07CB-31FB-296B-849848218B61}"/>
               </a:ext>
             </a:extLst>
           </p:cNvPr>
@@ -5451,18 +7438,597 @@
         </p:nvGrpSpPr>
         <p:grpSpPr>
           <a:xfrm>
-            <a:off x="599089" y="1618597"/>
-            <a:ext cx="2661104" cy="838930"/>
-            <a:chOff x="599089" y="1618597"/>
-            <a:chExt cx="2661104" cy="838930"/>
+            <a:off x="593835" y="1072055"/>
+            <a:ext cx="2740788" cy="5548589"/>
+            <a:chOff x="593835" y="1072055"/>
+            <a:chExt cx="2740788" cy="5548589"/>
           </a:xfrm>
         </p:grpSpPr>
+        <p:pic>
+          <p:nvPicPr>
+            <p:cNvPr id="23" name="Picture 22">
+              <a:extLst>
+                <a:ext uri="{FF2B5EF4-FFF2-40B4-BE49-F238E27FC236}">
+                  <a16:creationId xmlns:a16="http://schemas.microsoft.com/office/drawing/2014/main" id="{AD8C0AF2-093D-A16D-7D6E-74A97D95DCA5}"/>
+                </a:ext>
+              </a:extLst>
+            </p:cNvPr>
+            <p:cNvPicPr>
+              <a:picLocks noChangeAspect="1"/>
+            </p:cNvPicPr>
+            <p:nvPr/>
+          </p:nvPicPr>
+          <p:blipFill>
+            <a:blip r:embed="rId2"/>
+            <a:srcRect/>
+            <a:stretch/>
+          </p:blipFill>
+          <p:spPr>
+            <a:xfrm>
+              <a:off x="635309" y="1072055"/>
+              <a:ext cx="2699314" cy="5548589"/>
+            </a:xfrm>
+            <a:prstGeom prst="rect">
+              <a:avLst/>
+            </a:prstGeom>
+          </p:spPr>
+        </p:pic>
+        <p:grpSp>
+          <p:nvGrpSpPr>
+            <p:cNvPr id="24" name="Group 23">
+              <a:extLst>
+                <a:ext uri="{FF2B5EF4-FFF2-40B4-BE49-F238E27FC236}">
+                  <a16:creationId xmlns:a16="http://schemas.microsoft.com/office/drawing/2014/main" id="{5DEC5398-C72D-FF3D-FA92-1E31831E2045}"/>
+                </a:ext>
+              </a:extLst>
+            </p:cNvPr>
+            <p:cNvGrpSpPr/>
+            <p:nvPr/>
+          </p:nvGrpSpPr>
+          <p:grpSpPr>
+            <a:xfrm>
+              <a:off x="599089" y="1618597"/>
+              <a:ext cx="2661104" cy="838930"/>
+              <a:chOff x="599089" y="1618597"/>
+              <a:chExt cx="2661104" cy="838930"/>
+            </a:xfrm>
+          </p:grpSpPr>
+          <p:sp>
+            <p:nvSpPr>
+              <p:cNvPr id="25" name="TextBox 24">
+                <a:extLst>
+                  <a:ext uri="{FF2B5EF4-FFF2-40B4-BE49-F238E27FC236}">
+                    <a16:creationId xmlns:a16="http://schemas.microsoft.com/office/drawing/2014/main" id="{FB62DB01-585E-AE46-61BE-48F505C0263F}"/>
+                  </a:ext>
+                </a:extLst>
+              </p:cNvPr>
+              <p:cNvSpPr txBox="1"/>
+              <p:nvPr/>
+            </p:nvSpPr>
+            <p:spPr>
+              <a:xfrm>
+                <a:off x="599089" y="1618597"/>
+                <a:ext cx="803553" cy="292388"/>
+              </a:xfrm>
+              <a:prstGeom prst="rect">
+                <a:avLst/>
+              </a:prstGeom>
+              <a:noFill/>
+            </p:spPr>
+            <p:txBody>
+              <a:bodyPr wrap="none" rtlCol="0">
+                <a:spAutoFit/>
+              </a:bodyPr>
+              <a:lstStyle/>
+              <a:p>
+                <a:r>
+                  <a:rPr lang="es-ES_tradnl" sz="1300" dirty="0">
+                    <a:solidFill>
+                      <a:srgbClr val="FF0000"/>
+                    </a:solidFill>
+                  </a:rPr>
+                  <a:t>Pedido 1</a:t>
+                </a:r>
+              </a:p>
+            </p:txBody>
+          </p:sp>
+          <p:sp>
+            <p:nvSpPr>
+              <p:cNvPr id="26" name="Rectangle 25">
+                <a:extLst>
+                  <a:ext uri="{FF2B5EF4-FFF2-40B4-BE49-F238E27FC236}">
+                    <a16:creationId xmlns:a16="http://schemas.microsoft.com/office/drawing/2014/main" id="{058072CB-DCD3-A054-C685-E5327B3890CF}"/>
+                  </a:ext>
+                </a:extLst>
+              </p:cNvPr>
+              <p:cNvSpPr/>
+              <p:nvPr/>
+            </p:nvSpPr>
+            <p:spPr>
+              <a:xfrm>
+                <a:off x="704193" y="1910985"/>
+                <a:ext cx="2556000" cy="546542"/>
+              </a:xfrm>
+              <a:prstGeom prst="rect">
+                <a:avLst/>
+              </a:prstGeom>
+              <a:noFill/>
+              <a:ln w="3175"/>
+            </p:spPr>
+            <p:style>
+              <a:lnRef idx="2">
+                <a:schemeClr val="accent1">
+                  <a:shade val="15000"/>
+                </a:schemeClr>
+              </a:lnRef>
+              <a:fillRef idx="1">
+                <a:schemeClr val="accent1"/>
+              </a:fillRef>
+              <a:effectRef idx="0">
+                <a:schemeClr val="accent1"/>
+              </a:effectRef>
+              <a:fontRef idx="minor">
+                <a:schemeClr val="lt1"/>
+              </a:fontRef>
+            </p:style>
+            <p:txBody>
+              <a:bodyPr rtlCol="0" anchor="ctr"/>
+              <a:lstStyle/>
+              <a:p>
+                <a:pPr algn="ctr"/>
+                <a:endParaRPr lang="es-ES_tradnl"/>
+              </a:p>
+            </p:txBody>
+          </p:sp>
+          <p:pic>
+            <p:nvPicPr>
+              <p:cNvPr id="27" name="Picture 26">
+                <a:extLst>
+                  <a:ext uri="{FF2B5EF4-FFF2-40B4-BE49-F238E27FC236}">
+                    <a16:creationId xmlns:a16="http://schemas.microsoft.com/office/drawing/2014/main" id="{D9552DA1-AFA6-C93B-9400-439812B9E19B}"/>
+                  </a:ext>
+                </a:extLst>
+              </p:cNvPr>
+              <p:cNvPicPr>
+                <a:picLocks noChangeAspect="1"/>
+              </p:cNvPicPr>
+              <p:nvPr/>
+            </p:nvPicPr>
+            <p:blipFill>
+              <a:blip r:embed="rId3"/>
+              <a:srcRect/>
+              <a:stretch/>
+            </p:blipFill>
+            <p:spPr>
+              <a:xfrm>
+                <a:off x="2912927" y="2152727"/>
+                <a:ext cx="304800" cy="304800"/>
+              </a:xfrm>
+              <a:prstGeom prst="rect">
+                <a:avLst/>
+              </a:prstGeom>
+            </p:spPr>
+          </p:pic>
+        </p:grpSp>
+        <p:grpSp>
+          <p:nvGrpSpPr>
+            <p:cNvPr id="28" name="Group 27">
+              <a:extLst>
+                <a:ext uri="{FF2B5EF4-FFF2-40B4-BE49-F238E27FC236}">
+                  <a16:creationId xmlns:a16="http://schemas.microsoft.com/office/drawing/2014/main" id="{1784C822-6005-D855-C48C-DD833560B0C2}"/>
+                </a:ext>
+              </a:extLst>
+            </p:cNvPr>
+            <p:cNvGrpSpPr/>
+            <p:nvPr/>
+          </p:nvGrpSpPr>
+          <p:grpSpPr>
+            <a:xfrm>
+              <a:off x="593839" y="2485698"/>
+              <a:ext cx="2661104" cy="838930"/>
+              <a:chOff x="599089" y="1618597"/>
+              <a:chExt cx="2661104" cy="838930"/>
+            </a:xfrm>
+          </p:grpSpPr>
+          <p:sp>
+            <p:nvSpPr>
+              <p:cNvPr id="29" name="TextBox 28">
+                <a:extLst>
+                  <a:ext uri="{FF2B5EF4-FFF2-40B4-BE49-F238E27FC236}">
+                    <a16:creationId xmlns:a16="http://schemas.microsoft.com/office/drawing/2014/main" id="{55014B22-2C4D-3880-0B2E-F2F804B0822C}"/>
+                  </a:ext>
+                </a:extLst>
+              </p:cNvPr>
+              <p:cNvSpPr txBox="1"/>
+              <p:nvPr/>
+            </p:nvSpPr>
+            <p:spPr>
+              <a:xfrm>
+                <a:off x="599089" y="1618597"/>
+                <a:ext cx="803553" cy="292388"/>
+              </a:xfrm>
+              <a:prstGeom prst="rect">
+                <a:avLst/>
+              </a:prstGeom>
+              <a:noFill/>
+            </p:spPr>
+            <p:txBody>
+              <a:bodyPr wrap="none" rtlCol="0">
+                <a:spAutoFit/>
+              </a:bodyPr>
+              <a:lstStyle/>
+              <a:p>
+                <a:r>
+                  <a:rPr lang="es-ES_tradnl" sz="1300" dirty="0">
+                    <a:solidFill>
+                      <a:srgbClr val="FF0000"/>
+                    </a:solidFill>
+                  </a:rPr>
+                  <a:t>Pedido 2</a:t>
+                </a:r>
+              </a:p>
+            </p:txBody>
+          </p:sp>
+          <p:sp>
+            <p:nvSpPr>
+              <p:cNvPr id="30" name="Rectangle 29">
+                <a:extLst>
+                  <a:ext uri="{FF2B5EF4-FFF2-40B4-BE49-F238E27FC236}">
+                    <a16:creationId xmlns:a16="http://schemas.microsoft.com/office/drawing/2014/main" id="{76F3C5FF-FA41-C58B-F401-CF7E86CA0BFE}"/>
+                  </a:ext>
+                </a:extLst>
+              </p:cNvPr>
+              <p:cNvSpPr/>
+              <p:nvPr/>
+            </p:nvSpPr>
+            <p:spPr>
+              <a:xfrm>
+                <a:off x="704193" y="1910985"/>
+                <a:ext cx="2556000" cy="546542"/>
+              </a:xfrm>
+              <a:prstGeom prst="rect">
+                <a:avLst/>
+              </a:prstGeom>
+              <a:noFill/>
+              <a:ln w="3175"/>
+            </p:spPr>
+            <p:style>
+              <a:lnRef idx="2">
+                <a:schemeClr val="accent1">
+                  <a:shade val="15000"/>
+                </a:schemeClr>
+              </a:lnRef>
+              <a:fillRef idx="1">
+                <a:schemeClr val="accent1"/>
+              </a:fillRef>
+              <a:effectRef idx="0">
+                <a:schemeClr val="accent1"/>
+              </a:effectRef>
+              <a:fontRef idx="minor">
+                <a:schemeClr val="lt1"/>
+              </a:fontRef>
+            </p:style>
+            <p:txBody>
+              <a:bodyPr rtlCol="0" anchor="ctr"/>
+              <a:lstStyle/>
+              <a:p>
+                <a:pPr algn="ctr"/>
+                <a:endParaRPr lang="es-ES_tradnl"/>
+              </a:p>
+            </p:txBody>
+          </p:sp>
+          <p:pic>
+            <p:nvPicPr>
+              <p:cNvPr id="31" name="Picture 30">
+                <a:extLst>
+                  <a:ext uri="{FF2B5EF4-FFF2-40B4-BE49-F238E27FC236}">
+                    <a16:creationId xmlns:a16="http://schemas.microsoft.com/office/drawing/2014/main" id="{547EFABF-6FD6-080D-10D1-3A2C37E035A6}"/>
+                  </a:ext>
+                </a:extLst>
+              </p:cNvPr>
+              <p:cNvPicPr>
+                <a:picLocks noChangeAspect="1"/>
+              </p:cNvPicPr>
+              <p:nvPr/>
+            </p:nvPicPr>
+            <p:blipFill>
+              <a:blip r:embed="rId3"/>
+              <a:srcRect/>
+              <a:stretch/>
+            </p:blipFill>
+            <p:spPr>
+              <a:xfrm>
+                <a:off x="2912927" y="2152727"/>
+                <a:ext cx="304800" cy="304800"/>
+              </a:xfrm>
+              <a:prstGeom prst="rect">
+                <a:avLst/>
+              </a:prstGeom>
+            </p:spPr>
+          </p:pic>
+        </p:grpSp>
+        <p:grpSp>
+          <p:nvGrpSpPr>
+            <p:cNvPr id="32" name="Group 31">
+              <a:extLst>
+                <a:ext uri="{FF2B5EF4-FFF2-40B4-BE49-F238E27FC236}">
+                  <a16:creationId xmlns:a16="http://schemas.microsoft.com/office/drawing/2014/main" id="{D4459278-C662-A6A3-B200-1DD053D6C81F}"/>
+                </a:ext>
+              </a:extLst>
+            </p:cNvPr>
+            <p:cNvGrpSpPr/>
+            <p:nvPr/>
+          </p:nvGrpSpPr>
+          <p:grpSpPr>
+            <a:xfrm>
+              <a:off x="593835" y="3368560"/>
+              <a:ext cx="2661104" cy="838930"/>
+              <a:chOff x="599089" y="1618597"/>
+              <a:chExt cx="2661104" cy="838930"/>
+            </a:xfrm>
+          </p:grpSpPr>
+          <p:sp>
+            <p:nvSpPr>
+              <p:cNvPr id="33" name="TextBox 32">
+                <a:extLst>
+                  <a:ext uri="{FF2B5EF4-FFF2-40B4-BE49-F238E27FC236}">
+                    <a16:creationId xmlns:a16="http://schemas.microsoft.com/office/drawing/2014/main" id="{7DAA2623-9B0A-790D-771B-7FF063E42F98}"/>
+                  </a:ext>
+                </a:extLst>
+              </p:cNvPr>
+              <p:cNvSpPr txBox="1"/>
+              <p:nvPr/>
+            </p:nvSpPr>
+            <p:spPr>
+              <a:xfrm>
+                <a:off x="599089" y="1618597"/>
+                <a:ext cx="803553" cy="292388"/>
+              </a:xfrm>
+              <a:prstGeom prst="rect">
+                <a:avLst/>
+              </a:prstGeom>
+              <a:noFill/>
+            </p:spPr>
+            <p:txBody>
+              <a:bodyPr wrap="none" rtlCol="0">
+                <a:spAutoFit/>
+              </a:bodyPr>
+              <a:lstStyle/>
+              <a:p>
+                <a:r>
+                  <a:rPr lang="es-ES_tradnl" sz="1300" dirty="0">
+                    <a:solidFill>
+                      <a:srgbClr val="FF0000"/>
+                    </a:solidFill>
+                  </a:rPr>
+                  <a:t>Pedido 3</a:t>
+                </a:r>
+              </a:p>
+            </p:txBody>
+          </p:sp>
+          <p:sp>
+            <p:nvSpPr>
+              <p:cNvPr id="34" name="Rectangle 33">
+                <a:extLst>
+                  <a:ext uri="{FF2B5EF4-FFF2-40B4-BE49-F238E27FC236}">
+                    <a16:creationId xmlns:a16="http://schemas.microsoft.com/office/drawing/2014/main" id="{61FBA024-CF4B-B617-5F50-C8CE53796A4B}"/>
+                  </a:ext>
+                </a:extLst>
+              </p:cNvPr>
+              <p:cNvSpPr/>
+              <p:nvPr/>
+            </p:nvSpPr>
+            <p:spPr>
+              <a:xfrm>
+                <a:off x="704193" y="1910985"/>
+                <a:ext cx="2556000" cy="546542"/>
+              </a:xfrm>
+              <a:prstGeom prst="rect">
+                <a:avLst/>
+              </a:prstGeom>
+              <a:noFill/>
+              <a:ln w="3175"/>
+            </p:spPr>
+            <p:style>
+              <a:lnRef idx="2">
+                <a:schemeClr val="accent1">
+                  <a:shade val="15000"/>
+                </a:schemeClr>
+              </a:lnRef>
+              <a:fillRef idx="1">
+                <a:schemeClr val="accent1"/>
+              </a:fillRef>
+              <a:effectRef idx="0">
+                <a:schemeClr val="accent1"/>
+              </a:effectRef>
+              <a:fontRef idx="minor">
+                <a:schemeClr val="lt1"/>
+              </a:fontRef>
+            </p:style>
+            <p:txBody>
+              <a:bodyPr rtlCol="0" anchor="ctr"/>
+              <a:lstStyle/>
+              <a:p>
+                <a:pPr algn="ctr"/>
+                <a:endParaRPr lang="es-ES_tradnl"/>
+              </a:p>
+            </p:txBody>
+          </p:sp>
+          <p:pic>
+            <p:nvPicPr>
+              <p:cNvPr id="35" name="Picture 34">
+                <a:extLst>
+                  <a:ext uri="{FF2B5EF4-FFF2-40B4-BE49-F238E27FC236}">
+                    <a16:creationId xmlns:a16="http://schemas.microsoft.com/office/drawing/2014/main" id="{088A86A6-2BF8-E130-7FBE-3FF58B8D0283}"/>
+                  </a:ext>
+                </a:extLst>
+              </p:cNvPr>
+              <p:cNvPicPr>
+                <a:picLocks noChangeAspect="1"/>
+              </p:cNvPicPr>
+              <p:nvPr/>
+            </p:nvPicPr>
+            <p:blipFill>
+              <a:blip r:embed="rId4"/>
+              <a:stretch>
+                <a:fillRect/>
+              </a:stretch>
+            </p:blipFill>
+            <p:spPr>
+              <a:xfrm>
+                <a:off x="2912927" y="2152727"/>
+                <a:ext cx="304800" cy="304800"/>
+              </a:xfrm>
+              <a:prstGeom prst="rect">
+                <a:avLst/>
+              </a:prstGeom>
+            </p:spPr>
+          </p:pic>
+        </p:grpSp>
+        <p:grpSp>
+          <p:nvGrpSpPr>
+            <p:cNvPr id="36" name="Group 35">
+              <a:extLst>
+                <a:ext uri="{FF2B5EF4-FFF2-40B4-BE49-F238E27FC236}">
+                  <a16:creationId xmlns:a16="http://schemas.microsoft.com/office/drawing/2014/main" id="{9EFCD37A-DCA3-41BD-90D1-8B6F5C2A79D9}"/>
+                </a:ext>
+              </a:extLst>
+            </p:cNvPr>
+            <p:cNvGrpSpPr/>
+            <p:nvPr/>
+          </p:nvGrpSpPr>
+          <p:grpSpPr>
+            <a:xfrm>
+              <a:off x="604349" y="4482655"/>
+              <a:ext cx="2661104" cy="838930"/>
+              <a:chOff x="599089" y="1618597"/>
+              <a:chExt cx="2661104" cy="838930"/>
+            </a:xfrm>
+          </p:grpSpPr>
+          <p:sp>
+            <p:nvSpPr>
+              <p:cNvPr id="37" name="TextBox 36">
+                <a:extLst>
+                  <a:ext uri="{FF2B5EF4-FFF2-40B4-BE49-F238E27FC236}">
+                    <a16:creationId xmlns:a16="http://schemas.microsoft.com/office/drawing/2014/main" id="{0341BF3B-890A-CE67-CA17-236B4F72BB97}"/>
+                  </a:ext>
+                </a:extLst>
+              </p:cNvPr>
+              <p:cNvSpPr txBox="1"/>
+              <p:nvPr/>
+            </p:nvSpPr>
+            <p:spPr>
+              <a:xfrm>
+                <a:off x="599089" y="1618597"/>
+                <a:ext cx="803553" cy="292388"/>
+              </a:xfrm>
+              <a:prstGeom prst="rect">
+                <a:avLst/>
+              </a:prstGeom>
+              <a:noFill/>
+            </p:spPr>
+            <p:txBody>
+              <a:bodyPr wrap="none" rtlCol="0">
+                <a:spAutoFit/>
+              </a:bodyPr>
+              <a:lstStyle/>
+              <a:p>
+                <a:r>
+                  <a:rPr lang="es-ES_tradnl" sz="1300" dirty="0">
+                    <a:solidFill>
+                      <a:srgbClr val="FF0000"/>
+                    </a:solidFill>
+                  </a:rPr>
+                  <a:t>Pedido n</a:t>
+                </a:r>
+              </a:p>
+            </p:txBody>
+          </p:sp>
+          <p:sp>
+            <p:nvSpPr>
+              <p:cNvPr id="38" name="Rectangle 37">
+                <a:extLst>
+                  <a:ext uri="{FF2B5EF4-FFF2-40B4-BE49-F238E27FC236}">
+                    <a16:creationId xmlns:a16="http://schemas.microsoft.com/office/drawing/2014/main" id="{7CBF5682-648E-0FBB-1F22-FEA33C96F889}"/>
+                  </a:ext>
+                </a:extLst>
+              </p:cNvPr>
+              <p:cNvSpPr/>
+              <p:nvPr/>
+            </p:nvSpPr>
+            <p:spPr>
+              <a:xfrm>
+                <a:off x="704193" y="1910985"/>
+                <a:ext cx="2556000" cy="546542"/>
+              </a:xfrm>
+              <a:prstGeom prst="rect">
+                <a:avLst/>
+              </a:prstGeom>
+              <a:noFill/>
+              <a:ln w="3175"/>
+            </p:spPr>
+            <p:style>
+              <a:lnRef idx="2">
+                <a:schemeClr val="accent1">
+                  <a:shade val="15000"/>
+                </a:schemeClr>
+              </a:lnRef>
+              <a:fillRef idx="1">
+                <a:schemeClr val="accent1"/>
+              </a:fillRef>
+              <a:effectRef idx="0">
+                <a:schemeClr val="accent1"/>
+              </a:effectRef>
+              <a:fontRef idx="minor">
+                <a:schemeClr val="lt1"/>
+              </a:fontRef>
+            </p:style>
+            <p:txBody>
+              <a:bodyPr rtlCol="0" anchor="ctr"/>
+              <a:lstStyle/>
+              <a:p>
+                <a:pPr algn="ctr"/>
+                <a:endParaRPr lang="es-ES_tradnl"/>
+              </a:p>
+            </p:txBody>
+          </p:sp>
+          <p:pic>
+            <p:nvPicPr>
+              <p:cNvPr id="39" name="Picture 38">
+                <a:extLst>
+                  <a:ext uri="{FF2B5EF4-FFF2-40B4-BE49-F238E27FC236}">
+                    <a16:creationId xmlns:a16="http://schemas.microsoft.com/office/drawing/2014/main" id="{E6E23CAB-1679-2D59-0EA7-283B3216CCA0}"/>
+                  </a:ext>
+                </a:extLst>
+              </p:cNvPr>
+              <p:cNvPicPr>
+                <a:picLocks noChangeAspect="1"/>
+              </p:cNvPicPr>
+              <p:nvPr/>
+            </p:nvPicPr>
+            <p:blipFill>
+              <a:blip r:embed="rId4"/>
+              <a:stretch>
+                <a:fillRect/>
+              </a:stretch>
+            </p:blipFill>
+            <p:spPr>
+              <a:xfrm>
+                <a:off x="2912927" y="2152727"/>
+                <a:ext cx="304800" cy="304800"/>
+              </a:xfrm>
+              <a:prstGeom prst="rect">
+                <a:avLst/>
+              </a:prstGeom>
+            </p:spPr>
+          </p:pic>
+        </p:grpSp>
         <p:sp>
           <p:nvSpPr>
-            <p:cNvPr id="25" name="TextBox 24">
+            <p:cNvPr id="40" name="TextBox 39">
               <a:extLst>
                 <a:ext uri="{FF2B5EF4-FFF2-40B4-BE49-F238E27FC236}">
-                  <a16:creationId xmlns:a16="http://schemas.microsoft.com/office/drawing/2014/main" id="{FB62DB01-585E-AE46-61BE-48F505C0263F}"/>
+                  <a16:creationId xmlns:a16="http://schemas.microsoft.com/office/drawing/2014/main" id="{C80FBF20-708C-1D89-B16C-EE0B289FBEAD}"/>
                 </a:ext>
               </a:extLst>
             </p:cNvPr>
@@ -5471,8 +8037,47 @@
           </p:nvSpPr>
           <p:spPr>
             <a:xfrm>
-              <a:off x="599089" y="1618597"/>
-              <a:ext cx="803553" cy="292388"/>
+              <a:off x="698939" y="4225158"/>
+              <a:ext cx="404647" cy="292388"/>
+            </a:xfrm>
+            <a:prstGeom prst="rect">
+              <a:avLst/>
+            </a:prstGeom>
+            <a:noFill/>
+          </p:spPr>
+          <p:txBody>
+            <a:bodyPr wrap="square" rtlCol="0">
+              <a:spAutoFit/>
+            </a:bodyPr>
+            <a:lstStyle/>
+            <a:p>
+              <a:r>
+                <a:rPr lang="es-ES_tradnl" sz="1300" dirty="0">
+                  <a:solidFill>
+                    <a:srgbClr val="FF0000"/>
+                  </a:solidFill>
+                </a:rPr>
+                <a:t>...     </a:t>
+              </a:r>
+            </a:p>
+          </p:txBody>
+        </p:sp>
+        <p:sp>
+          <p:nvSpPr>
+            <p:cNvPr id="41" name="TextBox 40">
+              <a:extLst>
+                <a:ext uri="{FF2B5EF4-FFF2-40B4-BE49-F238E27FC236}">
+                  <a16:creationId xmlns:a16="http://schemas.microsoft.com/office/drawing/2014/main" id="{39AEDBC1-B070-65AC-E95E-06F27E5E0E87}"/>
+                </a:ext>
+              </a:extLst>
+            </p:cNvPr>
+            <p:cNvSpPr txBox="1"/>
+            <p:nvPr/>
+          </p:nvSpPr>
+          <p:spPr>
+            <a:xfrm>
+              <a:off x="698939" y="2264978"/>
+              <a:ext cx="1568058" cy="230832"/>
             </a:xfrm>
             <a:prstGeom prst="rect">
               <a:avLst/>
@@ -5486,120 +8091,26 @@
             <a:lstStyle/>
             <a:p>
               <a:r>
-                <a:rPr lang="es-ES_tradnl" sz="1300" dirty="0">
+                <a:rPr lang="es-ES_tradnl" sz="900" dirty="0"/>
+                <a:t>Contenedor:</a:t>
+              </a:r>
+              <a:r>
+                <a:rPr lang="es-ES_tradnl" sz="900" dirty="0">
                   <a:solidFill>
                     <a:srgbClr val="FF0000"/>
                   </a:solidFill>
                 </a:rPr>
-                <a:t>Pedido 1</a:t>
+                <a:t> CONT0000001</a:t>
               </a:r>
             </a:p>
           </p:txBody>
         </p:sp>
         <p:sp>
           <p:nvSpPr>
-            <p:cNvPr id="26" name="Rectangle 25">
+            <p:cNvPr id="42" name="TextBox 41">
               <a:extLst>
                 <a:ext uri="{FF2B5EF4-FFF2-40B4-BE49-F238E27FC236}">
-                  <a16:creationId xmlns:a16="http://schemas.microsoft.com/office/drawing/2014/main" id="{058072CB-DCD3-A054-C685-E5327B3890CF}"/>
-                </a:ext>
-              </a:extLst>
-            </p:cNvPr>
-            <p:cNvSpPr/>
-            <p:nvPr/>
-          </p:nvSpPr>
-          <p:spPr>
-            <a:xfrm>
-              <a:off x="704193" y="1910985"/>
-              <a:ext cx="2556000" cy="546542"/>
-            </a:xfrm>
-            <a:prstGeom prst="rect">
-              <a:avLst/>
-            </a:prstGeom>
-            <a:noFill/>
-            <a:ln w="3175"/>
-          </p:spPr>
-          <p:style>
-            <a:lnRef idx="2">
-              <a:schemeClr val="accent1">
-                <a:shade val="15000"/>
-              </a:schemeClr>
-            </a:lnRef>
-            <a:fillRef idx="1">
-              <a:schemeClr val="accent1"/>
-            </a:fillRef>
-            <a:effectRef idx="0">
-              <a:schemeClr val="accent1"/>
-            </a:effectRef>
-            <a:fontRef idx="minor">
-              <a:schemeClr val="lt1"/>
-            </a:fontRef>
-          </p:style>
-          <p:txBody>
-            <a:bodyPr rtlCol="0" anchor="ctr"/>
-            <a:lstStyle/>
-            <a:p>
-              <a:pPr algn="ctr"/>
-              <a:endParaRPr lang="es-ES_tradnl"/>
-            </a:p>
-          </p:txBody>
-        </p:sp>
-        <p:pic>
-          <p:nvPicPr>
-            <p:cNvPr id="27" name="Picture 26">
-              <a:extLst>
-                <a:ext uri="{FF2B5EF4-FFF2-40B4-BE49-F238E27FC236}">
-                  <a16:creationId xmlns:a16="http://schemas.microsoft.com/office/drawing/2014/main" id="{D9552DA1-AFA6-C93B-9400-439812B9E19B}"/>
-                </a:ext>
-              </a:extLst>
-            </p:cNvPr>
-            <p:cNvPicPr>
-              <a:picLocks noChangeAspect="1"/>
-            </p:cNvPicPr>
-            <p:nvPr/>
-          </p:nvPicPr>
-          <p:blipFill>
-            <a:blip r:embed="rId3"/>
-            <a:srcRect/>
-            <a:stretch/>
-          </p:blipFill>
-          <p:spPr>
-            <a:xfrm>
-              <a:off x="2912927" y="2152727"/>
-              <a:ext cx="304800" cy="304800"/>
-            </a:xfrm>
-            <a:prstGeom prst="rect">
-              <a:avLst/>
-            </a:prstGeom>
-          </p:spPr>
-        </p:pic>
-      </p:grpSp>
-      <p:grpSp>
-        <p:nvGrpSpPr>
-          <p:cNvPr id="28" name="Group 27">
-            <a:extLst>
-              <a:ext uri="{FF2B5EF4-FFF2-40B4-BE49-F238E27FC236}">
-                <a16:creationId xmlns:a16="http://schemas.microsoft.com/office/drawing/2014/main" id="{1784C822-6005-D855-C48C-DD833560B0C2}"/>
-              </a:ext>
-            </a:extLst>
-          </p:cNvPr>
-          <p:cNvGrpSpPr/>
-          <p:nvPr/>
-        </p:nvGrpSpPr>
-        <p:grpSpPr>
-          <a:xfrm>
-            <a:off x="593839" y="2485698"/>
-            <a:ext cx="2661104" cy="838930"/>
-            <a:chOff x="599089" y="1618597"/>
-            <a:chExt cx="2661104" cy="838930"/>
-          </a:xfrm>
-        </p:grpSpPr>
-        <p:sp>
-          <p:nvSpPr>
-            <p:cNvPr id="29" name="TextBox 28">
-              <a:extLst>
-                <a:ext uri="{FF2B5EF4-FFF2-40B4-BE49-F238E27FC236}">
-                  <a16:creationId xmlns:a16="http://schemas.microsoft.com/office/drawing/2014/main" id="{55014B22-2C4D-3880-0B2E-F2F804B0822C}"/>
+                  <a16:creationId xmlns:a16="http://schemas.microsoft.com/office/drawing/2014/main" id="{32881DE4-1F91-CF1A-3B2D-6768BE7131B2}"/>
                 </a:ext>
               </a:extLst>
             </p:cNvPr>
@@ -5608,8 +8119,8 @@
           </p:nvSpPr>
           <p:spPr>
             <a:xfrm>
-              <a:off x="599089" y="1618597"/>
-              <a:ext cx="803553" cy="292388"/>
+              <a:off x="704195" y="3132081"/>
+              <a:ext cx="1568058" cy="230832"/>
             </a:xfrm>
             <a:prstGeom prst="rect">
               <a:avLst/>
@@ -5623,70 +8134,26 @@
             <a:lstStyle/>
             <a:p>
               <a:r>
-                <a:rPr lang="es-ES_tradnl" sz="1300" dirty="0">
+                <a:rPr lang="es-ES_tradnl" sz="900" dirty="0"/>
+                <a:t>Contenedor:</a:t>
+              </a:r>
+              <a:r>
+                <a:rPr lang="es-ES_tradnl" sz="900" dirty="0">
                   <a:solidFill>
                     <a:srgbClr val="FF0000"/>
                   </a:solidFill>
                 </a:rPr>
-                <a:t>Pedido 2</a:t>
+                <a:t> CONT0001001</a:t>
               </a:r>
-            </a:p>
-          </p:txBody>
-        </p:sp>
-        <p:sp>
-          <p:nvSpPr>
-            <p:cNvPr id="30" name="Rectangle 29">
-              <a:extLst>
-                <a:ext uri="{FF2B5EF4-FFF2-40B4-BE49-F238E27FC236}">
-                  <a16:creationId xmlns:a16="http://schemas.microsoft.com/office/drawing/2014/main" id="{76F3C5FF-FA41-C58B-F401-CF7E86CA0BFE}"/>
-                </a:ext>
-              </a:extLst>
-            </p:cNvPr>
-            <p:cNvSpPr/>
-            <p:nvPr/>
-          </p:nvSpPr>
-          <p:spPr>
-            <a:xfrm>
-              <a:off x="704193" y="1910985"/>
-              <a:ext cx="2556000" cy="546542"/>
-            </a:xfrm>
-            <a:prstGeom prst="rect">
-              <a:avLst/>
-            </a:prstGeom>
-            <a:noFill/>
-            <a:ln w="3175"/>
-          </p:spPr>
-          <p:style>
-            <a:lnRef idx="2">
-              <a:schemeClr val="accent1">
-                <a:shade val="15000"/>
-              </a:schemeClr>
-            </a:lnRef>
-            <a:fillRef idx="1">
-              <a:schemeClr val="accent1"/>
-            </a:fillRef>
-            <a:effectRef idx="0">
-              <a:schemeClr val="accent1"/>
-            </a:effectRef>
-            <a:fontRef idx="minor">
-              <a:schemeClr val="lt1"/>
-            </a:fontRef>
-          </p:style>
-          <p:txBody>
-            <a:bodyPr rtlCol="0" anchor="ctr"/>
-            <a:lstStyle/>
-            <a:p>
-              <a:pPr algn="ctr"/>
-              <a:endParaRPr lang="es-ES_tradnl"/>
             </a:p>
           </p:txBody>
         </p:sp>
         <p:pic>
           <p:nvPicPr>
-            <p:cNvPr id="31" name="Picture 30">
+            <p:cNvPr id="43" name="Picture 42" descr="A blue and white rectangles&#10;&#10;Description automatically generated">
               <a:extLst>
                 <a:ext uri="{FF2B5EF4-FFF2-40B4-BE49-F238E27FC236}">
-                  <a16:creationId xmlns:a16="http://schemas.microsoft.com/office/drawing/2014/main" id="{547EFABF-6FD6-080D-10D1-3A2C37E035A6}"/>
+                  <a16:creationId xmlns:a16="http://schemas.microsoft.com/office/drawing/2014/main" id="{C50A3695-E62D-6909-B51E-61E055F7DDBE}"/>
                 </a:ext>
               </a:extLst>
             </p:cNvPr>
@@ -5696,14 +8163,15 @@
             <p:nvPr/>
           </p:nvPicPr>
           <p:blipFill>
-            <a:blip r:embed="rId3"/>
-            <a:srcRect/>
-            <a:stretch/>
+            <a:blip r:embed="rId5"/>
+            <a:stretch>
+              <a:fillRect/>
+            </a:stretch>
           </p:blipFill>
           <p:spPr>
             <a:xfrm>
-              <a:off x="2912927" y="2152727"/>
-              <a:ext cx="304800" cy="304800"/>
+              <a:off x="679411" y="5474354"/>
+              <a:ext cx="2590725" cy="331200"/>
             </a:xfrm>
             <a:prstGeom prst="rect">
               <a:avLst/>
@@ -5711,437 +8179,6 @@
           </p:spPr>
         </p:pic>
       </p:grpSp>
-      <p:grpSp>
-        <p:nvGrpSpPr>
-          <p:cNvPr id="32" name="Group 31">
-            <a:extLst>
-              <a:ext uri="{FF2B5EF4-FFF2-40B4-BE49-F238E27FC236}">
-                <a16:creationId xmlns:a16="http://schemas.microsoft.com/office/drawing/2014/main" id="{D4459278-C662-A6A3-B200-1DD053D6C81F}"/>
-              </a:ext>
-            </a:extLst>
-          </p:cNvPr>
-          <p:cNvGrpSpPr/>
-          <p:nvPr/>
-        </p:nvGrpSpPr>
-        <p:grpSpPr>
-          <a:xfrm>
-            <a:off x="593835" y="3368560"/>
-            <a:ext cx="2661104" cy="838930"/>
-            <a:chOff x="599089" y="1618597"/>
-            <a:chExt cx="2661104" cy="838930"/>
-          </a:xfrm>
-        </p:grpSpPr>
-        <p:sp>
-          <p:nvSpPr>
-            <p:cNvPr id="33" name="TextBox 32">
-              <a:extLst>
-                <a:ext uri="{FF2B5EF4-FFF2-40B4-BE49-F238E27FC236}">
-                  <a16:creationId xmlns:a16="http://schemas.microsoft.com/office/drawing/2014/main" id="{7DAA2623-9B0A-790D-771B-7FF063E42F98}"/>
-                </a:ext>
-              </a:extLst>
-            </p:cNvPr>
-            <p:cNvSpPr txBox="1"/>
-            <p:nvPr/>
-          </p:nvSpPr>
-          <p:spPr>
-            <a:xfrm>
-              <a:off x="599089" y="1618597"/>
-              <a:ext cx="803553" cy="292388"/>
-            </a:xfrm>
-            <a:prstGeom prst="rect">
-              <a:avLst/>
-            </a:prstGeom>
-            <a:noFill/>
-          </p:spPr>
-          <p:txBody>
-            <a:bodyPr wrap="none" rtlCol="0">
-              <a:spAutoFit/>
-            </a:bodyPr>
-            <a:lstStyle/>
-            <a:p>
-              <a:r>
-                <a:rPr lang="es-ES_tradnl" sz="1300" dirty="0">
-                  <a:solidFill>
-                    <a:srgbClr val="FF0000"/>
-                  </a:solidFill>
-                </a:rPr>
-                <a:t>Pedido 3</a:t>
-              </a:r>
-            </a:p>
-          </p:txBody>
-        </p:sp>
-        <p:sp>
-          <p:nvSpPr>
-            <p:cNvPr id="34" name="Rectangle 33">
-              <a:extLst>
-                <a:ext uri="{FF2B5EF4-FFF2-40B4-BE49-F238E27FC236}">
-                  <a16:creationId xmlns:a16="http://schemas.microsoft.com/office/drawing/2014/main" id="{61FBA024-CF4B-B617-5F50-C8CE53796A4B}"/>
-                </a:ext>
-              </a:extLst>
-            </p:cNvPr>
-            <p:cNvSpPr/>
-            <p:nvPr/>
-          </p:nvSpPr>
-          <p:spPr>
-            <a:xfrm>
-              <a:off x="704193" y="1910985"/>
-              <a:ext cx="2556000" cy="546542"/>
-            </a:xfrm>
-            <a:prstGeom prst="rect">
-              <a:avLst/>
-            </a:prstGeom>
-            <a:noFill/>
-            <a:ln w="3175"/>
-          </p:spPr>
-          <p:style>
-            <a:lnRef idx="2">
-              <a:schemeClr val="accent1">
-                <a:shade val="15000"/>
-              </a:schemeClr>
-            </a:lnRef>
-            <a:fillRef idx="1">
-              <a:schemeClr val="accent1"/>
-            </a:fillRef>
-            <a:effectRef idx="0">
-              <a:schemeClr val="accent1"/>
-            </a:effectRef>
-            <a:fontRef idx="minor">
-              <a:schemeClr val="lt1"/>
-            </a:fontRef>
-          </p:style>
-          <p:txBody>
-            <a:bodyPr rtlCol="0" anchor="ctr"/>
-            <a:lstStyle/>
-            <a:p>
-              <a:pPr algn="ctr"/>
-              <a:endParaRPr lang="es-ES_tradnl"/>
-            </a:p>
-          </p:txBody>
-        </p:sp>
-        <p:pic>
-          <p:nvPicPr>
-            <p:cNvPr id="35" name="Picture 34">
-              <a:extLst>
-                <a:ext uri="{FF2B5EF4-FFF2-40B4-BE49-F238E27FC236}">
-                  <a16:creationId xmlns:a16="http://schemas.microsoft.com/office/drawing/2014/main" id="{088A86A6-2BF8-E130-7FBE-3FF58B8D0283}"/>
-                </a:ext>
-              </a:extLst>
-            </p:cNvPr>
-            <p:cNvPicPr>
-              <a:picLocks noChangeAspect="1"/>
-            </p:cNvPicPr>
-            <p:nvPr/>
-          </p:nvPicPr>
-          <p:blipFill>
-            <a:blip r:embed="rId4"/>
-            <a:stretch>
-              <a:fillRect/>
-            </a:stretch>
-          </p:blipFill>
-          <p:spPr>
-            <a:xfrm>
-              <a:off x="2912927" y="2152727"/>
-              <a:ext cx="304800" cy="304800"/>
-            </a:xfrm>
-            <a:prstGeom prst="rect">
-              <a:avLst/>
-            </a:prstGeom>
-          </p:spPr>
-        </p:pic>
-      </p:grpSp>
-      <p:grpSp>
-        <p:nvGrpSpPr>
-          <p:cNvPr id="36" name="Group 35">
-            <a:extLst>
-              <a:ext uri="{FF2B5EF4-FFF2-40B4-BE49-F238E27FC236}">
-                <a16:creationId xmlns:a16="http://schemas.microsoft.com/office/drawing/2014/main" id="{9EFCD37A-DCA3-41BD-90D1-8B6F5C2A79D9}"/>
-              </a:ext>
-            </a:extLst>
-          </p:cNvPr>
-          <p:cNvGrpSpPr/>
-          <p:nvPr/>
-        </p:nvGrpSpPr>
-        <p:grpSpPr>
-          <a:xfrm>
-            <a:off x="604349" y="4482655"/>
-            <a:ext cx="2661104" cy="838930"/>
-            <a:chOff x="599089" y="1618597"/>
-            <a:chExt cx="2661104" cy="838930"/>
-          </a:xfrm>
-        </p:grpSpPr>
-        <p:sp>
-          <p:nvSpPr>
-            <p:cNvPr id="37" name="TextBox 36">
-              <a:extLst>
-                <a:ext uri="{FF2B5EF4-FFF2-40B4-BE49-F238E27FC236}">
-                  <a16:creationId xmlns:a16="http://schemas.microsoft.com/office/drawing/2014/main" id="{0341BF3B-890A-CE67-CA17-236B4F72BB97}"/>
-                </a:ext>
-              </a:extLst>
-            </p:cNvPr>
-            <p:cNvSpPr txBox="1"/>
-            <p:nvPr/>
-          </p:nvSpPr>
-          <p:spPr>
-            <a:xfrm>
-              <a:off x="599089" y="1618597"/>
-              <a:ext cx="803553" cy="292388"/>
-            </a:xfrm>
-            <a:prstGeom prst="rect">
-              <a:avLst/>
-            </a:prstGeom>
-            <a:noFill/>
-          </p:spPr>
-          <p:txBody>
-            <a:bodyPr wrap="none" rtlCol="0">
-              <a:spAutoFit/>
-            </a:bodyPr>
-            <a:lstStyle/>
-            <a:p>
-              <a:r>
-                <a:rPr lang="es-ES_tradnl" sz="1300" dirty="0">
-                  <a:solidFill>
-                    <a:srgbClr val="FF0000"/>
-                  </a:solidFill>
-                </a:rPr>
-                <a:t>Pedido n</a:t>
-              </a:r>
-            </a:p>
-          </p:txBody>
-        </p:sp>
-        <p:sp>
-          <p:nvSpPr>
-            <p:cNvPr id="38" name="Rectangle 37">
-              <a:extLst>
-                <a:ext uri="{FF2B5EF4-FFF2-40B4-BE49-F238E27FC236}">
-                  <a16:creationId xmlns:a16="http://schemas.microsoft.com/office/drawing/2014/main" id="{7CBF5682-648E-0FBB-1F22-FEA33C96F889}"/>
-                </a:ext>
-              </a:extLst>
-            </p:cNvPr>
-            <p:cNvSpPr/>
-            <p:nvPr/>
-          </p:nvSpPr>
-          <p:spPr>
-            <a:xfrm>
-              <a:off x="704193" y="1910985"/>
-              <a:ext cx="2556000" cy="546542"/>
-            </a:xfrm>
-            <a:prstGeom prst="rect">
-              <a:avLst/>
-            </a:prstGeom>
-            <a:noFill/>
-            <a:ln w="3175"/>
-          </p:spPr>
-          <p:style>
-            <a:lnRef idx="2">
-              <a:schemeClr val="accent1">
-                <a:shade val="15000"/>
-              </a:schemeClr>
-            </a:lnRef>
-            <a:fillRef idx="1">
-              <a:schemeClr val="accent1"/>
-            </a:fillRef>
-            <a:effectRef idx="0">
-              <a:schemeClr val="accent1"/>
-            </a:effectRef>
-            <a:fontRef idx="minor">
-              <a:schemeClr val="lt1"/>
-            </a:fontRef>
-          </p:style>
-          <p:txBody>
-            <a:bodyPr rtlCol="0" anchor="ctr"/>
-            <a:lstStyle/>
-            <a:p>
-              <a:pPr algn="ctr"/>
-              <a:endParaRPr lang="es-ES_tradnl"/>
-            </a:p>
-          </p:txBody>
-        </p:sp>
-        <p:pic>
-          <p:nvPicPr>
-            <p:cNvPr id="39" name="Picture 38">
-              <a:extLst>
-                <a:ext uri="{FF2B5EF4-FFF2-40B4-BE49-F238E27FC236}">
-                  <a16:creationId xmlns:a16="http://schemas.microsoft.com/office/drawing/2014/main" id="{E6E23CAB-1679-2D59-0EA7-283B3216CCA0}"/>
-                </a:ext>
-              </a:extLst>
-            </p:cNvPr>
-            <p:cNvPicPr>
-              <a:picLocks noChangeAspect="1"/>
-            </p:cNvPicPr>
-            <p:nvPr/>
-          </p:nvPicPr>
-          <p:blipFill>
-            <a:blip r:embed="rId4"/>
-            <a:stretch>
-              <a:fillRect/>
-            </a:stretch>
-          </p:blipFill>
-          <p:spPr>
-            <a:xfrm>
-              <a:off x="2912927" y="2152727"/>
-              <a:ext cx="304800" cy="304800"/>
-            </a:xfrm>
-            <a:prstGeom prst="rect">
-              <a:avLst/>
-            </a:prstGeom>
-          </p:spPr>
-        </p:pic>
-      </p:grpSp>
-      <p:sp>
-        <p:nvSpPr>
-          <p:cNvPr id="40" name="TextBox 39">
-            <a:extLst>
-              <a:ext uri="{FF2B5EF4-FFF2-40B4-BE49-F238E27FC236}">
-                <a16:creationId xmlns:a16="http://schemas.microsoft.com/office/drawing/2014/main" id="{C80FBF20-708C-1D89-B16C-EE0B289FBEAD}"/>
-              </a:ext>
-            </a:extLst>
-          </p:cNvPr>
-          <p:cNvSpPr txBox="1"/>
-          <p:nvPr/>
-        </p:nvSpPr>
-        <p:spPr>
-          <a:xfrm>
-            <a:off x="698939" y="4225158"/>
-            <a:ext cx="404647" cy="292388"/>
-          </a:xfrm>
-          <a:prstGeom prst="rect">
-            <a:avLst/>
-          </a:prstGeom>
-          <a:noFill/>
-        </p:spPr>
-        <p:txBody>
-          <a:bodyPr wrap="square" rtlCol="0">
-            <a:spAutoFit/>
-          </a:bodyPr>
-          <a:lstStyle/>
-          <a:p>
-            <a:r>
-              <a:rPr lang="es-ES_tradnl" sz="1300" dirty="0">
-                <a:solidFill>
-                  <a:srgbClr val="FF0000"/>
-                </a:solidFill>
-              </a:rPr>
-              <a:t>...     </a:t>
-            </a:r>
-          </a:p>
-        </p:txBody>
-      </p:sp>
-      <p:sp>
-        <p:nvSpPr>
-          <p:cNvPr id="41" name="TextBox 40">
-            <a:extLst>
-              <a:ext uri="{FF2B5EF4-FFF2-40B4-BE49-F238E27FC236}">
-                <a16:creationId xmlns:a16="http://schemas.microsoft.com/office/drawing/2014/main" id="{39AEDBC1-B070-65AC-E95E-06F27E5E0E87}"/>
-              </a:ext>
-            </a:extLst>
-          </p:cNvPr>
-          <p:cNvSpPr txBox="1"/>
-          <p:nvPr/>
-        </p:nvSpPr>
-        <p:spPr>
-          <a:xfrm>
-            <a:off x="698939" y="2264978"/>
-            <a:ext cx="1568058" cy="230832"/>
-          </a:xfrm>
-          <a:prstGeom prst="rect">
-            <a:avLst/>
-          </a:prstGeom>
-          <a:noFill/>
-        </p:spPr>
-        <p:txBody>
-          <a:bodyPr wrap="none" rtlCol="0">
-            <a:spAutoFit/>
-          </a:bodyPr>
-          <a:lstStyle/>
-          <a:p>
-            <a:r>
-              <a:rPr lang="es-ES_tradnl" sz="900" dirty="0"/>
-              <a:t>Contenedor:</a:t>
-            </a:r>
-            <a:r>
-              <a:rPr lang="es-ES_tradnl" sz="900" dirty="0">
-                <a:solidFill>
-                  <a:srgbClr val="FF0000"/>
-                </a:solidFill>
-              </a:rPr>
-              <a:t> CONT0000001</a:t>
-            </a:r>
-          </a:p>
-        </p:txBody>
-      </p:sp>
-      <p:sp>
-        <p:nvSpPr>
-          <p:cNvPr id="42" name="TextBox 41">
-            <a:extLst>
-              <a:ext uri="{FF2B5EF4-FFF2-40B4-BE49-F238E27FC236}">
-                <a16:creationId xmlns:a16="http://schemas.microsoft.com/office/drawing/2014/main" id="{32881DE4-1F91-CF1A-3B2D-6768BE7131B2}"/>
-              </a:ext>
-            </a:extLst>
-          </p:cNvPr>
-          <p:cNvSpPr txBox="1"/>
-          <p:nvPr/>
-        </p:nvSpPr>
-        <p:spPr>
-          <a:xfrm>
-            <a:off x="704195" y="3132081"/>
-            <a:ext cx="1568058" cy="230832"/>
-          </a:xfrm>
-          <a:prstGeom prst="rect">
-            <a:avLst/>
-          </a:prstGeom>
-          <a:noFill/>
-        </p:spPr>
-        <p:txBody>
-          <a:bodyPr wrap="none" rtlCol="0">
-            <a:spAutoFit/>
-          </a:bodyPr>
-          <a:lstStyle/>
-          <a:p>
-            <a:r>
-              <a:rPr lang="es-ES_tradnl" sz="900" dirty="0"/>
-              <a:t>Contenedor:</a:t>
-            </a:r>
-            <a:r>
-              <a:rPr lang="es-ES_tradnl" sz="900" dirty="0">
-                <a:solidFill>
-                  <a:srgbClr val="FF0000"/>
-                </a:solidFill>
-              </a:rPr>
-              <a:t> CONT0001001</a:t>
-            </a:r>
-          </a:p>
-        </p:txBody>
-      </p:sp>
-      <p:pic>
-        <p:nvPicPr>
-          <p:cNvPr id="43" name="Picture 42" descr="A blue and white rectangles&#10;&#10;Description automatically generated">
-            <a:extLst>
-              <a:ext uri="{FF2B5EF4-FFF2-40B4-BE49-F238E27FC236}">
-                <a16:creationId xmlns:a16="http://schemas.microsoft.com/office/drawing/2014/main" id="{C50A3695-E62D-6909-B51E-61E055F7DDBE}"/>
-              </a:ext>
-            </a:extLst>
-          </p:cNvPr>
-          <p:cNvPicPr>
-            <a:picLocks noChangeAspect="1"/>
-          </p:cNvPicPr>
-          <p:nvPr/>
-        </p:nvPicPr>
-        <p:blipFill>
-          <a:blip r:embed="rId5"/>
-          <a:stretch>
-            <a:fillRect/>
-          </a:stretch>
-        </p:blipFill>
-        <p:spPr>
-          <a:xfrm>
-            <a:off x="679411" y="5474354"/>
-            <a:ext cx="2590725" cy="331200"/>
-          </a:xfrm>
-          <a:prstGeom prst="rect">
-            <a:avLst/>
-          </a:prstGeom>
-        </p:spPr>
-      </p:pic>
       <p:pic>
         <p:nvPicPr>
           <p:cNvPr id="44" name="Picture 43">
@@ -6214,7 +8251,7 @@
 </p:sld>
 </file>
 
-<file path=ppt/slides/slide7.xml><?xml version="1.0" encoding="utf-8"?>
+<file path=ppt/slides/slide8.xml><?xml version="1.0" encoding="utf-8"?>
 <p:sld xmlns:a="http://schemas.openxmlformats.org/drawingml/2006/main" xmlns:r="http://schemas.openxmlformats.org/officeDocument/2006/relationships" xmlns:p="http://schemas.openxmlformats.org/presentationml/2006/main">
   <p:cSld>
     <p:spTree>
@@ -6372,7 +8409,7 @@
 </p:sld>
 </file>
 
-<file path=ppt/slides/slide8.xml><?xml version="1.0" encoding="utf-8"?>
+<file path=ppt/slides/slide9.xml><?xml version="1.0" encoding="utf-8"?>
 <p:sld xmlns:a="http://schemas.openxmlformats.org/drawingml/2006/main" xmlns:r="http://schemas.openxmlformats.org/officeDocument/2006/relationships" xmlns:p="http://schemas.openxmlformats.org/presentationml/2006/main">
   <p:cSld>
     <p:spTree>
@@ -6531,203 +8568,6 @@
     <p:extLst>
       <p:ext uri="{BB962C8B-B14F-4D97-AF65-F5344CB8AC3E}">
         <p14:creationId xmlns:p14="http://schemas.microsoft.com/office/powerpoint/2010/main" val="1611316005"/>
-      </p:ext>
-    </p:extLst>
-  </p:cSld>
-  <p:clrMapOvr>
-    <a:masterClrMapping/>
-  </p:clrMapOvr>
-</p:sld>
-</file>
-
-<file path=ppt/slides/slide9.xml><?xml version="1.0" encoding="utf-8"?>
-<p:sld xmlns:a="http://schemas.openxmlformats.org/drawingml/2006/main" xmlns:r="http://schemas.openxmlformats.org/officeDocument/2006/relationships" xmlns:p="http://schemas.openxmlformats.org/presentationml/2006/main">
-  <p:cSld>
-    <p:spTree>
-      <p:nvGrpSpPr>
-        <p:cNvPr id="1" name="">
-          <a:extLst>
-            <a:ext uri="{FF2B5EF4-FFF2-40B4-BE49-F238E27FC236}">
-              <a16:creationId xmlns:a16="http://schemas.microsoft.com/office/drawing/2014/main" id="{FD473997-4CED-487C-A013-13A01A67A2A9}"/>
-            </a:ext>
-          </a:extLst>
-        </p:cNvPr>
-        <p:cNvGrpSpPr/>
-        <p:nvPr/>
-      </p:nvGrpSpPr>
-      <p:grpSpPr>
-        <a:xfrm>
-          <a:off x="0" y="0"/>
-          <a:ext cx="0" cy="0"/>
-          <a:chOff x="0" y="0"/>
-          <a:chExt cx="0" cy="0"/>
-        </a:xfrm>
-      </p:grpSpPr>
-      <p:sp>
-        <p:nvSpPr>
-          <p:cNvPr id="2" name="Title 1">
-            <a:extLst>
-              <a:ext uri="{FF2B5EF4-FFF2-40B4-BE49-F238E27FC236}">
-                <a16:creationId xmlns:a16="http://schemas.microsoft.com/office/drawing/2014/main" id="{0074348F-4163-DD21-3E9F-24263433D240}"/>
-              </a:ext>
-            </a:extLst>
-          </p:cNvPr>
-          <p:cNvSpPr>
-            <a:spLocks noGrp="1"/>
-          </p:cNvSpPr>
-          <p:nvPr>
-            <p:ph type="title"/>
-          </p:nvPr>
-        </p:nvSpPr>
-        <p:spPr>
-          <a:xfrm>
-            <a:off x="249623" y="123388"/>
-            <a:ext cx="10515600" cy="791013"/>
-          </a:xfrm>
-        </p:spPr>
-        <p:txBody>
-          <a:bodyPr/>
-          <a:lstStyle/>
-          <a:p>
-            <a:r>
-              <a:rPr lang="es-ES_tradnl" dirty="0"/>
-              <a:t>Surtido, </a:t>
-            </a:r>
-            <a:r>
-              <a:rPr lang="es-ES_tradnl" sz="3200" dirty="0"/>
-              <a:t>Fin Surtido</a:t>
-            </a:r>
-          </a:p>
-        </p:txBody>
-      </p:sp>
-      <p:sp>
-        <p:nvSpPr>
-          <p:cNvPr id="3" name="Content Placeholder 2">
-            <a:extLst>
-              <a:ext uri="{FF2B5EF4-FFF2-40B4-BE49-F238E27FC236}">
-                <a16:creationId xmlns:a16="http://schemas.microsoft.com/office/drawing/2014/main" id="{62CF10A6-E4F1-0CF0-EDEC-567322D2244D}"/>
-              </a:ext>
-            </a:extLst>
-          </p:cNvPr>
-          <p:cNvSpPr>
-            <a:spLocks noGrp="1"/>
-          </p:cNvSpPr>
-          <p:nvPr>
-            <p:ph idx="1"/>
-          </p:nvPr>
-        </p:nvSpPr>
-        <p:spPr>
-          <a:xfrm>
-            <a:off x="3594538" y="1072053"/>
-            <a:ext cx="8292661" cy="5548590"/>
-          </a:xfrm>
-        </p:spPr>
-        <p:txBody>
-          <a:bodyPr/>
-          <a:lstStyle/>
-          <a:p>
-            <a:r>
-              <a:rPr lang="es-ES_tradnl" dirty="0"/>
-              <a:t>Se terminan de Surtir todos los Detalles.</a:t>
-            </a:r>
-          </a:p>
-          <a:p>
-            <a:r>
-              <a:rPr lang="es-ES_tradnl" dirty="0"/>
-              <a:t>Se cierran todos los Bultos. Se cierran todos los Contenedores. Por último, se cierra el Transporte.</a:t>
-            </a:r>
-          </a:p>
-          <a:p>
-            <a:r>
-              <a:rPr lang="es-ES_tradnl" dirty="0"/>
-              <a:t>En el </a:t>
-            </a:r>
-            <a:r>
-              <a:rPr lang="es-ES_tradnl" sz="2600" i="1" dirty="0" err="1"/>
-              <a:t>backend</a:t>
-            </a:r>
-            <a:r>
-              <a:rPr lang="es-ES_tradnl" dirty="0"/>
-              <a:t> se actualiza el registro de </a:t>
-            </a:r>
-            <a:r>
-              <a:rPr lang="es-ES_tradnl" sz="2400" dirty="0" err="1">
-                <a:latin typeface="Consolas" panose="020B0609020204030204" pitchFamily="49" charset="0"/>
-                <a:cs typeface="Consolas" panose="020B0609020204030204" pitchFamily="49" charset="0"/>
-              </a:rPr>
-              <a:t>TransporteSurtido</a:t>
-            </a:r>
-            <a:r>
-              <a:rPr lang="es-ES_tradnl" dirty="0"/>
-              <a:t>. Se coloca el horario de </a:t>
-            </a:r>
-            <a:r>
-              <a:rPr lang="es-ES_tradnl" sz="2400" dirty="0" err="1">
-                <a:latin typeface="Consolas" panose="020B0609020204030204" pitchFamily="49" charset="0"/>
-                <a:cs typeface="Consolas" panose="020B0609020204030204" pitchFamily="49" charset="0"/>
-              </a:rPr>
-              <a:t>fefinsurtido</a:t>
-            </a:r>
-            <a:r>
-              <a:rPr lang="es-ES_tradnl" dirty="0"/>
-              <a:t>. Se coloca el horario de </a:t>
-            </a:r>
-            <a:r>
-              <a:rPr lang="es-ES_tradnl" sz="2400" dirty="0" err="1">
-                <a:latin typeface="Consolas" panose="020B0609020204030204" pitchFamily="49" charset="0"/>
-                <a:cs typeface="Consolas" panose="020B0609020204030204" pitchFamily="49" charset="0"/>
-              </a:rPr>
-              <a:t>fefintransporte</a:t>
-            </a:r>
-            <a:r>
-              <a:rPr lang="es-ES_tradnl" dirty="0"/>
-              <a:t>. Se coloca el estado ‘TE’ (terminado).</a:t>
-            </a:r>
-          </a:p>
-          <a:p>
-            <a:endParaRPr lang="es-ES_tradnl" dirty="0"/>
-          </a:p>
-          <a:p>
-            <a:endParaRPr lang="es-ES_tradnl" dirty="0"/>
-          </a:p>
-          <a:p>
-            <a:endParaRPr lang="es-ES_tradnl" dirty="0"/>
-          </a:p>
-        </p:txBody>
-      </p:sp>
-      <p:pic>
-        <p:nvPicPr>
-          <p:cNvPr id="5" name="Picture 4">
-            <a:extLst>
-              <a:ext uri="{FF2B5EF4-FFF2-40B4-BE49-F238E27FC236}">
-                <a16:creationId xmlns:a16="http://schemas.microsoft.com/office/drawing/2014/main" id="{F69D31E2-AE89-D831-F76C-792FC72C5096}"/>
-              </a:ext>
-            </a:extLst>
-          </p:cNvPr>
-          <p:cNvPicPr>
-            <a:picLocks noChangeAspect="1"/>
-          </p:cNvPicPr>
-          <p:nvPr/>
-        </p:nvPicPr>
-        <p:blipFill>
-          <a:blip r:embed="rId2"/>
-          <a:srcRect/>
-          <a:stretch/>
-        </p:blipFill>
-        <p:spPr>
-          <a:xfrm>
-            <a:off x="635309" y="1072055"/>
-            <a:ext cx="2699314" cy="5548589"/>
-          </a:xfrm>
-          <a:prstGeom prst="rect">
-            <a:avLst/>
-          </a:prstGeom>
-        </p:spPr>
-      </p:pic>
-    </p:spTree>
-    <p:extLst>
-      <p:ext uri="{BB962C8B-B14F-4D97-AF65-F5344CB8AC3E}">
-        <p14:creationId xmlns:p14="http://schemas.microsoft.com/office/powerpoint/2010/main" val="1861148085"/>
       </p:ext>
     </p:extLst>
   </p:cSld>

--- a/atCloud - Diseño - Interfaz de Usuario - Surtido.pptx
+++ b/atCloud - Diseño - Interfaz de Usuario - Surtido.pptx
@@ -11,14 +11,15 @@
     <p:sldId id="277" r:id="rId5"/>
     <p:sldId id="266" r:id="rId6"/>
     <p:sldId id="269" r:id="rId7"/>
-    <p:sldId id="267" r:id="rId8"/>
-    <p:sldId id="268" r:id="rId9"/>
-    <p:sldId id="272" r:id="rId10"/>
-    <p:sldId id="270" r:id="rId11"/>
-    <p:sldId id="273" r:id="rId12"/>
-    <p:sldId id="274" r:id="rId13"/>
-    <p:sldId id="275" r:id="rId14"/>
-    <p:sldId id="276" r:id="rId15"/>
+    <p:sldId id="278" r:id="rId8"/>
+    <p:sldId id="267" r:id="rId9"/>
+    <p:sldId id="268" r:id="rId10"/>
+    <p:sldId id="272" r:id="rId11"/>
+    <p:sldId id="270" r:id="rId12"/>
+    <p:sldId id="273" r:id="rId13"/>
+    <p:sldId id="274" r:id="rId14"/>
+    <p:sldId id="275" r:id="rId15"/>
+    <p:sldId id="276" r:id="rId16"/>
   </p:sldIdLst>
   <p:sldSz cx="12192000" cy="6858000"/>
   <p:notesSz cx="6858000" cy="9144000"/>
@@ -3448,6 +3449,174 @@
         <p:cNvPr id="1" name="">
           <a:extLst>
             <a:ext uri="{FF2B5EF4-FFF2-40B4-BE49-F238E27FC236}">
+              <a16:creationId xmlns:a16="http://schemas.microsoft.com/office/drawing/2014/main" id="{4A1ED6D6-73F6-AD54-89A0-9168243687D6}"/>
+            </a:ext>
+          </a:extLst>
+        </p:cNvPr>
+        <p:cNvGrpSpPr/>
+        <p:nvPr/>
+      </p:nvGrpSpPr>
+      <p:grpSpPr>
+        <a:xfrm>
+          <a:off x="0" y="0"/>
+          <a:ext cx="0" cy="0"/>
+          <a:chOff x="0" y="0"/>
+          <a:chExt cx="0" cy="0"/>
+        </a:xfrm>
+      </p:grpSpPr>
+      <p:sp>
+        <p:nvSpPr>
+          <p:cNvPr id="2" name="Title 1">
+            <a:extLst>
+              <a:ext uri="{FF2B5EF4-FFF2-40B4-BE49-F238E27FC236}">
+                <a16:creationId xmlns:a16="http://schemas.microsoft.com/office/drawing/2014/main" id="{54E5FD41-4622-92B0-AA7C-11F0633B89DA}"/>
+              </a:ext>
+            </a:extLst>
+          </p:cNvPr>
+          <p:cNvSpPr>
+            <a:spLocks noGrp="1"/>
+          </p:cNvSpPr>
+          <p:nvPr>
+            <p:ph type="title"/>
+          </p:nvPr>
+        </p:nvSpPr>
+        <p:spPr>
+          <a:xfrm>
+            <a:off x="249623" y="123388"/>
+            <a:ext cx="10515600" cy="791013"/>
+          </a:xfrm>
+        </p:spPr>
+        <p:txBody>
+          <a:bodyPr/>
+          <a:lstStyle/>
+          <a:p>
+            <a:r>
+              <a:rPr lang="es-ES_tradnl" dirty="0"/>
+              <a:t>Surtido, </a:t>
+            </a:r>
+            <a:r>
+              <a:rPr lang="es-ES_tradnl" sz="3200" dirty="0"/>
+              <a:t>Surtir Detalle</a:t>
+            </a:r>
+          </a:p>
+        </p:txBody>
+      </p:sp>
+      <p:sp>
+        <p:nvSpPr>
+          <p:cNvPr id="3" name="Content Placeholder 2">
+            <a:extLst>
+              <a:ext uri="{FF2B5EF4-FFF2-40B4-BE49-F238E27FC236}">
+                <a16:creationId xmlns:a16="http://schemas.microsoft.com/office/drawing/2014/main" id="{3E5DE966-26D6-55FF-2D88-E8451322FF69}"/>
+              </a:ext>
+            </a:extLst>
+          </p:cNvPr>
+          <p:cNvSpPr>
+            <a:spLocks noGrp="1"/>
+          </p:cNvSpPr>
+          <p:nvPr>
+            <p:ph idx="1"/>
+          </p:nvPr>
+        </p:nvSpPr>
+        <p:spPr>
+          <a:xfrm>
+            <a:off x="3594538" y="1072053"/>
+            <a:ext cx="8292661" cy="5548590"/>
+          </a:xfrm>
+        </p:spPr>
+        <p:txBody>
+          <a:bodyPr/>
+          <a:lstStyle/>
+          <a:p>
+            <a:r>
+              <a:rPr lang="es-ES_tradnl" dirty="0"/>
+              <a:t>Se surte el Detalle de Pedido.</a:t>
+            </a:r>
+          </a:p>
+          <a:p>
+            <a:r>
+              <a:rPr lang="es-ES_tradnl" dirty="0"/>
+              <a:t>Se valida el Localizador. Se valida el Código de Barras del Producto.</a:t>
+            </a:r>
+          </a:p>
+          <a:p>
+            <a:r>
+              <a:rPr lang="es-ES_tradnl" dirty="0"/>
+              <a:t>Se valida la Cantidad Surtida.</a:t>
+            </a:r>
+          </a:p>
+          <a:p>
+            <a:r>
+              <a:rPr lang="es-ES_tradnl" dirty="0"/>
+              <a:t>En caso de ser requerido, se valida el Lote y Fecha de Caducidad.</a:t>
+            </a:r>
+          </a:p>
+          <a:p>
+            <a:r>
+              <a:rPr lang="es-ES_tradnl" dirty="0"/>
+              <a:t>Si es necesario cerrar el Bulto se cierra y abre otro.</a:t>
+            </a:r>
+          </a:p>
+          <a:p>
+            <a:r>
+              <a:rPr lang="es-ES_tradnl" dirty="0"/>
+              <a:t>Si es necesario cerrar el Contenedor se cierra y abre otro.</a:t>
+            </a:r>
+          </a:p>
+          <a:p>
+            <a:endParaRPr lang="es-ES_tradnl" dirty="0"/>
+          </a:p>
+        </p:txBody>
+      </p:sp>
+      <p:pic>
+        <p:nvPicPr>
+          <p:cNvPr id="5" name="Picture 4">
+            <a:extLst>
+              <a:ext uri="{FF2B5EF4-FFF2-40B4-BE49-F238E27FC236}">
+                <a16:creationId xmlns:a16="http://schemas.microsoft.com/office/drawing/2014/main" id="{57809B0B-AFBF-0F31-B468-F310E75BE238}"/>
+              </a:ext>
+            </a:extLst>
+          </p:cNvPr>
+          <p:cNvPicPr>
+            <a:picLocks noChangeAspect="1"/>
+          </p:cNvPicPr>
+          <p:nvPr/>
+        </p:nvPicPr>
+        <p:blipFill>
+          <a:blip r:embed="rId2"/>
+          <a:srcRect/>
+          <a:stretch/>
+        </p:blipFill>
+        <p:spPr>
+          <a:xfrm>
+            <a:off x="635309" y="1072055"/>
+            <a:ext cx="2699314" cy="5548589"/>
+          </a:xfrm>
+          <a:prstGeom prst="rect">
+            <a:avLst/>
+          </a:prstGeom>
+        </p:spPr>
+      </p:pic>
+    </p:spTree>
+    <p:extLst>
+      <p:ext uri="{BB962C8B-B14F-4D97-AF65-F5344CB8AC3E}">
+        <p14:creationId xmlns:p14="http://schemas.microsoft.com/office/powerpoint/2010/main" val="1611316005"/>
+      </p:ext>
+    </p:extLst>
+  </p:cSld>
+  <p:clrMapOvr>
+    <a:masterClrMapping/>
+  </p:clrMapOvr>
+</p:sld>
+</file>
+
+<file path=ppt/slides/slide11.xml><?xml version="1.0" encoding="utf-8"?>
+<p:sld xmlns:a="http://schemas.openxmlformats.org/drawingml/2006/main" xmlns:r="http://schemas.openxmlformats.org/officeDocument/2006/relationships" xmlns:p="http://schemas.openxmlformats.org/presentationml/2006/main">
+  <p:cSld>
+    <p:spTree>
+      <p:nvGrpSpPr>
+        <p:cNvPr id="1" name="">
+          <a:extLst>
+            <a:ext uri="{FF2B5EF4-FFF2-40B4-BE49-F238E27FC236}">
               <a16:creationId xmlns:a16="http://schemas.microsoft.com/office/drawing/2014/main" id="{FD473997-4CED-487C-A013-13A01A67A2A9}"/>
             </a:ext>
           </a:extLst>
@@ -3637,7 +3806,7 @@
 </p:sld>
 </file>
 
-<file path=ppt/slides/slide11.xml><?xml version="1.0" encoding="utf-8"?>
+<file path=ppt/slides/slide12.xml><?xml version="1.0" encoding="utf-8"?>
 <p:sld xmlns:a="http://schemas.openxmlformats.org/drawingml/2006/main" xmlns:r="http://schemas.openxmlformats.org/officeDocument/2006/relationships" xmlns:p="http://schemas.openxmlformats.org/presentationml/2006/main">
   <p:cSld>
     <p:spTree>
@@ -3869,7 +4038,7 @@
 </p:sld>
 </file>
 
-<file path=ppt/slides/slide12.xml><?xml version="1.0" encoding="utf-8"?>
+<file path=ppt/slides/slide13.xml><?xml version="1.0" encoding="utf-8"?>
 <p:sld xmlns:a="http://schemas.openxmlformats.org/drawingml/2006/main" xmlns:r="http://schemas.openxmlformats.org/officeDocument/2006/relationships" xmlns:p="http://schemas.openxmlformats.org/presentationml/2006/main">
   <p:cSld>
     <p:spTree>
@@ -3899,7 +4068,7 @@
 </p:sld>
 </file>
 
-<file path=ppt/slides/slide13.xml><?xml version="1.0" encoding="utf-8"?>
+<file path=ppt/slides/slide14.xml><?xml version="1.0" encoding="utf-8"?>
 <p:sld xmlns:a="http://schemas.openxmlformats.org/drawingml/2006/main" xmlns:r="http://schemas.openxmlformats.org/officeDocument/2006/relationships" xmlns:p="http://schemas.openxmlformats.org/presentationml/2006/main">
   <p:cSld>
     <p:spTree>
@@ -4255,7 +4424,7 @@
 </p:sld>
 </file>
 
-<file path=ppt/slides/slide14.xml><?xml version="1.0" encoding="utf-8"?>
+<file path=ppt/slides/slide15.xml><?xml version="1.0" encoding="utf-8"?>
 <p:sld xmlns:a="http://schemas.openxmlformats.org/drawingml/2006/main" xmlns:r="http://schemas.openxmlformats.org/officeDocument/2006/relationships" xmlns:p="http://schemas.openxmlformats.org/presentationml/2006/main">
   <p:cSld>
     <p:spTree>
@@ -7271,6 +7440,160 @@
         <p:cNvPr id="1" name="">
           <a:extLst>
             <a:ext uri="{FF2B5EF4-FFF2-40B4-BE49-F238E27FC236}">
+              <a16:creationId xmlns:a16="http://schemas.microsoft.com/office/drawing/2014/main" id="{E5CC3B73-921E-D88D-A518-AEAB7E9ED190}"/>
+            </a:ext>
+          </a:extLst>
+        </p:cNvPr>
+        <p:cNvGrpSpPr/>
+        <p:nvPr/>
+      </p:nvGrpSpPr>
+      <p:grpSpPr>
+        <a:xfrm>
+          <a:off x="0" y="0"/>
+          <a:ext cx="0" cy="0"/>
+          <a:chOff x="0" y="0"/>
+          <a:chExt cx="0" cy="0"/>
+        </a:xfrm>
+      </p:grpSpPr>
+      <p:sp>
+        <p:nvSpPr>
+          <p:cNvPr id="2" name="Title 1">
+            <a:extLst>
+              <a:ext uri="{FF2B5EF4-FFF2-40B4-BE49-F238E27FC236}">
+                <a16:creationId xmlns:a16="http://schemas.microsoft.com/office/drawing/2014/main" id="{0B360C23-40ED-E1B4-F478-99EAA73783BE}"/>
+              </a:ext>
+            </a:extLst>
+          </p:cNvPr>
+          <p:cNvSpPr>
+            <a:spLocks noGrp="1"/>
+          </p:cNvSpPr>
+          <p:nvPr>
+            <p:ph type="title"/>
+          </p:nvPr>
+        </p:nvSpPr>
+        <p:spPr>
+          <a:xfrm>
+            <a:off x="249623" y="123388"/>
+            <a:ext cx="10515600" cy="791013"/>
+          </a:xfrm>
+        </p:spPr>
+        <p:txBody>
+          <a:bodyPr/>
+          <a:lstStyle/>
+          <a:p>
+            <a:r>
+              <a:rPr lang="es-ES_tradnl" dirty="0"/>
+              <a:t>Surtido, </a:t>
+            </a:r>
+            <a:r>
+              <a:rPr lang="es-ES_tradnl" sz="3200" dirty="0"/>
+              <a:t>Muestra Pedidos</a:t>
+            </a:r>
+          </a:p>
+        </p:txBody>
+      </p:sp>
+      <p:sp>
+        <p:nvSpPr>
+          <p:cNvPr id="3" name="Content Placeholder 2">
+            <a:extLst>
+              <a:ext uri="{FF2B5EF4-FFF2-40B4-BE49-F238E27FC236}">
+                <a16:creationId xmlns:a16="http://schemas.microsoft.com/office/drawing/2014/main" id="{15B0B908-079F-6868-AA0C-892C20C02CC3}"/>
+              </a:ext>
+            </a:extLst>
+          </p:cNvPr>
+          <p:cNvSpPr>
+            <a:spLocks noGrp="1"/>
+          </p:cNvSpPr>
+          <p:nvPr>
+            <p:ph idx="1"/>
+          </p:nvPr>
+        </p:nvSpPr>
+        <p:spPr>
+          <a:xfrm>
+            <a:off x="3594538" y="1072053"/>
+            <a:ext cx="8292661" cy="5548590"/>
+          </a:xfrm>
+        </p:spPr>
+        <p:txBody>
+          <a:bodyPr>
+            <a:normAutofit/>
+          </a:bodyPr>
+          <a:lstStyle/>
+          <a:p>
+            <a:r>
+              <a:rPr lang="es-ES_tradnl" dirty="0"/>
+              <a:t>Un Pedido es un conjunto de Ordenes de Surtido (se identifica el conjunto con el atributo </a:t>
+            </a:r>
+            <a:r>
+              <a:rPr lang="es-ES_tradnl" sz="2400" dirty="0" err="1">
+                <a:latin typeface="Consolas" panose="020B0609020204030204" pitchFamily="49" charset="0"/>
+                <a:cs typeface="Consolas" panose="020B0609020204030204" pitchFamily="49" charset="0"/>
+              </a:rPr>
+              <a:t>idpedido</a:t>
+            </a:r>
+            <a:r>
+              <a:rPr lang="es-ES_tradnl" dirty="0"/>
+              <a:t> de la tabla </a:t>
+            </a:r>
+            <a:r>
+              <a:rPr lang="es-ES_tradnl" sz="2400" dirty="0" err="1">
+                <a:latin typeface="Consolas" panose="020B0609020204030204" pitchFamily="49" charset="0"/>
+                <a:cs typeface="Consolas" panose="020B0609020204030204" pitchFamily="49" charset="0"/>
+              </a:rPr>
+              <a:t>OrdenSurtido</a:t>
+            </a:r>
+            <a:r>
+              <a:rPr lang="es-ES_tradnl" dirty="0"/>
+              <a:t>).</a:t>
+            </a:r>
+          </a:p>
+          <a:p>
+            <a:r>
+              <a:rPr lang="es-ES_tradnl" dirty="0"/>
+              <a:t>Si el tipo de surtido es 'Pedido Completo’ en un Pedido pueden ir n-Ordenes de Surtido, solo se separan las que son de bloques excluyentes.</a:t>
+            </a:r>
+          </a:p>
+          <a:p>
+            <a:r>
+              <a:rPr lang="es-ES_tradnl" dirty="0"/>
+              <a:t>Si el tipo de surtido es ‘Simultaneo’ en un Pedido va una sola Orden de Surtido.</a:t>
+            </a:r>
+          </a:p>
+          <a:p>
+            <a:r>
+              <a:rPr lang="es-ES_tradnl" dirty="0"/>
+              <a:t>La ventaja es que el número de viajes de surtido (Transportes) es menor, porque cualquiera de los dos tipos de surtido ‘agrupan’ varias Ordenes de Surtido.</a:t>
+            </a:r>
+          </a:p>
+          <a:p>
+            <a:endParaRPr lang="es-ES_tradnl" dirty="0"/>
+          </a:p>
+          <a:p>
+            <a:endParaRPr lang="es-ES_tradnl" dirty="0"/>
+          </a:p>
+        </p:txBody>
+      </p:sp>
+    </p:spTree>
+    <p:extLst>
+      <p:ext uri="{BB962C8B-B14F-4D97-AF65-F5344CB8AC3E}">
+        <p14:creationId xmlns:p14="http://schemas.microsoft.com/office/powerpoint/2010/main" val="3383625837"/>
+      </p:ext>
+    </p:extLst>
+  </p:cSld>
+  <p:clrMapOvr>
+    <a:masterClrMapping/>
+  </p:clrMapOvr>
+</p:sld>
+</file>
+
+<file path=ppt/slides/slide8.xml><?xml version="1.0" encoding="utf-8"?>
+<p:sld xmlns:a="http://schemas.openxmlformats.org/drawingml/2006/main" xmlns:r="http://schemas.openxmlformats.org/officeDocument/2006/relationships" xmlns:p="http://schemas.openxmlformats.org/presentationml/2006/main">
+  <p:cSld>
+    <p:spTree>
+      <p:nvGrpSpPr>
+        <p:cNvPr id="1" name="">
+          <a:extLst>
+            <a:ext uri="{FF2B5EF4-FFF2-40B4-BE49-F238E27FC236}">
               <a16:creationId xmlns:a16="http://schemas.microsoft.com/office/drawing/2014/main" id="{5DDD4DDB-9E25-650A-BABB-ED405C8389A1}"/>
             </a:ext>
           </a:extLst>
@@ -8251,7 +8574,7 @@
 </p:sld>
 </file>
 
-<file path=ppt/slides/slide8.xml><?xml version="1.0" encoding="utf-8"?>
+<file path=ppt/slides/slide9.xml><?xml version="1.0" encoding="utf-8"?>
 <p:sld xmlns:a="http://schemas.openxmlformats.org/drawingml/2006/main" xmlns:r="http://schemas.openxmlformats.org/officeDocument/2006/relationships" xmlns:p="http://schemas.openxmlformats.org/presentationml/2006/main">
   <p:cSld>
     <p:spTree>
@@ -8400,174 +8723,6 @@
     <p:extLst>
       <p:ext uri="{BB962C8B-B14F-4D97-AF65-F5344CB8AC3E}">
         <p14:creationId xmlns:p14="http://schemas.microsoft.com/office/powerpoint/2010/main" val="1690539207"/>
-      </p:ext>
-    </p:extLst>
-  </p:cSld>
-  <p:clrMapOvr>
-    <a:masterClrMapping/>
-  </p:clrMapOvr>
-</p:sld>
-</file>
-
-<file path=ppt/slides/slide9.xml><?xml version="1.0" encoding="utf-8"?>
-<p:sld xmlns:a="http://schemas.openxmlformats.org/drawingml/2006/main" xmlns:r="http://schemas.openxmlformats.org/officeDocument/2006/relationships" xmlns:p="http://schemas.openxmlformats.org/presentationml/2006/main">
-  <p:cSld>
-    <p:spTree>
-      <p:nvGrpSpPr>
-        <p:cNvPr id="1" name="">
-          <a:extLst>
-            <a:ext uri="{FF2B5EF4-FFF2-40B4-BE49-F238E27FC236}">
-              <a16:creationId xmlns:a16="http://schemas.microsoft.com/office/drawing/2014/main" id="{4A1ED6D6-73F6-AD54-89A0-9168243687D6}"/>
-            </a:ext>
-          </a:extLst>
-        </p:cNvPr>
-        <p:cNvGrpSpPr/>
-        <p:nvPr/>
-      </p:nvGrpSpPr>
-      <p:grpSpPr>
-        <a:xfrm>
-          <a:off x="0" y="0"/>
-          <a:ext cx="0" cy="0"/>
-          <a:chOff x="0" y="0"/>
-          <a:chExt cx="0" cy="0"/>
-        </a:xfrm>
-      </p:grpSpPr>
-      <p:sp>
-        <p:nvSpPr>
-          <p:cNvPr id="2" name="Title 1">
-            <a:extLst>
-              <a:ext uri="{FF2B5EF4-FFF2-40B4-BE49-F238E27FC236}">
-                <a16:creationId xmlns:a16="http://schemas.microsoft.com/office/drawing/2014/main" id="{54E5FD41-4622-92B0-AA7C-11F0633B89DA}"/>
-              </a:ext>
-            </a:extLst>
-          </p:cNvPr>
-          <p:cNvSpPr>
-            <a:spLocks noGrp="1"/>
-          </p:cNvSpPr>
-          <p:nvPr>
-            <p:ph type="title"/>
-          </p:nvPr>
-        </p:nvSpPr>
-        <p:spPr>
-          <a:xfrm>
-            <a:off x="249623" y="123388"/>
-            <a:ext cx="10515600" cy="791013"/>
-          </a:xfrm>
-        </p:spPr>
-        <p:txBody>
-          <a:bodyPr/>
-          <a:lstStyle/>
-          <a:p>
-            <a:r>
-              <a:rPr lang="es-ES_tradnl" dirty="0"/>
-              <a:t>Surtido, </a:t>
-            </a:r>
-            <a:r>
-              <a:rPr lang="es-ES_tradnl" sz="3200" dirty="0"/>
-              <a:t>Surtir Detalle</a:t>
-            </a:r>
-          </a:p>
-        </p:txBody>
-      </p:sp>
-      <p:sp>
-        <p:nvSpPr>
-          <p:cNvPr id="3" name="Content Placeholder 2">
-            <a:extLst>
-              <a:ext uri="{FF2B5EF4-FFF2-40B4-BE49-F238E27FC236}">
-                <a16:creationId xmlns:a16="http://schemas.microsoft.com/office/drawing/2014/main" id="{3E5DE966-26D6-55FF-2D88-E8451322FF69}"/>
-              </a:ext>
-            </a:extLst>
-          </p:cNvPr>
-          <p:cNvSpPr>
-            <a:spLocks noGrp="1"/>
-          </p:cNvSpPr>
-          <p:nvPr>
-            <p:ph idx="1"/>
-          </p:nvPr>
-        </p:nvSpPr>
-        <p:spPr>
-          <a:xfrm>
-            <a:off x="3594538" y="1072053"/>
-            <a:ext cx="8292661" cy="5548590"/>
-          </a:xfrm>
-        </p:spPr>
-        <p:txBody>
-          <a:bodyPr/>
-          <a:lstStyle/>
-          <a:p>
-            <a:r>
-              <a:rPr lang="es-ES_tradnl" dirty="0"/>
-              <a:t>Se surte el Detalle de Pedido.</a:t>
-            </a:r>
-          </a:p>
-          <a:p>
-            <a:r>
-              <a:rPr lang="es-ES_tradnl" dirty="0"/>
-              <a:t>Se valida el Localizador. Se valida el Código de Barras del Producto.</a:t>
-            </a:r>
-          </a:p>
-          <a:p>
-            <a:r>
-              <a:rPr lang="es-ES_tradnl" dirty="0"/>
-              <a:t>Se valida la Cantidad Surtida.</a:t>
-            </a:r>
-          </a:p>
-          <a:p>
-            <a:r>
-              <a:rPr lang="es-ES_tradnl" dirty="0"/>
-              <a:t>En caso de ser requerido, se valida el Lote y Fecha de Caducidad.</a:t>
-            </a:r>
-          </a:p>
-          <a:p>
-            <a:r>
-              <a:rPr lang="es-ES_tradnl" dirty="0"/>
-              <a:t>Si es necesario cerrar el Bulto se cierra y abre otro.</a:t>
-            </a:r>
-          </a:p>
-          <a:p>
-            <a:r>
-              <a:rPr lang="es-ES_tradnl" dirty="0"/>
-              <a:t>Si es necesario cerrar el Contenedor se cierra y abre otro.</a:t>
-            </a:r>
-          </a:p>
-          <a:p>
-            <a:endParaRPr lang="es-ES_tradnl" dirty="0"/>
-          </a:p>
-        </p:txBody>
-      </p:sp>
-      <p:pic>
-        <p:nvPicPr>
-          <p:cNvPr id="5" name="Picture 4">
-            <a:extLst>
-              <a:ext uri="{FF2B5EF4-FFF2-40B4-BE49-F238E27FC236}">
-                <a16:creationId xmlns:a16="http://schemas.microsoft.com/office/drawing/2014/main" id="{57809B0B-AFBF-0F31-B468-F310E75BE238}"/>
-              </a:ext>
-            </a:extLst>
-          </p:cNvPr>
-          <p:cNvPicPr>
-            <a:picLocks noChangeAspect="1"/>
-          </p:cNvPicPr>
-          <p:nvPr/>
-        </p:nvPicPr>
-        <p:blipFill>
-          <a:blip r:embed="rId2"/>
-          <a:srcRect/>
-          <a:stretch/>
-        </p:blipFill>
-        <p:spPr>
-          <a:xfrm>
-            <a:off x="635309" y="1072055"/>
-            <a:ext cx="2699314" cy="5548589"/>
-          </a:xfrm>
-          <a:prstGeom prst="rect">
-            <a:avLst/>
-          </a:prstGeom>
-        </p:spPr>
-      </p:pic>
-    </p:spTree>
-    <p:extLst>
-      <p:ext uri="{BB962C8B-B14F-4D97-AF65-F5344CB8AC3E}">
-        <p14:creationId xmlns:p14="http://schemas.microsoft.com/office/powerpoint/2010/main" val="1611316005"/>
       </p:ext>
     </p:extLst>
   </p:cSld>

--- a/atCloud - Diseño - Interfaz de Usuario - Surtido.pptx
+++ b/atCloud - Diseño - Interfaz de Usuario - Surtido.pptx
@@ -16,10 +16,13 @@
     <p:sldId id="268" r:id="rId10"/>
     <p:sldId id="272" r:id="rId11"/>
     <p:sldId id="270" r:id="rId12"/>
-    <p:sldId id="273" r:id="rId13"/>
-    <p:sldId id="274" r:id="rId14"/>
-    <p:sldId id="275" r:id="rId15"/>
-    <p:sldId id="276" r:id="rId16"/>
+    <p:sldId id="280" r:id="rId13"/>
+    <p:sldId id="281" r:id="rId14"/>
+    <p:sldId id="273" r:id="rId15"/>
+    <p:sldId id="274" r:id="rId16"/>
+    <p:sldId id="279" r:id="rId17"/>
+    <p:sldId id="275" r:id="rId18"/>
+    <p:sldId id="276" r:id="rId19"/>
   </p:sldIdLst>
   <p:sldSz cx="12192000" cy="6858000"/>
   <p:notesSz cx="6858000" cy="9144000"/>
@@ -275,7 +278,7 @@
           <a:p>
             <a:fld id="{DC7435B9-0E12-0B4F-AEAD-4257853CAF9C}" type="datetimeFigureOut">
               <a:rPr lang="es-ES_tradnl" smtClean="0"/>
-              <a:t>20/11/24</a:t>
+              <a:t>23/11/24</a:t>
             </a:fld>
             <a:endParaRPr lang="es-ES_tradnl"/>
           </a:p>
@@ -475,7 +478,7 @@
           <a:p>
             <a:fld id="{DC7435B9-0E12-0B4F-AEAD-4257853CAF9C}" type="datetimeFigureOut">
               <a:rPr lang="es-ES_tradnl" smtClean="0"/>
-              <a:t>20/11/24</a:t>
+              <a:t>23/11/24</a:t>
             </a:fld>
             <a:endParaRPr lang="es-ES_tradnl"/>
           </a:p>
@@ -685,7 +688,7 @@
           <a:p>
             <a:fld id="{DC7435B9-0E12-0B4F-AEAD-4257853CAF9C}" type="datetimeFigureOut">
               <a:rPr lang="es-ES_tradnl" smtClean="0"/>
-              <a:t>20/11/24</a:t>
+              <a:t>23/11/24</a:t>
             </a:fld>
             <a:endParaRPr lang="es-ES_tradnl"/>
           </a:p>
@@ -885,7 +888,7 @@
           <a:p>
             <a:fld id="{DC7435B9-0E12-0B4F-AEAD-4257853CAF9C}" type="datetimeFigureOut">
               <a:rPr lang="es-ES_tradnl" smtClean="0"/>
-              <a:t>20/11/24</a:t>
+              <a:t>23/11/24</a:t>
             </a:fld>
             <a:endParaRPr lang="es-ES_tradnl"/>
           </a:p>
@@ -1161,7 +1164,7 @@
           <a:p>
             <a:fld id="{DC7435B9-0E12-0B4F-AEAD-4257853CAF9C}" type="datetimeFigureOut">
               <a:rPr lang="es-ES_tradnl" smtClean="0"/>
-              <a:t>20/11/24</a:t>
+              <a:t>23/11/24</a:t>
             </a:fld>
             <a:endParaRPr lang="es-ES_tradnl"/>
           </a:p>
@@ -1429,7 +1432,7 @@
           <a:p>
             <a:fld id="{DC7435B9-0E12-0B4F-AEAD-4257853CAF9C}" type="datetimeFigureOut">
               <a:rPr lang="es-ES_tradnl" smtClean="0"/>
-              <a:t>20/11/24</a:t>
+              <a:t>23/11/24</a:t>
             </a:fld>
             <a:endParaRPr lang="es-ES_tradnl"/>
           </a:p>
@@ -1844,7 +1847,7 @@
           <a:p>
             <a:fld id="{DC7435B9-0E12-0B4F-AEAD-4257853CAF9C}" type="datetimeFigureOut">
               <a:rPr lang="es-ES_tradnl" smtClean="0"/>
-              <a:t>20/11/24</a:t>
+              <a:t>23/11/24</a:t>
             </a:fld>
             <a:endParaRPr lang="es-ES_tradnl"/>
           </a:p>
@@ -1986,7 +1989,7 @@
           <a:p>
             <a:fld id="{DC7435B9-0E12-0B4F-AEAD-4257853CAF9C}" type="datetimeFigureOut">
               <a:rPr lang="es-ES_tradnl" smtClean="0"/>
-              <a:t>20/11/24</a:t>
+              <a:t>23/11/24</a:t>
             </a:fld>
             <a:endParaRPr lang="es-ES_tradnl"/>
           </a:p>
@@ -2099,7 +2102,7 @@
           <a:p>
             <a:fld id="{DC7435B9-0E12-0B4F-AEAD-4257853CAF9C}" type="datetimeFigureOut">
               <a:rPr lang="es-ES_tradnl" smtClean="0"/>
-              <a:t>20/11/24</a:t>
+              <a:t>23/11/24</a:t>
             </a:fld>
             <a:endParaRPr lang="es-ES_tradnl"/>
           </a:p>
@@ -2412,7 +2415,7 @@
           <a:p>
             <a:fld id="{DC7435B9-0E12-0B4F-AEAD-4257853CAF9C}" type="datetimeFigureOut">
               <a:rPr lang="es-ES_tradnl" smtClean="0"/>
-              <a:t>20/11/24</a:t>
+              <a:t>23/11/24</a:t>
             </a:fld>
             <a:endParaRPr lang="es-ES_tradnl"/>
           </a:p>
@@ -2701,7 +2704,7 @@
           <a:p>
             <a:fld id="{DC7435B9-0E12-0B4F-AEAD-4257853CAF9C}" type="datetimeFigureOut">
               <a:rPr lang="es-ES_tradnl" smtClean="0"/>
-              <a:t>20/11/24</a:t>
+              <a:t>23/11/24</a:t>
             </a:fld>
             <a:endParaRPr lang="es-ES_tradnl"/>
           </a:p>
@@ -2944,7 +2947,7 @@
           <a:p>
             <a:fld id="{DC7435B9-0E12-0B4F-AEAD-4257853CAF9C}" type="datetimeFigureOut">
               <a:rPr lang="es-ES_tradnl" smtClean="0"/>
-              <a:t>20/11/24</a:t>
+              <a:t>23/11/24</a:t>
             </a:fld>
             <a:endParaRPr lang="es-ES_tradnl"/>
           </a:p>
@@ -3589,7 +3592,7 @@
         <p:spPr>
           <a:xfrm>
             <a:off x="635309" y="1072055"/>
-            <a:ext cx="2699314" cy="5548589"/>
+            <a:ext cx="2699313" cy="5548589"/>
           </a:xfrm>
           <a:prstGeom prst="rect">
             <a:avLst/>
@@ -3786,7 +3789,7 @@
         <p:spPr>
           <a:xfrm>
             <a:off x="635309" y="1072055"/>
-            <a:ext cx="2699314" cy="5548589"/>
+            <a:ext cx="2699313" cy="5548589"/>
           </a:xfrm>
           <a:prstGeom prst="rect">
             <a:avLst/>
@@ -3814,7 +3817,7 @@
         <p:cNvPr id="1" name="">
           <a:extLst>
             <a:ext uri="{FF2B5EF4-FFF2-40B4-BE49-F238E27FC236}">
-              <a16:creationId xmlns:a16="http://schemas.microsoft.com/office/drawing/2014/main" id="{B449E9AD-8286-40B2-94C6-CACEEF9DC43E}"/>
+              <a16:creationId xmlns:a16="http://schemas.microsoft.com/office/drawing/2014/main" id="{78604AE5-6661-0B11-858E-E47C5C9BE982}"/>
             </a:ext>
           </a:extLst>
         </p:cNvPr>
@@ -3834,7 +3837,7 @@
           <p:cNvPr id="2" name="Title 1">
             <a:extLst>
               <a:ext uri="{FF2B5EF4-FFF2-40B4-BE49-F238E27FC236}">
-                <a16:creationId xmlns:a16="http://schemas.microsoft.com/office/drawing/2014/main" id="{CDA5894A-FDE4-E6F3-5AAE-ADBCD57F4D1E}"/>
+                <a16:creationId xmlns:a16="http://schemas.microsoft.com/office/drawing/2014/main" id="{F4667ACA-D96D-E160-4E5C-4EA729FB976F}"/>
               </a:ext>
             </a:extLst>
           </p:cNvPr>
@@ -3861,7 +3864,7 @@
             </a:r>
             <a:r>
               <a:rPr lang="es-ES_tradnl" sz="3200" dirty="0"/>
-              <a:t>Estacionar Transporte</a:t>
+              <a:t>Traspaleo</a:t>
             </a:r>
           </a:p>
         </p:txBody>
@@ -3871,7 +3874,7 @@
           <p:cNvPr id="3" name="Content Placeholder 2">
             <a:extLst>
               <a:ext uri="{FF2B5EF4-FFF2-40B4-BE49-F238E27FC236}">
-                <a16:creationId xmlns:a16="http://schemas.microsoft.com/office/drawing/2014/main" id="{666805AD-ADC3-B2E0-492A-C5B11A16DF4A}"/>
+                <a16:creationId xmlns:a16="http://schemas.microsoft.com/office/drawing/2014/main" id="{1F9AF0BD-0E5D-DE87-DD13-5F5D71B93371}"/>
               </a:ext>
             </a:extLst>
           </p:cNvPr>
@@ -3889,104 +3892,39 @@
           </a:xfrm>
         </p:spPr>
         <p:txBody>
-          <a:bodyPr>
-            <a:normAutofit/>
-          </a:bodyPr>
+          <a:bodyPr/>
           <a:lstStyle/>
           <a:p>
             <a:r>
               <a:rPr lang="es-ES_tradnl" dirty="0"/>
-              <a:t>Se lleva el Transporte al estacionamiento del </a:t>
-            </a:r>
-            <a:r>
-              <a:rPr lang="es-ES_tradnl" dirty="0" err="1"/>
-              <a:t>Sorter</a:t>
-            </a:r>
-            <a:r>
-              <a:rPr lang="es-ES_tradnl" dirty="0"/>
-              <a:t>.</a:t>
-            </a:r>
-          </a:p>
-          <a:p>
-            <a:r>
-              <a:rPr lang="es-ES_tradnl" dirty="0"/>
-              <a:t>Se estaciona el Transporte escaneando la ubicación en donde se estaciona el Transporte.</a:t>
-            </a:r>
-          </a:p>
-          <a:p>
-            <a:r>
-              <a:rPr lang="es-ES_tradnl" dirty="0"/>
-              <a:t>En el </a:t>
-            </a:r>
-            <a:r>
-              <a:rPr lang="es-ES_tradnl" sz="2600" i="1" dirty="0" err="1"/>
-              <a:t>backend</a:t>
-            </a:r>
-            <a:r>
-              <a:rPr lang="es-ES_tradnl" dirty="0"/>
-              <a:t> se actualiza el registro de </a:t>
-            </a:r>
-            <a:r>
-              <a:rPr lang="es-ES_tradnl" sz="2400" dirty="0" err="1">
-                <a:latin typeface="Consolas" panose="020B0609020204030204" pitchFamily="49" charset="0"/>
-                <a:cs typeface="Consolas" panose="020B0609020204030204" pitchFamily="49" charset="0"/>
-              </a:rPr>
-              <a:t>TransporteSurtido</a:t>
-            </a:r>
-            <a:r>
-              <a:rPr lang="es-ES_tradnl" dirty="0"/>
-              <a:t>. Se coloca el horario de </a:t>
-            </a:r>
-            <a:r>
-              <a:rPr lang="es-ES_tradnl" sz="2400" dirty="0" err="1">
-                <a:latin typeface="Consolas" panose="020B0609020204030204" pitchFamily="49" charset="0"/>
-                <a:cs typeface="Consolas" panose="020B0609020204030204" pitchFamily="49" charset="0"/>
-              </a:rPr>
-              <a:t>feestacionado</a:t>
-            </a:r>
-            <a:r>
-              <a:rPr lang="es-ES_tradnl" dirty="0"/>
-              <a:t>.</a:t>
-            </a:r>
-          </a:p>
-          <a:p>
-            <a:r>
-              <a:rPr lang="es-ES_tradnl" dirty="0"/>
-              <a:t>En el </a:t>
-            </a:r>
-            <a:r>
-              <a:rPr lang="es-ES_tradnl" sz="2600" i="1" dirty="0" err="1"/>
-              <a:t>backend</a:t>
-            </a:r>
-            <a:r>
-              <a:rPr lang="es-ES_tradnl" dirty="0"/>
-              <a:t> se crea el registro de </a:t>
-            </a:r>
-            <a:r>
-              <a:rPr lang="es-ES_tradnl" sz="2400" dirty="0" err="1">
-                <a:latin typeface="Consolas" panose="020B0609020204030204" pitchFamily="49" charset="0"/>
-                <a:cs typeface="Consolas" panose="020B0609020204030204" pitchFamily="49" charset="0"/>
-              </a:rPr>
-              <a:t>TransporteSorter</a:t>
-            </a:r>
-            <a:r>
-              <a:rPr lang="es-ES_tradnl" dirty="0"/>
-              <a:t>. Se coloca el horario de </a:t>
-            </a:r>
-            <a:r>
-              <a:rPr lang="es-ES_tradnl" sz="2400" dirty="0" err="1">
-                <a:latin typeface="Consolas" panose="020B0609020204030204" pitchFamily="49" charset="0"/>
-                <a:cs typeface="Consolas" panose="020B0609020204030204" pitchFamily="49" charset="0"/>
-              </a:rPr>
-              <a:t>feestacionado</a:t>
-            </a:r>
-            <a:r>
-              <a:rPr lang="es-ES_tradnl" dirty="0"/>
-              <a:t>. Se hereda la Prioridad del primer Pedido. Se coloca el estado ‘PE’ (pendiente).</a:t>
-            </a:r>
-          </a:p>
-          <a:p>
-            <a:endParaRPr lang="es-ES_tradnl" dirty="0"/>
+              <a:t>Si el Transporte se tiene que Traspalear, se muestra el </a:t>
+            </a:r>
+            <a:r>
+              <a:rPr lang="es-ES_tradnl" i="1" dirty="0" err="1"/>
+              <a:t>stage</a:t>
+            </a:r>
+            <a:r>
+              <a:rPr lang="es-ES_tradnl" dirty="0"/>
+              <a:t> de Traspaleo.</a:t>
+            </a:r>
+          </a:p>
+          <a:p>
+            <a:r>
+              <a:rPr lang="es-ES_tradnl" dirty="0"/>
+              <a:t>El Transporte debe de heredar el indicador de 'traspaleo' del Bloque.</a:t>
+            </a:r>
+          </a:p>
+          <a:p>
+            <a:r>
+              <a:rPr lang="es-ES_tradnl" dirty="0"/>
+              <a:t>El Transporte generado del Tipo de Surtido 'Pedido Completo' no se puede traspalear, aunque alguno de sus Bloques diga indicación de traspaleo.</a:t>
+            </a:r>
+          </a:p>
+          <a:p>
+            <a:r>
+              <a:rPr lang="es-ES_tradnl" dirty="0"/>
+              <a:t>Cuando el Tipo de Surtido es 'Simultaneo' todos los Pedidos asignados vienen de Ordenes de Surtido que tienen el mismo indicador de traspaleo, porque pertenecen al mismo Bloque.</a:t>
+            </a:r>
           </a:p>
           <a:p>
             <a:endParaRPr lang="es-ES_tradnl" dirty="0"/>
@@ -3998,10 +3936,10 @@
       </p:sp>
       <p:pic>
         <p:nvPicPr>
-          <p:cNvPr id="5" name="Picture 4">
-            <a:extLst>
-              <a:ext uri="{FF2B5EF4-FFF2-40B4-BE49-F238E27FC236}">
-                <a16:creationId xmlns:a16="http://schemas.microsoft.com/office/drawing/2014/main" id="{687279B0-D0F4-D167-2231-D005B3BE900A}"/>
+          <p:cNvPr id="4" name="Picture 3">
+            <a:extLst>
+              <a:ext uri="{FF2B5EF4-FFF2-40B4-BE49-F238E27FC236}">
+                <a16:creationId xmlns:a16="http://schemas.microsoft.com/office/drawing/2014/main" id="{5239D7AF-3F4B-7898-4908-7B19E709995B}"/>
               </a:ext>
             </a:extLst>
           </p:cNvPr>
@@ -4028,6 +3966,424 @@
     </p:spTree>
     <p:extLst>
       <p:ext uri="{BB962C8B-B14F-4D97-AF65-F5344CB8AC3E}">
+        <p14:creationId xmlns:p14="http://schemas.microsoft.com/office/powerpoint/2010/main" val="1135137784"/>
+      </p:ext>
+    </p:extLst>
+  </p:cSld>
+  <p:clrMapOvr>
+    <a:masterClrMapping/>
+  </p:clrMapOvr>
+</p:sld>
+</file>
+
+<file path=ppt/slides/slide13.xml><?xml version="1.0" encoding="utf-8"?>
+<p:sld xmlns:a="http://schemas.openxmlformats.org/drawingml/2006/main" xmlns:r="http://schemas.openxmlformats.org/officeDocument/2006/relationships" xmlns:p="http://schemas.openxmlformats.org/presentationml/2006/main">
+  <p:cSld>
+    <p:spTree>
+      <p:nvGrpSpPr>
+        <p:cNvPr id="1" name="">
+          <a:extLst>
+            <a:ext uri="{FF2B5EF4-FFF2-40B4-BE49-F238E27FC236}">
+              <a16:creationId xmlns:a16="http://schemas.microsoft.com/office/drawing/2014/main" id="{F9169A5C-B70B-66FE-CD74-843491FE8254}"/>
+            </a:ext>
+          </a:extLst>
+        </p:cNvPr>
+        <p:cNvGrpSpPr/>
+        <p:nvPr/>
+      </p:nvGrpSpPr>
+      <p:grpSpPr>
+        <a:xfrm>
+          <a:off x="0" y="0"/>
+          <a:ext cx="0" cy="0"/>
+          <a:chOff x="0" y="0"/>
+          <a:chExt cx="0" cy="0"/>
+        </a:xfrm>
+      </p:grpSpPr>
+      <p:sp>
+        <p:nvSpPr>
+          <p:cNvPr id="2" name="Title 1">
+            <a:extLst>
+              <a:ext uri="{FF2B5EF4-FFF2-40B4-BE49-F238E27FC236}">
+                <a16:creationId xmlns:a16="http://schemas.microsoft.com/office/drawing/2014/main" id="{97326AC1-9A8B-8862-2BC5-6D7CE5FB7E46}"/>
+              </a:ext>
+            </a:extLst>
+          </p:cNvPr>
+          <p:cNvSpPr>
+            <a:spLocks noGrp="1"/>
+          </p:cNvSpPr>
+          <p:nvPr>
+            <p:ph type="title"/>
+          </p:nvPr>
+        </p:nvSpPr>
+        <p:spPr>
+          <a:xfrm>
+            <a:off x="249623" y="123388"/>
+            <a:ext cx="10515600" cy="791013"/>
+          </a:xfrm>
+        </p:spPr>
+        <p:txBody>
+          <a:bodyPr/>
+          <a:lstStyle/>
+          <a:p>
+            <a:r>
+              <a:rPr lang="es-ES_tradnl" dirty="0"/>
+              <a:t>Surtido, </a:t>
+            </a:r>
+            <a:r>
+              <a:rPr lang="es-ES_tradnl" sz="3200" dirty="0"/>
+              <a:t>Traspaleo</a:t>
+            </a:r>
+          </a:p>
+        </p:txBody>
+      </p:sp>
+      <p:sp>
+        <p:nvSpPr>
+          <p:cNvPr id="3" name="Content Placeholder 2">
+            <a:extLst>
+              <a:ext uri="{FF2B5EF4-FFF2-40B4-BE49-F238E27FC236}">
+                <a16:creationId xmlns:a16="http://schemas.microsoft.com/office/drawing/2014/main" id="{E0E07977-FCB3-D7AA-6C9D-C3568E700D23}"/>
+              </a:ext>
+            </a:extLst>
+          </p:cNvPr>
+          <p:cNvSpPr>
+            <a:spLocks noGrp="1"/>
+          </p:cNvSpPr>
+          <p:nvPr>
+            <p:ph idx="1"/>
+          </p:nvPr>
+        </p:nvSpPr>
+        <p:spPr>
+          <a:xfrm>
+            <a:off x="249624" y="1072053"/>
+            <a:ext cx="11637576" cy="5548590"/>
+          </a:xfrm>
+        </p:spPr>
+        <p:txBody>
+          <a:bodyPr>
+            <a:normAutofit fontScale="92500" lnSpcReduction="10000"/>
+          </a:bodyPr>
+          <a:lstStyle/>
+          <a:p>
+            <a:r>
+              <a:rPr lang="es-ES_tradnl" dirty="0"/>
+              <a:t>El 'traspaleo' es pasar los bultos a otro Transporte que tiene Contenedores Consolidados.</a:t>
+            </a:r>
+          </a:p>
+          <a:p>
+            <a:r>
+              <a:rPr lang="es-ES_tradnl" dirty="0"/>
+              <a:t>El Transporte que tiene los Contenedores Consolidados se asignó en algún momento previo.</a:t>
+            </a:r>
+          </a:p>
+          <a:p>
+            <a:r>
+              <a:rPr lang="es-ES_tradnl" dirty="0"/>
+              <a:t>En ese momento también se le asignan Contenedores Consolidados (puede ser en el mismo </a:t>
+            </a:r>
+            <a:r>
+              <a:rPr lang="es-ES_tradnl" i="1" dirty="0" err="1"/>
+              <a:t>fragment</a:t>
+            </a:r>
+            <a:r>
+              <a:rPr lang="es-ES_tradnl" dirty="0"/>
+              <a:t>, el Surtidor abre este Transporte para hacer el Traspaleo).</a:t>
+            </a:r>
+          </a:p>
+          <a:p>
+            <a:r>
+              <a:rPr lang="es-ES_tradnl" dirty="0"/>
+              <a:t>Posteriormente el </a:t>
+            </a:r>
+            <a:r>
+              <a:rPr lang="es-ES_tradnl" dirty="0" err="1"/>
+              <a:t>Traspaleador</a:t>
+            </a:r>
+            <a:r>
+              <a:rPr lang="es-ES_tradnl" dirty="0"/>
+              <a:t> es quien lleva este Transporte al Estacionamiento del </a:t>
+            </a:r>
+            <a:r>
+              <a:rPr lang="es-ES_tradnl" dirty="0" err="1"/>
+              <a:t>Sorter</a:t>
+            </a:r>
+            <a:r>
+              <a:rPr lang="es-ES_tradnl" dirty="0"/>
+              <a:t>.</a:t>
+            </a:r>
+          </a:p>
+          <a:p>
+            <a:r>
+              <a:rPr lang="es-ES_tradnl" dirty="0"/>
+              <a:t>Al terminar de 'traspalear' todos los Bultos, el Surtidor Libera el Transporte que uso para Surtir.</a:t>
+            </a:r>
+          </a:p>
+          <a:p>
+            <a:r>
+              <a:rPr lang="es-ES_tradnl" dirty="0"/>
+              <a:t>Este Transporte lo puede usar nuevamente para otro ciclo de Surtido, o lo regresa a el área de Transportes Liberados.</a:t>
+            </a:r>
+          </a:p>
+          <a:p>
+            <a:r>
+              <a:rPr lang="es-ES_tradnl" dirty="0"/>
+              <a:t>Todo esto ocurre en el </a:t>
+            </a:r>
+            <a:r>
+              <a:rPr lang="es-ES_tradnl" i="1" dirty="0" err="1"/>
+              <a:t>stage</a:t>
+            </a:r>
+            <a:r>
+              <a:rPr lang="es-ES_tradnl" dirty="0"/>
+              <a:t> de Traspaleo.</a:t>
+            </a:r>
+          </a:p>
+          <a:p>
+            <a:endParaRPr lang="es-ES_tradnl" dirty="0"/>
+          </a:p>
+          <a:p>
+            <a:endParaRPr lang="es-ES_tradnl" dirty="0"/>
+          </a:p>
+          <a:p>
+            <a:endParaRPr lang="es-ES_tradnl" dirty="0"/>
+          </a:p>
+        </p:txBody>
+      </p:sp>
+    </p:spTree>
+    <p:extLst>
+      <p:ext uri="{BB962C8B-B14F-4D97-AF65-F5344CB8AC3E}">
+        <p14:creationId xmlns:p14="http://schemas.microsoft.com/office/powerpoint/2010/main" val="4053801569"/>
+      </p:ext>
+    </p:extLst>
+  </p:cSld>
+  <p:clrMapOvr>
+    <a:masterClrMapping/>
+  </p:clrMapOvr>
+</p:sld>
+</file>
+
+<file path=ppt/slides/slide14.xml><?xml version="1.0" encoding="utf-8"?>
+<p:sld xmlns:a="http://schemas.openxmlformats.org/drawingml/2006/main" xmlns:r="http://schemas.openxmlformats.org/officeDocument/2006/relationships" xmlns:p="http://schemas.openxmlformats.org/presentationml/2006/main">
+  <p:cSld>
+    <p:spTree>
+      <p:nvGrpSpPr>
+        <p:cNvPr id="1" name="">
+          <a:extLst>
+            <a:ext uri="{FF2B5EF4-FFF2-40B4-BE49-F238E27FC236}">
+              <a16:creationId xmlns:a16="http://schemas.microsoft.com/office/drawing/2014/main" id="{B449E9AD-8286-40B2-94C6-CACEEF9DC43E}"/>
+            </a:ext>
+          </a:extLst>
+        </p:cNvPr>
+        <p:cNvGrpSpPr/>
+        <p:nvPr/>
+      </p:nvGrpSpPr>
+      <p:grpSpPr>
+        <a:xfrm>
+          <a:off x="0" y="0"/>
+          <a:ext cx="0" cy="0"/>
+          <a:chOff x="0" y="0"/>
+          <a:chExt cx="0" cy="0"/>
+        </a:xfrm>
+      </p:grpSpPr>
+      <p:sp>
+        <p:nvSpPr>
+          <p:cNvPr id="2" name="Title 1">
+            <a:extLst>
+              <a:ext uri="{FF2B5EF4-FFF2-40B4-BE49-F238E27FC236}">
+                <a16:creationId xmlns:a16="http://schemas.microsoft.com/office/drawing/2014/main" id="{CDA5894A-FDE4-E6F3-5AAE-ADBCD57F4D1E}"/>
+              </a:ext>
+            </a:extLst>
+          </p:cNvPr>
+          <p:cNvSpPr>
+            <a:spLocks noGrp="1"/>
+          </p:cNvSpPr>
+          <p:nvPr>
+            <p:ph type="title"/>
+          </p:nvPr>
+        </p:nvSpPr>
+        <p:spPr>
+          <a:xfrm>
+            <a:off x="249623" y="123388"/>
+            <a:ext cx="10515600" cy="791013"/>
+          </a:xfrm>
+        </p:spPr>
+        <p:txBody>
+          <a:bodyPr/>
+          <a:lstStyle/>
+          <a:p>
+            <a:r>
+              <a:rPr lang="es-ES_tradnl" dirty="0"/>
+              <a:t>Surtido, </a:t>
+            </a:r>
+            <a:r>
+              <a:rPr lang="es-ES_tradnl" sz="3200" dirty="0"/>
+              <a:t>Estacionar Transporte</a:t>
+            </a:r>
+          </a:p>
+        </p:txBody>
+      </p:sp>
+      <p:sp>
+        <p:nvSpPr>
+          <p:cNvPr id="3" name="Content Placeholder 2">
+            <a:extLst>
+              <a:ext uri="{FF2B5EF4-FFF2-40B4-BE49-F238E27FC236}">
+                <a16:creationId xmlns:a16="http://schemas.microsoft.com/office/drawing/2014/main" id="{666805AD-ADC3-B2E0-492A-C5B11A16DF4A}"/>
+              </a:ext>
+            </a:extLst>
+          </p:cNvPr>
+          <p:cNvSpPr>
+            <a:spLocks noGrp="1"/>
+          </p:cNvSpPr>
+          <p:nvPr>
+            <p:ph idx="1"/>
+          </p:nvPr>
+        </p:nvSpPr>
+        <p:spPr>
+          <a:xfrm>
+            <a:off x="3594538" y="1072053"/>
+            <a:ext cx="8292661" cy="5548590"/>
+          </a:xfrm>
+        </p:spPr>
+        <p:txBody>
+          <a:bodyPr>
+            <a:normAutofit/>
+          </a:bodyPr>
+          <a:lstStyle/>
+          <a:p>
+            <a:r>
+              <a:rPr lang="es-ES_tradnl" dirty="0"/>
+              <a:t>Se lleva el Transporte al estacionamiento del </a:t>
+            </a:r>
+            <a:r>
+              <a:rPr lang="es-ES_tradnl" dirty="0" err="1"/>
+              <a:t>Sorter</a:t>
+            </a:r>
+            <a:r>
+              <a:rPr lang="es-ES_tradnl" dirty="0"/>
+              <a:t>.</a:t>
+            </a:r>
+          </a:p>
+          <a:p>
+            <a:r>
+              <a:rPr lang="es-ES_tradnl" dirty="0"/>
+              <a:t>Se estaciona el Transporte escaneando la posición en donde se estaciona el Transporte.</a:t>
+            </a:r>
+          </a:p>
+          <a:p>
+            <a:r>
+              <a:rPr lang="es-ES_tradnl" dirty="0"/>
+              <a:t>En el </a:t>
+            </a:r>
+            <a:r>
+              <a:rPr lang="es-ES_tradnl" sz="2600" i="1" dirty="0" err="1"/>
+              <a:t>backend</a:t>
+            </a:r>
+            <a:r>
+              <a:rPr lang="es-ES_tradnl"/>
+              <a:t> se </a:t>
+            </a:r>
+            <a:r>
+              <a:rPr lang="es-ES_tradnl" dirty="0"/>
+              <a:t>actualiza el registro de </a:t>
+            </a:r>
+            <a:r>
+              <a:rPr lang="es-ES_tradnl" sz="2400" dirty="0" err="1">
+                <a:latin typeface="Consolas" panose="020B0609020204030204" pitchFamily="49" charset="0"/>
+                <a:cs typeface="Consolas" panose="020B0609020204030204" pitchFamily="49" charset="0"/>
+              </a:rPr>
+              <a:t>TransporteSurtido</a:t>
+            </a:r>
+            <a:r>
+              <a:rPr lang="es-ES_tradnl" dirty="0"/>
+              <a:t>. Se coloca la posición del estacionamiento, se coloca el horario de </a:t>
+            </a:r>
+            <a:r>
+              <a:rPr lang="es-ES_tradnl" sz="2400" dirty="0" err="1">
+                <a:latin typeface="Consolas" panose="020B0609020204030204" pitchFamily="49" charset="0"/>
+                <a:cs typeface="Consolas" panose="020B0609020204030204" pitchFamily="49" charset="0"/>
+              </a:rPr>
+              <a:t>feestacionado</a:t>
+            </a:r>
+            <a:r>
+              <a:rPr lang="es-ES_tradnl" sz="2400" dirty="0">
+                <a:latin typeface="Consolas" panose="020B0609020204030204" pitchFamily="49" charset="0"/>
+                <a:cs typeface="Consolas" panose="020B0609020204030204" pitchFamily="49" charset="0"/>
+              </a:rPr>
+              <a:t>,</a:t>
+            </a:r>
+            <a:r>
+              <a:rPr lang="es-ES_tradnl" dirty="0"/>
+              <a:t> se actualiza también el status a </a:t>
+            </a:r>
+            <a:r>
+              <a:rPr lang="es-ES_tradnl" sz="1600" dirty="0"/>
+              <a:t>TRANSPORTESURTIDO_ESTACIONADO</a:t>
+            </a:r>
+            <a:r>
+              <a:rPr lang="es-ES_tradnl" dirty="0"/>
+              <a:t>.</a:t>
+            </a:r>
+          </a:p>
+          <a:p>
+            <a:r>
+              <a:rPr lang="es-ES_tradnl" dirty="0"/>
+              <a:t>El </a:t>
+            </a:r>
+            <a:r>
+              <a:rPr lang="es-ES_tradnl" sz="2400" dirty="0" err="1">
+                <a:latin typeface="Consolas" panose="020B0609020204030204" pitchFamily="49" charset="0"/>
+                <a:cs typeface="Consolas" panose="020B0609020204030204" pitchFamily="49" charset="0"/>
+              </a:rPr>
+              <a:t>TransporteSurtido</a:t>
+            </a:r>
+            <a:r>
+              <a:rPr lang="es-ES_tradnl" sz="2400" dirty="0">
+                <a:latin typeface="Consolas" panose="020B0609020204030204" pitchFamily="49" charset="0"/>
+                <a:cs typeface="Consolas" panose="020B0609020204030204" pitchFamily="49" charset="0"/>
+              </a:rPr>
+              <a:t> </a:t>
+            </a:r>
+            <a:r>
+              <a:rPr lang="es-ES_tradnl" dirty="0"/>
+              <a:t>trae la Prioridad del primer Pedido.</a:t>
+            </a:r>
+          </a:p>
+          <a:p>
+            <a:endParaRPr lang="es-ES_tradnl" dirty="0"/>
+          </a:p>
+        </p:txBody>
+      </p:sp>
+      <p:pic>
+        <p:nvPicPr>
+          <p:cNvPr id="5" name="Picture 4">
+            <a:extLst>
+              <a:ext uri="{FF2B5EF4-FFF2-40B4-BE49-F238E27FC236}">
+                <a16:creationId xmlns:a16="http://schemas.microsoft.com/office/drawing/2014/main" id="{687279B0-D0F4-D167-2231-D005B3BE900A}"/>
+              </a:ext>
+            </a:extLst>
+          </p:cNvPr>
+          <p:cNvPicPr>
+            <a:picLocks noChangeAspect="1"/>
+          </p:cNvPicPr>
+          <p:nvPr/>
+        </p:nvPicPr>
+        <p:blipFill>
+          <a:blip r:embed="rId2"/>
+          <a:srcRect/>
+          <a:stretch/>
+        </p:blipFill>
+        <p:spPr>
+          <a:xfrm>
+            <a:off x="635309" y="1072055"/>
+            <a:ext cx="2699313" cy="5548589"/>
+          </a:xfrm>
+          <a:prstGeom prst="rect">
+            <a:avLst/>
+          </a:prstGeom>
+        </p:spPr>
+      </p:pic>
+    </p:spTree>
+    <p:extLst>
+      <p:ext uri="{BB962C8B-B14F-4D97-AF65-F5344CB8AC3E}">
         <p14:creationId xmlns:p14="http://schemas.microsoft.com/office/powerpoint/2010/main" val="1662200255"/>
       </p:ext>
     </p:extLst>
@@ -4038,7 +4394,7 @@
 </p:sld>
 </file>
 
-<file path=ppt/slides/slide13.xml><?xml version="1.0" encoding="utf-8"?>
+<file path=ppt/slides/slide15.xml><?xml version="1.0" encoding="utf-8"?>
 <p:sld xmlns:a="http://schemas.openxmlformats.org/drawingml/2006/main" xmlns:r="http://schemas.openxmlformats.org/officeDocument/2006/relationships" xmlns:p="http://schemas.openxmlformats.org/presentationml/2006/main">
   <p:cSld>
     <p:spTree>
@@ -4068,7 +4424,43 @@
 </p:sld>
 </file>
 
-<file path=ppt/slides/slide14.xml><?xml version="1.0" encoding="utf-8"?>
+<file path=ppt/slides/slide16.xml><?xml version="1.0" encoding="utf-8"?>
+<p:sld xmlns:a="http://schemas.openxmlformats.org/drawingml/2006/main" xmlns:r="http://schemas.openxmlformats.org/officeDocument/2006/relationships" xmlns:p="http://schemas.openxmlformats.org/presentationml/2006/main">
+  <p:cSld>
+    <p:spTree>
+      <p:nvGrpSpPr>
+        <p:cNvPr id="1" name="">
+          <a:extLst>
+            <a:ext uri="{FF2B5EF4-FFF2-40B4-BE49-F238E27FC236}">
+              <a16:creationId xmlns:a16="http://schemas.microsoft.com/office/drawing/2014/main" id="{7D119DE7-74CC-E900-BE32-B0F0A201EB53}"/>
+            </a:ext>
+          </a:extLst>
+        </p:cNvPr>
+        <p:cNvGrpSpPr/>
+        <p:nvPr/>
+      </p:nvGrpSpPr>
+      <p:grpSpPr>
+        <a:xfrm>
+          <a:off x="0" y="0"/>
+          <a:ext cx="0" cy="0"/>
+          <a:chOff x="0" y="0"/>
+          <a:chExt cx="0" cy="0"/>
+        </a:xfrm>
+      </p:grpSpPr>
+    </p:spTree>
+    <p:extLst>
+      <p:ext uri="{BB962C8B-B14F-4D97-AF65-F5344CB8AC3E}">
+        <p14:creationId xmlns:p14="http://schemas.microsoft.com/office/powerpoint/2010/main" val="4168809943"/>
+      </p:ext>
+    </p:extLst>
+  </p:cSld>
+  <p:clrMapOvr>
+    <a:masterClrMapping/>
+  </p:clrMapOvr>
+</p:sld>
+</file>
+
+<file path=ppt/slides/slide17.xml><?xml version="1.0" encoding="utf-8"?>
 <p:sld xmlns:a="http://schemas.openxmlformats.org/drawingml/2006/main" xmlns:r="http://schemas.openxmlformats.org/officeDocument/2006/relationships" xmlns:p="http://schemas.openxmlformats.org/presentationml/2006/main">
   <p:cSld>
     <p:spTree>
@@ -4411,6 +4803,35 @@
           </p:txBody>
         </p:sp>
       </p:grpSp>
+      <p:pic>
+        <p:nvPicPr>
+          <p:cNvPr id="7" name="Picture 6">
+            <a:extLst>
+              <a:ext uri="{FF2B5EF4-FFF2-40B4-BE49-F238E27FC236}">
+                <a16:creationId xmlns:a16="http://schemas.microsoft.com/office/drawing/2014/main" id="{795B5A4F-BE37-D911-BAF2-59D4C515581D}"/>
+              </a:ext>
+            </a:extLst>
+          </p:cNvPr>
+          <p:cNvPicPr>
+            <a:picLocks noChangeAspect="1"/>
+          </p:cNvPicPr>
+          <p:nvPr/>
+        </p:nvPicPr>
+        <p:blipFill>
+          <a:blip r:embed="rId2"/>
+          <a:srcRect/>
+          <a:stretch/>
+        </p:blipFill>
+        <p:spPr>
+          <a:xfrm>
+            <a:off x="6263166" y="704195"/>
+            <a:ext cx="2699314" cy="5548589"/>
+          </a:xfrm>
+          <a:prstGeom prst="rect">
+            <a:avLst/>
+          </a:prstGeom>
+        </p:spPr>
+      </p:pic>
     </p:spTree>
     <p:extLst>
       <p:ext uri="{BB962C8B-B14F-4D97-AF65-F5344CB8AC3E}">
@@ -4424,7 +4845,7 @@
 </p:sld>
 </file>
 
-<file path=ppt/slides/slide15.xml><?xml version="1.0" encoding="utf-8"?>
+<file path=ppt/slides/slide18.xml><?xml version="1.0" encoding="utf-8"?>
 <p:sld xmlns:a="http://schemas.openxmlformats.org/drawingml/2006/main" xmlns:r="http://schemas.openxmlformats.org/officeDocument/2006/relationships" xmlns:p="http://schemas.openxmlformats.org/presentationml/2006/main">
   <p:cSld>
     <p:spTree>
@@ -6400,8 +6821,8 @@
         </p:blipFill>
         <p:spPr>
           <a:xfrm>
-            <a:off x="635309" y="1072055"/>
-            <a:ext cx="2699313" cy="5548589"/>
+            <a:off x="635309" y="1072056"/>
+            <a:ext cx="2699313" cy="5548587"/>
           </a:xfrm>
           <a:prstGeom prst="rect">
             <a:avLst/>
@@ -6558,8 +6979,8 @@
         </p:blipFill>
         <p:spPr>
           <a:xfrm>
-            <a:off x="635309" y="1072055"/>
-            <a:ext cx="2699313" cy="5548589"/>
+            <a:off x="635309" y="1072056"/>
+            <a:ext cx="2699313" cy="5548587"/>
           </a:xfrm>
           <a:prstGeom prst="rect">
             <a:avLst/>
@@ -6748,677 +7169,35 @@
           </a:p>
         </p:txBody>
       </p:sp>
-      <p:grpSp>
-        <p:nvGrpSpPr>
-          <p:cNvPr id="7" name="Group 6">
-            <a:extLst>
-              <a:ext uri="{FF2B5EF4-FFF2-40B4-BE49-F238E27FC236}">
-                <a16:creationId xmlns:a16="http://schemas.microsoft.com/office/drawing/2014/main" id="{028E181D-E750-0B68-2E7B-29C607BD8A89}"/>
-              </a:ext>
-            </a:extLst>
-          </p:cNvPr>
-          <p:cNvGrpSpPr/>
+      <p:pic>
+        <p:nvPicPr>
+          <p:cNvPr id="23" name="Picture 22">
+            <a:extLst>
+              <a:ext uri="{FF2B5EF4-FFF2-40B4-BE49-F238E27FC236}">
+                <a16:creationId xmlns:a16="http://schemas.microsoft.com/office/drawing/2014/main" id="{3804E177-6EFC-9327-10D9-66B0FB53C032}"/>
+              </a:ext>
+            </a:extLst>
+          </p:cNvPr>
+          <p:cNvPicPr>
+            <a:picLocks noChangeAspect="1"/>
+          </p:cNvPicPr>
           <p:nvPr/>
-        </p:nvGrpSpPr>
-        <p:grpSpPr>
+        </p:nvPicPr>
+        <p:blipFill>
+          <a:blip r:embed="rId2"/>
+          <a:srcRect/>
+          <a:stretch/>
+        </p:blipFill>
+        <p:spPr>
           <a:xfrm>
-            <a:off x="593835" y="1072055"/>
-            <a:ext cx="2740788" cy="5548589"/>
-            <a:chOff x="593835" y="1072055"/>
-            <a:chExt cx="2740788" cy="5548589"/>
+            <a:off x="635309" y="1072056"/>
+            <a:ext cx="2699312" cy="5548587"/>
           </a:xfrm>
-        </p:grpSpPr>
-        <p:pic>
-          <p:nvPicPr>
-            <p:cNvPr id="5" name="Picture 4">
-              <a:extLst>
-                <a:ext uri="{FF2B5EF4-FFF2-40B4-BE49-F238E27FC236}">
-                  <a16:creationId xmlns:a16="http://schemas.microsoft.com/office/drawing/2014/main" id="{E4C42397-C900-718B-1213-F2F65E2BB2B8}"/>
-                </a:ext>
-              </a:extLst>
-            </p:cNvPr>
-            <p:cNvPicPr>
-              <a:picLocks noChangeAspect="1"/>
-            </p:cNvPicPr>
-            <p:nvPr/>
-          </p:nvPicPr>
-          <p:blipFill>
-            <a:blip r:embed="rId2"/>
-            <a:srcRect/>
-            <a:stretch/>
-          </p:blipFill>
-          <p:spPr>
-            <a:xfrm>
-              <a:off x="635309" y="1072055"/>
-              <a:ext cx="2699314" cy="5548589"/>
-            </a:xfrm>
-            <a:prstGeom prst="rect">
-              <a:avLst/>
-            </a:prstGeom>
-          </p:spPr>
-        </p:pic>
-        <p:grpSp>
-          <p:nvGrpSpPr>
-            <p:cNvPr id="9" name="Group 8">
-              <a:extLst>
-                <a:ext uri="{FF2B5EF4-FFF2-40B4-BE49-F238E27FC236}">
-                  <a16:creationId xmlns:a16="http://schemas.microsoft.com/office/drawing/2014/main" id="{6077A505-6354-3BC6-89CA-7EDA9A2536A5}"/>
-                </a:ext>
-              </a:extLst>
-            </p:cNvPr>
-            <p:cNvGrpSpPr/>
-            <p:nvPr/>
-          </p:nvGrpSpPr>
-          <p:grpSpPr>
-            <a:xfrm>
-              <a:off x="599089" y="1618597"/>
-              <a:ext cx="2661104" cy="838930"/>
-              <a:chOff x="599089" y="1618597"/>
-              <a:chExt cx="2661104" cy="838930"/>
-            </a:xfrm>
-          </p:grpSpPr>
-          <p:sp>
-            <p:nvSpPr>
-              <p:cNvPr id="4" name="TextBox 3">
-                <a:extLst>
-                  <a:ext uri="{FF2B5EF4-FFF2-40B4-BE49-F238E27FC236}">
-                    <a16:creationId xmlns:a16="http://schemas.microsoft.com/office/drawing/2014/main" id="{93B8161E-6A03-FFB3-5F8B-4B59A5F36FE0}"/>
-                  </a:ext>
-                </a:extLst>
-              </p:cNvPr>
-              <p:cNvSpPr txBox="1"/>
-              <p:nvPr/>
-            </p:nvSpPr>
-            <p:spPr>
-              <a:xfrm>
-                <a:off x="599089" y="1618597"/>
-                <a:ext cx="803553" cy="292388"/>
-              </a:xfrm>
-              <a:prstGeom prst="rect">
-                <a:avLst/>
-              </a:prstGeom>
-              <a:noFill/>
-            </p:spPr>
-            <p:txBody>
-              <a:bodyPr wrap="none" rtlCol="0">
-                <a:spAutoFit/>
-              </a:bodyPr>
-              <a:lstStyle/>
-              <a:p>
-                <a:r>
-                  <a:rPr lang="es-ES_tradnl" sz="1300" dirty="0">
-                    <a:solidFill>
-                      <a:srgbClr val="FF0000"/>
-                    </a:solidFill>
-                  </a:rPr>
-                  <a:t>Pedido 1</a:t>
-                </a:r>
-              </a:p>
-            </p:txBody>
-          </p:sp>
-          <p:sp>
-            <p:nvSpPr>
-              <p:cNvPr id="6" name="Rectangle 5">
-                <a:extLst>
-                  <a:ext uri="{FF2B5EF4-FFF2-40B4-BE49-F238E27FC236}">
-                    <a16:creationId xmlns:a16="http://schemas.microsoft.com/office/drawing/2014/main" id="{98166884-44F9-1AB6-0A58-F3DE6E65A2DE}"/>
-                  </a:ext>
-                </a:extLst>
-              </p:cNvPr>
-              <p:cNvSpPr/>
-              <p:nvPr/>
-            </p:nvSpPr>
-            <p:spPr>
-              <a:xfrm>
-                <a:off x="704193" y="1910985"/>
-                <a:ext cx="2556000" cy="546542"/>
-              </a:xfrm>
-              <a:prstGeom prst="rect">
-                <a:avLst/>
-              </a:prstGeom>
-              <a:noFill/>
-              <a:ln w="3175"/>
-            </p:spPr>
-            <p:style>
-              <a:lnRef idx="2">
-                <a:schemeClr val="accent1">
-                  <a:shade val="15000"/>
-                </a:schemeClr>
-              </a:lnRef>
-              <a:fillRef idx="1">
-                <a:schemeClr val="accent1"/>
-              </a:fillRef>
-              <a:effectRef idx="0">
-                <a:schemeClr val="accent1"/>
-              </a:effectRef>
-              <a:fontRef idx="minor">
-                <a:schemeClr val="lt1"/>
-              </a:fontRef>
-            </p:style>
-            <p:txBody>
-              <a:bodyPr rtlCol="0" anchor="ctr"/>
-              <a:lstStyle/>
-              <a:p>
-                <a:pPr algn="ctr"/>
-                <a:endParaRPr lang="es-ES_tradnl"/>
-              </a:p>
-            </p:txBody>
-          </p:sp>
-          <p:pic>
-            <p:nvPicPr>
-              <p:cNvPr id="8" name="Picture 7">
-                <a:extLst>
-                  <a:ext uri="{FF2B5EF4-FFF2-40B4-BE49-F238E27FC236}">
-                    <a16:creationId xmlns:a16="http://schemas.microsoft.com/office/drawing/2014/main" id="{8832B69B-E2C4-F0E5-29C1-9C0C04840282}"/>
-                  </a:ext>
-                </a:extLst>
-              </p:cNvPr>
-              <p:cNvPicPr>
-                <a:picLocks noChangeAspect="1"/>
-              </p:cNvPicPr>
-              <p:nvPr/>
-            </p:nvPicPr>
-            <p:blipFill>
-              <a:blip r:embed="rId3"/>
-              <a:stretch>
-                <a:fillRect/>
-              </a:stretch>
-            </p:blipFill>
-            <p:spPr>
-              <a:xfrm>
-                <a:off x="2912927" y="2152727"/>
-                <a:ext cx="304800" cy="304800"/>
-              </a:xfrm>
-              <a:prstGeom prst="rect">
-                <a:avLst/>
-              </a:prstGeom>
-            </p:spPr>
-          </p:pic>
-        </p:grpSp>
-        <p:grpSp>
-          <p:nvGrpSpPr>
-            <p:cNvPr id="10" name="Group 9">
-              <a:extLst>
-                <a:ext uri="{FF2B5EF4-FFF2-40B4-BE49-F238E27FC236}">
-                  <a16:creationId xmlns:a16="http://schemas.microsoft.com/office/drawing/2014/main" id="{2ADBD641-D6FB-EA02-CBCA-2CA95E85E12E}"/>
-                </a:ext>
-              </a:extLst>
-            </p:cNvPr>
-            <p:cNvGrpSpPr/>
-            <p:nvPr/>
-          </p:nvGrpSpPr>
-          <p:grpSpPr>
-            <a:xfrm>
-              <a:off x="593839" y="2485698"/>
-              <a:ext cx="2661104" cy="838930"/>
-              <a:chOff x="599089" y="1618597"/>
-              <a:chExt cx="2661104" cy="838930"/>
-            </a:xfrm>
-          </p:grpSpPr>
-          <p:sp>
-            <p:nvSpPr>
-              <p:cNvPr id="11" name="TextBox 10">
-                <a:extLst>
-                  <a:ext uri="{FF2B5EF4-FFF2-40B4-BE49-F238E27FC236}">
-                    <a16:creationId xmlns:a16="http://schemas.microsoft.com/office/drawing/2014/main" id="{8201E0F2-A489-3F8E-2A3F-658C41F157CC}"/>
-                  </a:ext>
-                </a:extLst>
-              </p:cNvPr>
-              <p:cNvSpPr txBox="1"/>
-              <p:nvPr/>
-            </p:nvSpPr>
-            <p:spPr>
-              <a:xfrm>
-                <a:off x="599089" y="1618597"/>
-                <a:ext cx="803553" cy="292388"/>
-              </a:xfrm>
-              <a:prstGeom prst="rect">
-                <a:avLst/>
-              </a:prstGeom>
-              <a:noFill/>
-            </p:spPr>
-            <p:txBody>
-              <a:bodyPr wrap="none" rtlCol="0">
-                <a:spAutoFit/>
-              </a:bodyPr>
-              <a:lstStyle/>
-              <a:p>
-                <a:r>
-                  <a:rPr lang="es-ES_tradnl" sz="1300" dirty="0">
-                    <a:solidFill>
-                      <a:srgbClr val="FF0000"/>
-                    </a:solidFill>
-                  </a:rPr>
-                  <a:t>Pedido 2</a:t>
-                </a:r>
-              </a:p>
-            </p:txBody>
-          </p:sp>
-          <p:sp>
-            <p:nvSpPr>
-              <p:cNvPr id="12" name="Rectangle 11">
-                <a:extLst>
-                  <a:ext uri="{FF2B5EF4-FFF2-40B4-BE49-F238E27FC236}">
-                    <a16:creationId xmlns:a16="http://schemas.microsoft.com/office/drawing/2014/main" id="{37F98113-CAC6-005C-6685-CCFDD729EB4F}"/>
-                  </a:ext>
-                </a:extLst>
-              </p:cNvPr>
-              <p:cNvSpPr/>
-              <p:nvPr/>
-            </p:nvSpPr>
-            <p:spPr>
-              <a:xfrm>
-                <a:off x="704193" y="1910985"/>
-                <a:ext cx="2556000" cy="546542"/>
-              </a:xfrm>
-              <a:prstGeom prst="rect">
-                <a:avLst/>
-              </a:prstGeom>
-              <a:noFill/>
-              <a:ln w="3175"/>
-            </p:spPr>
-            <p:style>
-              <a:lnRef idx="2">
-                <a:schemeClr val="accent1">
-                  <a:shade val="15000"/>
-                </a:schemeClr>
-              </a:lnRef>
-              <a:fillRef idx="1">
-                <a:schemeClr val="accent1"/>
-              </a:fillRef>
-              <a:effectRef idx="0">
-                <a:schemeClr val="accent1"/>
-              </a:effectRef>
-              <a:fontRef idx="minor">
-                <a:schemeClr val="lt1"/>
-              </a:fontRef>
-            </p:style>
-            <p:txBody>
-              <a:bodyPr rtlCol="0" anchor="ctr"/>
-              <a:lstStyle/>
-              <a:p>
-                <a:pPr algn="ctr"/>
-                <a:endParaRPr lang="es-ES_tradnl"/>
-              </a:p>
-            </p:txBody>
-          </p:sp>
-          <p:pic>
-            <p:nvPicPr>
-              <p:cNvPr id="13" name="Picture 12">
-                <a:extLst>
-                  <a:ext uri="{FF2B5EF4-FFF2-40B4-BE49-F238E27FC236}">
-                    <a16:creationId xmlns:a16="http://schemas.microsoft.com/office/drawing/2014/main" id="{9780D2EF-6FD4-0DA4-A450-59AF6EFD4321}"/>
-                  </a:ext>
-                </a:extLst>
-              </p:cNvPr>
-              <p:cNvPicPr>
-                <a:picLocks noChangeAspect="1"/>
-              </p:cNvPicPr>
-              <p:nvPr/>
-            </p:nvPicPr>
-            <p:blipFill>
-              <a:blip r:embed="rId3"/>
-              <a:stretch>
-                <a:fillRect/>
-              </a:stretch>
-            </p:blipFill>
-            <p:spPr>
-              <a:xfrm>
-                <a:off x="2912927" y="2152727"/>
-                <a:ext cx="304800" cy="304800"/>
-              </a:xfrm>
-              <a:prstGeom prst="rect">
-                <a:avLst/>
-              </a:prstGeom>
-            </p:spPr>
-          </p:pic>
-        </p:grpSp>
-        <p:grpSp>
-          <p:nvGrpSpPr>
-            <p:cNvPr id="14" name="Group 13">
-              <a:extLst>
-                <a:ext uri="{FF2B5EF4-FFF2-40B4-BE49-F238E27FC236}">
-                  <a16:creationId xmlns:a16="http://schemas.microsoft.com/office/drawing/2014/main" id="{EBA84F17-24D9-1D6B-D848-A6A821F4E79E}"/>
-                </a:ext>
-              </a:extLst>
-            </p:cNvPr>
-            <p:cNvGrpSpPr/>
-            <p:nvPr/>
-          </p:nvGrpSpPr>
-          <p:grpSpPr>
-            <a:xfrm>
-              <a:off x="593835" y="3368560"/>
-              <a:ext cx="2661104" cy="838930"/>
-              <a:chOff x="599089" y="1618597"/>
-              <a:chExt cx="2661104" cy="838930"/>
-            </a:xfrm>
-          </p:grpSpPr>
-          <p:sp>
-            <p:nvSpPr>
-              <p:cNvPr id="15" name="TextBox 14">
-                <a:extLst>
-                  <a:ext uri="{FF2B5EF4-FFF2-40B4-BE49-F238E27FC236}">
-                    <a16:creationId xmlns:a16="http://schemas.microsoft.com/office/drawing/2014/main" id="{46F96D3A-63CA-A7AB-E854-9D650731B432}"/>
-                  </a:ext>
-                </a:extLst>
-              </p:cNvPr>
-              <p:cNvSpPr txBox="1"/>
-              <p:nvPr/>
-            </p:nvSpPr>
-            <p:spPr>
-              <a:xfrm>
-                <a:off x="599089" y="1618597"/>
-                <a:ext cx="803553" cy="292388"/>
-              </a:xfrm>
-              <a:prstGeom prst="rect">
-                <a:avLst/>
-              </a:prstGeom>
-              <a:noFill/>
-            </p:spPr>
-            <p:txBody>
-              <a:bodyPr wrap="none" rtlCol="0">
-                <a:spAutoFit/>
-              </a:bodyPr>
-              <a:lstStyle/>
-              <a:p>
-                <a:r>
-                  <a:rPr lang="es-ES_tradnl" sz="1300" dirty="0">
-                    <a:solidFill>
-                      <a:srgbClr val="FF0000"/>
-                    </a:solidFill>
-                  </a:rPr>
-                  <a:t>Pedido 3</a:t>
-                </a:r>
-              </a:p>
-            </p:txBody>
-          </p:sp>
-          <p:sp>
-            <p:nvSpPr>
-              <p:cNvPr id="16" name="Rectangle 15">
-                <a:extLst>
-                  <a:ext uri="{FF2B5EF4-FFF2-40B4-BE49-F238E27FC236}">
-                    <a16:creationId xmlns:a16="http://schemas.microsoft.com/office/drawing/2014/main" id="{2B3AC847-331C-E3CC-AFA0-DF72820B99E5}"/>
-                  </a:ext>
-                </a:extLst>
-              </p:cNvPr>
-              <p:cNvSpPr/>
-              <p:nvPr/>
-            </p:nvSpPr>
-            <p:spPr>
-              <a:xfrm>
-                <a:off x="704193" y="1910985"/>
-                <a:ext cx="2556000" cy="546542"/>
-              </a:xfrm>
-              <a:prstGeom prst="rect">
-                <a:avLst/>
-              </a:prstGeom>
-              <a:noFill/>
-              <a:ln w="3175"/>
-            </p:spPr>
-            <p:style>
-              <a:lnRef idx="2">
-                <a:schemeClr val="accent1">
-                  <a:shade val="15000"/>
-                </a:schemeClr>
-              </a:lnRef>
-              <a:fillRef idx="1">
-                <a:schemeClr val="accent1"/>
-              </a:fillRef>
-              <a:effectRef idx="0">
-                <a:schemeClr val="accent1"/>
-              </a:effectRef>
-              <a:fontRef idx="minor">
-                <a:schemeClr val="lt1"/>
-              </a:fontRef>
-            </p:style>
-            <p:txBody>
-              <a:bodyPr rtlCol="0" anchor="ctr"/>
-              <a:lstStyle/>
-              <a:p>
-                <a:pPr algn="ctr"/>
-                <a:endParaRPr lang="es-ES_tradnl"/>
-              </a:p>
-            </p:txBody>
-          </p:sp>
-          <p:pic>
-            <p:nvPicPr>
-              <p:cNvPr id="17" name="Picture 16">
-                <a:extLst>
-                  <a:ext uri="{FF2B5EF4-FFF2-40B4-BE49-F238E27FC236}">
-                    <a16:creationId xmlns:a16="http://schemas.microsoft.com/office/drawing/2014/main" id="{DF586F0F-3284-2B99-FE60-4FBA82B7B65C}"/>
-                  </a:ext>
-                </a:extLst>
-              </p:cNvPr>
-              <p:cNvPicPr>
-                <a:picLocks noChangeAspect="1"/>
-              </p:cNvPicPr>
-              <p:nvPr/>
-            </p:nvPicPr>
-            <p:blipFill>
-              <a:blip r:embed="rId3"/>
-              <a:stretch>
-                <a:fillRect/>
-              </a:stretch>
-            </p:blipFill>
-            <p:spPr>
-              <a:xfrm>
-                <a:off x="2912927" y="2152727"/>
-                <a:ext cx="304800" cy="304800"/>
-              </a:xfrm>
-              <a:prstGeom prst="rect">
-                <a:avLst/>
-              </a:prstGeom>
-            </p:spPr>
-          </p:pic>
-        </p:grpSp>
-        <p:grpSp>
-          <p:nvGrpSpPr>
-            <p:cNvPr id="18" name="Group 17">
-              <a:extLst>
-                <a:ext uri="{FF2B5EF4-FFF2-40B4-BE49-F238E27FC236}">
-                  <a16:creationId xmlns:a16="http://schemas.microsoft.com/office/drawing/2014/main" id="{8693C43A-18BF-D766-139F-3D28589990E4}"/>
-                </a:ext>
-              </a:extLst>
-            </p:cNvPr>
-            <p:cNvGrpSpPr/>
-            <p:nvPr/>
-          </p:nvGrpSpPr>
-          <p:grpSpPr>
-            <a:xfrm>
-              <a:off x="604349" y="4482655"/>
-              <a:ext cx="2661104" cy="838930"/>
-              <a:chOff x="599089" y="1618597"/>
-              <a:chExt cx="2661104" cy="838930"/>
-            </a:xfrm>
-          </p:grpSpPr>
-          <p:sp>
-            <p:nvSpPr>
-              <p:cNvPr id="19" name="TextBox 18">
-                <a:extLst>
-                  <a:ext uri="{FF2B5EF4-FFF2-40B4-BE49-F238E27FC236}">
-                    <a16:creationId xmlns:a16="http://schemas.microsoft.com/office/drawing/2014/main" id="{28BF01AB-6074-0C67-9DDF-B3D8DD81C0A0}"/>
-                  </a:ext>
-                </a:extLst>
-              </p:cNvPr>
-              <p:cNvSpPr txBox="1"/>
-              <p:nvPr/>
-            </p:nvSpPr>
-            <p:spPr>
-              <a:xfrm>
-                <a:off x="599089" y="1618597"/>
-                <a:ext cx="803553" cy="292388"/>
-              </a:xfrm>
-              <a:prstGeom prst="rect">
-                <a:avLst/>
-              </a:prstGeom>
-              <a:noFill/>
-            </p:spPr>
-            <p:txBody>
-              <a:bodyPr wrap="none" rtlCol="0">
-                <a:spAutoFit/>
-              </a:bodyPr>
-              <a:lstStyle/>
-              <a:p>
-                <a:r>
-                  <a:rPr lang="es-ES_tradnl" sz="1300" dirty="0">
-                    <a:solidFill>
-                      <a:srgbClr val="FF0000"/>
-                    </a:solidFill>
-                  </a:rPr>
-                  <a:t>Pedido n</a:t>
-                </a:r>
-              </a:p>
-            </p:txBody>
-          </p:sp>
-          <p:sp>
-            <p:nvSpPr>
-              <p:cNvPr id="20" name="Rectangle 19">
-                <a:extLst>
-                  <a:ext uri="{FF2B5EF4-FFF2-40B4-BE49-F238E27FC236}">
-                    <a16:creationId xmlns:a16="http://schemas.microsoft.com/office/drawing/2014/main" id="{8D8FB0E2-EF28-0BFF-1451-03365D79B327}"/>
-                  </a:ext>
-                </a:extLst>
-              </p:cNvPr>
-              <p:cNvSpPr/>
-              <p:nvPr/>
-            </p:nvSpPr>
-            <p:spPr>
-              <a:xfrm>
-                <a:off x="704193" y="1910985"/>
-                <a:ext cx="2556000" cy="546542"/>
-              </a:xfrm>
-              <a:prstGeom prst="rect">
-                <a:avLst/>
-              </a:prstGeom>
-              <a:noFill/>
-              <a:ln w="3175"/>
-            </p:spPr>
-            <p:style>
-              <a:lnRef idx="2">
-                <a:schemeClr val="accent1">
-                  <a:shade val="15000"/>
-                </a:schemeClr>
-              </a:lnRef>
-              <a:fillRef idx="1">
-                <a:schemeClr val="accent1"/>
-              </a:fillRef>
-              <a:effectRef idx="0">
-                <a:schemeClr val="accent1"/>
-              </a:effectRef>
-              <a:fontRef idx="minor">
-                <a:schemeClr val="lt1"/>
-              </a:fontRef>
-            </p:style>
-            <p:txBody>
-              <a:bodyPr rtlCol="0" anchor="ctr"/>
-              <a:lstStyle/>
-              <a:p>
-                <a:pPr algn="ctr"/>
-                <a:endParaRPr lang="es-ES_tradnl"/>
-              </a:p>
-            </p:txBody>
-          </p:sp>
-          <p:pic>
-            <p:nvPicPr>
-              <p:cNvPr id="21" name="Picture 20">
-                <a:extLst>
-                  <a:ext uri="{FF2B5EF4-FFF2-40B4-BE49-F238E27FC236}">
-                    <a16:creationId xmlns:a16="http://schemas.microsoft.com/office/drawing/2014/main" id="{2D38F31F-A5ED-62D7-9ADC-36B2B6505D7F}"/>
-                  </a:ext>
-                </a:extLst>
-              </p:cNvPr>
-              <p:cNvPicPr>
-                <a:picLocks noChangeAspect="1"/>
-              </p:cNvPicPr>
-              <p:nvPr/>
-            </p:nvPicPr>
-            <p:blipFill>
-              <a:blip r:embed="rId3"/>
-              <a:stretch>
-                <a:fillRect/>
-              </a:stretch>
-            </p:blipFill>
-            <p:spPr>
-              <a:xfrm>
-                <a:off x="2912927" y="2152727"/>
-                <a:ext cx="304800" cy="304800"/>
-              </a:xfrm>
-              <a:prstGeom prst="rect">
-                <a:avLst/>
-              </a:prstGeom>
-            </p:spPr>
-          </p:pic>
-        </p:grpSp>
-        <p:sp>
-          <p:nvSpPr>
-            <p:cNvPr id="22" name="TextBox 21">
-              <a:extLst>
-                <a:ext uri="{FF2B5EF4-FFF2-40B4-BE49-F238E27FC236}">
-                  <a16:creationId xmlns:a16="http://schemas.microsoft.com/office/drawing/2014/main" id="{AD3C0F91-3CE2-44E8-3ACD-B2FFE005E6A8}"/>
-                </a:ext>
-              </a:extLst>
-            </p:cNvPr>
-            <p:cNvSpPr txBox="1"/>
-            <p:nvPr/>
-          </p:nvSpPr>
-          <p:spPr>
-            <a:xfrm>
-              <a:off x="698939" y="4225158"/>
-              <a:ext cx="404647" cy="292388"/>
-            </a:xfrm>
-            <a:prstGeom prst="rect">
-              <a:avLst/>
-            </a:prstGeom>
-            <a:noFill/>
-          </p:spPr>
-          <p:txBody>
-            <a:bodyPr wrap="square" rtlCol="0">
-              <a:spAutoFit/>
-            </a:bodyPr>
-            <a:lstStyle/>
-            <a:p>
-              <a:r>
-                <a:rPr lang="es-ES_tradnl" sz="1300" dirty="0">
-                  <a:solidFill>
-                    <a:srgbClr val="FF0000"/>
-                  </a:solidFill>
-                </a:rPr>
-                <a:t>...     </a:t>
-              </a:r>
-            </a:p>
-          </p:txBody>
-        </p:sp>
-        <p:pic>
-          <p:nvPicPr>
-            <p:cNvPr id="24" name="Picture 23" descr="A blue and white rectangles&#10;&#10;Description automatically generated">
-              <a:extLst>
-                <a:ext uri="{FF2B5EF4-FFF2-40B4-BE49-F238E27FC236}">
-                  <a16:creationId xmlns:a16="http://schemas.microsoft.com/office/drawing/2014/main" id="{9C7B751E-8AFC-6EDD-9F5E-1540C32AB567}"/>
-                </a:ext>
-              </a:extLst>
-            </p:cNvPr>
-            <p:cNvPicPr>
-              <a:picLocks noChangeAspect="1"/>
-            </p:cNvPicPr>
-            <p:nvPr/>
-          </p:nvPicPr>
-          <p:blipFill>
-            <a:blip r:embed="rId4"/>
-            <a:stretch>
-              <a:fillRect/>
-            </a:stretch>
-          </p:blipFill>
-          <p:spPr>
-            <a:xfrm>
-              <a:off x="679411" y="5474354"/>
-              <a:ext cx="2590725" cy="331200"/>
-            </a:xfrm>
-            <a:prstGeom prst="rect">
-              <a:avLst/>
-            </a:prstGeom>
-          </p:spPr>
-        </p:pic>
-      </p:grpSp>
+          <a:prstGeom prst="rect">
+            <a:avLst/>
+          </a:prstGeom>
+        </p:spPr>
+      </p:pic>
     </p:spTree>
     <p:extLst>
       <p:ext uri="{BB962C8B-B14F-4D97-AF65-F5344CB8AC3E}">
@@ -7573,6 +7352,35 @@
           </a:p>
         </p:txBody>
       </p:sp>
+      <p:pic>
+        <p:nvPicPr>
+          <p:cNvPr id="4" name="Picture 3">
+            <a:extLst>
+              <a:ext uri="{FF2B5EF4-FFF2-40B4-BE49-F238E27FC236}">
+                <a16:creationId xmlns:a16="http://schemas.microsoft.com/office/drawing/2014/main" id="{093910D6-DFB3-36B7-5D79-A8743253E382}"/>
+              </a:ext>
+            </a:extLst>
+          </p:cNvPr>
+          <p:cNvPicPr>
+            <a:picLocks noChangeAspect="1"/>
+          </p:cNvPicPr>
+          <p:nvPr/>
+        </p:nvPicPr>
+        <p:blipFill>
+          <a:blip r:embed="rId2"/>
+          <a:srcRect/>
+          <a:stretch/>
+        </p:blipFill>
+        <p:spPr>
+          <a:xfrm>
+            <a:off x="635309" y="1072056"/>
+            <a:ext cx="2699312" cy="5548587"/>
+          </a:xfrm>
+          <a:prstGeom prst="rect">
+            <a:avLst/>
+          </a:prstGeom>
+        </p:spPr>
+      </p:pic>
     </p:spTree>
     <p:extLst>
       <p:ext uri="{BB962C8B-B14F-4D97-AF65-F5344CB8AC3E}">
@@ -7747,761 +7555,6 @@
           </a:p>
         </p:txBody>
       </p:sp>
-      <p:grpSp>
-        <p:nvGrpSpPr>
-          <p:cNvPr id="4" name="Group 3">
-            <a:extLst>
-              <a:ext uri="{FF2B5EF4-FFF2-40B4-BE49-F238E27FC236}">
-                <a16:creationId xmlns:a16="http://schemas.microsoft.com/office/drawing/2014/main" id="{7FBCA200-07CB-31FB-296B-849848218B61}"/>
-              </a:ext>
-            </a:extLst>
-          </p:cNvPr>
-          <p:cNvGrpSpPr/>
-          <p:nvPr/>
-        </p:nvGrpSpPr>
-        <p:grpSpPr>
-          <a:xfrm>
-            <a:off x="593835" y="1072055"/>
-            <a:ext cx="2740788" cy="5548589"/>
-            <a:chOff x="593835" y="1072055"/>
-            <a:chExt cx="2740788" cy="5548589"/>
-          </a:xfrm>
-        </p:grpSpPr>
-        <p:pic>
-          <p:nvPicPr>
-            <p:cNvPr id="23" name="Picture 22">
-              <a:extLst>
-                <a:ext uri="{FF2B5EF4-FFF2-40B4-BE49-F238E27FC236}">
-                  <a16:creationId xmlns:a16="http://schemas.microsoft.com/office/drawing/2014/main" id="{AD8C0AF2-093D-A16D-7D6E-74A97D95DCA5}"/>
-                </a:ext>
-              </a:extLst>
-            </p:cNvPr>
-            <p:cNvPicPr>
-              <a:picLocks noChangeAspect="1"/>
-            </p:cNvPicPr>
-            <p:nvPr/>
-          </p:nvPicPr>
-          <p:blipFill>
-            <a:blip r:embed="rId2"/>
-            <a:srcRect/>
-            <a:stretch/>
-          </p:blipFill>
-          <p:spPr>
-            <a:xfrm>
-              <a:off x="635309" y="1072055"/>
-              <a:ext cx="2699314" cy="5548589"/>
-            </a:xfrm>
-            <a:prstGeom prst="rect">
-              <a:avLst/>
-            </a:prstGeom>
-          </p:spPr>
-        </p:pic>
-        <p:grpSp>
-          <p:nvGrpSpPr>
-            <p:cNvPr id="24" name="Group 23">
-              <a:extLst>
-                <a:ext uri="{FF2B5EF4-FFF2-40B4-BE49-F238E27FC236}">
-                  <a16:creationId xmlns:a16="http://schemas.microsoft.com/office/drawing/2014/main" id="{5DEC5398-C72D-FF3D-FA92-1E31831E2045}"/>
-                </a:ext>
-              </a:extLst>
-            </p:cNvPr>
-            <p:cNvGrpSpPr/>
-            <p:nvPr/>
-          </p:nvGrpSpPr>
-          <p:grpSpPr>
-            <a:xfrm>
-              <a:off x="599089" y="1618597"/>
-              <a:ext cx="2661104" cy="838930"/>
-              <a:chOff x="599089" y="1618597"/>
-              <a:chExt cx="2661104" cy="838930"/>
-            </a:xfrm>
-          </p:grpSpPr>
-          <p:sp>
-            <p:nvSpPr>
-              <p:cNvPr id="25" name="TextBox 24">
-                <a:extLst>
-                  <a:ext uri="{FF2B5EF4-FFF2-40B4-BE49-F238E27FC236}">
-                    <a16:creationId xmlns:a16="http://schemas.microsoft.com/office/drawing/2014/main" id="{FB62DB01-585E-AE46-61BE-48F505C0263F}"/>
-                  </a:ext>
-                </a:extLst>
-              </p:cNvPr>
-              <p:cNvSpPr txBox="1"/>
-              <p:nvPr/>
-            </p:nvSpPr>
-            <p:spPr>
-              <a:xfrm>
-                <a:off x="599089" y="1618597"/>
-                <a:ext cx="803553" cy="292388"/>
-              </a:xfrm>
-              <a:prstGeom prst="rect">
-                <a:avLst/>
-              </a:prstGeom>
-              <a:noFill/>
-            </p:spPr>
-            <p:txBody>
-              <a:bodyPr wrap="none" rtlCol="0">
-                <a:spAutoFit/>
-              </a:bodyPr>
-              <a:lstStyle/>
-              <a:p>
-                <a:r>
-                  <a:rPr lang="es-ES_tradnl" sz="1300" dirty="0">
-                    <a:solidFill>
-                      <a:srgbClr val="FF0000"/>
-                    </a:solidFill>
-                  </a:rPr>
-                  <a:t>Pedido 1</a:t>
-                </a:r>
-              </a:p>
-            </p:txBody>
-          </p:sp>
-          <p:sp>
-            <p:nvSpPr>
-              <p:cNvPr id="26" name="Rectangle 25">
-                <a:extLst>
-                  <a:ext uri="{FF2B5EF4-FFF2-40B4-BE49-F238E27FC236}">
-                    <a16:creationId xmlns:a16="http://schemas.microsoft.com/office/drawing/2014/main" id="{058072CB-DCD3-A054-C685-E5327B3890CF}"/>
-                  </a:ext>
-                </a:extLst>
-              </p:cNvPr>
-              <p:cNvSpPr/>
-              <p:nvPr/>
-            </p:nvSpPr>
-            <p:spPr>
-              <a:xfrm>
-                <a:off x="704193" y="1910985"/>
-                <a:ext cx="2556000" cy="546542"/>
-              </a:xfrm>
-              <a:prstGeom prst="rect">
-                <a:avLst/>
-              </a:prstGeom>
-              <a:noFill/>
-              <a:ln w="3175"/>
-            </p:spPr>
-            <p:style>
-              <a:lnRef idx="2">
-                <a:schemeClr val="accent1">
-                  <a:shade val="15000"/>
-                </a:schemeClr>
-              </a:lnRef>
-              <a:fillRef idx="1">
-                <a:schemeClr val="accent1"/>
-              </a:fillRef>
-              <a:effectRef idx="0">
-                <a:schemeClr val="accent1"/>
-              </a:effectRef>
-              <a:fontRef idx="minor">
-                <a:schemeClr val="lt1"/>
-              </a:fontRef>
-            </p:style>
-            <p:txBody>
-              <a:bodyPr rtlCol="0" anchor="ctr"/>
-              <a:lstStyle/>
-              <a:p>
-                <a:pPr algn="ctr"/>
-                <a:endParaRPr lang="es-ES_tradnl"/>
-              </a:p>
-            </p:txBody>
-          </p:sp>
-          <p:pic>
-            <p:nvPicPr>
-              <p:cNvPr id="27" name="Picture 26">
-                <a:extLst>
-                  <a:ext uri="{FF2B5EF4-FFF2-40B4-BE49-F238E27FC236}">
-                    <a16:creationId xmlns:a16="http://schemas.microsoft.com/office/drawing/2014/main" id="{D9552DA1-AFA6-C93B-9400-439812B9E19B}"/>
-                  </a:ext>
-                </a:extLst>
-              </p:cNvPr>
-              <p:cNvPicPr>
-                <a:picLocks noChangeAspect="1"/>
-              </p:cNvPicPr>
-              <p:nvPr/>
-            </p:nvPicPr>
-            <p:blipFill>
-              <a:blip r:embed="rId3"/>
-              <a:srcRect/>
-              <a:stretch/>
-            </p:blipFill>
-            <p:spPr>
-              <a:xfrm>
-                <a:off x="2912927" y="2152727"/>
-                <a:ext cx="304800" cy="304800"/>
-              </a:xfrm>
-              <a:prstGeom prst="rect">
-                <a:avLst/>
-              </a:prstGeom>
-            </p:spPr>
-          </p:pic>
-        </p:grpSp>
-        <p:grpSp>
-          <p:nvGrpSpPr>
-            <p:cNvPr id="28" name="Group 27">
-              <a:extLst>
-                <a:ext uri="{FF2B5EF4-FFF2-40B4-BE49-F238E27FC236}">
-                  <a16:creationId xmlns:a16="http://schemas.microsoft.com/office/drawing/2014/main" id="{1784C822-6005-D855-C48C-DD833560B0C2}"/>
-                </a:ext>
-              </a:extLst>
-            </p:cNvPr>
-            <p:cNvGrpSpPr/>
-            <p:nvPr/>
-          </p:nvGrpSpPr>
-          <p:grpSpPr>
-            <a:xfrm>
-              <a:off x="593839" y="2485698"/>
-              <a:ext cx="2661104" cy="838930"/>
-              <a:chOff x="599089" y="1618597"/>
-              <a:chExt cx="2661104" cy="838930"/>
-            </a:xfrm>
-          </p:grpSpPr>
-          <p:sp>
-            <p:nvSpPr>
-              <p:cNvPr id="29" name="TextBox 28">
-                <a:extLst>
-                  <a:ext uri="{FF2B5EF4-FFF2-40B4-BE49-F238E27FC236}">
-                    <a16:creationId xmlns:a16="http://schemas.microsoft.com/office/drawing/2014/main" id="{55014B22-2C4D-3880-0B2E-F2F804B0822C}"/>
-                  </a:ext>
-                </a:extLst>
-              </p:cNvPr>
-              <p:cNvSpPr txBox="1"/>
-              <p:nvPr/>
-            </p:nvSpPr>
-            <p:spPr>
-              <a:xfrm>
-                <a:off x="599089" y="1618597"/>
-                <a:ext cx="803553" cy="292388"/>
-              </a:xfrm>
-              <a:prstGeom prst="rect">
-                <a:avLst/>
-              </a:prstGeom>
-              <a:noFill/>
-            </p:spPr>
-            <p:txBody>
-              <a:bodyPr wrap="none" rtlCol="0">
-                <a:spAutoFit/>
-              </a:bodyPr>
-              <a:lstStyle/>
-              <a:p>
-                <a:r>
-                  <a:rPr lang="es-ES_tradnl" sz="1300" dirty="0">
-                    <a:solidFill>
-                      <a:srgbClr val="FF0000"/>
-                    </a:solidFill>
-                  </a:rPr>
-                  <a:t>Pedido 2</a:t>
-                </a:r>
-              </a:p>
-            </p:txBody>
-          </p:sp>
-          <p:sp>
-            <p:nvSpPr>
-              <p:cNvPr id="30" name="Rectangle 29">
-                <a:extLst>
-                  <a:ext uri="{FF2B5EF4-FFF2-40B4-BE49-F238E27FC236}">
-                    <a16:creationId xmlns:a16="http://schemas.microsoft.com/office/drawing/2014/main" id="{76F3C5FF-FA41-C58B-F401-CF7E86CA0BFE}"/>
-                  </a:ext>
-                </a:extLst>
-              </p:cNvPr>
-              <p:cNvSpPr/>
-              <p:nvPr/>
-            </p:nvSpPr>
-            <p:spPr>
-              <a:xfrm>
-                <a:off x="704193" y="1910985"/>
-                <a:ext cx="2556000" cy="546542"/>
-              </a:xfrm>
-              <a:prstGeom prst="rect">
-                <a:avLst/>
-              </a:prstGeom>
-              <a:noFill/>
-              <a:ln w="3175"/>
-            </p:spPr>
-            <p:style>
-              <a:lnRef idx="2">
-                <a:schemeClr val="accent1">
-                  <a:shade val="15000"/>
-                </a:schemeClr>
-              </a:lnRef>
-              <a:fillRef idx="1">
-                <a:schemeClr val="accent1"/>
-              </a:fillRef>
-              <a:effectRef idx="0">
-                <a:schemeClr val="accent1"/>
-              </a:effectRef>
-              <a:fontRef idx="minor">
-                <a:schemeClr val="lt1"/>
-              </a:fontRef>
-            </p:style>
-            <p:txBody>
-              <a:bodyPr rtlCol="0" anchor="ctr"/>
-              <a:lstStyle/>
-              <a:p>
-                <a:pPr algn="ctr"/>
-                <a:endParaRPr lang="es-ES_tradnl"/>
-              </a:p>
-            </p:txBody>
-          </p:sp>
-          <p:pic>
-            <p:nvPicPr>
-              <p:cNvPr id="31" name="Picture 30">
-                <a:extLst>
-                  <a:ext uri="{FF2B5EF4-FFF2-40B4-BE49-F238E27FC236}">
-                    <a16:creationId xmlns:a16="http://schemas.microsoft.com/office/drawing/2014/main" id="{547EFABF-6FD6-080D-10D1-3A2C37E035A6}"/>
-                  </a:ext>
-                </a:extLst>
-              </p:cNvPr>
-              <p:cNvPicPr>
-                <a:picLocks noChangeAspect="1"/>
-              </p:cNvPicPr>
-              <p:nvPr/>
-            </p:nvPicPr>
-            <p:blipFill>
-              <a:blip r:embed="rId3"/>
-              <a:srcRect/>
-              <a:stretch/>
-            </p:blipFill>
-            <p:spPr>
-              <a:xfrm>
-                <a:off x="2912927" y="2152727"/>
-                <a:ext cx="304800" cy="304800"/>
-              </a:xfrm>
-              <a:prstGeom prst="rect">
-                <a:avLst/>
-              </a:prstGeom>
-            </p:spPr>
-          </p:pic>
-        </p:grpSp>
-        <p:grpSp>
-          <p:nvGrpSpPr>
-            <p:cNvPr id="32" name="Group 31">
-              <a:extLst>
-                <a:ext uri="{FF2B5EF4-FFF2-40B4-BE49-F238E27FC236}">
-                  <a16:creationId xmlns:a16="http://schemas.microsoft.com/office/drawing/2014/main" id="{D4459278-C662-A6A3-B200-1DD053D6C81F}"/>
-                </a:ext>
-              </a:extLst>
-            </p:cNvPr>
-            <p:cNvGrpSpPr/>
-            <p:nvPr/>
-          </p:nvGrpSpPr>
-          <p:grpSpPr>
-            <a:xfrm>
-              <a:off x="593835" y="3368560"/>
-              <a:ext cx="2661104" cy="838930"/>
-              <a:chOff x="599089" y="1618597"/>
-              <a:chExt cx="2661104" cy="838930"/>
-            </a:xfrm>
-          </p:grpSpPr>
-          <p:sp>
-            <p:nvSpPr>
-              <p:cNvPr id="33" name="TextBox 32">
-                <a:extLst>
-                  <a:ext uri="{FF2B5EF4-FFF2-40B4-BE49-F238E27FC236}">
-                    <a16:creationId xmlns:a16="http://schemas.microsoft.com/office/drawing/2014/main" id="{7DAA2623-9B0A-790D-771B-7FF063E42F98}"/>
-                  </a:ext>
-                </a:extLst>
-              </p:cNvPr>
-              <p:cNvSpPr txBox="1"/>
-              <p:nvPr/>
-            </p:nvSpPr>
-            <p:spPr>
-              <a:xfrm>
-                <a:off x="599089" y="1618597"/>
-                <a:ext cx="803553" cy="292388"/>
-              </a:xfrm>
-              <a:prstGeom prst="rect">
-                <a:avLst/>
-              </a:prstGeom>
-              <a:noFill/>
-            </p:spPr>
-            <p:txBody>
-              <a:bodyPr wrap="none" rtlCol="0">
-                <a:spAutoFit/>
-              </a:bodyPr>
-              <a:lstStyle/>
-              <a:p>
-                <a:r>
-                  <a:rPr lang="es-ES_tradnl" sz="1300" dirty="0">
-                    <a:solidFill>
-                      <a:srgbClr val="FF0000"/>
-                    </a:solidFill>
-                  </a:rPr>
-                  <a:t>Pedido 3</a:t>
-                </a:r>
-              </a:p>
-            </p:txBody>
-          </p:sp>
-          <p:sp>
-            <p:nvSpPr>
-              <p:cNvPr id="34" name="Rectangle 33">
-                <a:extLst>
-                  <a:ext uri="{FF2B5EF4-FFF2-40B4-BE49-F238E27FC236}">
-                    <a16:creationId xmlns:a16="http://schemas.microsoft.com/office/drawing/2014/main" id="{61FBA024-CF4B-B617-5F50-C8CE53796A4B}"/>
-                  </a:ext>
-                </a:extLst>
-              </p:cNvPr>
-              <p:cNvSpPr/>
-              <p:nvPr/>
-            </p:nvSpPr>
-            <p:spPr>
-              <a:xfrm>
-                <a:off x="704193" y="1910985"/>
-                <a:ext cx="2556000" cy="546542"/>
-              </a:xfrm>
-              <a:prstGeom prst="rect">
-                <a:avLst/>
-              </a:prstGeom>
-              <a:noFill/>
-              <a:ln w="3175"/>
-            </p:spPr>
-            <p:style>
-              <a:lnRef idx="2">
-                <a:schemeClr val="accent1">
-                  <a:shade val="15000"/>
-                </a:schemeClr>
-              </a:lnRef>
-              <a:fillRef idx="1">
-                <a:schemeClr val="accent1"/>
-              </a:fillRef>
-              <a:effectRef idx="0">
-                <a:schemeClr val="accent1"/>
-              </a:effectRef>
-              <a:fontRef idx="minor">
-                <a:schemeClr val="lt1"/>
-              </a:fontRef>
-            </p:style>
-            <p:txBody>
-              <a:bodyPr rtlCol="0" anchor="ctr"/>
-              <a:lstStyle/>
-              <a:p>
-                <a:pPr algn="ctr"/>
-                <a:endParaRPr lang="es-ES_tradnl"/>
-              </a:p>
-            </p:txBody>
-          </p:sp>
-          <p:pic>
-            <p:nvPicPr>
-              <p:cNvPr id="35" name="Picture 34">
-                <a:extLst>
-                  <a:ext uri="{FF2B5EF4-FFF2-40B4-BE49-F238E27FC236}">
-                    <a16:creationId xmlns:a16="http://schemas.microsoft.com/office/drawing/2014/main" id="{088A86A6-2BF8-E130-7FBE-3FF58B8D0283}"/>
-                  </a:ext>
-                </a:extLst>
-              </p:cNvPr>
-              <p:cNvPicPr>
-                <a:picLocks noChangeAspect="1"/>
-              </p:cNvPicPr>
-              <p:nvPr/>
-            </p:nvPicPr>
-            <p:blipFill>
-              <a:blip r:embed="rId4"/>
-              <a:stretch>
-                <a:fillRect/>
-              </a:stretch>
-            </p:blipFill>
-            <p:spPr>
-              <a:xfrm>
-                <a:off x="2912927" y="2152727"/>
-                <a:ext cx="304800" cy="304800"/>
-              </a:xfrm>
-              <a:prstGeom prst="rect">
-                <a:avLst/>
-              </a:prstGeom>
-            </p:spPr>
-          </p:pic>
-        </p:grpSp>
-        <p:grpSp>
-          <p:nvGrpSpPr>
-            <p:cNvPr id="36" name="Group 35">
-              <a:extLst>
-                <a:ext uri="{FF2B5EF4-FFF2-40B4-BE49-F238E27FC236}">
-                  <a16:creationId xmlns:a16="http://schemas.microsoft.com/office/drawing/2014/main" id="{9EFCD37A-DCA3-41BD-90D1-8B6F5C2A79D9}"/>
-                </a:ext>
-              </a:extLst>
-            </p:cNvPr>
-            <p:cNvGrpSpPr/>
-            <p:nvPr/>
-          </p:nvGrpSpPr>
-          <p:grpSpPr>
-            <a:xfrm>
-              <a:off x="604349" y="4482655"/>
-              <a:ext cx="2661104" cy="838930"/>
-              <a:chOff x="599089" y="1618597"/>
-              <a:chExt cx="2661104" cy="838930"/>
-            </a:xfrm>
-          </p:grpSpPr>
-          <p:sp>
-            <p:nvSpPr>
-              <p:cNvPr id="37" name="TextBox 36">
-                <a:extLst>
-                  <a:ext uri="{FF2B5EF4-FFF2-40B4-BE49-F238E27FC236}">
-                    <a16:creationId xmlns:a16="http://schemas.microsoft.com/office/drawing/2014/main" id="{0341BF3B-890A-CE67-CA17-236B4F72BB97}"/>
-                  </a:ext>
-                </a:extLst>
-              </p:cNvPr>
-              <p:cNvSpPr txBox="1"/>
-              <p:nvPr/>
-            </p:nvSpPr>
-            <p:spPr>
-              <a:xfrm>
-                <a:off x="599089" y="1618597"/>
-                <a:ext cx="803553" cy="292388"/>
-              </a:xfrm>
-              <a:prstGeom prst="rect">
-                <a:avLst/>
-              </a:prstGeom>
-              <a:noFill/>
-            </p:spPr>
-            <p:txBody>
-              <a:bodyPr wrap="none" rtlCol="0">
-                <a:spAutoFit/>
-              </a:bodyPr>
-              <a:lstStyle/>
-              <a:p>
-                <a:r>
-                  <a:rPr lang="es-ES_tradnl" sz="1300" dirty="0">
-                    <a:solidFill>
-                      <a:srgbClr val="FF0000"/>
-                    </a:solidFill>
-                  </a:rPr>
-                  <a:t>Pedido n</a:t>
-                </a:r>
-              </a:p>
-            </p:txBody>
-          </p:sp>
-          <p:sp>
-            <p:nvSpPr>
-              <p:cNvPr id="38" name="Rectangle 37">
-                <a:extLst>
-                  <a:ext uri="{FF2B5EF4-FFF2-40B4-BE49-F238E27FC236}">
-                    <a16:creationId xmlns:a16="http://schemas.microsoft.com/office/drawing/2014/main" id="{7CBF5682-648E-0FBB-1F22-FEA33C96F889}"/>
-                  </a:ext>
-                </a:extLst>
-              </p:cNvPr>
-              <p:cNvSpPr/>
-              <p:nvPr/>
-            </p:nvSpPr>
-            <p:spPr>
-              <a:xfrm>
-                <a:off x="704193" y="1910985"/>
-                <a:ext cx="2556000" cy="546542"/>
-              </a:xfrm>
-              <a:prstGeom prst="rect">
-                <a:avLst/>
-              </a:prstGeom>
-              <a:noFill/>
-              <a:ln w="3175"/>
-            </p:spPr>
-            <p:style>
-              <a:lnRef idx="2">
-                <a:schemeClr val="accent1">
-                  <a:shade val="15000"/>
-                </a:schemeClr>
-              </a:lnRef>
-              <a:fillRef idx="1">
-                <a:schemeClr val="accent1"/>
-              </a:fillRef>
-              <a:effectRef idx="0">
-                <a:schemeClr val="accent1"/>
-              </a:effectRef>
-              <a:fontRef idx="minor">
-                <a:schemeClr val="lt1"/>
-              </a:fontRef>
-            </p:style>
-            <p:txBody>
-              <a:bodyPr rtlCol="0" anchor="ctr"/>
-              <a:lstStyle/>
-              <a:p>
-                <a:pPr algn="ctr"/>
-                <a:endParaRPr lang="es-ES_tradnl"/>
-              </a:p>
-            </p:txBody>
-          </p:sp>
-          <p:pic>
-            <p:nvPicPr>
-              <p:cNvPr id="39" name="Picture 38">
-                <a:extLst>
-                  <a:ext uri="{FF2B5EF4-FFF2-40B4-BE49-F238E27FC236}">
-                    <a16:creationId xmlns:a16="http://schemas.microsoft.com/office/drawing/2014/main" id="{E6E23CAB-1679-2D59-0EA7-283B3216CCA0}"/>
-                  </a:ext>
-                </a:extLst>
-              </p:cNvPr>
-              <p:cNvPicPr>
-                <a:picLocks noChangeAspect="1"/>
-              </p:cNvPicPr>
-              <p:nvPr/>
-            </p:nvPicPr>
-            <p:blipFill>
-              <a:blip r:embed="rId4"/>
-              <a:stretch>
-                <a:fillRect/>
-              </a:stretch>
-            </p:blipFill>
-            <p:spPr>
-              <a:xfrm>
-                <a:off x="2912927" y="2152727"/>
-                <a:ext cx="304800" cy="304800"/>
-              </a:xfrm>
-              <a:prstGeom prst="rect">
-                <a:avLst/>
-              </a:prstGeom>
-            </p:spPr>
-          </p:pic>
-        </p:grpSp>
-        <p:sp>
-          <p:nvSpPr>
-            <p:cNvPr id="40" name="TextBox 39">
-              <a:extLst>
-                <a:ext uri="{FF2B5EF4-FFF2-40B4-BE49-F238E27FC236}">
-                  <a16:creationId xmlns:a16="http://schemas.microsoft.com/office/drawing/2014/main" id="{C80FBF20-708C-1D89-B16C-EE0B289FBEAD}"/>
-                </a:ext>
-              </a:extLst>
-            </p:cNvPr>
-            <p:cNvSpPr txBox="1"/>
-            <p:nvPr/>
-          </p:nvSpPr>
-          <p:spPr>
-            <a:xfrm>
-              <a:off x="698939" y="4225158"/>
-              <a:ext cx="404647" cy="292388"/>
-            </a:xfrm>
-            <a:prstGeom prst="rect">
-              <a:avLst/>
-            </a:prstGeom>
-            <a:noFill/>
-          </p:spPr>
-          <p:txBody>
-            <a:bodyPr wrap="square" rtlCol="0">
-              <a:spAutoFit/>
-            </a:bodyPr>
-            <a:lstStyle/>
-            <a:p>
-              <a:r>
-                <a:rPr lang="es-ES_tradnl" sz="1300" dirty="0">
-                  <a:solidFill>
-                    <a:srgbClr val="FF0000"/>
-                  </a:solidFill>
-                </a:rPr>
-                <a:t>...     </a:t>
-              </a:r>
-            </a:p>
-          </p:txBody>
-        </p:sp>
-        <p:sp>
-          <p:nvSpPr>
-            <p:cNvPr id="41" name="TextBox 40">
-              <a:extLst>
-                <a:ext uri="{FF2B5EF4-FFF2-40B4-BE49-F238E27FC236}">
-                  <a16:creationId xmlns:a16="http://schemas.microsoft.com/office/drawing/2014/main" id="{39AEDBC1-B070-65AC-E95E-06F27E5E0E87}"/>
-                </a:ext>
-              </a:extLst>
-            </p:cNvPr>
-            <p:cNvSpPr txBox="1"/>
-            <p:nvPr/>
-          </p:nvSpPr>
-          <p:spPr>
-            <a:xfrm>
-              <a:off x="698939" y="2264978"/>
-              <a:ext cx="1568058" cy="230832"/>
-            </a:xfrm>
-            <a:prstGeom prst="rect">
-              <a:avLst/>
-            </a:prstGeom>
-            <a:noFill/>
-          </p:spPr>
-          <p:txBody>
-            <a:bodyPr wrap="none" rtlCol="0">
-              <a:spAutoFit/>
-            </a:bodyPr>
-            <a:lstStyle/>
-            <a:p>
-              <a:r>
-                <a:rPr lang="es-ES_tradnl" sz="900" dirty="0"/>
-                <a:t>Contenedor:</a:t>
-              </a:r>
-              <a:r>
-                <a:rPr lang="es-ES_tradnl" sz="900" dirty="0">
-                  <a:solidFill>
-                    <a:srgbClr val="FF0000"/>
-                  </a:solidFill>
-                </a:rPr>
-                <a:t> CONT0000001</a:t>
-              </a:r>
-            </a:p>
-          </p:txBody>
-        </p:sp>
-        <p:sp>
-          <p:nvSpPr>
-            <p:cNvPr id="42" name="TextBox 41">
-              <a:extLst>
-                <a:ext uri="{FF2B5EF4-FFF2-40B4-BE49-F238E27FC236}">
-                  <a16:creationId xmlns:a16="http://schemas.microsoft.com/office/drawing/2014/main" id="{32881DE4-1F91-CF1A-3B2D-6768BE7131B2}"/>
-                </a:ext>
-              </a:extLst>
-            </p:cNvPr>
-            <p:cNvSpPr txBox="1"/>
-            <p:nvPr/>
-          </p:nvSpPr>
-          <p:spPr>
-            <a:xfrm>
-              <a:off x="704195" y="3132081"/>
-              <a:ext cx="1568058" cy="230832"/>
-            </a:xfrm>
-            <a:prstGeom prst="rect">
-              <a:avLst/>
-            </a:prstGeom>
-            <a:noFill/>
-          </p:spPr>
-          <p:txBody>
-            <a:bodyPr wrap="none" rtlCol="0">
-              <a:spAutoFit/>
-            </a:bodyPr>
-            <a:lstStyle/>
-            <a:p>
-              <a:r>
-                <a:rPr lang="es-ES_tradnl" sz="900" dirty="0"/>
-                <a:t>Contenedor:</a:t>
-              </a:r>
-              <a:r>
-                <a:rPr lang="es-ES_tradnl" sz="900" dirty="0">
-                  <a:solidFill>
-                    <a:srgbClr val="FF0000"/>
-                  </a:solidFill>
-                </a:rPr>
-                <a:t> CONT0001001</a:t>
-              </a:r>
-            </a:p>
-          </p:txBody>
-        </p:sp>
-        <p:pic>
-          <p:nvPicPr>
-            <p:cNvPr id="43" name="Picture 42" descr="A blue and white rectangles&#10;&#10;Description automatically generated">
-              <a:extLst>
-                <a:ext uri="{FF2B5EF4-FFF2-40B4-BE49-F238E27FC236}">
-                  <a16:creationId xmlns:a16="http://schemas.microsoft.com/office/drawing/2014/main" id="{C50A3695-E62D-6909-B51E-61E055F7DDBE}"/>
-                </a:ext>
-              </a:extLst>
-            </p:cNvPr>
-            <p:cNvPicPr>
-              <a:picLocks noChangeAspect="1"/>
-            </p:cNvPicPr>
-            <p:nvPr/>
-          </p:nvPicPr>
-          <p:blipFill>
-            <a:blip r:embed="rId5"/>
-            <a:stretch>
-              <a:fillRect/>
-            </a:stretch>
-          </p:blipFill>
-          <p:spPr>
-            <a:xfrm>
-              <a:off x="679411" y="5474354"/>
-              <a:ext cx="2590725" cy="331200"/>
-            </a:xfrm>
-            <a:prstGeom prst="rect">
-              <a:avLst/>
-            </a:prstGeom>
-          </p:spPr>
-        </p:pic>
-      </p:grpSp>
       <p:pic>
         <p:nvPicPr>
           <p:cNvPr id="44" name="Picture 43">
@@ -8517,7 +7570,7 @@
           <p:nvPr/>
         </p:nvPicPr>
         <p:blipFill>
-          <a:blip r:embed="rId4"/>
+          <a:blip r:embed="rId2"/>
           <a:stretch>
             <a:fillRect/>
           </a:stretch>
@@ -8555,6 +7608,35 @@
           <a:xfrm>
             <a:off x="11247633" y="3318641"/>
             <a:ext cx="304800" cy="304800"/>
+          </a:xfrm>
+          <a:prstGeom prst="rect">
+            <a:avLst/>
+          </a:prstGeom>
+        </p:spPr>
+      </p:pic>
+      <p:pic>
+        <p:nvPicPr>
+          <p:cNvPr id="5" name="Picture 4">
+            <a:extLst>
+              <a:ext uri="{FF2B5EF4-FFF2-40B4-BE49-F238E27FC236}">
+                <a16:creationId xmlns:a16="http://schemas.microsoft.com/office/drawing/2014/main" id="{B91C5939-90D6-FF15-770F-49E36E23B7E2}"/>
+              </a:ext>
+            </a:extLst>
+          </p:cNvPr>
+          <p:cNvPicPr>
+            <a:picLocks noChangeAspect="1"/>
+          </p:cNvPicPr>
+          <p:nvPr/>
+        </p:nvPicPr>
+        <p:blipFill>
+          <a:blip r:embed="rId4"/>
+          <a:srcRect/>
+          <a:stretch/>
+        </p:blipFill>
+        <p:spPr>
+          <a:xfrm>
+            <a:off x="635309" y="1072057"/>
+            <a:ext cx="2699312" cy="5548585"/>
           </a:xfrm>
           <a:prstGeom prst="rect">
             <a:avLst/>
@@ -8712,7 +7794,7 @@
         <p:spPr>
           <a:xfrm>
             <a:off x="635309" y="1072055"/>
-            <a:ext cx="2699314" cy="5548589"/>
+            <a:ext cx="2699313" cy="5548589"/>
           </a:xfrm>
           <a:prstGeom prst="rect">
             <a:avLst/>

--- a/atCloud - Diseño - Interfaz de Usuario - Surtido.pptx
+++ b/atCloud - Diseño - Interfaz de Usuario - Surtido.pptx
@@ -19,10 +19,11 @@
     <p:sldId id="280" r:id="rId13"/>
     <p:sldId id="281" r:id="rId14"/>
     <p:sldId id="273" r:id="rId15"/>
-    <p:sldId id="274" r:id="rId16"/>
-    <p:sldId id="279" r:id="rId17"/>
-    <p:sldId id="275" r:id="rId18"/>
-    <p:sldId id="276" r:id="rId19"/>
+    <p:sldId id="282" r:id="rId16"/>
+    <p:sldId id="274" r:id="rId17"/>
+    <p:sldId id="279" r:id="rId18"/>
+    <p:sldId id="275" r:id="rId19"/>
+    <p:sldId id="276" r:id="rId20"/>
   </p:sldIdLst>
   <p:sldSz cx="12192000" cy="6858000"/>
   <p:notesSz cx="6858000" cy="9144000"/>
@@ -278,7 +279,7 @@
           <a:p>
             <a:fld id="{DC7435B9-0E12-0B4F-AEAD-4257853CAF9C}" type="datetimeFigureOut">
               <a:rPr lang="es-ES_tradnl" smtClean="0"/>
-              <a:t>23/11/24</a:t>
+              <a:t>30/11/24</a:t>
             </a:fld>
             <a:endParaRPr lang="es-ES_tradnl"/>
           </a:p>
@@ -478,7 +479,7 @@
           <a:p>
             <a:fld id="{DC7435B9-0E12-0B4F-AEAD-4257853CAF9C}" type="datetimeFigureOut">
               <a:rPr lang="es-ES_tradnl" smtClean="0"/>
-              <a:t>23/11/24</a:t>
+              <a:t>30/11/24</a:t>
             </a:fld>
             <a:endParaRPr lang="es-ES_tradnl"/>
           </a:p>
@@ -688,7 +689,7 @@
           <a:p>
             <a:fld id="{DC7435B9-0E12-0B4F-AEAD-4257853CAF9C}" type="datetimeFigureOut">
               <a:rPr lang="es-ES_tradnl" smtClean="0"/>
-              <a:t>23/11/24</a:t>
+              <a:t>30/11/24</a:t>
             </a:fld>
             <a:endParaRPr lang="es-ES_tradnl"/>
           </a:p>
@@ -888,7 +889,7 @@
           <a:p>
             <a:fld id="{DC7435B9-0E12-0B4F-AEAD-4257853CAF9C}" type="datetimeFigureOut">
               <a:rPr lang="es-ES_tradnl" smtClean="0"/>
-              <a:t>23/11/24</a:t>
+              <a:t>30/11/24</a:t>
             </a:fld>
             <a:endParaRPr lang="es-ES_tradnl"/>
           </a:p>
@@ -1164,7 +1165,7 @@
           <a:p>
             <a:fld id="{DC7435B9-0E12-0B4F-AEAD-4257853CAF9C}" type="datetimeFigureOut">
               <a:rPr lang="es-ES_tradnl" smtClean="0"/>
-              <a:t>23/11/24</a:t>
+              <a:t>30/11/24</a:t>
             </a:fld>
             <a:endParaRPr lang="es-ES_tradnl"/>
           </a:p>
@@ -1432,7 +1433,7 @@
           <a:p>
             <a:fld id="{DC7435B9-0E12-0B4F-AEAD-4257853CAF9C}" type="datetimeFigureOut">
               <a:rPr lang="es-ES_tradnl" smtClean="0"/>
-              <a:t>23/11/24</a:t>
+              <a:t>30/11/24</a:t>
             </a:fld>
             <a:endParaRPr lang="es-ES_tradnl"/>
           </a:p>
@@ -1847,7 +1848,7 @@
           <a:p>
             <a:fld id="{DC7435B9-0E12-0B4F-AEAD-4257853CAF9C}" type="datetimeFigureOut">
               <a:rPr lang="es-ES_tradnl" smtClean="0"/>
-              <a:t>23/11/24</a:t>
+              <a:t>30/11/24</a:t>
             </a:fld>
             <a:endParaRPr lang="es-ES_tradnl"/>
           </a:p>
@@ -1989,7 +1990,7 @@
           <a:p>
             <a:fld id="{DC7435B9-0E12-0B4F-AEAD-4257853CAF9C}" type="datetimeFigureOut">
               <a:rPr lang="es-ES_tradnl" smtClean="0"/>
-              <a:t>23/11/24</a:t>
+              <a:t>30/11/24</a:t>
             </a:fld>
             <a:endParaRPr lang="es-ES_tradnl"/>
           </a:p>
@@ -2102,7 +2103,7 @@
           <a:p>
             <a:fld id="{DC7435B9-0E12-0B4F-AEAD-4257853CAF9C}" type="datetimeFigureOut">
               <a:rPr lang="es-ES_tradnl" smtClean="0"/>
-              <a:t>23/11/24</a:t>
+              <a:t>30/11/24</a:t>
             </a:fld>
             <a:endParaRPr lang="es-ES_tradnl"/>
           </a:p>
@@ -2415,7 +2416,7 @@
           <a:p>
             <a:fld id="{DC7435B9-0E12-0B4F-AEAD-4257853CAF9C}" type="datetimeFigureOut">
               <a:rPr lang="es-ES_tradnl" smtClean="0"/>
-              <a:t>23/11/24</a:t>
+              <a:t>30/11/24</a:t>
             </a:fld>
             <a:endParaRPr lang="es-ES_tradnl"/>
           </a:p>
@@ -2704,7 +2705,7 @@
           <a:p>
             <a:fld id="{DC7435B9-0E12-0B4F-AEAD-4257853CAF9C}" type="datetimeFigureOut">
               <a:rPr lang="es-ES_tradnl" smtClean="0"/>
-              <a:t>23/11/24</a:t>
+              <a:t>30/11/24</a:t>
             </a:fld>
             <a:endParaRPr lang="es-ES_tradnl"/>
           </a:p>
@@ -2947,7 +2948,7 @@
           <a:p>
             <a:fld id="{DC7435B9-0E12-0B4F-AEAD-4257853CAF9C}" type="datetimeFigureOut">
               <a:rPr lang="es-ES_tradnl" smtClean="0"/>
-              <a:t>23/11/24</a:t>
+              <a:t>30/11/24</a:t>
             </a:fld>
             <a:endParaRPr lang="es-ES_tradnl"/>
           </a:p>
@@ -3415,7 +3416,15 @@
           <a:p>
             <a:r>
               <a:rPr lang="es-ES_tradnl" sz="3600" dirty="0"/>
-              <a:t>Pick, Pack and </a:t>
+              <a:t>Pick</a:t>
+            </a:r>
+            <a:r>
+              <a:rPr lang="es-ES_tradnl" sz="3600"/>
+              <a:t>, Pack </a:t>
+            </a:r>
+            <a:r>
+              <a:rPr lang="es-ES_tradnl" sz="3600" dirty="0"/>
+              <a:t>and </a:t>
             </a:r>
             <a:r>
               <a:rPr lang="es-ES_tradnl" sz="3600" dirty="0" err="1"/>
@@ -3591,8 +3600,8 @@
         </p:blipFill>
         <p:spPr>
           <a:xfrm>
-            <a:off x="635309" y="1072055"/>
-            <a:ext cx="2699313" cy="5548589"/>
+            <a:off x="635309" y="1072056"/>
+            <a:ext cx="2699313" cy="5548587"/>
           </a:xfrm>
           <a:prstGeom prst="rect">
             <a:avLst/>
@@ -3788,8 +3797,8 @@
         </p:blipFill>
         <p:spPr>
           <a:xfrm>
-            <a:off x="635309" y="1072055"/>
-            <a:ext cx="2699313" cy="5548589"/>
+            <a:off x="635309" y="1072056"/>
+            <a:ext cx="2699313" cy="5548587"/>
           </a:xfrm>
           <a:prstGeom prst="rect">
             <a:avLst/>
@@ -4373,8 +4382,8 @@
         </p:blipFill>
         <p:spPr>
           <a:xfrm>
-            <a:off x="635309" y="1072055"/>
-            <a:ext cx="2699313" cy="5548589"/>
+            <a:off x="635309" y="1072056"/>
+            <a:ext cx="2699313" cy="5548587"/>
           </a:xfrm>
           <a:prstGeom prst="rect">
             <a:avLst/>
@@ -4395,6 +4404,143 @@
 </file>
 
 <file path=ppt/slides/slide15.xml><?xml version="1.0" encoding="utf-8"?>
+<p:sld xmlns:a="http://schemas.openxmlformats.org/drawingml/2006/main" xmlns:r="http://schemas.openxmlformats.org/officeDocument/2006/relationships" xmlns:p="http://schemas.openxmlformats.org/presentationml/2006/main">
+  <p:cSld>
+    <p:spTree>
+      <p:nvGrpSpPr>
+        <p:cNvPr id="1" name="">
+          <a:extLst>
+            <a:ext uri="{FF2B5EF4-FFF2-40B4-BE49-F238E27FC236}">
+              <a16:creationId xmlns:a16="http://schemas.microsoft.com/office/drawing/2014/main" id="{139055DD-13DA-7A1F-7FA1-EB7AFDF957A2}"/>
+            </a:ext>
+          </a:extLst>
+        </p:cNvPr>
+        <p:cNvGrpSpPr/>
+        <p:nvPr/>
+      </p:nvGrpSpPr>
+      <p:grpSpPr>
+        <a:xfrm>
+          <a:off x="0" y="0"/>
+          <a:ext cx="0" cy="0"/>
+          <a:chOff x="0" y="0"/>
+          <a:chExt cx="0" cy="0"/>
+        </a:xfrm>
+      </p:grpSpPr>
+      <p:sp>
+        <p:nvSpPr>
+          <p:cNvPr id="2" name="Title 1">
+            <a:extLst>
+              <a:ext uri="{FF2B5EF4-FFF2-40B4-BE49-F238E27FC236}">
+                <a16:creationId xmlns:a16="http://schemas.microsoft.com/office/drawing/2014/main" id="{998966D2-D282-0F5B-1715-D91864FC4C04}"/>
+              </a:ext>
+            </a:extLst>
+          </p:cNvPr>
+          <p:cNvSpPr>
+            <a:spLocks noGrp="1"/>
+          </p:cNvSpPr>
+          <p:nvPr>
+            <p:ph type="title"/>
+          </p:nvPr>
+        </p:nvSpPr>
+        <p:spPr>
+          <a:xfrm>
+            <a:off x="249623" y="123388"/>
+            <a:ext cx="10515600" cy="791013"/>
+          </a:xfrm>
+        </p:spPr>
+        <p:txBody>
+          <a:bodyPr/>
+          <a:lstStyle/>
+          <a:p>
+            <a:r>
+              <a:rPr lang="es-ES_tradnl" dirty="0"/>
+              <a:t>Surtido, </a:t>
+            </a:r>
+            <a:r>
+              <a:rPr lang="es-ES_tradnl" sz="3200" dirty="0"/>
+              <a:t>Estacionar Transporte</a:t>
+            </a:r>
+          </a:p>
+        </p:txBody>
+      </p:sp>
+      <p:sp>
+        <p:nvSpPr>
+          <p:cNvPr id="3" name="Content Placeholder 2">
+            <a:extLst>
+              <a:ext uri="{FF2B5EF4-FFF2-40B4-BE49-F238E27FC236}">
+                <a16:creationId xmlns:a16="http://schemas.microsoft.com/office/drawing/2014/main" id="{853E14BB-439F-BF68-FBE6-FCD11775B228}"/>
+              </a:ext>
+            </a:extLst>
+          </p:cNvPr>
+          <p:cNvSpPr>
+            <a:spLocks noGrp="1"/>
+          </p:cNvSpPr>
+          <p:nvPr>
+            <p:ph idx="1"/>
+          </p:nvPr>
+        </p:nvSpPr>
+        <p:spPr>
+          <a:xfrm>
+            <a:off x="3594538" y="1072053"/>
+            <a:ext cx="8292661" cy="5548590"/>
+          </a:xfrm>
+        </p:spPr>
+        <p:txBody>
+          <a:bodyPr>
+            <a:normAutofit/>
+          </a:bodyPr>
+          <a:lstStyle/>
+          <a:p>
+            <a:r>
+              <a:rPr lang="es-ES_tradnl" dirty="0"/>
+              <a:t>Al terminar se debe de Continuar con otro Ciclo de Pedido.</a:t>
+            </a:r>
+          </a:p>
+        </p:txBody>
+      </p:sp>
+      <p:pic>
+        <p:nvPicPr>
+          <p:cNvPr id="5" name="Picture 4">
+            <a:extLst>
+              <a:ext uri="{FF2B5EF4-FFF2-40B4-BE49-F238E27FC236}">
+                <a16:creationId xmlns:a16="http://schemas.microsoft.com/office/drawing/2014/main" id="{8CC5CBAA-321B-081B-BFAF-8F989860F497}"/>
+              </a:ext>
+            </a:extLst>
+          </p:cNvPr>
+          <p:cNvPicPr>
+            <a:picLocks noChangeAspect="1"/>
+          </p:cNvPicPr>
+          <p:nvPr/>
+        </p:nvPicPr>
+        <p:blipFill>
+          <a:blip r:embed="rId2"/>
+          <a:srcRect/>
+          <a:stretch/>
+        </p:blipFill>
+        <p:spPr>
+          <a:xfrm>
+            <a:off x="635309" y="1072056"/>
+            <a:ext cx="2699312" cy="5548587"/>
+          </a:xfrm>
+          <a:prstGeom prst="rect">
+            <a:avLst/>
+          </a:prstGeom>
+        </p:spPr>
+      </p:pic>
+    </p:spTree>
+    <p:extLst>
+      <p:ext uri="{BB962C8B-B14F-4D97-AF65-F5344CB8AC3E}">
+        <p14:creationId xmlns:p14="http://schemas.microsoft.com/office/powerpoint/2010/main" val="1700142864"/>
+      </p:ext>
+    </p:extLst>
+  </p:cSld>
+  <p:clrMapOvr>
+    <a:masterClrMapping/>
+  </p:clrMapOvr>
+</p:sld>
+</file>
+
+<file path=ppt/slides/slide16.xml><?xml version="1.0" encoding="utf-8"?>
 <p:sld xmlns:a="http://schemas.openxmlformats.org/drawingml/2006/main" xmlns:r="http://schemas.openxmlformats.org/officeDocument/2006/relationships" xmlns:p="http://schemas.openxmlformats.org/presentationml/2006/main">
   <p:cSld>
     <p:spTree>
@@ -4424,7 +4570,7 @@
 </p:sld>
 </file>
 
-<file path=ppt/slides/slide16.xml><?xml version="1.0" encoding="utf-8"?>
+<file path=ppt/slides/slide17.xml><?xml version="1.0" encoding="utf-8"?>
 <p:sld xmlns:a="http://schemas.openxmlformats.org/drawingml/2006/main" xmlns:r="http://schemas.openxmlformats.org/officeDocument/2006/relationships" xmlns:p="http://schemas.openxmlformats.org/presentationml/2006/main">
   <p:cSld>
     <p:spTree>
@@ -4460,7 +4606,7 @@
 </p:sld>
 </file>
 
-<file path=ppt/slides/slide17.xml><?xml version="1.0" encoding="utf-8"?>
+<file path=ppt/slides/slide18.xml><?xml version="1.0" encoding="utf-8"?>
 <p:sld xmlns:a="http://schemas.openxmlformats.org/drawingml/2006/main" xmlns:r="http://schemas.openxmlformats.org/officeDocument/2006/relationships" xmlns:p="http://schemas.openxmlformats.org/presentationml/2006/main">
   <p:cSld>
     <p:spTree>
@@ -4845,7 +4991,7 @@
 </p:sld>
 </file>
 
-<file path=ppt/slides/slide18.xml><?xml version="1.0" encoding="utf-8"?>
+<file path=ppt/slides/slide19.xml><?xml version="1.0" encoding="utf-8"?>
 <p:sld xmlns:a="http://schemas.openxmlformats.org/drawingml/2006/main" xmlns:r="http://schemas.openxmlformats.org/officeDocument/2006/relationships" xmlns:p="http://schemas.openxmlformats.org/presentationml/2006/main">
   <p:cSld>
     <p:spTree>
@@ -6430,7 +6576,7 @@
       </p:sp>
       <p:pic>
         <p:nvPicPr>
-          <p:cNvPr id="5" name="Picture 4" descr="A screenshot of a phone&#10;&#10;Description automatically generated">
+          <p:cNvPr id="5" name="Picture 4">
             <a:extLst>
               <a:ext uri="{FF2B5EF4-FFF2-40B4-BE49-F238E27FC236}">
                 <a16:creationId xmlns:a16="http://schemas.microsoft.com/office/drawing/2014/main" id="{9CD49418-BFE0-CAB0-01DE-805EC6299D7A}"/>
@@ -6444,14 +6590,13 @@
         </p:nvPicPr>
         <p:blipFill>
           <a:blip r:embed="rId2"/>
-          <a:stretch>
-            <a:fillRect/>
-          </a:stretch>
+          <a:srcRect/>
+          <a:stretch/>
         </p:blipFill>
         <p:spPr>
           <a:xfrm>
             <a:off x="635309" y="1072055"/>
-            <a:ext cx="2699314" cy="5548590"/>
+            <a:ext cx="2699314" cy="5548589"/>
           </a:xfrm>
           <a:prstGeom prst="rect">
             <a:avLst/>
@@ -6656,7 +6801,7 @@
         <p:spPr>
           <a:xfrm>
             <a:off x="635309" y="1072055"/>
-            <a:ext cx="2699314" cy="5548589"/>
+            <a:ext cx="2699313" cy="5548589"/>
           </a:xfrm>
           <a:prstGeom prst="rect">
             <a:avLst/>
@@ -6822,7 +6967,7 @@
         <p:spPr>
           <a:xfrm>
             <a:off x="635309" y="1072056"/>
-            <a:ext cx="2699313" cy="5548587"/>
+            <a:ext cx="2699312" cy="5548587"/>
           </a:xfrm>
           <a:prstGeom prst="rect">
             <a:avLst/>
@@ -6980,7 +7125,7 @@
         <p:spPr>
           <a:xfrm>
             <a:off x="635309" y="1072056"/>
-            <a:ext cx="2699313" cy="5548587"/>
+            <a:ext cx="2699312" cy="5548587"/>
           </a:xfrm>
           <a:prstGeom prst="rect">
             <a:avLst/>
@@ -7190,8 +7335,8 @@
         </p:blipFill>
         <p:spPr>
           <a:xfrm>
-            <a:off x="635309" y="1072056"/>
-            <a:ext cx="2699312" cy="5548587"/>
+            <a:off x="635309" y="1072057"/>
+            <a:ext cx="2699312" cy="5548585"/>
           </a:xfrm>
           <a:prstGeom prst="rect">
             <a:avLst/>
@@ -7373,8 +7518,8 @@
         </p:blipFill>
         <p:spPr>
           <a:xfrm>
-            <a:off x="635309" y="1072056"/>
-            <a:ext cx="2699312" cy="5548587"/>
+            <a:off x="635309" y="1072057"/>
+            <a:ext cx="2699312" cy="5548585"/>
           </a:xfrm>
           <a:prstGeom prst="rect">
             <a:avLst/>
@@ -7636,7 +7781,7 @@
         <p:spPr>
           <a:xfrm>
             <a:off x="635309" y="1072057"/>
-            <a:ext cx="2699312" cy="5548585"/>
+            <a:ext cx="2699311" cy="5548585"/>
           </a:xfrm>
           <a:prstGeom prst="rect">
             <a:avLst/>
@@ -7793,8 +7938,8 @@
         </p:blipFill>
         <p:spPr>
           <a:xfrm>
-            <a:off x="635309" y="1072055"/>
-            <a:ext cx="2699313" cy="5548589"/>
+            <a:off x="635309" y="1072056"/>
+            <a:ext cx="2699313" cy="5548587"/>
           </a:xfrm>
           <a:prstGeom prst="rect">
             <a:avLst/>

--- a/atCloud - Diseño - Interfaz de Usuario - Surtido.pptx
+++ b/atCloud - Diseño - Interfaz de Usuario - Surtido.pptx
@@ -18,12 +18,13 @@
     <p:sldId id="270" r:id="rId12"/>
     <p:sldId id="280" r:id="rId13"/>
     <p:sldId id="281" r:id="rId14"/>
-    <p:sldId id="273" r:id="rId15"/>
-    <p:sldId id="282" r:id="rId16"/>
-    <p:sldId id="274" r:id="rId17"/>
-    <p:sldId id="279" r:id="rId18"/>
-    <p:sldId id="275" r:id="rId19"/>
-    <p:sldId id="276" r:id="rId20"/>
+    <p:sldId id="283" r:id="rId15"/>
+    <p:sldId id="273" r:id="rId16"/>
+    <p:sldId id="282" r:id="rId17"/>
+    <p:sldId id="274" r:id="rId18"/>
+    <p:sldId id="279" r:id="rId19"/>
+    <p:sldId id="275" r:id="rId20"/>
+    <p:sldId id="276" r:id="rId21"/>
   </p:sldIdLst>
   <p:sldSz cx="12192000" cy="6858000"/>
   <p:notesSz cx="6858000" cy="9144000"/>
@@ -279,7 +280,7 @@
           <a:p>
             <a:fld id="{DC7435B9-0E12-0B4F-AEAD-4257853CAF9C}" type="datetimeFigureOut">
               <a:rPr lang="es-ES_tradnl" smtClean="0"/>
-              <a:t>30/11/24</a:t>
+              <a:t>05/12/2024</a:t>
             </a:fld>
             <a:endParaRPr lang="es-ES_tradnl"/>
           </a:p>
@@ -333,7 +334,7 @@
           <a:p>
             <a:fld id="{6A7E3C01-73D7-3748-9324-A147AC9D3048}" type="slidenum">
               <a:rPr lang="es-ES_tradnl" smtClean="0"/>
-              <a:t>‹#›</a:t>
+              <a:t>‹Nº›</a:t>
             </a:fld>
             <a:endParaRPr lang="es-ES_tradnl"/>
           </a:p>
@@ -479,7 +480,7 @@
           <a:p>
             <a:fld id="{DC7435B9-0E12-0B4F-AEAD-4257853CAF9C}" type="datetimeFigureOut">
               <a:rPr lang="es-ES_tradnl" smtClean="0"/>
-              <a:t>30/11/24</a:t>
+              <a:t>05/12/2024</a:t>
             </a:fld>
             <a:endParaRPr lang="es-ES_tradnl"/>
           </a:p>
@@ -533,7 +534,7 @@
           <a:p>
             <a:fld id="{6A7E3C01-73D7-3748-9324-A147AC9D3048}" type="slidenum">
               <a:rPr lang="es-ES_tradnl" smtClean="0"/>
-              <a:t>‹#›</a:t>
+              <a:t>‹Nº›</a:t>
             </a:fld>
             <a:endParaRPr lang="es-ES_tradnl"/>
           </a:p>
@@ -689,7 +690,7 @@
           <a:p>
             <a:fld id="{DC7435B9-0E12-0B4F-AEAD-4257853CAF9C}" type="datetimeFigureOut">
               <a:rPr lang="es-ES_tradnl" smtClean="0"/>
-              <a:t>30/11/24</a:t>
+              <a:t>05/12/2024</a:t>
             </a:fld>
             <a:endParaRPr lang="es-ES_tradnl"/>
           </a:p>
@@ -743,7 +744,7 @@
           <a:p>
             <a:fld id="{6A7E3C01-73D7-3748-9324-A147AC9D3048}" type="slidenum">
               <a:rPr lang="es-ES_tradnl" smtClean="0"/>
-              <a:t>‹#›</a:t>
+              <a:t>‹Nº›</a:t>
             </a:fld>
             <a:endParaRPr lang="es-ES_tradnl"/>
           </a:p>
@@ -889,7 +890,7 @@
           <a:p>
             <a:fld id="{DC7435B9-0E12-0B4F-AEAD-4257853CAF9C}" type="datetimeFigureOut">
               <a:rPr lang="es-ES_tradnl" smtClean="0"/>
-              <a:t>30/11/24</a:t>
+              <a:t>05/12/2024</a:t>
             </a:fld>
             <a:endParaRPr lang="es-ES_tradnl"/>
           </a:p>
@@ -943,7 +944,7 @@
           <a:p>
             <a:fld id="{6A7E3C01-73D7-3748-9324-A147AC9D3048}" type="slidenum">
               <a:rPr lang="es-ES_tradnl" smtClean="0"/>
-              <a:t>‹#›</a:t>
+              <a:t>‹Nº›</a:t>
             </a:fld>
             <a:endParaRPr lang="es-ES_tradnl"/>
           </a:p>
@@ -1165,7 +1166,7 @@
           <a:p>
             <a:fld id="{DC7435B9-0E12-0B4F-AEAD-4257853CAF9C}" type="datetimeFigureOut">
               <a:rPr lang="es-ES_tradnl" smtClean="0"/>
-              <a:t>30/11/24</a:t>
+              <a:t>05/12/2024</a:t>
             </a:fld>
             <a:endParaRPr lang="es-ES_tradnl"/>
           </a:p>
@@ -1219,7 +1220,7 @@
           <a:p>
             <a:fld id="{6A7E3C01-73D7-3748-9324-A147AC9D3048}" type="slidenum">
               <a:rPr lang="es-ES_tradnl" smtClean="0"/>
-              <a:t>‹#›</a:t>
+              <a:t>‹Nº›</a:t>
             </a:fld>
             <a:endParaRPr lang="es-ES_tradnl"/>
           </a:p>
@@ -1433,7 +1434,7 @@
           <a:p>
             <a:fld id="{DC7435B9-0E12-0B4F-AEAD-4257853CAF9C}" type="datetimeFigureOut">
               <a:rPr lang="es-ES_tradnl" smtClean="0"/>
-              <a:t>30/11/24</a:t>
+              <a:t>05/12/2024</a:t>
             </a:fld>
             <a:endParaRPr lang="es-ES_tradnl"/>
           </a:p>
@@ -1487,7 +1488,7 @@
           <a:p>
             <a:fld id="{6A7E3C01-73D7-3748-9324-A147AC9D3048}" type="slidenum">
               <a:rPr lang="es-ES_tradnl" smtClean="0"/>
-              <a:t>‹#›</a:t>
+              <a:t>‹Nº›</a:t>
             </a:fld>
             <a:endParaRPr lang="es-ES_tradnl"/>
           </a:p>
@@ -1848,7 +1849,7 @@
           <a:p>
             <a:fld id="{DC7435B9-0E12-0B4F-AEAD-4257853CAF9C}" type="datetimeFigureOut">
               <a:rPr lang="es-ES_tradnl" smtClean="0"/>
-              <a:t>30/11/24</a:t>
+              <a:t>05/12/2024</a:t>
             </a:fld>
             <a:endParaRPr lang="es-ES_tradnl"/>
           </a:p>
@@ -1902,7 +1903,7 @@
           <a:p>
             <a:fld id="{6A7E3C01-73D7-3748-9324-A147AC9D3048}" type="slidenum">
               <a:rPr lang="es-ES_tradnl" smtClean="0"/>
-              <a:t>‹#›</a:t>
+              <a:t>‹Nº›</a:t>
             </a:fld>
             <a:endParaRPr lang="es-ES_tradnl"/>
           </a:p>
@@ -1990,7 +1991,7 @@
           <a:p>
             <a:fld id="{DC7435B9-0E12-0B4F-AEAD-4257853CAF9C}" type="datetimeFigureOut">
               <a:rPr lang="es-ES_tradnl" smtClean="0"/>
-              <a:t>30/11/24</a:t>
+              <a:t>05/12/2024</a:t>
             </a:fld>
             <a:endParaRPr lang="es-ES_tradnl"/>
           </a:p>
@@ -2044,7 +2045,7 @@
           <a:p>
             <a:fld id="{6A7E3C01-73D7-3748-9324-A147AC9D3048}" type="slidenum">
               <a:rPr lang="es-ES_tradnl" smtClean="0"/>
-              <a:t>‹#›</a:t>
+              <a:t>‹Nº›</a:t>
             </a:fld>
             <a:endParaRPr lang="es-ES_tradnl"/>
           </a:p>
@@ -2103,7 +2104,7 @@
           <a:p>
             <a:fld id="{DC7435B9-0E12-0B4F-AEAD-4257853CAF9C}" type="datetimeFigureOut">
               <a:rPr lang="es-ES_tradnl" smtClean="0"/>
-              <a:t>30/11/24</a:t>
+              <a:t>05/12/2024</a:t>
             </a:fld>
             <a:endParaRPr lang="es-ES_tradnl"/>
           </a:p>
@@ -2157,7 +2158,7 @@
           <a:p>
             <a:fld id="{6A7E3C01-73D7-3748-9324-A147AC9D3048}" type="slidenum">
               <a:rPr lang="es-ES_tradnl" smtClean="0"/>
-              <a:t>‹#›</a:t>
+              <a:t>‹Nº›</a:t>
             </a:fld>
             <a:endParaRPr lang="es-ES_tradnl"/>
           </a:p>
@@ -2416,7 +2417,7 @@
           <a:p>
             <a:fld id="{DC7435B9-0E12-0B4F-AEAD-4257853CAF9C}" type="datetimeFigureOut">
               <a:rPr lang="es-ES_tradnl" smtClean="0"/>
-              <a:t>30/11/24</a:t>
+              <a:t>05/12/2024</a:t>
             </a:fld>
             <a:endParaRPr lang="es-ES_tradnl"/>
           </a:p>
@@ -2470,7 +2471,7 @@
           <a:p>
             <a:fld id="{6A7E3C01-73D7-3748-9324-A147AC9D3048}" type="slidenum">
               <a:rPr lang="es-ES_tradnl" smtClean="0"/>
-              <a:t>‹#›</a:t>
+              <a:t>‹Nº›</a:t>
             </a:fld>
             <a:endParaRPr lang="es-ES_tradnl"/>
           </a:p>
@@ -2705,7 +2706,7 @@
           <a:p>
             <a:fld id="{DC7435B9-0E12-0B4F-AEAD-4257853CAF9C}" type="datetimeFigureOut">
               <a:rPr lang="es-ES_tradnl" smtClean="0"/>
-              <a:t>30/11/24</a:t>
+              <a:t>05/12/2024</a:t>
             </a:fld>
             <a:endParaRPr lang="es-ES_tradnl"/>
           </a:p>
@@ -2759,7 +2760,7 @@
           <a:p>
             <a:fld id="{6A7E3C01-73D7-3748-9324-A147AC9D3048}" type="slidenum">
               <a:rPr lang="es-ES_tradnl" smtClean="0"/>
-              <a:t>‹#›</a:t>
+              <a:t>‹Nº›</a:t>
             </a:fld>
             <a:endParaRPr lang="es-ES_tradnl"/>
           </a:p>
@@ -2948,7 +2949,7 @@
           <a:p>
             <a:fld id="{DC7435B9-0E12-0B4F-AEAD-4257853CAF9C}" type="datetimeFigureOut">
               <a:rPr lang="es-ES_tradnl" smtClean="0"/>
-              <a:t>30/11/24</a:t>
+              <a:t>05/12/2024</a:t>
             </a:fld>
             <a:endParaRPr lang="es-ES_tradnl"/>
           </a:p>
@@ -3038,7 +3039,7 @@
           <a:p>
             <a:fld id="{6A7E3C01-73D7-3748-9324-A147AC9D3048}" type="slidenum">
               <a:rPr lang="es-ES_tradnl" smtClean="0"/>
-              <a:t>‹#›</a:t>
+              <a:t>‹Nº›</a:t>
             </a:fld>
             <a:endParaRPr lang="es-ES_tradnl"/>
           </a:p>
@@ -3920,7 +3921,7 @@
           <a:p>
             <a:r>
               <a:rPr lang="es-ES_tradnl" dirty="0"/>
-              <a:t>El Transporte debe de heredar el indicador de 'traspaleo' del Bloque.</a:t>
+              <a:t>El Transporte debe de heredar el indicador de 'traspaleo' del Bloque o heredar el indicador de 'traspaleo' del Transporte.</a:t>
             </a:r>
           </a:p>
           <a:p>
@@ -3964,8 +3965,8 @@
         </p:blipFill>
         <p:spPr>
           <a:xfrm>
-            <a:off x="635309" y="1072055"/>
-            <a:ext cx="2699314" cy="5548589"/>
+            <a:off x="635309" y="1446959"/>
+            <a:ext cx="2699314" cy="4798780"/>
           </a:xfrm>
           <a:prstGeom prst="rect">
             <a:avLst/>
@@ -4040,7 +4041,7 @@
             </a:r>
             <a:r>
               <a:rPr lang="es-ES_tradnl" sz="3200" dirty="0"/>
-              <a:t>Traspaleo</a:t>
+              <a:t>Actividad Traspaleo</a:t>
             </a:r>
           </a:p>
         </p:txBody>
@@ -4069,39 +4070,31 @@
         </p:spPr>
         <p:txBody>
           <a:bodyPr>
-            <a:normAutofit fontScale="92500" lnSpcReduction="10000"/>
+            <a:normAutofit lnSpcReduction="10000"/>
           </a:bodyPr>
           <a:lstStyle/>
           <a:p>
             <a:r>
               <a:rPr lang="es-ES_tradnl" dirty="0"/>
-              <a:t>El 'traspaleo' es pasar los bultos a otro Transporte que tiene Contenedores Consolidados.</a:t>
-            </a:r>
-          </a:p>
-          <a:p>
-            <a:r>
-              <a:rPr lang="es-ES_tradnl" dirty="0"/>
-              <a:t>El Transporte que tiene los Contenedores Consolidados se asignó en algún momento previo.</a:t>
-            </a:r>
-          </a:p>
-          <a:p>
-            <a:r>
-              <a:rPr lang="es-ES_tradnl" dirty="0"/>
-              <a:t>En ese momento también se le asignan Contenedores Consolidados (puede ser en el mismo </a:t>
+              <a:t>El 'traspaleo' es pasar los bultos (o los Contenedores completos) a otro Transporte.</a:t>
+            </a:r>
+          </a:p>
+          <a:p>
+            <a:r>
+              <a:rPr lang="es-ES_tradnl" dirty="0"/>
+              <a:t>El Transporte para traspalear se asignó en algún momento previo (puede ser dentro del mismo </a:t>
             </a:r>
             <a:r>
               <a:rPr lang="es-ES_tradnl" i="1" dirty="0" err="1"/>
-              <a:t>fragment</a:t>
-            </a:r>
-            <a:r>
-              <a:rPr lang="es-ES_tradnl" dirty="0"/>
-              <a:t>, el Surtidor abre este Transporte para hacer el Traspaleo).</a:t>
-            </a:r>
-          </a:p>
-          <a:p>
-            <a:r>
-              <a:rPr lang="es-ES_tradnl" dirty="0"/>
-              <a:t>Posteriormente el </a:t>
+              <a:t>activity</a:t>
+            </a:r>
+            <a:r>
+              <a:rPr lang="es-ES_tradnl" i="1" dirty="0"/>
+              <a:t>;</a:t>
+            </a:r>
+            <a:r>
+              <a:rPr lang="es-ES_tradnl" dirty="0"/>
+              <a:t> el </a:t>
             </a:r>
             <a:r>
               <a:rPr lang="es-ES_tradnl" dirty="0" err="1"/>
@@ -4109,7 +4102,35 @@
             </a:r>
             <a:r>
               <a:rPr lang="es-ES_tradnl" dirty="0"/>
-              <a:t> es quien lleva este Transporte al Estacionamiento del </a:t>
+              <a:t> puede abrir un nuevo Transporte para hacer el Traspaleo).</a:t>
+            </a:r>
+          </a:p>
+          <a:p>
+            <a:r>
+              <a:rPr lang="es-ES_tradnl" dirty="0"/>
+              <a:t>En ese momento también se pueden asignar Contenedores (el </a:t>
+            </a:r>
+            <a:r>
+              <a:rPr lang="es-ES_tradnl" dirty="0" err="1"/>
+              <a:t>Traspaleador</a:t>
+            </a:r>
+            <a:r>
+              <a:rPr lang="es-ES_tradnl" dirty="0"/>
+              <a:t> puede agregar más Contenedores conforme se necesite).</a:t>
+            </a:r>
+          </a:p>
+          <a:p>
+            <a:r>
+              <a:rPr lang="es-ES_tradnl" dirty="0"/>
+              <a:t>Al terminar de 'traspalear' todos los Bultos de todos los Contenedores, el </a:t>
+            </a:r>
+            <a:r>
+              <a:rPr lang="es-ES_tradnl" dirty="0" err="1"/>
+              <a:t>Traspaleador</a:t>
+            </a:r>
+            <a:r>
+              <a:rPr lang="es-ES_tradnl" dirty="0"/>
+              <a:t> puede Liberar el Transporte que uso para Traspalear. La liberación del Transporte ocurre al llevarlo a estacionar en el Estacionamiento del </a:t>
             </a:r>
             <a:r>
               <a:rPr lang="es-ES_tradnl" dirty="0" err="1"/>
@@ -4123,13 +4144,7 @@
           <a:p>
             <a:r>
               <a:rPr lang="es-ES_tradnl" dirty="0"/>
-              <a:t>Al terminar de 'traspalear' todos los Bultos, el Surtidor Libera el Transporte que uso para Surtir.</a:t>
-            </a:r>
-          </a:p>
-          <a:p>
-            <a:r>
-              <a:rPr lang="es-ES_tradnl" dirty="0"/>
-              <a:t>Este Transporte lo puede usar nuevamente para otro ciclo de Surtido, o lo regresa a el área de Transportes Liberados.</a:t>
+              <a:t>Al liberar el Transporte, el Transporte se puede usar nuevamente para otro ciclo de Traspaleo.</a:t>
             </a:r>
           </a:p>
           <a:p>
@@ -4139,7 +4154,7 @@
             </a:r>
             <a:r>
               <a:rPr lang="es-ES_tradnl" i="1" dirty="0" err="1"/>
-              <a:t>stage</a:t>
+              <a:t>activity</a:t>
             </a:r>
             <a:r>
               <a:rPr lang="es-ES_tradnl" dirty="0"/>
@@ -4171,6 +4186,200 @@
 </file>
 
 <file path=ppt/slides/slide14.xml><?xml version="1.0" encoding="utf-8"?>
+<p:sld xmlns:a="http://schemas.openxmlformats.org/drawingml/2006/main" xmlns:r="http://schemas.openxmlformats.org/officeDocument/2006/relationships" xmlns:p="http://schemas.openxmlformats.org/presentationml/2006/main">
+  <p:cSld>
+    <p:spTree>
+      <p:nvGrpSpPr>
+        <p:cNvPr id="1" name="">
+          <a:extLst>
+            <a:ext uri="{FF2B5EF4-FFF2-40B4-BE49-F238E27FC236}">
+              <a16:creationId xmlns:a16="http://schemas.microsoft.com/office/drawing/2014/main" id="{5AA386F0-4221-1A8A-79CD-D31966983E00}"/>
+            </a:ext>
+          </a:extLst>
+        </p:cNvPr>
+        <p:cNvGrpSpPr/>
+        <p:nvPr/>
+      </p:nvGrpSpPr>
+      <p:grpSpPr>
+        <a:xfrm>
+          <a:off x="0" y="0"/>
+          <a:ext cx="0" cy="0"/>
+          <a:chOff x="0" y="0"/>
+          <a:chExt cx="0" cy="0"/>
+        </a:xfrm>
+      </p:grpSpPr>
+      <p:sp>
+        <p:nvSpPr>
+          <p:cNvPr id="2" name="Title 1">
+            <a:extLst>
+              <a:ext uri="{FF2B5EF4-FFF2-40B4-BE49-F238E27FC236}">
+                <a16:creationId xmlns:a16="http://schemas.microsoft.com/office/drawing/2014/main" id="{A7D2F3A3-9CF1-4802-18FE-F64898451969}"/>
+              </a:ext>
+            </a:extLst>
+          </p:cNvPr>
+          <p:cNvSpPr>
+            <a:spLocks noGrp="1"/>
+          </p:cNvSpPr>
+          <p:nvPr>
+            <p:ph type="title"/>
+          </p:nvPr>
+        </p:nvSpPr>
+        <p:spPr>
+          <a:xfrm>
+            <a:off x="249623" y="123388"/>
+            <a:ext cx="10515600" cy="791013"/>
+          </a:xfrm>
+        </p:spPr>
+        <p:txBody>
+          <a:bodyPr/>
+          <a:lstStyle/>
+          <a:p>
+            <a:r>
+              <a:rPr lang="es-ES_tradnl" dirty="0"/>
+              <a:t>Surtido, </a:t>
+            </a:r>
+            <a:r>
+              <a:rPr lang="es-ES_tradnl" sz="3200" dirty="0"/>
+              <a:t>Traspaleo de Surtido</a:t>
+            </a:r>
+          </a:p>
+        </p:txBody>
+      </p:sp>
+      <p:sp>
+        <p:nvSpPr>
+          <p:cNvPr id="3" name="Content Placeholder 2">
+            <a:extLst>
+              <a:ext uri="{FF2B5EF4-FFF2-40B4-BE49-F238E27FC236}">
+                <a16:creationId xmlns:a16="http://schemas.microsoft.com/office/drawing/2014/main" id="{993550C2-F0FB-F643-A161-4FFC110D3A55}"/>
+              </a:ext>
+            </a:extLst>
+          </p:cNvPr>
+          <p:cNvSpPr>
+            <a:spLocks noGrp="1"/>
+          </p:cNvSpPr>
+          <p:nvPr>
+            <p:ph idx="1"/>
+          </p:nvPr>
+        </p:nvSpPr>
+        <p:spPr>
+          <a:xfrm>
+            <a:off x="249624" y="1072053"/>
+            <a:ext cx="11637576" cy="5548590"/>
+          </a:xfrm>
+        </p:spPr>
+        <p:txBody>
+          <a:bodyPr>
+            <a:normAutofit/>
+          </a:bodyPr>
+          <a:lstStyle/>
+          <a:p>
+            <a:r>
+              <a:rPr lang="es-ES_tradnl" dirty="0"/>
+              <a:t>Si el 'traspaleo’ ocurre en el Surtido, el Surtidor es quien realiza el traspaleo de su Transporte que uso para el Surtido.</a:t>
+            </a:r>
+          </a:p>
+          <a:p>
+            <a:r>
+              <a:rPr lang="es-ES_tradnl" dirty="0"/>
+              <a:t>Dentro del </a:t>
+            </a:r>
+            <a:r>
+              <a:rPr lang="es-ES_tradnl" i="1" dirty="0" err="1"/>
+              <a:t>activity</a:t>
+            </a:r>
+            <a:r>
+              <a:rPr lang="es-ES_tradnl" i="1" dirty="0"/>
+              <a:t> </a:t>
+            </a:r>
+            <a:r>
+              <a:rPr lang="es-ES_tradnl" dirty="0"/>
+              <a:t>de Surtido en el </a:t>
+            </a:r>
+            <a:r>
+              <a:rPr lang="es-ES_tradnl" i="1" dirty="0" err="1"/>
+              <a:t>stage</a:t>
+            </a:r>
+            <a:r>
+              <a:rPr lang="es-ES_tradnl" dirty="0"/>
+              <a:t> de Traspaleo, se llama al </a:t>
+            </a:r>
+            <a:r>
+              <a:rPr lang="es-ES_tradnl" i="1" dirty="0" err="1"/>
+              <a:t>activity</a:t>
+            </a:r>
+            <a:r>
+              <a:rPr lang="es-ES_tradnl" dirty="0"/>
+              <a:t> de Traspaleo y espera el regreso para determinar si ya se traspaleo todo.</a:t>
+            </a:r>
+          </a:p>
+          <a:p>
+            <a:r>
+              <a:rPr lang="es-ES_tradnl" dirty="0"/>
+              <a:t>Al llamar al </a:t>
+            </a:r>
+            <a:r>
+              <a:rPr lang="es-ES_tradnl" i="1" dirty="0" err="1"/>
+              <a:t>activity</a:t>
+            </a:r>
+            <a:r>
+              <a:rPr lang="es-ES_tradnl" i="1" dirty="0"/>
+              <a:t> </a:t>
+            </a:r>
+            <a:r>
+              <a:rPr lang="es-ES_tradnl" dirty="0"/>
+              <a:t>de Traspaleo se pasa el Transporte usado en Surtido.</a:t>
+            </a:r>
+          </a:p>
+          <a:p>
+            <a:r>
+              <a:rPr lang="es-ES_tradnl" dirty="0"/>
+              <a:t>Al terminar de 'traspalear’ el Transporte que se usó para el Surtido, se debe de Liberar para poderse usar nuevamente en otro ciclo de Surtido. </a:t>
+            </a:r>
+            <a:r>
+              <a:rPr lang="es-ES_tradnl" sz="2400" dirty="0"/>
+              <a:t>Nota: No es estrictamente necesario que el Surtidor regrese el Transporte al área de Transportes Liberados, se puede quedar con ese mismo transporte para continuar con otro ciclo de Surtido.</a:t>
+            </a:r>
+            <a:endParaRPr lang="es-ES_tradnl" dirty="0"/>
+          </a:p>
+          <a:p>
+            <a:r>
+              <a:rPr lang="es-ES_tradnl" dirty="0"/>
+              <a:t>Todo esto ocurre en el </a:t>
+            </a:r>
+            <a:r>
+              <a:rPr lang="es-ES_tradnl" i="1" dirty="0" err="1"/>
+              <a:t>stage</a:t>
+            </a:r>
+            <a:r>
+              <a:rPr lang="es-ES_tradnl" dirty="0"/>
+              <a:t> de Traspaleo. </a:t>
+            </a:r>
+          </a:p>
+          <a:p>
+            <a:endParaRPr lang="es-ES_tradnl" dirty="0"/>
+          </a:p>
+          <a:p>
+            <a:endParaRPr lang="es-ES_tradnl" dirty="0"/>
+          </a:p>
+          <a:p>
+            <a:endParaRPr lang="es-ES_tradnl" dirty="0"/>
+          </a:p>
+        </p:txBody>
+      </p:sp>
+    </p:spTree>
+    <p:extLst>
+      <p:ext uri="{BB962C8B-B14F-4D97-AF65-F5344CB8AC3E}">
+        <p14:creationId xmlns:p14="http://schemas.microsoft.com/office/powerpoint/2010/main" val="2984580301"/>
+      </p:ext>
+    </p:extLst>
+  </p:cSld>
+  <p:clrMapOvr>
+    <a:masterClrMapping/>
+  </p:clrMapOvr>
+</p:sld>
+</file>
+
+<file path=ppt/slides/slide15.xml><?xml version="1.0" encoding="utf-8"?>
 <p:sld xmlns:a="http://schemas.openxmlformats.org/drawingml/2006/main" xmlns:r="http://schemas.openxmlformats.org/officeDocument/2006/relationships" xmlns:p="http://schemas.openxmlformats.org/presentationml/2006/main">
   <p:cSld>
     <p:spTree>
@@ -4403,7 +4612,7 @@
 </p:sld>
 </file>
 
-<file path=ppt/slides/slide15.xml><?xml version="1.0" encoding="utf-8"?>
+<file path=ppt/slides/slide16.xml><?xml version="1.0" encoding="utf-8"?>
 <p:sld xmlns:a="http://schemas.openxmlformats.org/drawingml/2006/main" xmlns:r="http://schemas.openxmlformats.org/officeDocument/2006/relationships" xmlns:p="http://schemas.openxmlformats.org/presentationml/2006/main">
   <p:cSld>
     <p:spTree>
@@ -4540,7 +4749,7 @@
 </p:sld>
 </file>
 
-<file path=ppt/slides/slide16.xml><?xml version="1.0" encoding="utf-8"?>
+<file path=ppt/slides/slide17.xml><?xml version="1.0" encoding="utf-8"?>
 <p:sld xmlns:a="http://schemas.openxmlformats.org/drawingml/2006/main" xmlns:r="http://schemas.openxmlformats.org/officeDocument/2006/relationships" xmlns:p="http://schemas.openxmlformats.org/presentationml/2006/main">
   <p:cSld>
     <p:spTree>
@@ -4570,7 +4779,7 @@
 </p:sld>
 </file>
 
-<file path=ppt/slides/slide17.xml><?xml version="1.0" encoding="utf-8"?>
+<file path=ppt/slides/slide18.xml><?xml version="1.0" encoding="utf-8"?>
 <p:sld xmlns:a="http://schemas.openxmlformats.org/drawingml/2006/main" xmlns:r="http://schemas.openxmlformats.org/officeDocument/2006/relationships" xmlns:p="http://schemas.openxmlformats.org/presentationml/2006/main">
   <p:cSld>
     <p:spTree>
@@ -4606,7 +4815,7 @@
 </p:sld>
 </file>
 
-<file path=ppt/slides/slide18.xml><?xml version="1.0" encoding="utf-8"?>
+<file path=ppt/slides/slide19.xml><?xml version="1.0" encoding="utf-8"?>
 <p:sld xmlns:a="http://schemas.openxmlformats.org/drawingml/2006/main" xmlns:r="http://schemas.openxmlformats.org/officeDocument/2006/relationships" xmlns:p="http://schemas.openxmlformats.org/presentationml/2006/main">
   <p:cSld>
     <p:spTree>
@@ -4991,7 +5200,170 @@
 </p:sld>
 </file>
 
-<file path=ppt/slides/slide19.xml><?xml version="1.0" encoding="utf-8"?>
+<file path=ppt/slides/slide2.xml><?xml version="1.0" encoding="utf-8"?>
+<p:sld xmlns:a="http://schemas.openxmlformats.org/drawingml/2006/main" xmlns:r="http://schemas.openxmlformats.org/officeDocument/2006/relationships" xmlns:p="http://schemas.openxmlformats.org/presentationml/2006/main">
+  <p:cSld>
+    <p:spTree>
+      <p:nvGrpSpPr>
+        <p:cNvPr id="1" name="">
+          <a:extLst>
+            <a:ext uri="{FF2B5EF4-FFF2-40B4-BE49-F238E27FC236}">
+              <a16:creationId xmlns:a16="http://schemas.microsoft.com/office/drawing/2014/main" id="{63FF43EC-25F1-94CF-004E-9942C164DA5B}"/>
+            </a:ext>
+          </a:extLst>
+        </p:cNvPr>
+        <p:cNvGrpSpPr/>
+        <p:nvPr/>
+      </p:nvGrpSpPr>
+      <p:grpSpPr>
+        <a:xfrm>
+          <a:off x="0" y="0"/>
+          <a:ext cx="0" cy="0"/>
+          <a:chOff x="0" y="0"/>
+          <a:chExt cx="0" cy="0"/>
+        </a:xfrm>
+      </p:grpSpPr>
+      <p:sp>
+        <p:nvSpPr>
+          <p:cNvPr id="2" name="Title 1">
+            <a:extLst>
+              <a:ext uri="{FF2B5EF4-FFF2-40B4-BE49-F238E27FC236}">
+                <a16:creationId xmlns:a16="http://schemas.microsoft.com/office/drawing/2014/main" id="{03FB040C-8D05-0FE4-227E-91FCA6FF1F45}"/>
+              </a:ext>
+            </a:extLst>
+          </p:cNvPr>
+          <p:cNvSpPr>
+            <a:spLocks noGrp="1"/>
+          </p:cNvSpPr>
+          <p:nvPr>
+            <p:ph type="title"/>
+          </p:nvPr>
+        </p:nvSpPr>
+        <p:spPr>
+          <a:xfrm>
+            <a:off x="249623" y="123388"/>
+            <a:ext cx="10515600" cy="791013"/>
+          </a:xfrm>
+        </p:spPr>
+        <p:txBody>
+          <a:bodyPr/>
+          <a:lstStyle/>
+          <a:p>
+            <a:r>
+              <a:rPr lang="es-ES_tradnl" dirty="0"/>
+              <a:t>Surtido, </a:t>
+            </a:r>
+            <a:r>
+              <a:rPr lang="es-ES_tradnl" sz="3200" dirty="0"/>
+              <a:t>Valida Bloque Inventario</a:t>
+            </a:r>
+          </a:p>
+        </p:txBody>
+      </p:sp>
+      <p:sp>
+        <p:nvSpPr>
+          <p:cNvPr id="3" name="Content Placeholder 2">
+            <a:extLst>
+              <a:ext uri="{FF2B5EF4-FFF2-40B4-BE49-F238E27FC236}">
+                <a16:creationId xmlns:a16="http://schemas.microsoft.com/office/drawing/2014/main" id="{335B0621-EF98-5EF1-BC40-88807D45097F}"/>
+              </a:ext>
+            </a:extLst>
+          </p:cNvPr>
+          <p:cNvSpPr>
+            <a:spLocks noGrp="1"/>
+          </p:cNvSpPr>
+          <p:nvPr>
+            <p:ph idx="1"/>
+          </p:nvPr>
+        </p:nvSpPr>
+        <p:spPr>
+          <a:xfrm>
+            <a:off x="3594539" y="1072053"/>
+            <a:ext cx="8145516" cy="5548590"/>
+          </a:xfrm>
+        </p:spPr>
+        <p:txBody>
+          <a:bodyPr/>
+          <a:lstStyle/>
+          <a:p>
+            <a:r>
+              <a:rPr lang="es-ES_tradnl" dirty="0"/>
+              <a:t>Muestra el </a:t>
+            </a:r>
+            <a:r>
+              <a:rPr lang="es-ES_tradnl" i="1" dirty="0" err="1"/>
+              <a:t>fragment</a:t>
+            </a:r>
+            <a:r>
+              <a:rPr lang="es-ES_tradnl" dirty="0"/>
+              <a:t> de Confirmar Bloque.</a:t>
+            </a:r>
+          </a:p>
+          <a:p>
+            <a:r>
+              <a:rPr lang="es-ES_tradnl" dirty="0"/>
+              <a:t>Confirma el Bloque de Inventario.</a:t>
+            </a:r>
+          </a:p>
+          <a:p>
+            <a:r>
+              <a:rPr lang="es-ES_tradnl" dirty="0"/>
+              <a:t>Si ya lo confirmo, continua con el siguiente </a:t>
+            </a:r>
+            <a:r>
+              <a:rPr lang="es-ES_tradnl" i="1" dirty="0" err="1"/>
+              <a:t>fragment</a:t>
+            </a:r>
+            <a:r>
+              <a:rPr lang="es-ES_tradnl" dirty="0"/>
+              <a:t>.</a:t>
+            </a:r>
+          </a:p>
+        </p:txBody>
+      </p:sp>
+      <p:pic>
+        <p:nvPicPr>
+          <p:cNvPr id="5" name="Picture 4">
+            <a:extLst>
+              <a:ext uri="{FF2B5EF4-FFF2-40B4-BE49-F238E27FC236}">
+                <a16:creationId xmlns:a16="http://schemas.microsoft.com/office/drawing/2014/main" id="{9CD49418-BFE0-CAB0-01DE-805EC6299D7A}"/>
+              </a:ext>
+            </a:extLst>
+          </p:cNvPr>
+          <p:cNvPicPr>
+            <a:picLocks noChangeAspect="1"/>
+          </p:cNvPicPr>
+          <p:nvPr/>
+        </p:nvPicPr>
+        <p:blipFill>
+          <a:blip r:embed="rId2"/>
+          <a:srcRect/>
+          <a:stretch/>
+        </p:blipFill>
+        <p:spPr>
+          <a:xfrm>
+            <a:off x="635309" y="1072055"/>
+            <a:ext cx="2699314" cy="5548589"/>
+          </a:xfrm>
+          <a:prstGeom prst="rect">
+            <a:avLst/>
+          </a:prstGeom>
+        </p:spPr>
+      </p:pic>
+    </p:spTree>
+    <p:extLst>
+      <p:ext uri="{BB962C8B-B14F-4D97-AF65-F5344CB8AC3E}">
+        <p14:creationId xmlns:p14="http://schemas.microsoft.com/office/powerpoint/2010/main" val="3792849837"/>
+      </p:ext>
+    </p:extLst>
+  </p:cSld>
+  <p:clrMapOvr>
+    <a:masterClrMapping/>
+  </p:clrMapOvr>
+</p:sld>
+</file>
+
+<file path=ppt/slides/slide20.xml><?xml version="1.0" encoding="utf-8"?>
 <p:sld xmlns:a="http://schemas.openxmlformats.org/drawingml/2006/main" xmlns:r="http://schemas.openxmlformats.org/officeDocument/2006/relationships" xmlns:p="http://schemas.openxmlformats.org/presentationml/2006/main">
   <p:cSld>
     <p:spTree>
@@ -6453,169 +6825,6 @@
 </p:sld>
 </file>
 
-<file path=ppt/slides/slide2.xml><?xml version="1.0" encoding="utf-8"?>
-<p:sld xmlns:a="http://schemas.openxmlformats.org/drawingml/2006/main" xmlns:r="http://schemas.openxmlformats.org/officeDocument/2006/relationships" xmlns:p="http://schemas.openxmlformats.org/presentationml/2006/main">
-  <p:cSld>
-    <p:spTree>
-      <p:nvGrpSpPr>
-        <p:cNvPr id="1" name="">
-          <a:extLst>
-            <a:ext uri="{FF2B5EF4-FFF2-40B4-BE49-F238E27FC236}">
-              <a16:creationId xmlns:a16="http://schemas.microsoft.com/office/drawing/2014/main" id="{63FF43EC-25F1-94CF-004E-9942C164DA5B}"/>
-            </a:ext>
-          </a:extLst>
-        </p:cNvPr>
-        <p:cNvGrpSpPr/>
-        <p:nvPr/>
-      </p:nvGrpSpPr>
-      <p:grpSpPr>
-        <a:xfrm>
-          <a:off x="0" y="0"/>
-          <a:ext cx="0" cy="0"/>
-          <a:chOff x="0" y="0"/>
-          <a:chExt cx="0" cy="0"/>
-        </a:xfrm>
-      </p:grpSpPr>
-      <p:sp>
-        <p:nvSpPr>
-          <p:cNvPr id="2" name="Title 1">
-            <a:extLst>
-              <a:ext uri="{FF2B5EF4-FFF2-40B4-BE49-F238E27FC236}">
-                <a16:creationId xmlns:a16="http://schemas.microsoft.com/office/drawing/2014/main" id="{03FB040C-8D05-0FE4-227E-91FCA6FF1F45}"/>
-              </a:ext>
-            </a:extLst>
-          </p:cNvPr>
-          <p:cNvSpPr>
-            <a:spLocks noGrp="1"/>
-          </p:cNvSpPr>
-          <p:nvPr>
-            <p:ph type="title"/>
-          </p:nvPr>
-        </p:nvSpPr>
-        <p:spPr>
-          <a:xfrm>
-            <a:off x="249623" y="123388"/>
-            <a:ext cx="10515600" cy="791013"/>
-          </a:xfrm>
-        </p:spPr>
-        <p:txBody>
-          <a:bodyPr/>
-          <a:lstStyle/>
-          <a:p>
-            <a:r>
-              <a:rPr lang="es-ES_tradnl" dirty="0"/>
-              <a:t>Surtido, </a:t>
-            </a:r>
-            <a:r>
-              <a:rPr lang="es-ES_tradnl" sz="3200" dirty="0"/>
-              <a:t>Valida Bloque Inventario</a:t>
-            </a:r>
-          </a:p>
-        </p:txBody>
-      </p:sp>
-      <p:sp>
-        <p:nvSpPr>
-          <p:cNvPr id="3" name="Content Placeholder 2">
-            <a:extLst>
-              <a:ext uri="{FF2B5EF4-FFF2-40B4-BE49-F238E27FC236}">
-                <a16:creationId xmlns:a16="http://schemas.microsoft.com/office/drawing/2014/main" id="{335B0621-EF98-5EF1-BC40-88807D45097F}"/>
-              </a:ext>
-            </a:extLst>
-          </p:cNvPr>
-          <p:cNvSpPr>
-            <a:spLocks noGrp="1"/>
-          </p:cNvSpPr>
-          <p:nvPr>
-            <p:ph idx="1"/>
-          </p:nvPr>
-        </p:nvSpPr>
-        <p:spPr>
-          <a:xfrm>
-            <a:off x="3594539" y="1072053"/>
-            <a:ext cx="8145516" cy="5548590"/>
-          </a:xfrm>
-        </p:spPr>
-        <p:txBody>
-          <a:bodyPr/>
-          <a:lstStyle/>
-          <a:p>
-            <a:r>
-              <a:rPr lang="es-ES_tradnl" dirty="0"/>
-              <a:t>Muestra el </a:t>
-            </a:r>
-            <a:r>
-              <a:rPr lang="es-ES_tradnl" i="1" dirty="0" err="1"/>
-              <a:t>fragment</a:t>
-            </a:r>
-            <a:r>
-              <a:rPr lang="es-ES_tradnl" dirty="0"/>
-              <a:t> de Confirmar Bloque.</a:t>
-            </a:r>
-          </a:p>
-          <a:p>
-            <a:r>
-              <a:rPr lang="es-ES_tradnl" dirty="0"/>
-              <a:t>Confirma el Bloque de Inventario.</a:t>
-            </a:r>
-          </a:p>
-          <a:p>
-            <a:r>
-              <a:rPr lang="es-ES_tradnl" dirty="0"/>
-              <a:t>Si ya lo confirmo, continua con el siguiente </a:t>
-            </a:r>
-            <a:r>
-              <a:rPr lang="es-ES_tradnl" i="1" dirty="0" err="1"/>
-              <a:t>fragment</a:t>
-            </a:r>
-            <a:r>
-              <a:rPr lang="es-ES_tradnl" dirty="0"/>
-              <a:t>.</a:t>
-            </a:r>
-          </a:p>
-        </p:txBody>
-      </p:sp>
-      <p:pic>
-        <p:nvPicPr>
-          <p:cNvPr id="5" name="Picture 4">
-            <a:extLst>
-              <a:ext uri="{FF2B5EF4-FFF2-40B4-BE49-F238E27FC236}">
-                <a16:creationId xmlns:a16="http://schemas.microsoft.com/office/drawing/2014/main" id="{9CD49418-BFE0-CAB0-01DE-805EC6299D7A}"/>
-              </a:ext>
-            </a:extLst>
-          </p:cNvPr>
-          <p:cNvPicPr>
-            <a:picLocks noChangeAspect="1"/>
-          </p:cNvPicPr>
-          <p:nvPr/>
-        </p:nvPicPr>
-        <p:blipFill>
-          <a:blip r:embed="rId2"/>
-          <a:srcRect/>
-          <a:stretch/>
-        </p:blipFill>
-        <p:spPr>
-          <a:xfrm>
-            <a:off x="635309" y="1072055"/>
-            <a:ext cx="2699314" cy="5548589"/>
-          </a:xfrm>
-          <a:prstGeom prst="rect">
-            <a:avLst/>
-          </a:prstGeom>
-        </p:spPr>
-      </p:pic>
-    </p:spTree>
-    <p:extLst>
-      <p:ext uri="{BB962C8B-B14F-4D97-AF65-F5344CB8AC3E}">
-        <p14:creationId xmlns:p14="http://schemas.microsoft.com/office/powerpoint/2010/main" val="3792849837"/>
-      </p:ext>
-    </p:extLst>
-  </p:cSld>
-  <p:clrMapOvr>
-    <a:masterClrMapping/>
-  </p:clrMapOvr>
-</p:sld>
-</file>
-
 <file path=ppt/slides/slide3.xml><?xml version="1.0" encoding="utf-8"?>
 <p:sld xmlns:a="http://schemas.openxmlformats.org/drawingml/2006/main" xmlns:r="http://schemas.openxmlformats.org/officeDocument/2006/relationships" xmlns:p="http://schemas.openxmlformats.org/presentationml/2006/main">
   <p:cSld>
